--- a/SOUTENANCE/Modélisations Mathématiques.pptx
+++ b/SOUTENANCE/Modélisations Mathématiques.pptx
@@ -10,9 +10,9 @@
   <p:sldIdLst>
     <p:sldId id="256" r:id="rId2"/>
     <p:sldId id="278" r:id="rId3"/>
-    <p:sldId id="276" r:id="rId4"/>
-    <p:sldId id="258" r:id="rId5"/>
-    <p:sldId id="267" r:id="rId6"/>
+    <p:sldId id="258" r:id="rId4"/>
+    <p:sldId id="267" r:id="rId5"/>
+    <p:sldId id="276" r:id="rId6"/>
     <p:sldId id="275" r:id="rId7"/>
     <p:sldId id="271" r:id="rId8"/>
     <p:sldId id="260" r:id="rId9"/>
@@ -6867,62 +6867,6 @@
     <dgm:pt modelId="{7FB0DD14-595B-4E19-ADBE-0F7EE5B082D8}" type="doc">
       <dgm:prSet loTypeId="urn:microsoft.com/office/officeart/2005/8/layout/chevron1" loCatId="process" qsTypeId="urn:microsoft.com/office/officeart/2005/8/quickstyle/simple1" qsCatId="simple" csTypeId="urn:microsoft.com/office/officeart/2005/8/colors/accent1_2" csCatId="accent1" phldr="1"/>
       <dgm:spPr/>
-    </dgm:pt>
-    <dgm:pt modelId="{5BC8B99E-5462-49A2-A03C-24AB48BC456E}">
-      <dgm:prSet phldrT="[Texte]">
-        <dgm:style>
-          <a:lnRef idx="0">
-            <a:schemeClr val="accent1"/>
-          </a:lnRef>
-          <a:fillRef idx="3">
-            <a:schemeClr val="accent1"/>
-          </a:fillRef>
-          <a:effectRef idx="3">
-            <a:schemeClr val="accent1"/>
-          </a:effectRef>
-          <a:fontRef idx="minor">
-            <a:schemeClr val="lt1"/>
-          </a:fontRef>
-        </dgm:style>
-      </dgm:prSet>
-      <dgm:spPr>
-        <a:ln/>
-      </dgm:spPr>
-      <dgm:t>
-        <a:bodyPr/>
-        <a:lstStyle/>
-        <a:p>
-          <a:r>
-            <a:rPr lang="fr-FR" dirty="0" smtClean="0"/>
-            <a:t>Introduction</a:t>
-          </a:r>
-        </a:p>
-        <a:p>
-          <a:endParaRPr lang="fr-FR" dirty="0"/>
-        </a:p>
-      </dgm:t>
-    </dgm:pt>
-    <dgm:pt modelId="{1092C367-0432-444F-9F53-B1428AA8D0F6}" type="parTrans" cxnId="{54D90382-7189-4EE4-9DFB-9D2873C61282}">
-      <dgm:prSet/>
-      <dgm:spPr/>
-      <dgm:t>
-        <a:bodyPr/>
-        <a:lstStyle/>
-        <a:p>
-          <a:endParaRPr lang="fr-FR"/>
-        </a:p>
-      </dgm:t>
-    </dgm:pt>
-    <dgm:pt modelId="{A39C3149-A461-49E6-B05A-95299AB1C57D}" type="sibTrans" cxnId="{54D90382-7189-4EE4-9DFB-9D2873C61282}">
-      <dgm:prSet/>
-      <dgm:spPr/>
-      <dgm:t>
-        <a:bodyPr/>
-        <a:lstStyle/>
-        <a:p>
-          <a:endParaRPr lang="fr-FR"/>
-        </a:p>
-      </dgm:t>
     </dgm:pt>
     <dgm:pt modelId="{0D50FE57-3871-47C9-91F2-FC9AEC2898B6}">
       <dgm:prSet phldrT="[Texte]">
@@ -7302,6 +7246,60 @@
         </a:p>
       </dgm:t>
     </dgm:pt>
+    <dgm:pt modelId="{B1F5A788-E4DD-44B5-8AAF-E8755AFC0F1D}">
+      <dgm:prSet phldrT="[Texte]">
+        <dgm:style>
+          <a:lnRef idx="0">
+            <a:schemeClr val="accent1"/>
+          </a:lnRef>
+          <a:fillRef idx="3">
+            <a:schemeClr val="accent1"/>
+          </a:fillRef>
+          <a:effectRef idx="3">
+            <a:schemeClr val="accent1"/>
+          </a:effectRef>
+          <a:fontRef idx="minor">
+            <a:schemeClr val="lt1"/>
+          </a:fontRef>
+        </dgm:style>
+      </dgm:prSet>
+      <dgm:spPr>
+        <a:ln/>
+      </dgm:spPr>
+      <dgm:t>
+        <a:bodyPr/>
+        <a:lstStyle/>
+        <a:p>
+          <a:r>
+            <a:rPr lang="fr-FR" dirty="0" smtClean="0"/>
+            <a:t>Introduction</a:t>
+          </a:r>
+          <a:endParaRPr lang="fr-FR" dirty="0"/>
+        </a:p>
+      </dgm:t>
+    </dgm:pt>
+    <dgm:pt modelId="{DAB92A95-4222-48FC-AC67-8B8F8BB49463}" type="parTrans" cxnId="{7A46DD6A-0BAA-4898-933A-F7FBB16A1F92}">
+      <dgm:prSet/>
+      <dgm:spPr/>
+      <dgm:t>
+        <a:bodyPr/>
+        <a:lstStyle/>
+        <a:p>
+          <a:endParaRPr lang="fr-FR"/>
+        </a:p>
+      </dgm:t>
+    </dgm:pt>
+    <dgm:pt modelId="{1C8FAC4E-6B67-4CFA-A4FF-F62DF65E4AD5}" type="sibTrans" cxnId="{7A46DD6A-0BAA-4898-933A-F7FBB16A1F92}">
+      <dgm:prSet/>
+      <dgm:spPr/>
+      <dgm:t>
+        <a:bodyPr/>
+        <a:lstStyle/>
+        <a:p>
+          <a:endParaRPr lang="fr-FR"/>
+        </a:p>
+      </dgm:t>
+    </dgm:pt>
     <dgm:pt modelId="{E705A0BF-53A3-4705-8EC7-8B330F477F3D}" type="pres">
       <dgm:prSet presAssocID="{7FB0DD14-595B-4E19-ADBE-0F7EE5B082D8}" presName="Name0" presStyleCnt="0">
         <dgm:presLayoutVars>
@@ -7312,8 +7310,8 @@
       </dgm:prSet>
       <dgm:spPr/>
     </dgm:pt>
-    <dgm:pt modelId="{6946C9EC-A73E-45A6-A8B3-835A416D7240}" type="pres">
-      <dgm:prSet presAssocID="{5BC8B99E-5462-49A2-A03C-24AB48BC456E}" presName="parTxOnly" presStyleLbl="node1" presStyleIdx="0" presStyleCnt="7">
+    <dgm:pt modelId="{DDE7BBCF-0114-4EAF-97EB-7B1F6D5BF394}" type="pres">
+      <dgm:prSet presAssocID="{B1F5A788-E4DD-44B5-8AAF-E8755AFC0F1D}" presName="parTxOnly" presStyleLbl="node1" presStyleIdx="0" presStyleCnt="7">
         <dgm:presLayoutVars>
           <dgm:chMax val="0"/>
           <dgm:chPref val="0"/>
@@ -7329,8 +7327,8 @@
         </a:p>
       </dgm:t>
     </dgm:pt>
-    <dgm:pt modelId="{E5D22FC7-1BCE-42F9-8053-A514C658AE7A}" type="pres">
-      <dgm:prSet presAssocID="{A39C3149-A461-49E6-B05A-95299AB1C57D}" presName="parTxOnlySpace" presStyleCnt="0"/>
+    <dgm:pt modelId="{3AF84886-0769-4EDC-B8CD-0249AB03C320}" type="pres">
+      <dgm:prSet presAssocID="{1C8FAC4E-6B67-4CFA-A4FF-F62DF65E4AD5}" presName="parTxOnlySpace" presStyleCnt="0"/>
       <dgm:spPr/>
     </dgm:pt>
     <dgm:pt modelId="{1CDE8902-EAE1-4633-9A12-AA6C6036B1E6}" type="pres">
@@ -7342,6 +7340,13 @@
         </dgm:presLayoutVars>
       </dgm:prSet>
       <dgm:spPr/>
+      <dgm:t>
+        <a:bodyPr/>
+        <a:lstStyle/>
+        <a:p>
+          <a:endParaRPr lang="fr-FR"/>
+        </a:p>
+      </dgm:t>
     </dgm:pt>
     <dgm:pt modelId="{F483769F-1EE1-4C51-BB75-304463DC308B}" type="pres">
       <dgm:prSet presAssocID="{7CF65164-B9E3-49A8-AB4C-D95E889F3F46}" presName="parTxOnlySpace" presStyleCnt="0"/>
@@ -7440,37 +7445,44 @@
         </dgm:presLayoutVars>
       </dgm:prSet>
       <dgm:spPr/>
+      <dgm:t>
+        <a:bodyPr/>
+        <a:lstStyle/>
+        <a:p>
+          <a:endParaRPr lang="fr-FR"/>
+        </a:p>
+      </dgm:t>
     </dgm:pt>
   </dgm:ptLst>
   <dgm:cxnLst>
+    <dgm:cxn modelId="{7A46DD6A-0BAA-4898-933A-F7FBB16A1F92}" srcId="{7FB0DD14-595B-4E19-ADBE-0F7EE5B082D8}" destId="{B1F5A788-E4DD-44B5-8AAF-E8755AFC0F1D}" srcOrd="0" destOrd="0" parTransId="{DAB92A95-4222-48FC-AC67-8B8F8BB49463}" sibTransId="{1C8FAC4E-6B67-4CFA-A4FF-F62DF65E4AD5}"/>
+    <dgm:cxn modelId="{E9F9D6DD-1925-4021-819F-D843B7B72CBA}" type="presOf" srcId="{B1F5A788-E4DD-44B5-8AAF-E8755AFC0F1D}" destId="{DDE7BBCF-0114-4EAF-97EB-7B1F6D5BF394}" srcOrd="0" destOrd="0" presId="urn:microsoft.com/office/officeart/2005/8/layout/chevron1"/>
     <dgm:cxn modelId="{A50474F7-E3C6-4F02-A8B4-0EB2BFA2C137}" srcId="{7FB0DD14-595B-4E19-ADBE-0F7EE5B082D8}" destId="{B42D296B-1B1D-4696-ADBE-D1380A94AD2E}" srcOrd="3" destOrd="0" parTransId="{DA5B4B1B-3D9B-4E56-8245-77ED5977C157}" sibTransId="{651207D0-38E5-4EA1-811F-155DCD122464}"/>
-    <dgm:cxn modelId="{CE6C18ED-851D-474E-9E7C-531A08D0A870}" type="presOf" srcId="{7FB0DD14-595B-4E19-ADBE-0F7EE5B082D8}" destId="{E705A0BF-53A3-4705-8EC7-8B330F477F3D}" srcOrd="0" destOrd="0" presId="urn:microsoft.com/office/officeart/2005/8/layout/chevron1"/>
+    <dgm:cxn modelId="{FC3560ED-D318-488A-9E2F-12AEE3208049}" type="presOf" srcId="{0D50FE57-3871-47C9-91F2-FC9AEC2898B6}" destId="{7683EB31-29B2-4622-87F7-53F752C057FF}" srcOrd="0" destOrd="0" presId="urn:microsoft.com/office/officeart/2005/8/layout/chevron1"/>
     <dgm:cxn modelId="{35A9685B-226C-411A-BF7E-B3AD6EDE749C}" srcId="{7FB0DD14-595B-4E19-ADBE-0F7EE5B082D8}" destId="{D8FE1F33-9D60-4B12-AF5C-6F5E6641DAAA}" srcOrd="2" destOrd="0" parTransId="{F2B1FB01-F637-4642-8C09-981A0D47BB09}" sibTransId="{377BDBFC-514A-41E2-8138-AE8B3D410EEB}"/>
     <dgm:cxn modelId="{391EE9FF-C7D8-4664-A77A-A709525460A5}" srcId="{7FB0DD14-595B-4E19-ADBE-0F7EE5B082D8}" destId="{B311DFB7-B845-434F-8D77-3FC0BD08DC7F}" srcOrd="5" destOrd="0" parTransId="{57172167-7A38-4CEB-A51A-23777FF04B48}" sibTransId="{B7851186-24D5-4582-B604-90DF058E1F47}"/>
-    <dgm:cxn modelId="{98D6862A-3A23-4129-B418-8C3FC503BA6E}" type="presOf" srcId="{5BC8B99E-5462-49A2-A03C-24AB48BC456E}" destId="{6946C9EC-A73E-45A6-A8B3-835A416D7240}" srcOrd="0" destOrd="0" presId="urn:microsoft.com/office/officeart/2005/8/layout/chevron1"/>
-    <dgm:cxn modelId="{D8B7E388-BEC6-4E02-A63C-444F7394F041}" type="presOf" srcId="{B311DFB7-B845-434F-8D77-3FC0BD08DC7F}" destId="{FBB2542C-499A-4E5D-B179-5389E562ACE6}" srcOrd="0" destOrd="0" presId="urn:microsoft.com/office/officeart/2005/8/layout/chevron1"/>
-    <dgm:cxn modelId="{54D90382-7189-4EE4-9DFB-9D2873C61282}" srcId="{7FB0DD14-595B-4E19-ADBE-0F7EE5B082D8}" destId="{5BC8B99E-5462-49A2-A03C-24AB48BC456E}" srcOrd="0" destOrd="0" parTransId="{1092C367-0432-444F-9F53-B1428AA8D0F6}" sibTransId="{A39C3149-A461-49E6-B05A-95299AB1C57D}"/>
-    <dgm:cxn modelId="{F7B5467E-073D-439C-A704-BEED73D11424}" type="presOf" srcId="{B42D296B-1B1D-4696-ADBE-D1380A94AD2E}" destId="{11D68FBA-00DF-4890-A532-D4283C1129ED}" srcOrd="0" destOrd="0" presId="urn:microsoft.com/office/officeart/2005/8/layout/chevron1"/>
-    <dgm:cxn modelId="{FB9A137B-506C-4EAF-8922-C72AE0FB6E59}" type="presOf" srcId="{6D25C8EF-83C7-4A95-A977-B26A30C3D7D8}" destId="{1CDE8902-EAE1-4633-9A12-AA6C6036B1E6}" srcOrd="0" destOrd="0" presId="urn:microsoft.com/office/officeart/2005/8/layout/chevron1"/>
-    <dgm:cxn modelId="{476EBE3D-73E2-452B-A5EE-0E24FF22A3BE}" type="presOf" srcId="{0D50FE57-3871-47C9-91F2-FC9AEC2898B6}" destId="{7683EB31-29B2-4622-87F7-53F752C057FF}" srcOrd="0" destOrd="0" presId="urn:microsoft.com/office/officeart/2005/8/layout/chevron1"/>
-    <dgm:cxn modelId="{8F6C086F-C21A-45BB-AA98-6703DC03D2A4}" type="presOf" srcId="{DD0D8DD9-4191-4FC1-A26D-449BF9D9A786}" destId="{6C143154-07D3-4E59-82E8-19A05DCBA13F}" srcOrd="0" destOrd="0" presId="urn:microsoft.com/office/officeart/2005/8/layout/chevron1"/>
-    <dgm:cxn modelId="{A7C3C2FA-FD4F-4F01-8515-E0FDC3C8B3F1}" type="presOf" srcId="{D8FE1F33-9D60-4B12-AF5C-6F5E6641DAAA}" destId="{E5F67A2B-BC5E-45CA-A54C-64F38F7542AA}" srcOrd="0" destOrd="0" presId="urn:microsoft.com/office/officeart/2005/8/layout/chevron1"/>
+    <dgm:cxn modelId="{235E517A-9475-4B34-AF47-B50F78EC54DE}" type="presOf" srcId="{B311DFB7-B845-434F-8D77-3FC0BD08DC7F}" destId="{FBB2542C-499A-4E5D-B179-5389E562ACE6}" srcOrd="0" destOrd="0" presId="urn:microsoft.com/office/officeart/2005/8/layout/chevron1"/>
+    <dgm:cxn modelId="{8F5ECA9B-A990-447D-BBC3-8E8A33A4AC2D}" type="presOf" srcId="{B42D296B-1B1D-4696-ADBE-D1380A94AD2E}" destId="{11D68FBA-00DF-4890-A532-D4283C1129ED}" srcOrd="0" destOrd="0" presId="urn:microsoft.com/office/officeart/2005/8/layout/chevron1"/>
+    <dgm:cxn modelId="{23762C7F-2E56-4626-8F73-01447AB651A8}" type="presOf" srcId="{D8FE1F33-9D60-4B12-AF5C-6F5E6641DAAA}" destId="{E5F67A2B-BC5E-45CA-A54C-64F38F7542AA}" srcOrd="0" destOrd="0" presId="urn:microsoft.com/office/officeart/2005/8/layout/chevron1"/>
+    <dgm:cxn modelId="{93B9FDC1-5296-4F19-A795-1FFD78E05B95}" type="presOf" srcId="{7FB0DD14-595B-4E19-ADBE-0F7EE5B082D8}" destId="{E705A0BF-53A3-4705-8EC7-8B330F477F3D}" srcOrd="0" destOrd="0" presId="urn:microsoft.com/office/officeart/2005/8/layout/chevron1"/>
+    <dgm:cxn modelId="{96C62D34-6A07-4E0C-B051-EA252438EE74}" type="presOf" srcId="{6D25C8EF-83C7-4A95-A977-B26A30C3D7D8}" destId="{1CDE8902-EAE1-4633-9A12-AA6C6036B1E6}" srcOrd="0" destOrd="0" presId="urn:microsoft.com/office/officeart/2005/8/layout/chevron1"/>
+    <dgm:cxn modelId="{44E81627-C521-4E24-BE64-A214B74119A0}" type="presOf" srcId="{DD0D8DD9-4191-4FC1-A26D-449BF9D9A786}" destId="{6C143154-07D3-4E59-82E8-19A05DCBA13F}" srcOrd="0" destOrd="0" presId="urn:microsoft.com/office/officeart/2005/8/layout/chevron1"/>
     <dgm:cxn modelId="{4369BD3D-6EF5-477A-9E34-F567F46088EA}" srcId="{7FB0DD14-595B-4E19-ADBE-0F7EE5B082D8}" destId="{0D50FE57-3871-47C9-91F2-FC9AEC2898B6}" srcOrd="4" destOrd="0" parTransId="{5D936467-EE85-44DD-BCF0-56C41D0DB073}" sibTransId="{FA372B7B-0BC5-413E-AE87-E564CFA65B66}"/>
     <dgm:cxn modelId="{5D1893A6-26EF-4DA3-9B99-3FEDF647C7BE}" srcId="{7FB0DD14-595B-4E19-ADBE-0F7EE5B082D8}" destId="{6D25C8EF-83C7-4A95-A977-B26A30C3D7D8}" srcOrd="1" destOrd="0" parTransId="{94EA6F62-F59C-4A25-ABA6-69069EBB765F}" sibTransId="{7CF65164-B9E3-49A8-AB4C-D95E889F3F46}"/>
     <dgm:cxn modelId="{0271FF49-CDAE-4EEA-B19C-7E5BB413FBC0}" srcId="{7FB0DD14-595B-4E19-ADBE-0F7EE5B082D8}" destId="{DD0D8DD9-4191-4FC1-A26D-449BF9D9A786}" srcOrd="6" destOrd="0" parTransId="{F17C0891-744B-4545-AA8F-F02750446AA8}" sibTransId="{C0EB1B55-6E14-4503-9521-5CAE0B853396}"/>
-    <dgm:cxn modelId="{9708F595-4158-403C-8B73-BF80C48762F4}" type="presParOf" srcId="{E705A0BF-53A3-4705-8EC7-8B330F477F3D}" destId="{6946C9EC-A73E-45A6-A8B3-835A416D7240}" srcOrd="0" destOrd="0" presId="urn:microsoft.com/office/officeart/2005/8/layout/chevron1"/>
-    <dgm:cxn modelId="{B2F1373E-3A8B-42D2-B0F6-DC75692E6A38}" type="presParOf" srcId="{E705A0BF-53A3-4705-8EC7-8B330F477F3D}" destId="{E5D22FC7-1BCE-42F9-8053-A514C658AE7A}" srcOrd="1" destOrd="0" presId="urn:microsoft.com/office/officeart/2005/8/layout/chevron1"/>
-    <dgm:cxn modelId="{89215CCA-8C4E-4212-AFB8-56D0B97BA9F0}" type="presParOf" srcId="{E705A0BF-53A3-4705-8EC7-8B330F477F3D}" destId="{1CDE8902-EAE1-4633-9A12-AA6C6036B1E6}" srcOrd="2" destOrd="0" presId="urn:microsoft.com/office/officeart/2005/8/layout/chevron1"/>
-    <dgm:cxn modelId="{46BA75C0-70CB-43C2-B35C-D6FD9547316D}" type="presParOf" srcId="{E705A0BF-53A3-4705-8EC7-8B330F477F3D}" destId="{F483769F-1EE1-4C51-BB75-304463DC308B}" srcOrd="3" destOrd="0" presId="urn:microsoft.com/office/officeart/2005/8/layout/chevron1"/>
-    <dgm:cxn modelId="{B701E888-638D-4C21-BA87-91C4148E7E8D}" type="presParOf" srcId="{E705A0BF-53A3-4705-8EC7-8B330F477F3D}" destId="{E5F67A2B-BC5E-45CA-A54C-64F38F7542AA}" srcOrd="4" destOrd="0" presId="urn:microsoft.com/office/officeart/2005/8/layout/chevron1"/>
-    <dgm:cxn modelId="{015ED02D-D7A0-417C-B42E-22A0572F0AF1}" type="presParOf" srcId="{E705A0BF-53A3-4705-8EC7-8B330F477F3D}" destId="{97FA42B3-8445-4A99-B73D-A43DAE4A71E8}" srcOrd="5" destOrd="0" presId="urn:microsoft.com/office/officeart/2005/8/layout/chevron1"/>
-    <dgm:cxn modelId="{31B23427-7592-400A-9416-6DA817D9F8BF}" type="presParOf" srcId="{E705A0BF-53A3-4705-8EC7-8B330F477F3D}" destId="{11D68FBA-00DF-4890-A532-D4283C1129ED}" srcOrd="6" destOrd="0" presId="urn:microsoft.com/office/officeart/2005/8/layout/chevron1"/>
-    <dgm:cxn modelId="{87C61C3E-A31E-46A1-A67C-416637C2703F}" type="presParOf" srcId="{E705A0BF-53A3-4705-8EC7-8B330F477F3D}" destId="{80CA387A-8BA5-4B85-8322-BE8F917A3EEA}" srcOrd="7" destOrd="0" presId="urn:microsoft.com/office/officeart/2005/8/layout/chevron1"/>
-    <dgm:cxn modelId="{B80261DA-252E-4290-88A6-FFE29F4B5FB0}" type="presParOf" srcId="{E705A0BF-53A3-4705-8EC7-8B330F477F3D}" destId="{7683EB31-29B2-4622-87F7-53F752C057FF}" srcOrd="8" destOrd="0" presId="urn:microsoft.com/office/officeart/2005/8/layout/chevron1"/>
-    <dgm:cxn modelId="{5D02E3F4-ADF2-40B1-A4BD-56858DD9BAF4}" type="presParOf" srcId="{E705A0BF-53A3-4705-8EC7-8B330F477F3D}" destId="{DE556C8E-BA87-4D54-AF88-E51C420D3F7F}" srcOrd="9" destOrd="0" presId="urn:microsoft.com/office/officeart/2005/8/layout/chevron1"/>
-    <dgm:cxn modelId="{90696EFF-F907-475A-B47F-5DC4E6985CFA}" type="presParOf" srcId="{E705A0BF-53A3-4705-8EC7-8B330F477F3D}" destId="{FBB2542C-499A-4E5D-B179-5389E562ACE6}" srcOrd="10" destOrd="0" presId="urn:microsoft.com/office/officeart/2005/8/layout/chevron1"/>
-    <dgm:cxn modelId="{00FEC2AB-BBE4-4F70-878C-14696184FAB5}" type="presParOf" srcId="{E705A0BF-53A3-4705-8EC7-8B330F477F3D}" destId="{F69AC311-4504-466A-A620-D7FF45317525}" srcOrd="11" destOrd="0" presId="urn:microsoft.com/office/officeart/2005/8/layout/chevron1"/>
-    <dgm:cxn modelId="{7902473C-4910-48EF-AC88-7B87D9EA6F4B}" type="presParOf" srcId="{E705A0BF-53A3-4705-8EC7-8B330F477F3D}" destId="{6C143154-07D3-4E59-82E8-19A05DCBA13F}" srcOrd="12" destOrd="0" presId="urn:microsoft.com/office/officeart/2005/8/layout/chevron1"/>
+    <dgm:cxn modelId="{0A44EFDB-CCAF-46E5-A873-9BE0BBC05F23}" type="presParOf" srcId="{E705A0BF-53A3-4705-8EC7-8B330F477F3D}" destId="{DDE7BBCF-0114-4EAF-97EB-7B1F6D5BF394}" srcOrd="0" destOrd="0" presId="urn:microsoft.com/office/officeart/2005/8/layout/chevron1"/>
+    <dgm:cxn modelId="{830EF358-D570-40E6-9C83-EF2EC06509D1}" type="presParOf" srcId="{E705A0BF-53A3-4705-8EC7-8B330F477F3D}" destId="{3AF84886-0769-4EDC-B8CD-0249AB03C320}" srcOrd="1" destOrd="0" presId="urn:microsoft.com/office/officeart/2005/8/layout/chevron1"/>
+    <dgm:cxn modelId="{8FF64A5B-50D4-4E06-A66E-D472F511787C}" type="presParOf" srcId="{E705A0BF-53A3-4705-8EC7-8B330F477F3D}" destId="{1CDE8902-EAE1-4633-9A12-AA6C6036B1E6}" srcOrd="2" destOrd="0" presId="urn:microsoft.com/office/officeart/2005/8/layout/chevron1"/>
+    <dgm:cxn modelId="{77405035-D8A4-436D-A834-9D15CB0AB75A}" type="presParOf" srcId="{E705A0BF-53A3-4705-8EC7-8B330F477F3D}" destId="{F483769F-1EE1-4C51-BB75-304463DC308B}" srcOrd="3" destOrd="0" presId="urn:microsoft.com/office/officeart/2005/8/layout/chevron1"/>
+    <dgm:cxn modelId="{1E970371-DA8A-439A-AA06-B1CBA7C3A372}" type="presParOf" srcId="{E705A0BF-53A3-4705-8EC7-8B330F477F3D}" destId="{E5F67A2B-BC5E-45CA-A54C-64F38F7542AA}" srcOrd="4" destOrd="0" presId="urn:microsoft.com/office/officeart/2005/8/layout/chevron1"/>
+    <dgm:cxn modelId="{BD4F4B9B-DC5C-4B41-9E61-2AF9EEFC53EB}" type="presParOf" srcId="{E705A0BF-53A3-4705-8EC7-8B330F477F3D}" destId="{97FA42B3-8445-4A99-B73D-A43DAE4A71E8}" srcOrd="5" destOrd="0" presId="urn:microsoft.com/office/officeart/2005/8/layout/chevron1"/>
+    <dgm:cxn modelId="{844CC151-E6E7-4FC8-A07B-FBD9662BE7C0}" type="presParOf" srcId="{E705A0BF-53A3-4705-8EC7-8B330F477F3D}" destId="{11D68FBA-00DF-4890-A532-D4283C1129ED}" srcOrd="6" destOrd="0" presId="urn:microsoft.com/office/officeart/2005/8/layout/chevron1"/>
+    <dgm:cxn modelId="{E5544BDD-FAE9-46F9-81BA-CF81311D96F3}" type="presParOf" srcId="{E705A0BF-53A3-4705-8EC7-8B330F477F3D}" destId="{80CA387A-8BA5-4B85-8322-BE8F917A3EEA}" srcOrd="7" destOrd="0" presId="urn:microsoft.com/office/officeart/2005/8/layout/chevron1"/>
+    <dgm:cxn modelId="{D3AEEAD7-6632-4B09-A19D-609E2A77882B}" type="presParOf" srcId="{E705A0BF-53A3-4705-8EC7-8B330F477F3D}" destId="{7683EB31-29B2-4622-87F7-53F752C057FF}" srcOrd="8" destOrd="0" presId="urn:microsoft.com/office/officeart/2005/8/layout/chevron1"/>
+    <dgm:cxn modelId="{9D55192D-414A-4F0D-913D-63AD4344097B}" type="presParOf" srcId="{E705A0BF-53A3-4705-8EC7-8B330F477F3D}" destId="{DE556C8E-BA87-4D54-AF88-E51C420D3F7F}" srcOrd="9" destOrd="0" presId="urn:microsoft.com/office/officeart/2005/8/layout/chevron1"/>
+    <dgm:cxn modelId="{54646CAA-36CC-40D4-961D-B4E4119D4D93}" type="presParOf" srcId="{E705A0BF-53A3-4705-8EC7-8B330F477F3D}" destId="{FBB2542C-499A-4E5D-B179-5389E562ACE6}" srcOrd="10" destOrd="0" presId="urn:microsoft.com/office/officeart/2005/8/layout/chevron1"/>
+    <dgm:cxn modelId="{3574F494-FBB7-427B-A898-B02E5666EDCF}" type="presParOf" srcId="{E705A0BF-53A3-4705-8EC7-8B330F477F3D}" destId="{F69AC311-4504-466A-A620-D7FF45317525}" srcOrd="11" destOrd="0" presId="urn:microsoft.com/office/officeart/2005/8/layout/chevron1"/>
+    <dgm:cxn modelId="{D687C5A9-3653-44D7-9CEE-61F51D04E9F1}" type="presParOf" srcId="{E705A0BF-53A3-4705-8EC7-8B330F477F3D}" destId="{6C143154-07D3-4E59-82E8-19A05DCBA13F}" srcOrd="12" destOrd="0" presId="urn:microsoft.com/office/officeart/2005/8/layout/chevron1"/>
   </dgm:cxnLst>
   <dgm:bg/>
   <dgm:whole/>
@@ -7488,62 +7500,6 @@
     <dgm:pt modelId="{7FB0DD14-595B-4E19-ADBE-0F7EE5B082D8}" type="doc">
       <dgm:prSet loTypeId="urn:microsoft.com/office/officeart/2005/8/layout/chevron1" loCatId="process" qsTypeId="urn:microsoft.com/office/officeart/2005/8/quickstyle/simple1" qsCatId="simple" csTypeId="urn:microsoft.com/office/officeart/2005/8/colors/accent1_2" csCatId="accent1" phldr="1"/>
       <dgm:spPr/>
-    </dgm:pt>
-    <dgm:pt modelId="{5BC8B99E-5462-49A2-A03C-24AB48BC456E}">
-      <dgm:prSet phldrT="[Texte]">
-        <dgm:style>
-          <a:lnRef idx="0">
-            <a:schemeClr val="accent1"/>
-          </a:lnRef>
-          <a:fillRef idx="3">
-            <a:schemeClr val="accent1"/>
-          </a:fillRef>
-          <a:effectRef idx="3">
-            <a:schemeClr val="accent1"/>
-          </a:effectRef>
-          <a:fontRef idx="minor">
-            <a:schemeClr val="lt1"/>
-          </a:fontRef>
-        </dgm:style>
-      </dgm:prSet>
-      <dgm:spPr>
-        <a:ln/>
-      </dgm:spPr>
-      <dgm:t>
-        <a:bodyPr/>
-        <a:lstStyle/>
-        <a:p>
-          <a:r>
-            <a:rPr lang="fr-FR" dirty="0" smtClean="0"/>
-            <a:t>Introduction</a:t>
-          </a:r>
-        </a:p>
-        <a:p>
-          <a:endParaRPr lang="fr-FR" dirty="0"/>
-        </a:p>
-      </dgm:t>
-    </dgm:pt>
-    <dgm:pt modelId="{1092C367-0432-444F-9F53-B1428AA8D0F6}" type="parTrans" cxnId="{54D90382-7189-4EE4-9DFB-9D2873C61282}">
-      <dgm:prSet/>
-      <dgm:spPr/>
-      <dgm:t>
-        <a:bodyPr/>
-        <a:lstStyle/>
-        <a:p>
-          <a:endParaRPr lang="fr-FR"/>
-        </a:p>
-      </dgm:t>
-    </dgm:pt>
-    <dgm:pt modelId="{A39C3149-A461-49E6-B05A-95299AB1C57D}" type="sibTrans" cxnId="{54D90382-7189-4EE4-9DFB-9D2873C61282}">
-      <dgm:prSet/>
-      <dgm:spPr/>
-      <dgm:t>
-        <a:bodyPr/>
-        <a:lstStyle/>
-        <a:p>
-          <a:endParaRPr lang="fr-FR"/>
-        </a:p>
-      </dgm:t>
     </dgm:pt>
     <dgm:pt modelId="{0D50FE57-3871-47C9-91F2-FC9AEC2898B6}">
       <dgm:prSet phldrT="[Texte]">
@@ -7923,6 +7879,60 @@
         </a:p>
       </dgm:t>
     </dgm:pt>
+    <dgm:pt modelId="{B1F5A788-E4DD-44B5-8AAF-E8755AFC0F1D}">
+      <dgm:prSet phldrT="[Texte]">
+        <dgm:style>
+          <a:lnRef idx="0">
+            <a:schemeClr val="accent1"/>
+          </a:lnRef>
+          <a:fillRef idx="3">
+            <a:schemeClr val="accent1"/>
+          </a:fillRef>
+          <a:effectRef idx="3">
+            <a:schemeClr val="accent1"/>
+          </a:effectRef>
+          <a:fontRef idx="minor">
+            <a:schemeClr val="lt1"/>
+          </a:fontRef>
+        </dgm:style>
+      </dgm:prSet>
+      <dgm:spPr>
+        <a:ln/>
+      </dgm:spPr>
+      <dgm:t>
+        <a:bodyPr/>
+        <a:lstStyle/>
+        <a:p>
+          <a:r>
+            <a:rPr lang="fr-FR" dirty="0" smtClean="0"/>
+            <a:t>Introduction</a:t>
+          </a:r>
+          <a:endParaRPr lang="fr-FR" dirty="0"/>
+        </a:p>
+      </dgm:t>
+    </dgm:pt>
+    <dgm:pt modelId="{DAB92A95-4222-48FC-AC67-8B8F8BB49463}" type="parTrans" cxnId="{7A46DD6A-0BAA-4898-933A-F7FBB16A1F92}">
+      <dgm:prSet/>
+      <dgm:spPr/>
+      <dgm:t>
+        <a:bodyPr/>
+        <a:lstStyle/>
+        <a:p>
+          <a:endParaRPr lang="fr-FR"/>
+        </a:p>
+      </dgm:t>
+    </dgm:pt>
+    <dgm:pt modelId="{1C8FAC4E-6B67-4CFA-A4FF-F62DF65E4AD5}" type="sibTrans" cxnId="{7A46DD6A-0BAA-4898-933A-F7FBB16A1F92}">
+      <dgm:prSet/>
+      <dgm:spPr/>
+      <dgm:t>
+        <a:bodyPr/>
+        <a:lstStyle/>
+        <a:p>
+          <a:endParaRPr lang="fr-FR"/>
+        </a:p>
+      </dgm:t>
+    </dgm:pt>
     <dgm:pt modelId="{E705A0BF-53A3-4705-8EC7-8B330F477F3D}" type="pres">
       <dgm:prSet presAssocID="{7FB0DD14-595B-4E19-ADBE-0F7EE5B082D8}" presName="Name0" presStyleCnt="0">
         <dgm:presLayoutVars>
@@ -7933,8 +7943,8 @@
       </dgm:prSet>
       <dgm:spPr/>
     </dgm:pt>
-    <dgm:pt modelId="{6946C9EC-A73E-45A6-A8B3-835A416D7240}" type="pres">
-      <dgm:prSet presAssocID="{5BC8B99E-5462-49A2-A03C-24AB48BC456E}" presName="parTxOnly" presStyleLbl="node1" presStyleIdx="0" presStyleCnt="7">
+    <dgm:pt modelId="{DDE7BBCF-0114-4EAF-97EB-7B1F6D5BF394}" type="pres">
+      <dgm:prSet presAssocID="{B1F5A788-E4DD-44B5-8AAF-E8755AFC0F1D}" presName="parTxOnly" presStyleLbl="node1" presStyleIdx="0" presStyleCnt="7">
         <dgm:presLayoutVars>
           <dgm:chMax val="0"/>
           <dgm:chPref val="0"/>
@@ -7950,8 +7960,8 @@
         </a:p>
       </dgm:t>
     </dgm:pt>
-    <dgm:pt modelId="{E5D22FC7-1BCE-42F9-8053-A514C658AE7A}" type="pres">
-      <dgm:prSet presAssocID="{A39C3149-A461-49E6-B05A-95299AB1C57D}" presName="parTxOnlySpace" presStyleCnt="0"/>
+    <dgm:pt modelId="{3AF84886-0769-4EDC-B8CD-0249AB03C320}" type="pres">
+      <dgm:prSet presAssocID="{1C8FAC4E-6B67-4CFA-A4FF-F62DF65E4AD5}" presName="parTxOnlySpace" presStyleCnt="0"/>
       <dgm:spPr/>
     </dgm:pt>
     <dgm:pt modelId="{1CDE8902-EAE1-4633-9A12-AA6C6036B1E6}" type="pres">
@@ -7963,6 +7973,13 @@
         </dgm:presLayoutVars>
       </dgm:prSet>
       <dgm:spPr/>
+      <dgm:t>
+        <a:bodyPr/>
+        <a:lstStyle/>
+        <a:p>
+          <a:endParaRPr lang="fr-FR"/>
+        </a:p>
+      </dgm:t>
     </dgm:pt>
     <dgm:pt modelId="{F483769F-1EE1-4C51-BB75-304463DC308B}" type="pres">
       <dgm:prSet presAssocID="{7CF65164-B9E3-49A8-AB4C-D95E889F3F46}" presName="parTxOnlySpace" presStyleCnt="0"/>
@@ -8061,37 +8078,44 @@
         </dgm:presLayoutVars>
       </dgm:prSet>
       <dgm:spPr/>
+      <dgm:t>
+        <a:bodyPr/>
+        <a:lstStyle/>
+        <a:p>
+          <a:endParaRPr lang="fr-FR"/>
+        </a:p>
+      </dgm:t>
     </dgm:pt>
   </dgm:ptLst>
   <dgm:cxnLst>
+    <dgm:cxn modelId="{D0D9050C-1FDE-4261-B53F-B6847622307A}" type="presOf" srcId="{0D50FE57-3871-47C9-91F2-FC9AEC2898B6}" destId="{7683EB31-29B2-4622-87F7-53F752C057FF}" srcOrd="0" destOrd="0" presId="urn:microsoft.com/office/officeart/2005/8/layout/chevron1"/>
+    <dgm:cxn modelId="{391EE9FF-C7D8-4664-A77A-A709525460A5}" srcId="{7FB0DD14-595B-4E19-ADBE-0F7EE5B082D8}" destId="{B311DFB7-B845-434F-8D77-3FC0BD08DC7F}" srcOrd="5" destOrd="0" parTransId="{57172167-7A38-4CEB-A51A-23777FF04B48}" sibTransId="{B7851186-24D5-4582-B604-90DF058E1F47}"/>
+    <dgm:cxn modelId="{D83EC3B8-3DD5-4662-9D65-6066CC567CAC}" type="presOf" srcId="{DD0D8DD9-4191-4FC1-A26D-449BF9D9A786}" destId="{6C143154-07D3-4E59-82E8-19A05DCBA13F}" srcOrd="0" destOrd="0" presId="urn:microsoft.com/office/officeart/2005/8/layout/chevron1"/>
+    <dgm:cxn modelId="{0A1B62A2-D1C7-45E0-A5A2-7924F5CD0B0C}" type="presOf" srcId="{D8FE1F33-9D60-4B12-AF5C-6F5E6641DAAA}" destId="{E5F67A2B-BC5E-45CA-A54C-64F38F7542AA}" srcOrd="0" destOrd="0" presId="urn:microsoft.com/office/officeart/2005/8/layout/chevron1"/>
+    <dgm:cxn modelId="{5AE7D8C6-9EC7-473A-9528-BA69906ACDC3}" type="presOf" srcId="{7FB0DD14-595B-4E19-ADBE-0F7EE5B082D8}" destId="{E705A0BF-53A3-4705-8EC7-8B330F477F3D}" srcOrd="0" destOrd="0" presId="urn:microsoft.com/office/officeart/2005/8/layout/chevron1"/>
+    <dgm:cxn modelId="{9A59A7C7-3E29-4CD2-946B-592D621B5EB2}" type="presOf" srcId="{B42D296B-1B1D-4696-ADBE-D1380A94AD2E}" destId="{11D68FBA-00DF-4890-A532-D4283C1129ED}" srcOrd="0" destOrd="0" presId="urn:microsoft.com/office/officeart/2005/8/layout/chevron1"/>
+    <dgm:cxn modelId="{66A0CEC3-5D12-4F63-B835-58E6C4B95B14}" type="presOf" srcId="{6D25C8EF-83C7-4A95-A977-B26A30C3D7D8}" destId="{1CDE8902-EAE1-4633-9A12-AA6C6036B1E6}" srcOrd="0" destOrd="0" presId="urn:microsoft.com/office/officeart/2005/8/layout/chevron1"/>
+    <dgm:cxn modelId="{0271FF49-CDAE-4EEA-B19C-7E5BB413FBC0}" srcId="{7FB0DD14-595B-4E19-ADBE-0F7EE5B082D8}" destId="{DD0D8DD9-4191-4FC1-A26D-449BF9D9A786}" srcOrd="6" destOrd="0" parTransId="{F17C0891-744B-4545-AA8F-F02750446AA8}" sibTransId="{C0EB1B55-6E14-4503-9521-5CAE0B853396}"/>
+    <dgm:cxn modelId="{35A9685B-226C-411A-BF7E-B3AD6EDE749C}" srcId="{7FB0DD14-595B-4E19-ADBE-0F7EE5B082D8}" destId="{D8FE1F33-9D60-4B12-AF5C-6F5E6641DAAA}" srcOrd="2" destOrd="0" parTransId="{F2B1FB01-F637-4642-8C09-981A0D47BB09}" sibTransId="{377BDBFC-514A-41E2-8138-AE8B3D410EEB}"/>
+    <dgm:cxn modelId="{7A46DD6A-0BAA-4898-933A-F7FBB16A1F92}" srcId="{7FB0DD14-595B-4E19-ADBE-0F7EE5B082D8}" destId="{B1F5A788-E4DD-44B5-8AAF-E8755AFC0F1D}" srcOrd="0" destOrd="0" parTransId="{DAB92A95-4222-48FC-AC67-8B8F8BB49463}" sibTransId="{1C8FAC4E-6B67-4CFA-A4FF-F62DF65E4AD5}"/>
     <dgm:cxn modelId="{A50474F7-E3C6-4F02-A8B4-0EB2BFA2C137}" srcId="{7FB0DD14-595B-4E19-ADBE-0F7EE5B082D8}" destId="{B42D296B-1B1D-4696-ADBE-D1380A94AD2E}" srcOrd="3" destOrd="0" parTransId="{DA5B4B1B-3D9B-4E56-8245-77ED5977C157}" sibTransId="{651207D0-38E5-4EA1-811F-155DCD122464}"/>
-    <dgm:cxn modelId="{9E477CC8-5F8D-4294-8819-7B32CD87F857}" type="presOf" srcId="{B42D296B-1B1D-4696-ADBE-D1380A94AD2E}" destId="{11D68FBA-00DF-4890-A532-D4283C1129ED}" srcOrd="0" destOrd="0" presId="urn:microsoft.com/office/officeart/2005/8/layout/chevron1"/>
-    <dgm:cxn modelId="{35A9685B-226C-411A-BF7E-B3AD6EDE749C}" srcId="{7FB0DD14-595B-4E19-ADBE-0F7EE5B082D8}" destId="{D8FE1F33-9D60-4B12-AF5C-6F5E6641DAAA}" srcOrd="2" destOrd="0" parTransId="{F2B1FB01-F637-4642-8C09-981A0D47BB09}" sibTransId="{377BDBFC-514A-41E2-8138-AE8B3D410EEB}"/>
-    <dgm:cxn modelId="{391EE9FF-C7D8-4664-A77A-A709525460A5}" srcId="{7FB0DD14-595B-4E19-ADBE-0F7EE5B082D8}" destId="{B311DFB7-B845-434F-8D77-3FC0BD08DC7F}" srcOrd="5" destOrd="0" parTransId="{57172167-7A38-4CEB-A51A-23777FF04B48}" sibTransId="{B7851186-24D5-4582-B604-90DF058E1F47}"/>
-    <dgm:cxn modelId="{4559C98E-E823-4E9E-9A48-01ABB339B2F4}" type="presOf" srcId="{DD0D8DD9-4191-4FC1-A26D-449BF9D9A786}" destId="{6C143154-07D3-4E59-82E8-19A05DCBA13F}" srcOrd="0" destOrd="0" presId="urn:microsoft.com/office/officeart/2005/8/layout/chevron1"/>
-    <dgm:cxn modelId="{54D90382-7189-4EE4-9DFB-9D2873C61282}" srcId="{7FB0DD14-595B-4E19-ADBE-0F7EE5B082D8}" destId="{5BC8B99E-5462-49A2-A03C-24AB48BC456E}" srcOrd="0" destOrd="0" parTransId="{1092C367-0432-444F-9F53-B1428AA8D0F6}" sibTransId="{A39C3149-A461-49E6-B05A-95299AB1C57D}"/>
-    <dgm:cxn modelId="{63826C27-BCA7-4374-B534-A6BAF8A1808A}" type="presOf" srcId="{0D50FE57-3871-47C9-91F2-FC9AEC2898B6}" destId="{7683EB31-29B2-4622-87F7-53F752C057FF}" srcOrd="0" destOrd="0" presId="urn:microsoft.com/office/officeart/2005/8/layout/chevron1"/>
-    <dgm:cxn modelId="{3D913552-FBA0-4A17-AAB8-E2468FC3831A}" type="presOf" srcId="{B311DFB7-B845-434F-8D77-3FC0BD08DC7F}" destId="{FBB2542C-499A-4E5D-B179-5389E562ACE6}" srcOrd="0" destOrd="0" presId="urn:microsoft.com/office/officeart/2005/8/layout/chevron1"/>
-    <dgm:cxn modelId="{07487B80-A5AE-4AB9-87BB-6296CED0E072}" type="presOf" srcId="{5BC8B99E-5462-49A2-A03C-24AB48BC456E}" destId="{6946C9EC-A73E-45A6-A8B3-835A416D7240}" srcOrd="0" destOrd="0" presId="urn:microsoft.com/office/officeart/2005/8/layout/chevron1"/>
-    <dgm:cxn modelId="{2AF428CD-EEED-4E5C-94D3-97ABBBF79281}" type="presOf" srcId="{7FB0DD14-595B-4E19-ADBE-0F7EE5B082D8}" destId="{E705A0BF-53A3-4705-8EC7-8B330F477F3D}" srcOrd="0" destOrd="0" presId="urn:microsoft.com/office/officeart/2005/8/layout/chevron1"/>
-    <dgm:cxn modelId="{406A09BC-67E4-4DAC-BAE2-1F98ED3ADE60}" type="presOf" srcId="{D8FE1F33-9D60-4B12-AF5C-6F5E6641DAAA}" destId="{E5F67A2B-BC5E-45CA-A54C-64F38F7542AA}" srcOrd="0" destOrd="0" presId="urn:microsoft.com/office/officeart/2005/8/layout/chevron1"/>
+    <dgm:cxn modelId="{5D1893A6-26EF-4DA3-9B99-3FEDF647C7BE}" srcId="{7FB0DD14-595B-4E19-ADBE-0F7EE5B082D8}" destId="{6D25C8EF-83C7-4A95-A977-B26A30C3D7D8}" srcOrd="1" destOrd="0" parTransId="{94EA6F62-F59C-4A25-ABA6-69069EBB765F}" sibTransId="{7CF65164-B9E3-49A8-AB4C-D95E889F3F46}"/>
+    <dgm:cxn modelId="{C816DA77-9A3C-4B71-A40B-42BBD2DA5AF2}" type="presOf" srcId="{B1F5A788-E4DD-44B5-8AAF-E8755AFC0F1D}" destId="{DDE7BBCF-0114-4EAF-97EB-7B1F6D5BF394}" srcOrd="0" destOrd="0" presId="urn:microsoft.com/office/officeart/2005/8/layout/chevron1"/>
+    <dgm:cxn modelId="{B255CD3F-FFEE-4B78-BFD2-4C4F53B49758}" type="presOf" srcId="{B311DFB7-B845-434F-8D77-3FC0BD08DC7F}" destId="{FBB2542C-499A-4E5D-B179-5389E562ACE6}" srcOrd="0" destOrd="0" presId="urn:microsoft.com/office/officeart/2005/8/layout/chevron1"/>
     <dgm:cxn modelId="{4369BD3D-6EF5-477A-9E34-F567F46088EA}" srcId="{7FB0DD14-595B-4E19-ADBE-0F7EE5B082D8}" destId="{0D50FE57-3871-47C9-91F2-FC9AEC2898B6}" srcOrd="4" destOrd="0" parTransId="{5D936467-EE85-44DD-BCF0-56C41D0DB073}" sibTransId="{FA372B7B-0BC5-413E-AE87-E564CFA65B66}"/>
-    <dgm:cxn modelId="{006AE244-33EA-4214-86B1-F49A8E5B87D2}" type="presOf" srcId="{6D25C8EF-83C7-4A95-A977-B26A30C3D7D8}" destId="{1CDE8902-EAE1-4633-9A12-AA6C6036B1E6}" srcOrd="0" destOrd="0" presId="urn:microsoft.com/office/officeart/2005/8/layout/chevron1"/>
-    <dgm:cxn modelId="{5D1893A6-26EF-4DA3-9B99-3FEDF647C7BE}" srcId="{7FB0DD14-595B-4E19-ADBE-0F7EE5B082D8}" destId="{6D25C8EF-83C7-4A95-A977-B26A30C3D7D8}" srcOrd="1" destOrd="0" parTransId="{94EA6F62-F59C-4A25-ABA6-69069EBB765F}" sibTransId="{7CF65164-B9E3-49A8-AB4C-D95E889F3F46}"/>
-    <dgm:cxn modelId="{0271FF49-CDAE-4EEA-B19C-7E5BB413FBC0}" srcId="{7FB0DD14-595B-4E19-ADBE-0F7EE5B082D8}" destId="{DD0D8DD9-4191-4FC1-A26D-449BF9D9A786}" srcOrd="6" destOrd="0" parTransId="{F17C0891-744B-4545-AA8F-F02750446AA8}" sibTransId="{C0EB1B55-6E14-4503-9521-5CAE0B853396}"/>
-    <dgm:cxn modelId="{E7C882DD-AC26-4051-B8F6-F74339DA4A23}" type="presParOf" srcId="{E705A0BF-53A3-4705-8EC7-8B330F477F3D}" destId="{6946C9EC-A73E-45A6-A8B3-835A416D7240}" srcOrd="0" destOrd="0" presId="urn:microsoft.com/office/officeart/2005/8/layout/chevron1"/>
-    <dgm:cxn modelId="{09028AC6-730A-4D9B-A6FA-BBE4E33E093E}" type="presParOf" srcId="{E705A0BF-53A3-4705-8EC7-8B330F477F3D}" destId="{E5D22FC7-1BCE-42F9-8053-A514C658AE7A}" srcOrd="1" destOrd="0" presId="urn:microsoft.com/office/officeart/2005/8/layout/chevron1"/>
-    <dgm:cxn modelId="{D8A24734-CC57-482A-8643-BE7B3974C8D1}" type="presParOf" srcId="{E705A0BF-53A3-4705-8EC7-8B330F477F3D}" destId="{1CDE8902-EAE1-4633-9A12-AA6C6036B1E6}" srcOrd="2" destOrd="0" presId="urn:microsoft.com/office/officeart/2005/8/layout/chevron1"/>
-    <dgm:cxn modelId="{3D1AB0BA-DAE1-45DE-A210-32DD230438E8}" type="presParOf" srcId="{E705A0BF-53A3-4705-8EC7-8B330F477F3D}" destId="{F483769F-1EE1-4C51-BB75-304463DC308B}" srcOrd="3" destOrd="0" presId="urn:microsoft.com/office/officeart/2005/8/layout/chevron1"/>
-    <dgm:cxn modelId="{CB938114-190B-485F-B459-A39FFB271584}" type="presParOf" srcId="{E705A0BF-53A3-4705-8EC7-8B330F477F3D}" destId="{E5F67A2B-BC5E-45CA-A54C-64F38F7542AA}" srcOrd="4" destOrd="0" presId="urn:microsoft.com/office/officeart/2005/8/layout/chevron1"/>
-    <dgm:cxn modelId="{81E957CC-357C-46A0-BBCE-6D6009420E02}" type="presParOf" srcId="{E705A0BF-53A3-4705-8EC7-8B330F477F3D}" destId="{97FA42B3-8445-4A99-B73D-A43DAE4A71E8}" srcOrd="5" destOrd="0" presId="urn:microsoft.com/office/officeart/2005/8/layout/chevron1"/>
-    <dgm:cxn modelId="{BD298739-C88F-4EA6-A202-EB90436BDC87}" type="presParOf" srcId="{E705A0BF-53A3-4705-8EC7-8B330F477F3D}" destId="{11D68FBA-00DF-4890-A532-D4283C1129ED}" srcOrd="6" destOrd="0" presId="urn:microsoft.com/office/officeart/2005/8/layout/chevron1"/>
-    <dgm:cxn modelId="{462CEA75-15A1-41B3-8EAD-BCCDABC68F70}" type="presParOf" srcId="{E705A0BF-53A3-4705-8EC7-8B330F477F3D}" destId="{80CA387A-8BA5-4B85-8322-BE8F917A3EEA}" srcOrd="7" destOrd="0" presId="urn:microsoft.com/office/officeart/2005/8/layout/chevron1"/>
-    <dgm:cxn modelId="{59030FA3-77DE-4363-BBE5-102E18856DD0}" type="presParOf" srcId="{E705A0BF-53A3-4705-8EC7-8B330F477F3D}" destId="{7683EB31-29B2-4622-87F7-53F752C057FF}" srcOrd="8" destOrd="0" presId="urn:microsoft.com/office/officeart/2005/8/layout/chevron1"/>
-    <dgm:cxn modelId="{4760D0CB-CE04-472A-9D37-C082C3261FB4}" type="presParOf" srcId="{E705A0BF-53A3-4705-8EC7-8B330F477F3D}" destId="{DE556C8E-BA87-4D54-AF88-E51C420D3F7F}" srcOrd="9" destOrd="0" presId="urn:microsoft.com/office/officeart/2005/8/layout/chevron1"/>
-    <dgm:cxn modelId="{03548982-2795-497A-A263-091A7096A442}" type="presParOf" srcId="{E705A0BF-53A3-4705-8EC7-8B330F477F3D}" destId="{FBB2542C-499A-4E5D-B179-5389E562ACE6}" srcOrd="10" destOrd="0" presId="urn:microsoft.com/office/officeart/2005/8/layout/chevron1"/>
-    <dgm:cxn modelId="{9364D5F8-39D7-4479-BCBF-FE09CB57CE4F}" type="presParOf" srcId="{E705A0BF-53A3-4705-8EC7-8B330F477F3D}" destId="{F69AC311-4504-466A-A620-D7FF45317525}" srcOrd="11" destOrd="0" presId="urn:microsoft.com/office/officeart/2005/8/layout/chevron1"/>
-    <dgm:cxn modelId="{10A1BAAB-185F-460D-93AD-FD341558DE7E}" type="presParOf" srcId="{E705A0BF-53A3-4705-8EC7-8B330F477F3D}" destId="{6C143154-07D3-4E59-82E8-19A05DCBA13F}" srcOrd="12" destOrd="0" presId="urn:microsoft.com/office/officeart/2005/8/layout/chevron1"/>
+    <dgm:cxn modelId="{1E3D5616-7F70-45AD-B24E-3A86687A480C}" type="presParOf" srcId="{E705A0BF-53A3-4705-8EC7-8B330F477F3D}" destId="{DDE7BBCF-0114-4EAF-97EB-7B1F6D5BF394}" srcOrd="0" destOrd="0" presId="urn:microsoft.com/office/officeart/2005/8/layout/chevron1"/>
+    <dgm:cxn modelId="{8AC195B3-493D-4B17-B6A0-157B8630A325}" type="presParOf" srcId="{E705A0BF-53A3-4705-8EC7-8B330F477F3D}" destId="{3AF84886-0769-4EDC-B8CD-0249AB03C320}" srcOrd="1" destOrd="0" presId="urn:microsoft.com/office/officeart/2005/8/layout/chevron1"/>
+    <dgm:cxn modelId="{B31033F1-AAB3-487C-962A-078BF0B94387}" type="presParOf" srcId="{E705A0BF-53A3-4705-8EC7-8B330F477F3D}" destId="{1CDE8902-EAE1-4633-9A12-AA6C6036B1E6}" srcOrd="2" destOrd="0" presId="urn:microsoft.com/office/officeart/2005/8/layout/chevron1"/>
+    <dgm:cxn modelId="{B4FBB546-BB59-4D0B-A3DF-B3656AD56172}" type="presParOf" srcId="{E705A0BF-53A3-4705-8EC7-8B330F477F3D}" destId="{F483769F-1EE1-4C51-BB75-304463DC308B}" srcOrd="3" destOrd="0" presId="urn:microsoft.com/office/officeart/2005/8/layout/chevron1"/>
+    <dgm:cxn modelId="{3844A702-971B-4EB0-97A4-9BF5693A3A2E}" type="presParOf" srcId="{E705A0BF-53A3-4705-8EC7-8B330F477F3D}" destId="{E5F67A2B-BC5E-45CA-A54C-64F38F7542AA}" srcOrd="4" destOrd="0" presId="urn:microsoft.com/office/officeart/2005/8/layout/chevron1"/>
+    <dgm:cxn modelId="{6E7BA625-37E4-4FA9-8D27-E3AB60967F2C}" type="presParOf" srcId="{E705A0BF-53A3-4705-8EC7-8B330F477F3D}" destId="{97FA42B3-8445-4A99-B73D-A43DAE4A71E8}" srcOrd="5" destOrd="0" presId="urn:microsoft.com/office/officeart/2005/8/layout/chevron1"/>
+    <dgm:cxn modelId="{6E1A1F4D-4234-4E01-8730-BFFBD4357482}" type="presParOf" srcId="{E705A0BF-53A3-4705-8EC7-8B330F477F3D}" destId="{11D68FBA-00DF-4890-A532-D4283C1129ED}" srcOrd="6" destOrd="0" presId="urn:microsoft.com/office/officeart/2005/8/layout/chevron1"/>
+    <dgm:cxn modelId="{CA33632A-3C8F-4602-9A6C-2ADAC70C981D}" type="presParOf" srcId="{E705A0BF-53A3-4705-8EC7-8B330F477F3D}" destId="{80CA387A-8BA5-4B85-8322-BE8F917A3EEA}" srcOrd="7" destOrd="0" presId="urn:microsoft.com/office/officeart/2005/8/layout/chevron1"/>
+    <dgm:cxn modelId="{0DE10EF7-616B-48E4-A465-C9937862EB17}" type="presParOf" srcId="{E705A0BF-53A3-4705-8EC7-8B330F477F3D}" destId="{7683EB31-29B2-4622-87F7-53F752C057FF}" srcOrd="8" destOrd="0" presId="urn:microsoft.com/office/officeart/2005/8/layout/chevron1"/>
+    <dgm:cxn modelId="{19D11F24-E925-4FEB-AE98-7B29C0E04601}" type="presParOf" srcId="{E705A0BF-53A3-4705-8EC7-8B330F477F3D}" destId="{DE556C8E-BA87-4D54-AF88-E51C420D3F7F}" srcOrd="9" destOrd="0" presId="urn:microsoft.com/office/officeart/2005/8/layout/chevron1"/>
+    <dgm:cxn modelId="{4BC7F5FC-90FF-4FFB-818C-4E32FE8F0028}" type="presParOf" srcId="{E705A0BF-53A3-4705-8EC7-8B330F477F3D}" destId="{FBB2542C-499A-4E5D-B179-5389E562ACE6}" srcOrd="10" destOrd="0" presId="urn:microsoft.com/office/officeart/2005/8/layout/chevron1"/>
+    <dgm:cxn modelId="{274198A6-6DA9-488D-A806-B79BDDE0A56E}" type="presParOf" srcId="{E705A0BF-53A3-4705-8EC7-8B330F477F3D}" destId="{F69AC311-4504-466A-A620-D7FF45317525}" srcOrd="11" destOrd="0" presId="urn:microsoft.com/office/officeart/2005/8/layout/chevron1"/>
+    <dgm:cxn modelId="{299382A4-D071-4283-BE41-B70D1A777BE4}" type="presParOf" srcId="{E705A0BF-53A3-4705-8EC7-8B330F477F3D}" destId="{6C143154-07D3-4E59-82E8-19A05DCBA13F}" srcOrd="12" destOrd="0" presId="urn:microsoft.com/office/officeart/2005/8/layout/chevron1"/>
   </dgm:cxnLst>
   <dgm:bg/>
   <dgm:whole/>
@@ -8109,68 +8133,6 @@
     <dgm:pt modelId="{7FB0DD14-595B-4E19-ADBE-0F7EE5B082D8}" type="doc">
       <dgm:prSet loTypeId="urn:microsoft.com/office/officeart/2005/8/layout/chevron1" loCatId="process" qsTypeId="urn:microsoft.com/office/officeart/2005/8/quickstyle/simple1" qsCatId="simple" csTypeId="urn:microsoft.com/office/officeart/2005/8/colors/accent1_2" csCatId="accent1" phldr="1"/>
       <dgm:spPr/>
-    </dgm:pt>
-    <dgm:pt modelId="{5BC8B99E-5462-49A2-A03C-24AB48BC456E}">
-      <dgm:prSet phldrT="[Texte]">
-        <dgm:style>
-          <a:lnRef idx="1">
-            <a:schemeClr val="accent1"/>
-          </a:lnRef>
-          <a:fillRef idx="2">
-            <a:schemeClr val="accent1"/>
-          </a:fillRef>
-          <a:effectRef idx="1">
-            <a:schemeClr val="accent1"/>
-          </a:effectRef>
-          <a:fontRef idx="minor">
-            <a:schemeClr val="dk1"/>
-          </a:fontRef>
-        </dgm:style>
-      </dgm:prSet>
-      <dgm:spPr>
-        <a:ln>
-          <a:solidFill>
-            <a:schemeClr val="accent1">
-              <a:lumMod val="50000"/>
-            </a:schemeClr>
-          </a:solidFill>
-        </a:ln>
-      </dgm:spPr>
-      <dgm:t>
-        <a:bodyPr/>
-        <a:lstStyle/>
-        <a:p>
-          <a:r>
-            <a:rPr lang="fr-FR" dirty="0" smtClean="0"/>
-            <a:t>Introduction</a:t>
-          </a:r>
-        </a:p>
-        <a:p>
-          <a:endParaRPr lang="fr-FR" dirty="0"/>
-        </a:p>
-      </dgm:t>
-    </dgm:pt>
-    <dgm:pt modelId="{1092C367-0432-444F-9F53-B1428AA8D0F6}" type="parTrans" cxnId="{54D90382-7189-4EE4-9DFB-9D2873C61282}">
-      <dgm:prSet/>
-      <dgm:spPr/>
-      <dgm:t>
-        <a:bodyPr/>
-        <a:lstStyle/>
-        <a:p>
-          <a:endParaRPr lang="fr-FR"/>
-        </a:p>
-      </dgm:t>
-    </dgm:pt>
-    <dgm:pt modelId="{A39C3149-A461-49E6-B05A-95299AB1C57D}" type="sibTrans" cxnId="{54D90382-7189-4EE4-9DFB-9D2873C61282}">
-      <dgm:prSet/>
-      <dgm:spPr/>
-      <dgm:t>
-        <a:bodyPr/>
-        <a:lstStyle/>
-        <a:p>
-          <a:endParaRPr lang="fr-FR"/>
-        </a:p>
-      </dgm:t>
     </dgm:pt>
     <dgm:pt modelId="{0D50FE57-3871-47C9-91F2-FC9AEC2898B6}">
       <dgm:prSet phldrT="[Texte]">
@@ -8544,6 +8506,66 @@
         </a:p>
       </dgm:t>
     </dgm:pt>
+    <dgm:pt modelId="{B1F5A788-E4DD-44B5-8AAF-E8755AFC0F1D}">
+      <dgm:prSet phldrT="[Texte]">
+        <dgm:style>
+          <a:lnRef idx="1">
+            <a:schemeClr val="accent1"/>
+          </a:lnRef>
+          <a:fillRef idx="2">
+            <a:schemeClr val="accent1"/>
+          </a:fillRef>
+          <a:effectRef idx="1">
+            <a:schemeClr val="accent1"/>
+          </a:effectRef>
+          <a:fontRef idx="minor">
+            <a:schemeClr val="dk1"/>
+          </a:fontRef>
+        </dgm:style>
+      </dgm:prSet>
+      <dgm:spPr>
+        <a:ln>
+          <a:solidFill>
+            <a:schemeClr val="accent1">
+              <a:lumMod val="50000"/>
+            </a:schemeClr>
+          </a:solidFill>
+        </a:ln>
+      </dgm:spPr>
+      <dgm:t>
+        <a:bodyPr/>
+        <a:lstStyle/>
+        <a:p>
+          <a:r>
+            <a:rPr lang="fr-FR" dirty="0" smtClean="0"/>
+            <a:t>Introduction</a:t>
+          </a:r>
+          <a:endParaRPr lang="fr-FR" dirty="0"/>
+        </a:p>
+      </dgm:t>
+    </dgm:pt>
+    <dgm:pt modelId="{DAB92A95-4222-48FC-AC67-8B8F8BB49463}" type="parTrans" cxnId="{7A46DD6A-0BAA-4898-933A-F7FBB16A1F92}">
+      <dgm:prSet/>
+      <dgm:spPr/>
+      <dgm:t>
+        <a:bodyPr/>
+        <a:lstStyle/>
+        <a:p>
+          <a:endParaRPr lang="fr-FR"/>
+        </a:p>
+      </dgm:t>
+    </dgm:pt>
+    <dgm:pt modelId="{1C8FAC4E-6B67-4CFA-A4FF-F62DF65E4AD5}" type="sibTrans" cxnId="{7A46DD6A-0BAA-4898-933A-F7FBB16A1F92}">
+      <dgm:prSet/>
+      <dgm:spPr/>
+      <dgm:t>
+        <a:bodyPr/>
+        <a:lstStyle/>
+        <a:p>
+          <a:endParaRPr lang="fr-FR"/>
+        </a:p>
+      </dgm:t>
+    </dgm:pt>
     <dgm:pt modelId="{E705A0BF-53A3-4705-8EC7-8B330F477F3D}" type="pres">
       <dgm:prSet presAssocID="{7FB0DD14-595B-4E19-ADBE-0F7EE5B082D8}" presName="Name0" presStyleCnt="0">
         <dgm:presLayoutVars>
@@ -8554,8 +8576,8 @@
       </dgm:prSet>
       <dgm:spPr/>
     </dgm:pt>
-    <dgm:pt modelId="{6946C9EC-A73E-45A6-A8B3-835A416D7240}" type="pres">
-      <dgm:prSet presAssocID="{5BC8B99E-5462-49A2-A03C-24AB48BC456E}" presName="parTxOnly" presStyleLbl="node1" presStyleIdx="0" presStyleCnt="7">
+    <dgm:pt modelId="{DDE7BBCF-0114-4EAF-97EB-7B1F6D5BF394}" type="pres">
+      <dgm:prSet presAssocID="{B1F5A788-E4DD-44B5-8AAF-E8755AFC0F1D}" presName="parTxOnly" presStyleLbl="node1" presStyleIdx="0" presStyleCnt="7">
         <dgm:presLayoutVars>
           <dgm:chMax val="0"/>
           <dgm:chPref val="0"/>
@@ -8571,8 +8593,8 @@
         </a:p>
       </dgm:t>
     </dgm:pt>
-    <dgm:pt modelId="{E5D22FC7-1BCE-42F9-8053-A514C658AE7A}" type="pres">
-      <dgm:prSet presAssocID="{A39C3149-A461-49E6-B05A-95299AB1C57D}" presName="parTxOnlySpace" presStyleCnt="0"/>
+    <dgm:pt modelId="{3AF84886-0769-4EDC-B8CD-0249AB03C320}" type="pres">
+      <dgm:prSet presAssocID="{1C8FAC4E-6B67-4CFA-A4FF-F62DF65E4AD5}" presName="parTxOnlySpace" presStyleCnt="0"/>
       <dgm:spPr/>
     </dgm:pt>
     <dgm:pt modelId="{1CDE8902-EAE1-4633-9A12-AA6C6036B1E6}" type="pres">
@@ -8584,6 +8606,13 @@
         </dgm:presLayoutVars>
       </dgm:prSet>
       <dgm:spPr/>
+      <dgm:t>
+        <a:bodyPr/>
+        <a:lstStyle/>
+        <a:p>
+          <a:endParaRPr lang="fr-FR"/>
+        </a:p>
+      </dgm:t>
     </dgm:pt>
     <dgm:pt modelId="{F483769F-1EE1-4C51-BB75-304463DC308B}" type="pres">
       <dgm:prSet presAssocID="{7CF65164-B9E3-49A8-AB4C-D95E889F3F46}" presName="parTxOnlySpace" presStyleCnt="0"/>
@@ -8682,17 +8711,24 @@
         </dgm:presLayoutVars>
       </dgm:prSet>
       <dgm:spPr/>
+      <dgm:t>
+        <a:bodyPr/>
+        <a:lstStyle/>
+        <a:p>
+          <a:endParaRPr lang="fr-FR"/>
+        </a:p>
+      </dgm:t>
     </dgm:pt>
   </dgm:ptLst>
   <dgm:cxnLst>
+    <dgm:cxn modelId="{7A46DD6A-0BAA-4898-933A-F7FBB16A1F92}" srcId="{7FB0DD14-595B-4E19-ADBE-0F7EE5B082D8}" destId="{B1F5A788-E4DD-44B5-8AAF-E8755AFC0F1D}" srcOrd="0" destOrd="0" parTransId="{DAB92A95-4222-48FC-AC67-8B8F8BB49463}" sibTransId="{1C8FAC4E-6B67-4CFA-A4FF-F62DF65E4AD5}"/>
     <dgm:cxn modelId="{A50474F7-E3C6-4F02-A8B4-0EB2BFA2C137}" srcId="{7FB0DD14-595B-4E19-ADBE-0F7EE5B082D8}" destId="{B42D296B-1B1D-4696-ADBE-D1380A94AD2E}" srcOrd="3" destOrd="0" parTransId="{DA5B4B1B-3D9B-4E56-8245-77ED5977C157}" sibTransId="{651207D0-38E5-4EA1-811F-155DCD122464}"/>
     <dgm:cxn modelId="{35A9685B-226C-411A-BF7E-B3AD6EDE749C}" srcId="{7FB0DD14-595B-4E19-ADBE-0F7EE5B082D8}" destId="{D8FE1F33-9D60-4B12-AF5C-6F5E6641DAAA}" srcOrd="2" destOrd="0" parTransId="{F2B1FB01-F637-4642-8C09-981A0D47BB09}" sibTransId="{377BDBFC-514A-41E2-8138-AE8B3D410EEB}"/>
     <dgm:cxn modelId="{684717AA-45AC-450B-8133-424B3038C27B}" type="presOf" srcId="{0D50FE57-3871-47C9-91F2-FC9AEC2898B6}" destId="{7683EB31-29B2-4622-87F7-53F752C057FF}" srcOrd="0" destOrd="0" presId="urn:microsoft.com/office/officeart/2005/8/layout/chevron1"/>
+    <dgm:cxn modelId="{C471E3C9-02F2-44A5-968F-80CB26B7D769}" type="presOf" srcId="{B1F5A788-E4DD-44B5-8AAF-E8755AFC0F1D}" destId="{DDE7BBCF-0114-4EAF-97EB-7B1F6D5BF394}" srcOrd="0" destOrd="0" presId="urn:microsoft.com/office/officeart/2005/8/layout/chevron1"/>
     <dgm:cxn modelId="{140EF4D6-1BF5-4C09-84FB-EE1479D44614}" type="presOf" srcId="{D8FE1F33-9D60-4B12-AF5C-6F5E6641DAAA}" destId="{E5F67A2B-BC5E-45CA-A54C-64F38F7542AA}" srcOrd="0" destOrd="0" presId="urn:microsoft.com/office/officeart/2005/8/layout/chevron1"/>
     <dgm:cxn modelId="{391EE9FF-C7D8-4664-A77A-A709525460A5}" srcId="{7FB0DD14-595B-4E19-ADBE-0F7EE5B082D8}" destId="{B311DFB7-B845-434F-8D77-3FC0BD08DC7F}" srcOrd="5" destOrd="0" parTransId="{57172167-7A38-4CEB-A51A-23777FF04B48}" sibTransId="{B7851186-24D5-4582-B604-90DF058E1F47}"/>
-    <dgm:cxn modelId="{DC0A74A4-183F-4E60-9CA6-30748BA98656}" type="presOf" srcId="{5BC8B99E-5462-49A2-A03C-24AB48BC456E}" destId="{6946C9EC-A73E-45A6-A8B3-835A416D7240}" srcOrd="0" destOrd="0" presId="urn:microsoft.com/office/officeart/2005/8/layout/chevron1"/>
     <dgm:cxn modelId="{2E603AA1-2DC0-4265-8279-D0A3696F8C5C}" type="presOf" srcId="{B311DFB7-B845-434F-8D77-3FC0BD08DC7F}" destId="{FBB2542C-499A-4E5D-B179-5389E562ACE6}" srcOrd="0" destOrd="0" presId="urn:microsoft.com/office/officeart/2005/8/layout/chevron1"/>
-    <dgm:cxn modelId="{54D90382-7189-4EE4-9DFB-9D2873C61282}" srcId="{7FB0DD14-595B-4E19-ADBE-0F7EE5B082D8}" destId="{5BC8B99E-5462-49A2-A03C-24AB48BC456E}" srcOrd="0" destOrd="0" parTransId="{1092C367-0432-444F-9F53-B1428AA8D0F6}" sibTransId="{A39C3149-A461-49E6-B05A-95299AB1C57D}"/>
     <dgm:cxn modelId="{10C787BD-7B29-4D32-9B65-BBB66CD31773}" type="presOf" srcId="{DD0D8DD9-4191-4FC1-A26D-449BF9D9A786}" destId="{6C143154-07D3-4E59-82E8-19A05DCBA13F}" srcOrd="0" destOrd="0" presId="urn:microsoft.com/office/officeart/2005/8/layout/chevron1"/>
     <dgm:cxn modelId="{20DD7B28-CE72-4AD0-8F8A-74DC6BF87DB7}" type="presOf" srcId="{7FB0DD14-595B-4E19-ADBE-0F7EE5B082D8}" destId="{E705A0BF-53A3-4705-8EC7-8B330F477F3D}" srcOrd="0" destOrd="0" presId="urn:microsoft.com/office/officeart/2005/8/layout/chevron1"/>
     <dgm:cxn modelId="{48B3503B-DA42-42BB-BC17-415B936DBBD6}" type="presOf" srcId="{B42D296B-1B1D-4696-ADBE-D1380A94AD2E}" destId="{11D68FBA-00DF-4890-A532-D4283C1129ED}" srcOrd="0" destOrd="0" presId="urn:microsoft.com/office/officeart/2005/8/layout/chevron1"/>
@@ -8700,8 +8736,8 @@
     <dgm:cxn modelId="{1872B284-22C7-41D5-BBD7-3D1733E52FED}" type="presOf" srcId="{6D25C8EF-83C7-4A95-A977-B26A30C3D7D8}" destId="{1CDE8902-EAE1-4633-9A12-AA6C6036B1E6}" srcOrd="0" destOrd="0" presId="urn:microsoft.com/office/officeart/2005/8/layout/chevron1"/>
     <dgm:cxn modelId="{5D1893A6-26EF-4DA3-9B99-3FEDF647C7BE}" srcId="{7FB0DD14-595B-4E19-ADBE-0F7EE5B082D8}" destId="{6D25C8EF-83C7-4A95-A977-B26A30C3D7D8}" srcOrd="1" destOrd="0" parTransId="{94EA6F62-F59C-4A25-ABA6-69069EBB765F}" sibTransId="{7CF65164-B9E3-49A8-AB4C-D95E889F3F46}"/>
     <dgm:cxn modelId="{0271FF49-CDAE-4EEA-B19C-7E5BB413FBC0}" srcId="{7FB0DD14-595B-4E19-ADBE-0F7EE5B082D8}" destId="{DD0D8DD9-4191-4FC1-A26D-449BF9D9A786}" srcOrd="6" destOrd="0" parTransId="{F17C0891-744B-4545-AA8F-F02750446AA8}" sibTransId="{C0EB1B55-6E14-4503-9521-5CAE0B853396}"/>
-    <dgm:cxn modelId="{EDE96A5E-5227-4640-9BCE-D8EE7FF8B8CB}" type="presParOf" srcId="{E705A0BF-53A3-4705-8EC7-8B330F477F3D}" destId="{6946C9EC-A73E-45A6-A8B3-835A416D7240}" srcOrd="0" destOrd="0" presId="urn:microsoft.com/office/officeart/2005/8/layout/chevron1"/>
-    <dgm:cxn modelId="{16FA4D95-24DD-40CC-AA5F-D02A86B27B1D}" type="presParOf" srcId="{E705A0BF-53A3-4705-8EC7-8B330F477F3D}" destId="{E5D22FC7-1BCE-42F9-8053-A514C658AE7A}" srcOrd="1" destOrd="0" presId="urn:microsoft.com/office/officeart/2005/8/layout/chevron1"/>
+    <dgm:cxn modelId="{45499248-2EB1-499C-8393-2367F7C948B5}" type="presParOf" srcId="{E705A0BF-53A3-4705-8EC7-8B330F477F3D}" destId="{DDE7BBCF-0114-4EAF-97EB-7B1F6D5BF394}" srcOrd="0" destOrd="0" presId="urn:microsoft.com/office/officeart/2005/8/layout/chevron1"/>
+    <dgm:cxn modelId="{D2C57336-031E-471B-A1AE-05972BAF7A73}" type="presParOf" srcId="{E705A0BF-53A3-4705-8EC7-8B330F477F3D}" destId="{3AF84886-0769-4EDC-B8CD-0249AB03C320}" srcOrd="1" destOrd="0" presId="urn:microsoft.com/office/officeart/2005/8/layout/chevron1"/>
     <dgm:cxn modelId="{80A1CAA0-6DBB-4BD0-8379-7568257102A8}" type="presParOf" srcId="{E705A0BF-53A3-4705-8EC7-8B330F477F3D}" destId="{1CDE8902-EAE1-4633-9A12-AA6C6036B1E6}" srcOrd="2" destOrd="0" presId="urn:microsoft.com/office/officeart/2005/8/layout/chevron1"/>
     <dgm:cxn modelId="{F841FC56-9A7D-4ABD-917F-97B17524E5BA}" type="presParOf" srcId="{E705A0BF-53A3-4705-8EC7-8B330F477F3D}" destId="{F483769F-1EE1-4C51-BB75-304463DC308B}" srcOrd="3" destOrd="0" presId="urn:microsoft.com/office/officeart/2005/8/layout/chevron1"/>
     <dgm:cxn modelId="{FE05C5C1-ED7E-4CEB-B60A-28FF1D1DF59D}" type="presParOf" srcId="{E705A0BF-53A3-4705-8EC7-8B330F477F3D}" destId="{E5F67A2B-BC5E-45CA-A54C-64F38F7542AA}" srcOrd="4" destOrd="0" presId="urn:microsoft.com/office/officeart/2005/8/layout/chevron1"/>
@@ -8730,68 +8766,6 @@
     <dgm:pt modelId="{7FB0DD14-595B-4E19-ADBE-0F7EE5B082D8}" type="doc">
       <dgm:prSet loTypeId="urn:microsoft.com/office/officeart/2005/8/layout/chevron1" loCatId="process" qsTypeId="urn:microsoft.com/office/officeart/2005/8/quickstyle/simple1" qsCatId="simple" csTypeId="urn:microsoft.com/office/officeart/2005/8/colors/accent1_2" csCatId="accent1" phldr="1"/>
       <dgm:spPr/>
-    </dgm:pt>
-    <dgm:pt modelId="{5BC8B99E-5462-49A2-A03C-24AB48BC456E}">
-      <dgm:prSet phldrT="[Texte]">
-        <dgm:style>
-          <a:lnRef idx="1">
-            <a:schemeClr val="accent1"/>
-          </a:lnRef>
-          <a:fillRef idx="2">
-            <a:schemeClr val="accent1"/>
-          </a:fillRef>
-          <a:effectRef idx="1">
-            <a:schemeClr val="accent1"/>
-          </a:effectRef>
-          <a:fontRef idx="minor">
-            <a:schemeClr val="dk1"/>
-          </a:fontRef>
-        </dgm:style>
-      </dgm:prSet>
-      <dgm:spPr>
-        <a:ln>
-          <a:solidFill>
-            <a:schemeClr val="accent1">
-              <a:lumMod val="50000"/>
-            </a:schemeClr>
-          </a:solidFill>
-        </a:ln>
-      </dgm:spPr>
-      <dgm:t>
-        <a:bodyPr/>
-        <a:lstStyle/>
-        <a:p>
-          <a:r>
-            <a:rPr lang="fr-FR" dirty="0" smtClean="0"/>
-            <a:t>Introduction</a:t>
-          </a:r>
-        </a:p>
-        <a:p>
-          <a:endParaRPr lang="fr-FR" dirty="0"/>
-        </a:p>
-      </dgm:t>
-    </dgm:pt>
-    <dgm:pt modelId="{1092C367-0432-444F-9F53-B1428AA8D0F6}" type="parTrans" cxnId="{54D90382-7189-4EE4-9DFB-9D2873C61282}">
-      <dgm:prSet/>
-      <dgm:spPr/>
-      <dgm:t>
-        <a:bodyPr/>
-        <a:lstStyle/>
-        <a:p>
-          <a:endParaRPr lang="fr-FR"/>
-        </a:p>
-      </dgm:t>
-    </dgm:pt>
-    <dgm:pt modelId="{A39C3149-A461-49E6-B05A-95299AB1C57D}" type="sibTrans" cxnId="{54D90382-7189-4EE4-9DFB-9D2873C61282}">
-      <dgm:prSet/>
-      <dgm:spPr/>
-      <dgm:t>
-        <a:bodyPr/>
-        <a:lstStyle/>
-        <a:p>
-          <a:endParaRPr lang="fr-FR"/>
-        </a:p>
-      </dgm:t>
     </dgm:pt>
     <dgm:pt modelId="{0D50FE57-3871-47C9-91F2-FC9AEC2898B6}">
       <dgm:prSet phldrT="[Texte]">
@@ -9165,6 +9139,66 @@
         </a:p>
       </dgm:t>
     </dgm:pt>
+    <dgm:pt modelId="{6936CB39-EF12-4F5E-94C9-E40335E4E5CF}">
+      <dgm:prSet phldrT="[Texte]">
+        <dgm:style>
+          <a:lnRef idx="1">
+            <a:schemeClr val="accent1"/>
+          </a:lnRef>
+          <a:fillRef idx="2">
+            <a:schemeClr val="accent1"/>
+          </a:fillRef>
+          <a:effectRef idx="1">
+            <a:schemeClr val="accent1"/>
+          </a:effectRef>
+          <a:fontRef idx="minor">
+            <a:schemeClr val="dk1"/>
+          </a:fontRef>
+        </dgm:style>
+      </dgm:prSet>
+      <dgm:spPr>
+        <a:ln>
+          <a:solidFill>
+            <a:schemeClr val="accent1">
+              <a:lumMod val="50000"/>
+            </a:schemeClr>
+          </a:solidFill>
+        </a:ln>
+      </dgm:spPr>
+      <dgm:t>
+        <a:bodyPr/>
+        <a:lstStyle/>
+        <a:p>
+          <a:r>
+            <a:rPr lang="fr-FR" dirty="0" smtClean="0"/>
+            <a:t>Introduction</a:t>
+          </a:r>
+          <a:endParaRPr lang="fr-FR" dirty="0"/>
+        </a:p>
+      </dgm:t>
+    </dgm:pt>
+    <dgm:pt modelId="{2FAECF1B-78AD-4043-97D7-290C0367F691}" type="parTrans" cxnId="{525FC197-A2F2-4A4F-BEAC-E24CA262EBD2}">
+      <dgm:prSet/>
+      <dgm:spPr/>
+      <dgm:t>
+        <a:bodyPr/>
+        <a:lstStyle/>
+        <a:p>
+          <a:endParaRPr lang="fr-FR"/>
+        </a:p>
+      </dgm:t>
+    </dgm:pt>
+    <dgm:pt modelId="{1BC3D61B-EC34-4739-B6E2-29B6237F114D}" type="sibTrans" cxnId="{525FC197-A2F2-4A4F-BEAC-E24CA262EBD2}">
+      <dgm:prSet/>
+      <dgm:spPr/>
+      <dgm:t>
+        <a:bodyPr/>
+        <a:lstStyle/>
+        <a:p>
+          <a:endParaRPr lang="fr-FR"/>
+        </a:p>
+      </dgm:t>
+    </dgm:pt>
     <dgm:pt modelId="{E705A0BF-53A3-4705-8EC7-8B330F477F3D}" type="pres">
       <dgm:prSet presAssocID="{7FB0DD14-595B-4E19-ADBE-0F7EE5B082D8}" presName="Name0" presStyleCnt="0">
         <dgm:presLayoutVars>
@@ -9175,8 +9209,8 @@
       </dgm:prSet>
       <dgm:spPr/>
     </dgm:pt>
-    <dgm:pt modelId="{6946C9EC-A73E-45A6-A8B3-835A416D7240}" type="pres">
-      <dgm:prSet presAssocID="{5BC8B99E-5462-49A2-A03C-24AB48BC456E}" presName="parTxOnly" presStyleLbl="node1" presStyleIdx="0" presStyleCnt="7">
+    <dgm:pt modelId="{09DD5310-5B61-40E9-A1B1-5F25C1EABB6C}" type="pres">
+      <dgm:prSet presAssocID="{6936CB39-EF12-4F5E-94C9-E40335E4E5CF}" presName="parTxOnly" presStyleLbl="node1" presStyleIdx="0" presStyleCnt="7">
         <dgm:presLayoutVars>
           <dgm:chMax val="0"/>
           <dgm:chPref val="0"/>
@@ -9192,8 +9226,8 @@
         </a:p>
       </dgm:t>
     </dgm:pt>
-    <dgm:pt modelId="{E5D22FC7-1BCE-42F9-8053-A514C658AE7A}" type="pres">
-      <dgm:prSet presAssocID="{A39C3149-A461-49E6-B05A-95299AB1C57D}" presName="parTxOnlySpace" presStyleCnt="0"/>
+    <dgm:pt modelId="{2F4234E2-56B5-4641-9C54-CCD91F1ACEC2}" type="pres">
+      <dgm:prSet presAssocID="{1BC3D61B-EC34-4739-B6E2-29B6237F114D}" presName="parTxOnlySpace" presStyleCnt="0"/>
       <dgm:spPr/>
     </dgm:pt>
     <dgm:pt modelId="{1CDE8902-EAE1-4633-9A12-AA6C6036B1E6}" type="pres">
@@ -9205,6 +9239,13 @@
         </dgm:presLayoutVars>
       </dgm:prSet>
       <dgm:spPr/>
+      <dgm:t>
+        <a:bodyPr/>
+        <a:lstStyle/>
+        <a:p>
+          <a:endParaRPr lang="fr-FR"/>
+        </a:p>
+      </dgm:t>
     </dgm:pt>
     <dgm:pt modelId="{F483769F-1EE1-4C51-BB75-304463DC308B}" type="pres">
       <dgm:prSet presAssocID="{7CF65164-B9E3-49A8-AB4C-D95E889F3F46}" presName="parTxOnlySpace" presStyleCnt="0"/>
@@ -9303,26 +9344,33 @@
         </dgm:presLayoutVars>
       </dgm:prSet>
       <dgm:spPr/>
+      <dgm:t>
+        <a:bodyPr/>
+        <a:lstStyle/>
+        <a:p>
+          <a:endParaRPr lang="fr-FR"/>
+        </a:p>
+      </dgm:t>
     </dgm:pt>
   </dgm:ptLst>
   <dgm:cxnLst>
+    <dgm:cxn modelId="{E67E9328-C4E0-4672-8D05-64AA31BB06A5}" type="presOf" srcId="{7FB0DD14-595B-4E19-ADBE-0F7EE5B082D8}" destId="{E705A0BF-53A3-4705-8EC7-8B330F477F3D}" srcOrd="0" destOrd="0" presId="urn:microsoft.com/office/officeart/2005/8/layout/chevron1"/>
     <dgm:cxn modelId="{A50474F7-E3C6-4F02-A8B4-0EB2BFA2C137}" srcId="{7FB0DD14-595B-4E19-ADBE-0F7EE5B082D8}" destId="{B42D296B-1B1D-4696-ADBE-D1380A94AD2E}" srcOrd="3" destOrd="0" parTransId="{DA5B4B1B-3D9B-4E56-8245-77ED5977C157}" sibTransId="{651207D0-38E5-4EA1-811F-155DCD122464}"/>
-    <dgm:cxn modelId="{E67E9328-C4E0-4672-8D05-64AA31BB06A5}" type="presOf" srcId="{7FB0DD14-595B-4E19-ADBE-0F7EE5B082D8}" destId="{E705A0BF-53A3-4705-8EC7-8B330F477F3D}" srcOrd="0" destOrd="0" presId="urn:microsoft.com/office/officeart/2005/8/layout/chevron1"/>
+    <dgm:cxn modelId="{525FC197-A2F2-4A4F-BEAC-E24CA262EBD2}" srcId="{7FB0DD14-595B-4E19-ADBE-0F7EE5B082D8}" destId="{6936CB39-EF12-4F5E-94C9-E40335E4E5CF}" srcOrd="0" destOrd="0" parTransId="{2FAECF1B-78AD-4043-97D7-290C0367F691}" sibTransId="{1BC3D61B-EC34-4739-B6E2-29B6237F114D}"/>
     <dgm:cxn modelId="{35A9685B-226C-411A-BF7E-B3AD6EDE749C}" srcId="{7FB0DD14-595B-4E19-ADBE-0F7EE5B082D8}" destId="{D8FE1F33-9D60-4B12-AF5C-6F5E6641DAAA}" srcOrd="2" destOrd="0" parTransId="{F2B1FB01-F637-4642-8C09-981A0D47BB09}" sibTransId="{377BDBFC-514A-41E2-8138-AE8B3D410EEB}"/>
     <dgm:cxn modelId="{4FB5AB54-8379-41BF-87F8-B261892A7C0C}" type="presOf" srcId="{6D25C8EF-83C7-4A95-A977-B26A30C3D7D8}" destId="{1CDE8902-EAE1-4633-9A12-AA6C6036B1E6}" srcOrd="0" destOrd="0" presId="urn:microsoft.com/office/officeart/2005/8/layout/chevron1"/>
     <dgm:cxn modelId="{25AE3FFC-56E3-4B8B-A701-1ECE6C612AC2}" type="presOf" srcId="{B311DFB7-B845-434F-8D77-3FC0BD08DC7F}" destId="{FBB2542C-499A-4E5D-B179-5389E562ACE6}" srcOrd="0" destOrd="0" presId="urn:microsoft.com/office/officeart/2005/8/layout/chevron1"/>
     <dgm:cxn modelId="{391EE9FF-C7D8-4664-A77A-A709525460A5}" srcId="{7FB0DD14-595B-4E19-ADBE-0F7EE5B082D8}" destId="{B311DFB7-B845-434F-8D77-3FC0BD08DC7F}" srcOrd="5" destOrd="0" parTransId="{57172167-7A38-4CEB-A51A-23777FF04B48}" sibTransId="{B7851186-24D5-4582-B604-90DF058E1F47}"/>
     <dgm:cxn modelId="{44097CA7-CC00-43EC-9934-C91AB719836D}" type="presOf" srcId="{0D50FE57-3871-47C9-91F2-FC9AEC2898B6}" destId="{7683EB31-29B2-4622-87F7-53F752C057FF}" srcOrd="0" destOrd="0" presId="urn:microsoft.com/office/officeart/2005/8/layout/chevron1"/>
-    <dgm:cxn modelId="{C378FDE2-2508-45A6-B5E7-9743528AE95C}" type="presOf" srcId="{5BC8B99E-5462-49A2-A03C-24AB48BC456E}" destId="{6946C9EC-A73E-45A6-A8B3-835A416D7240}" srcOrd="0" destOrd="0" presId="urn:microsoft.com/office/officeart/2005/8/layout/chevron1"/>
     <dgm:cxn modelId="{E530928F-05B2-4984-B9C1-E8EBA3D00ED9}" type="presOf" srcId="{DD0D8DD9-4191-4FC1-A26D-449BF9D9A786}" destId="{6C143154-07D3-4E59-82E8-19A05DCBA13F}" srcOrd="0" destOrd="0" presId="urn:microsoft.com/office/officeart/2005/8/layout/chevron1"/>
-    <dgm:cxn modelId="{54D90382-7189-4EE4-9DFB-9D2873C61282}" srcId="{7FB0DD14-595B-4E19-ADBE-0F7EE5B082D8}" destId="{5BC8B99E-5462-49A2-A03C-24AB48BC456E}" srcOrd="0" destOrd="0" parTransId="{1092C367-0432-444F-9F53-B1428AA8D0F6}" sibTransId="{A39C3149-A461-49E6-B05A-95299AB1C57D}"/>
+    <dgm:cxn modelId="{08F7A923-C679-4B06-8779-C2CD9CA44A38}" type="presOf" srcId="{6936CB39-EF12-4F5E-94C9-E40335E4E5CF}" destId="{09DD5310-5B61-40E9-A1B1-5F25C1EABB6C}" srcOrd="0" destOrd="0" presId="urn:microsoft.com/office/officeart/2005/8/layout/chevron1"/>
     <dgm:cxn modelId="{5E1DD916-A42B-4681-8E1F-2A90207890A6}" type="presOf" srcId="{D8FE1F33-9D60-4B12-AF5C-6F5E6641DAAA}" destId="{E5F67A2B-BC5E-45CA-A54C-64F38F7542AA}" srcOrd="0" destOrd="0" presId="urn:microsoft.com/office/officeart/2005/8/layout/chevron1"/>
     <dgm:cxn modelId="{5EAA3CBB-D2B2-458E-9548-399B7FC9919D}" type="presOf" srcId="{B42D296B-1B1D-4696-ADBE-D1380A94AD2E}" destId="{11D68FBA-00DF-4890-A532-D4283C1129ED}" srcOrd="0" destOrd="0" presId="urn:microsoft.com/office/officeart/2005/8/layout/chevron1"/>
     <dgm:cxn modelId="{4369BD3D-6EF5-477A-9E34-F567F46088EA}" srcId="{7FB0DD14-595B-4E19-ADBE-0F7EE5B082D8}" destId="{0D50FE57-3871-47C9-91F2-FC9AEC2898B6}" srcOrd="4" destOrd="0" parTransId="{5D936467-EE85-44DD-BCF0-56C41D0DB073}" sibTransId="{FA372B7B-0BC5-413E-AE87-E564CFA65B66}"/>
     <dgm:cxn modelId="{5D1893A6-26EF-4DA3-9B99-3FEDF647C7BE}" srcId="{7FB0DD14-595B-4E19-ADBE-0F7EE5B082D8}" destId="{6D25C8EF-83C7-4A95-A977-B26A30C3D7D8}" srcOrd="1" destOrd="0" parTransId="{94EA6F62-F59C-4A25-ABA6-69069EBB765F}" sibTransId="{7CF65164-B9E3-49A8-AB4C-D95E889F3F46}"/>
     <dgm:cxn modelId="{0271FF49-CDAE-4EEA-B19C-7E5BB413FBC0}" srcId="{7FB0DD14-595B-4E19-ADBE-0F7EE5B082D8}" destId="{DD0D8DD9-4191-4FC1-A26D-449BF9D9A786}" srcOrd="6" destOrd="0" parTransId="{F17C0891-744B-4545-AA8F-F02750446AA8}" sibTransId="{C0EB1B55-6E14-4503-9521-5CAE0B853396}"/>
-    <dgm:cxn modelId="{FAFC1CEE-E826-4593-8D13-6A38C7FF4669}" type="presParOf" srcId="{E705A0BF-53A3-4705-8EC7-8B330F477F3D}" destId="{6946C9EC-A73E-45A6-A8B3-835A416D7240}" srcOrd="0" destOrd="0" presId="urn:microsoft.com/office/officeart/2005/8/layout/chevron1"/>
-    <dgm:cxn modelId="{3E37513B-A478-4B86-968C-AA58CD7D5960}" type="presParOf" srcId="{E705A0BF-53A3-4705-8EC7-8B330F477F3D}" destId="{E5D22FC7-1BCE-42F9-8053-A514C658AE7A}" srcOrd="1" destOrd="0" presId="urn:microsoft.com/office/officeart/2005/8/layout/chevron1"/>
+    <dgm:cxn modelId="{86A413B6-F89C-4313-837E-96C757F4FFC5}" type="presParOf" srcId="{E705A0BF-53A3-4705-8EC7-8B330F477F3D}" destId="{09DD5310-5B61-40E9-A1B1-5F25C1EABB6C}" srcOrd="0" destOrd="0" presId="urn:microsoft.com/office/officeart/2005/8/layout/chevron1"/>
+    <dgm:cxn modelId="{E629C59C-CBCB-4C10-9D8A-08713533EDE1}" type="presParOf" srcId="{E705A0BF-53A3-4705-8EC7-8B330F477F3D}" destId="{2F4234E2-56B5-4641-9C54-CCD91F1ACEC2}" srcOrd="1" destOrd="0" presId="urn:microsoft.com/office/officeart/2005/8/layout/chevron1"/>
     <dgm:cxn modelId="{9721ABBF-2950-471C-958A-E33944D8841A}" type="presParOf" srcId="{E705A0BF-53A3-4705-8EC7-8B330F477F3D}" destId="{1CDE8902-EAE1-4633-9A12-AA6C6036B1E6}" srcOrd="2" destOrd="0" presId="urn:microsoft.com/office/officeart/2005/8/layout/chevron1"/>
     <dgm:cxn modelId="{E2064E64-8AAA-4366-904E-E68F8CFF6DAD}" type="presParOf" srcId="{E705A0BF-53A3-4705-8EC7-8B330F477F3D}" destId="{F483769F-1EE1-4C51-BB75-304463DC308B}" srcOrd="3" destOrd="0" presId="urn:microsoft.com/office/officeart/2005/8/layout/chevron1"/>
     <dgm:cxn modelId="{466FB4B6-0886-4809-94BA-54BF33D00049}" type="presParOf" srcId="{E705A0BF-53A3-4705-8EC7-8B330F477F3D}" destId="{E5F67A2B-BC5E-45CA-A54C-64F38F7542AA}" srcOrd="4" destOrd="0" presId="urn:microsoft.com/office/officeart/2005/8/layout/chevron1"/>
@@ -9351,68 +9399,6 @@
     <dgm:pt modelId="{7FB0DD14-595B-4E19-ADBE-0F7EE5B082D8}" type="doc">
       <dgm:prSet loTypeId="urn:microsoft.com/office/officeart/2005/8/layout/chevron1" loCatId="process" qsTypeId="urn:microsoft.com/office/officeart/2005/8/quickstyle/simple1" qsCatId="simple" csTypeId="urn:microsoft.com/office/officeart/2005/8/colors/accent1_2" csCatId="accent1" phldr="1"/>
       <dgm:spPr/>
-    </dgm:pt>
-    <dgm:pt modelId="{5BC8B99E-5462-49A2-A03C-24AB48BC456E}">
-      <dgm:prSet phldrT="[Texte]">
-        <dgm:style>
-          <a:lnRef idx="1">
-            <a:schemeClr val="accent1"/>
-          </a:lnRef>
-          <a:fillRef idx="2">
-            <a:schemeClr val="accent1"/>
-          </a:fillRef>
-          <a:effectRef idx="1">
-            <a:schemeClr val="accent1"/>
-          </a:effectRef>
-          <a:fontRef idx="minor">
-            <a:schemeClr val="dk1"/>
-          </a:fontRef>
-        </dgm:style>
-      </dgm:prSet>
-      <dgm:spPr>
-        <a:ln>
-          <a:solidFill>
-            <a:schemeClr val="accent1">
-              <a:lumMod val="50000"/>
-            </a:schemeClr>
-          </a:solidFill>
-        </a:ln>
-      </dgm:spPr>
-      <dgm:t>
-        <a:bodyPr/>
-        <a:lstStyle/>
-        <a:p>
-          <a:r>
-            <a:rPr lang="fr-FR" dirty="0" smtClean="0"/>
-            <a:t>Introduction</a:t>
-          </a:r>
-        </a:p>
-        <a:p>
-          <a:endParaRPr lang="fr-FR" dirty="0"/>
-        </a:p>
-      </dgm:t>
-    </dgm:pt>
-    <dgm:pt modelId="{1092C367-0432-444F-9F53-B1428AA8D0F6}" type="parTrans" cxnId="{54D90382-7189-4EE4-9DFB-9D2873C61282}">
-      <dgm:prSet/>
-      <dgm:spPr/>
-      <dgm:t>
-        <a:bodyPr/>
-        <a:lstStyle/>
-        <a:p>
-          <a:endParaRPr lang="fr-FR"/>
-        </a:p>
-      </dgm:t>
-    </dgm:pt>
-    <dgm:pt modelId="{A39C3149-A461-49E6-B05A-95299AB1C57D}" type="sibTrans" cxnId="{54D90382-7189-4EE4-9DFB-9D2873C61282}">
-      <dgm:prSet/>
-      <dgm:spPr/>
-      <dgm:t>
-        <a:bodyPr/>
-        <a:lstStyle/>
-        <a:p>
-          <a:endParaRPr lang="fr-FR"/>
-        </a:p>
-      </dgm:t>
     </dgm:pt>
     <dgm:pt modelId="{0D50FE57-3871-47C9-91F2-FC9AEC2898B6}">
       <dgm:prSet phldrT="[Texte]">
@@ -9786,6 +9772,66 @@
         </a:p>
       </dgm:t>
     </dgm:pt>
+    <dgm:pt modelId="{1698154E-EAAD-4553-AED8-22D5E7770EA9}">
+      <dgm:prSet phldrT="[Texte]">
+        <dgm:style>
+          <a:lnRef idx="1">
+            <a:schemeClr val="accent1"/>
+          </a:lnRef>
+          <a:fillRef idx="2">
+            <a:schemeClr val="accent1"/>
+          </a:fillRef>
+          <a:effectRef idx="1">
+            <a:schemeClr val="accent1"/>
+          </a:effectRef>
+          <a:fontRef idx="minor">
+            <a:schemeClr val="dk1"/>
+          </a:fontRef>
+        </dgm:style>
+      </dgm:prSet>
+      <dgm:spPr>
+        <a:ln>
+          <a:solidFill>
+            <a:schemeClr val="accent1">
+              <a:lumMod val="50000"/>
+            </a:schemeClr>
+          </a:solidFill>
+        </a:ln>
+      </dgm:spPr>
+      <dgm:t>
+        <a:bodyPr/>
+        <a:lstStyle/>
+        <a:p>
+          <a:r>
+            <a:rPr lang="fr-FR" dirty="0" smtClean="0"/>
+            <a:t>Introduction</a:t>
+          </a:r>
+          <a:endParaRPr lang="fr-FR" dirty="0"/>
+        </a:p>
+      </dgm:t>
+    </dgm:pt>
+    <dgm:pt modelId="{B3900DE1-F576-4183-933C-675B7F47364A}" type="parTrans" cxnId="{ED514609-2529-4943-8366-DB0ACCA68C3C}">
+      <dgm:prSet/>
+      <dgm:spPr/>
+      <dgm:t>
+        <a:bodyPr/>
+        <a:lstStyle/>
+        <a:p>
+          <a:endParaRPr lang="fr-FR"/>
+        </a:p>
+      </dgm:t>
+    </dgm:pt>
+    <dgm:pt modelId="{A7E647A1-EE08-44DE-8FDB-067552E5CF30}" type="sibTrans" cxnId="{ED514609-2529-4943-8366-DB0ACCA68C3C}">
+      <dgm:prSet/>
+      <dgm:spPr/>
+      <dgm:t>
+        <a:bodyPr/>
+        <a:lstStyle/>
+        <a:p>
+          <a:endParaRPr lang="fr-FR"/>
+        </a:p>
+      </dgm:t>
+    </dgm:pt>
     <dgm:pt modelId="{E705A0BF-53A3-4705-8EC7-8B330F477F3D}" type="pres">
       <dgm:prSet presAssocID="{7FB0DD14-595B-4E19-ADBE-0F7EE5B082D8}" presName="Name0" presStyleCnt="0">
         <dgm:presLayoutVars>
@@ -9796,8 +9842,8 @@
       </dgm:prSet>
       <dgm:spPr/>
     </dgm:pt>
-    <dgm:pt modelId="{6946C9EC-A73E-45A6-A8B3-835A416D7240}" type="pres">
-      <dgm:prSet presAssocID="{5BC8B99E-5462-49A2-A03C-24AB48BC456E}" presName="parTxOnly" presStyleLbl="node1" presStyleIdx="0" presStyleCnt="7">
+    <dgm:pt modelId="{32E31E59-B96B-4668-9373-31270A70F499}" type="pres">
+      <dgm:prSet presAssocID="{1698154E-EAAD-4553-AED8-22D5E7770EA9}" presName="parTxOnly" presStyleLbl="node1" presStyleIdx="0" presStyleCnt="7">
         <dgm:presLayoutVars>
           <dgm:chMax val="0"/>
           <dgm:chPref val="0"/>
@@ -9813,8 +9859,8 @@
         </a:p>
       </dgm:t>
     </dgm:pt>
-    <dgm:pt modelId="{E5D22FC7-1BCE-42F9-8053-A514C658AE7A}" type="pres">
-      <dgm:prSet presAssocID="{A39C3149-A461-49E6-B05A-95299AB1C57D}" presName="parTxOnlySpace" presStyleCnt="0"/>
+    <dgm:pt modelId="{EE62A633-7CF0-47A4-9C49-CFD97FF8A9B7}" type="pres">
+      <dgm:prSet presAssocID="{A7E647A1-EE08-44DE-8FDB-067552E5CF30}" presName="parTxOnlySpace" presStyleCnt="0"/>
       <dgm:spPr/>
     </dgm:pt>
     <dgm:pt modelId="{1CDE8902-EAE1-4633-9A12-AA6C6036B1E6}" type="pres">
@@ -9826,6 +9872,13 @@
         </dgm:presLayoutVars>
       </dgm:prSet>
       <dgm:spPr/>
+      <dgm:t>
+        <a:bodyPr/>
+        <a:lstStyle/>
+        <a:p>
+          <a:endParaRPr lang="fr-FR"/>
+        </a:p>
+      </dgm:t>
     </dgm:pt>
     <dgm:pt modelId="{F483769F-1EE1-4C51-BB75-304463DC308B}" type="pres">
       <dgm:prSet presAssocID="{7CF65164-B9E3-49A8-AB4C-D95E889F3F46}" presName="parTxOnlySpace" presStyleCnt="0"/>
@@ -9924,26 +9977,33 @@
         </dgm:presLayoutVars>
       </dgm:prSet>
       <dgm:spPr/>
+      <dgm:t>
+        <a:bodyPr/>
+        <a:lstStyle/>
+        <a:p>
+          <a:endParaRPr lang="fr-FR"/>
+        </a:p>
+      </dgm:t>
     </dgm:pt>
   </dgm:ptLst>
   <dgm:cxnLst>
+    <dgm:cxn modelId="{E5D010AD-ED8A-4960-9359-F7414887F9A3}" type="presOf" srcId="{7FB0DD14-595B-4E19-ADBE-0F7EE5B082D8}" destId="{E705A0BF-53A3-4705-8EC7-8B330F477F3D}" srcOrd="0" destOrd="0" presId="urn:microsoft.com/office/officeart/2005/8/layout/chevron1"/>
     <dgm:cxn modelId="{A50474F7-E3C6-4F02-A8B4-0EB2BFA2C137}" srcId="{7FB0DD14-595B-4E19-ADBE-0F7EE5B082D8}" destId="{B42D296B-1B1D-4696-ADBE-D1380A94AD2E}" srcOrd="3" destOrd="0" parTransId="{DA5B4B1B-3D9B-4E56-8245-77ED5977C157}" sibTransId="{651207D0-38E5-4EA1-811F-155DCD122464}"/>
-    <dgm:cxn modelId="{E5D010AD-ED8A-4960-9359-F7414887F9A3}" type="presOf" srcId="{7FB0DD14-595B-4E19-ADBE-0F7EE5B082D8}" destId="{E705A0BF-53A3-4705-8EC7-8B330F477F3D}" srcOrd="0" destOrd="0" presId="urn:microsoft.com/office/officeart/2005/8/layout/chevron1"/>
     <dgm:cxn modelId="{B3E845D8-C32E-4077-B40F-7AD6E9083869}" type="presOf" srcId="{DD0D8DD9-4191-4FC1-A26D-449BF9D9A786}" destId="{6C143154-07D3-4E59-82E8-19A05DCBA13F}" srcOrd="0" destOrd="0" presId="urn:microsoft.com/office/officeart/2005/8/layout/chevron1"/>
     <dgm:cxn modelId="{35A9685B-226C-411A-BF7E-B3AD6EDE749C}" srcId="{7FB0DD14-595B-4E19-ADBE-0F7EE5B082D8}" destId="{D8FE1F33-9D60-4B12-AF5C-6F5E6641DAAA}" srcOrd="2" destOrd="0" parTransId="{F2B1FB01-F637-4642-8C09-981A0D47BB09}" sibTransId="{377BDBFC-514A-41E2-8138-AE8B3D410EEB}"/>
     <dgm:cxn modelId="{93284C91-7F1C-4458-8E8E-FB90B19A2C7C}" type="presOf" srcId="{D8FE1F33-9D60-4B12-AF5C-6F5E6641DAAA}" destId="{E5F67A2B-BC5E-45CA-A54C-64F38F7542AA}" srcOrd="0" destOrd="0" presId="urn:microsoft.com/office/officeart/2005/8/layout/chevron1"/>
-    <dgm:cxn modelId="{B0BA7FC7-8F90-4421-9F86-A9244C7E76B2}" type="presOf" srcId="{5BC8B99E-5462-49A2-A03C-24AB48BC456E}" destId="{6946C9EC-A73E-45A6-A8B3-835A416D7240}" srcOrd="0" destOrd="0" presId="urn:microsoft.com/office/officeart/2005/8/layout/chevron1"/>
     <dgm:cxn modelId="{391EE9FF-C7D8-4664-A77A-A709525460A5}" srcId="{7FB0DD14-595B-4E19-ADBE-0F7EE5B082D8}" destId="{B311DFB7-B845-434F-8D77-3FC0BD08DC7F}" srcOrd="5" destOrd="0" parTransId="{57172167-7A38-4CEB-A51A-23777FF04B48}" sibTransId="{B7851186-24D5-4582-B604-90DF058E1F47}"/>
-    <dgm:cxn modelId="{54D90382-7189-4EE4-9DFB-9D2873C61282}" srcId="{7FB0DD14-595B-4E19-ADBE-0F7EE5B082D8}" destId="{5BC8B99E-5462-49A2-A03C-24AB48BC456E}" srcOrd="0" destOrd="0" parTransId="{1092C367-0432-444F-9F53-B1428AA8D0F6}" sibTransId="{A39C3149-A461-49E6-B05A-95299AB1C57D}"/>
+    <dgm:cxn modelId="{ED514609-2529-4943-8366-DB0ACCA68C3C}" srcId="{7FB0DD14-595B-4E19-ADBE-0F7EE5B082D8}" destId="{1698154E-EAAD-4553-AED8-22D5E7770EA9}" srcOrd="0" destOrd="0" parTransId="{B3900DE1-F576-4183-933C-675B7F47364A}" sibTransId="{A7E647A1-EE08-44DE-8FDB-067552E5CF30}"/>
+    <dgm:cxn modelId="{3F37142F-C3CC-427D-A692-A79B7E7206D8}" type="presOf" srcId="{B311DFB7-B845-434F-8D77-3FC0BD08DC7F}" destId="{FBB2542C-499A-4E5D-B179-5389E562ACE6}" srcOrd="0" destOrd="0" presId="urn:microsoft.com/office/officeart/2005/8/layout/chevron1"/>
     <dgm:cxn modelId="{71DC588A-6680-4ADF-8E9B-B5AE61EE585A}" type="presOf" srcId="{6D25C8EF-83C7-4A95-A977-B26A30C3D7D8}" destId="{1CDE8902-EAE1-4633-9A12-AA6C6036B1E6}" srcOrd="0" destOrd="0" presId="urn:microsoft.com/office/officeart/2005/8/layout/chevron1"/>
-    <dgm:cxn modelId="{3F37142F-C3CC-427D-A692-A79B7E7206D8}" type="presOf" srcId="{B311DFB7-B845-434F-8D77-3FC0BD08DC7F}" destId="{FBB2542C-499A-4E5D-B179-5389E562ACE6}" srcOrd="0" destOrd="0" presId="urn:microsoft.com/office/officeart/2005/8/layout/chevron1"/>
     <dgm:cxn modelId="{4520416F-91DD-4904-9F29-7A31AE0FCC06}" type="presOf" srcId="{B42D296B-1B1D-4696-ADBE-D1380A94AD2E}" destId="{11D68FBA-00DF-4890-A532-D4283C1129ED}" srcOrd="0" destOrd="0" presId="urn:microsoft.com/office/officeart/2005/8/layout/chevron1"/>
     <dgm:cxn modelId="{EEFF2A3D-D0E6-472A-A3C2-1E55D71E7AD5}" type="presOf" srcId="{0D50FE57-3871-47C9-91F2-FC9AEC2898B6}" destId="{7683EB31-29B2-4622-87F7-53F752C057FF}" srcOrd="0" destOrd="0" presId="urn:microsoft.com/office/officeart/2005/8/layout/chevron1"/>
     <dgm:cxn modelId="{4369BD3D-6EF5-477A-9E34-F567F46088EA}" srcId="{7FB0DD14-595B-4E19-ADBE-0F7EE5B082D8}" destId="{0D50FE57-3871-47C9-91F2-FC9AEC2898B6}" srcOrd="4" destOrd="0" parTransId="{5D936467-EE85-44DD-BCF0-56C41D0DB073}" sibTransId="{FA372B7B-0BC5-413E-AE87-E564CFA65B66}"/>
+    <dgm:cxn modelId="{AB251B99-2B9A-4F66-B62E-9E0ADB621A63}" type="presOf" srcId="{1698154E-EAAD-4553-AED8-22D5E7770EA9}" destId="{32E31E59-B96B-4668-9373-31270A70F499}" srcOrd="0" destOrd="0" presId="urn:microsoft.com/office/officeart/2005/8/layout/chevron1"/>
     <dgm:cxn modelId="{5D1893A6-26EF-4DA3-9B99-3FEDF647C7BE}" srcId="{7FB0DD14-595B-4E19-ADBE-0F7EE5B082D8}" destId="{6D25C8EF-83C7-4A95-A977-B26A30C3D7D8}" srcOrd="1" destOrd="0" parTransId="{94EA6F62-F59C-4A25-ABA6-69069EBB765F}" sibTransId="{7CF65164-B9E3-49A8-AB4C-D95E889F3F46}"/>
     <dgm:cxn modelId="{0271FF49-CDAE-4EEA-B19C-7E5BB413FBC0}" srcId="{7FB0DD14-595B-4E19-ADBE-0F7EE5B082D8}" destId="{DD0D8DD9-4191-4FC1-A26D-449BF9D9A786}" srcOrd="6" destOrd="0" parTransId="{F17C0891-744B-4545-AA8F-F02750446AA8}" sibTransId="{C0EB1B55-6E14-4503-9521-5CAE0B853396}"/>
-    <dgm:cxn modelId="{66705316-DF53-4DD9-9D37-2A104E44267A}" type="presParOf" srcId="{E705A0BF-53A3-4705-8EC7-8B330F477F3D}" destId="{6946C9EC-A73E-45A6-A8B3-835A416D7240}" srcOrd="0" destOrd="0" presId="urn:microsoft.com/office/officeart/2005/8/layout/chevron1"/>
-    <dgm:cxn modelId="{D1E65208-31E5-4565-888F-14183417797D}" type="presParOf" srcId="{E705A0BF-53A3-4705-8EC7-8B330F477F3D}" destId="{E5D22FC7-1BCE-42F9-8053-A514C658AE7A}" srcOrd="1" destOrd="0" presId="urn:microsoft.com/office/officeart/2005/8/layout/chevron1"/>
+    <dgm:cxn modelId="{CDFD389B-A4CF-42DD-9FDA-E3236A41966E}" type="presParOf" srcId="{E705A0BF-53A3-4705-8EC7-8B330F477F3D}" destId="{32E31E59-B96B-4668-9373-31270A70F499}" srcOrd="0" destOrd="0" presId="urn:microsoft.com/office/officeart/2005/8/layout/chevron1"/>
+    <dgm:cxn modelId="{4540E747-7725-4A38-A811-A65010F5132A}" type="presParOf" srcId="{E705A0BF-53A3-4705-8EC7-8B330F477F3D}" destId="{EE62A633-7CF0-47A4-9C49-CFD97FF8A9B7}" srcOrd="1" destOrd="0" presId="urn:microsoft.com/office/officeart/2005/8/layout/chevron1"/>
     <dgm:cxn modelId="{7006AA6B-D06E-4BDE-A4AD-A1AAF4E22B62}" type="presParOf" srcId="{E705A0BF-53A3-4705-8EC7-8B330F477F3D}" destId="{1CDE8902-EAE1-4633-9A12-AA6C6036B1E6}" srcOrd="2" destOrd="0" presId="urn:microsoft.com/office/officeart/2005/8/layout/chevron1"/>
     <dgm:cxn modelId="{96CC9289-90D5-4AF7-B86F-C266B26CD47F}" type="presParOf" srcId="{E705A0BF-53A3-4705-8EC7-8B330F477F3D}" destId="{F483769F-1EE1-4C51-BB75-304463DC308B}" srcOrd="3" destOrd="0" presId="urn:microsoft.com/office/officeart/2005/8/layout/chevron1"/>
     <dgm:cxn modelId="{A9072F67-63BF-4222-A7B2-ABBB180A6F72}" type="presParOf" srcId="{E705A0BF-53A3-4705-8EC7-8B330F477F3D}" destId="{E5F67A2B-BC5E-45CA-A54C-64F38F7542AA}" srcOrd="4" destOrd="0" presId="urn:microsoft.com/office/officeart/2005/8/layout/chevron1"/>
@@ -9972,68 +10032,6 @@
     <dgm:pt modelId="{7FB0DD14-595B-4E19-ADBE-0F7EE5B082D8}" type="doc">
       <dgm:prSet loTypeId="urn:microsoft.com/office/officeart/2005/8/layout/chevron1" loCatId="process" qsTypeId="urn:microsoft.com/office/officeart/2005/8/quickstyle/simple1" qsCatId="simple" csTypeId="urn:microsoft.com/office/officeart/2005/8/colors/accent1_2" csCatId="accent1" phldr="1"/>
       <dgm:spPr/>
-    </dgm:pt>
-    <dgm:pt modelId="{5BC8B99E-5462-49A2-A03C-24AB48BC456E}">
-      <dgm:prSet phldrT="[Texte]">
-        <dgm:style>
-          <a:lnRef idx="1">
-            <a:schemeClr val="accent1"/>
-          </a:lnRef>
-          <a:fillRef idx="2">
-            <a:schemeClr val="accent1"/>
-          </a:fillRef>
-          <a:effectRef idx="1">
-            <a:schemeClr val="accent1"/>
-          </a:effectRef>
-          <a:fontRef idx="minor">
-            <a:schemeClr val="dk1"/>
-          </a:fontRef>
-        </dgm:style>
-      </dgm:prSet>
-      <dgm:spPr>
-        <a:ln>
-          <a:solidFill>
-            <a:schemeClr val="accent1">
-              <a:lumMod val="50000"/>
-            </a:schemeClr>
-          </a:solidFill>
-        </a:ln>
-      </dgm:spPr>
-      <dgm:t>
-        <a:bodyPr/>
-        <a:lstStyle/>
-        <a:p>
-          <a:r>
-            <a:rPr lang="fr-FR" dirty="0" smtClean="0"/>
-            <a:t>Introduction</a:t>
-          </a:r>
-        </a:p>
-        <a:p>
-          <a:endParaRPr lang="fr-FR" dirty="0"/>
-        </a:p>
-      </dgm:t>
-    </dgm:pt>
-    <dgm:pt modelId="{1092C367-0432-444F-9F53-B1428AA8D0F6}" type="parTrans" cxnId="{54D90382-7189-4EE4-9DFB-9D2873C61282}">
-      <dgm:prSet/>
-      <dgm:spPr/>
-      <dgm:t>
-        <a:bodyPr/>
-        <a:lstStyle/>
-        <a:p>
-          <a:endParaRPr lang="fr-FR"/>
-        </a:p>
-      </dgm:t>
-    </dgm:pt>
-    <dgm:pt modelId="{A39C3149-A461-49E6-B05A-95299AB1C57D}" type="sibTrans" cxnId="{54D90382-7189-4EE4-9DFB-9D2873C61282}">
-      <dgm:prSet/>
-      <dgm:spPr/>
-      <dgm:t>
-        <a:bodyPr/>
-        <a:lstStyle/>
-        <a:p>
-          <a:endParaRPr lang="fr-FR"/>
-        </a:p>
-      </dgm:t>
     </dgm:pt>
     <dgm:pt modelId="{0D50FE57-3871-47C9-91F2-FC9AEC2898B6}">
       <dgm:prSet phldrT="[Texte]">
@@ -10409,6 +10407,66 @@
         </a:p>
       </dgm:t>
     </dgm:pt>
+    <dgm:pt modelId="{3E725B59-4B19-412E-B4DD-7E2D6B31AEEC}">
+      <dgm:prSet phldrT="[Texte]">
+        <dgm:style>
+          <a:lnRef idx="1">
+            <a:schemeClr val="accent1"/>
+          </a:lnRef>
+          <a:fillRef idx="2">
+            <a:schemeClr val="accent1"/>
+          </a:fillRef>
+          <a:effectRef idx="1">
+            <a:schemeClr val="accent1"/>
+          </a:effectRef>
+          <a:fontRef idx="minor">
+            <a:schemeClr val="dk1"/>
+          </a:fontRef>
+        </dgm:style>
+      </dgm:prSet>
+      <dgm:spPr>
+        <a:ln>
+          <a:solidFill>
+            <a:schemeClr val="accent1">
+              <a:lumMod val="50000"/>
+            </a:schemeClr>
+          </a:solidFill>
+        </a:ln>
+      </dgm:spPr>
+      <dgm:t>
+        <a:bodyPr/>
+        <a:lstStyle/>
+        <a:p>
+          <a:r>
+            <a:rPr lang="fr-FR" dirty="0" smtClean="0"/>
+            <a:t>Introduction</a:t>
+          </a:r>
+          <a:endParaRPr lang="fr-FR" dirty="0"/>
+        </a:p>
+      </dgm:t>
+    </dgm:pt>
+    <dgm:pt modelId="{D8AEB483-1BC5-4B27-BC77-4360400CB1E3}" type="parTrans" cxnId="{C42FFB8D-A905-4FE0-B1EB-5E67A67CB7D3}">
+      <dgm:prSet/>
+      <dgm:spPr/>
+      <dgm:t>
+        <a:bodyPr/>
+        <a:lstStyle/>
+        <a:p>
+          <a:endParaRPr lang="fr-FR"/>
+        </a:p>
+      </dgm:t>
+    </dgm:pt>
+    <dgm:pt modelId="{53DA3BEF-BF59-4C7C-896C-F5B08F335508}" type="sibTrans" cxnId="{C42FFB8D-A905-4FE0-B1EB-5E67A67CB7D3}">
+      <dgm:prSet/>
+      <dgm:spPr/>
+      <dgm:t>
+        <a:bodyPr/>
+        <a:lstStyle/>
+        <a:p>
+          <a:endParaRPr lang="fr-FR"/>
+        </a:p>
+      </dgm:t>
+    </dgm:pt>
     <dgm:pt modelId="{E705A0BF-53A3-4705-8EC7-8B330F477F3D}" type="pres">
       <dgm:prSet presAssocID="{7FB0DD14-595B-4E19-ADBE-0F7EE5B082D8}" presName="Name0" presStyleCnt="0">
         <dgm:presLayoutVars>
@@ -10419,8 +10477,8 @@
       </dgm:prSet>
       <dgm:spPr/>
     </dgm:pt>
-    <dgm:pt modelId="{6946C9EC-A73E-45A6-A8B3-835A416D7240}" type="pres">
-      <dgm:prSet presAssocID="{5BC8B99E-5462-49A2-A03C-24AB48BC456E}" presName="parTxOnly" presStyleLbl="node1" presStyleIdx="0" presStyleCnt="7">
+    <dgm:pt modelId="{9307C24A-D4AF-469A-A922-D9146693B069}" type="pres">
+      <dgm:prSet presAssocID="{3E725B59-4B19-412E-B4DD-7E2D6B31AEEC}" presName="parTxOnly" presStyleLbl="node1" presStyleIdx="0" presStyleCnt="7">
         <dgm:presLayoutVars>
           <dgm:chMax val="0"/>
           <dgm:chPref val="0"/>
@@ -10436,8 +10494,8 @@
         </a:p>
       </dgm:t>
     </dgm:pt>
-    <dgm:pt modelId="{E5D22FC7-1BCE-42F9-8053-A514C658AE7A}" type="pres">
-      <dgm:prSet presAssocID="{A39C3149-A461-49E6-B05A-95299AB1C57D}" presName="parTxOnlySpace" presStyleCnt="0"/>
+    <dgm:pt modelId="{9F54C268-E0A4-4DD1-BCB9-9D65A021BA3B}" type="pres">
+      <dgm:prSet presAssocID="{53DA3BEF-BF59-4C7C-896C-F5B08F335508}" presName="parTxOnlySpace" presStyleCnt="0"/>
       <dgm:spPr/>
     </dgm:pt>
     <dgm:pt modelId="{1CDE8902-EAE1-4633-9A12-AA6C6036B1E6}" type="pres">
@@ -10449,6 +10507,13 @@
         </dgm:presLayoutVars>
       </dgm:prSet>
       <dgm:spPr/>
+      <dgm:t>
+        <a:bodyPr/>
+        <a:lstStyle/>
+        <a:p>
+          <a:endParaRPr lang="fr-FR"/>
+        </a:p>
+      </dgm:t>
     </dgm:pt>
     <dgm:pt modelId="{F483769F-1EE1-4C51-BB75-304463DC308B}" type="pres">
       <dgm:prSet presAssocID="{7CF65164-B9E3-49A8-AB4C-D95E889F3F46}" presName="parTxOnlySpace" presStyleCnt="0"/>
@@ -10547,15 +10612,22 @@
         </dgm:presLayoutVars>
       </dgm:prSet>
       <dgm:spPr/>
+      <dgm:t>
+        <a:bodyPr/>
+        <a:lstStyle/>
+        <a:p>
+          <a:endParaRPr lang="fr-FR"/>
+        </a:p>
+      </dgm:t>
     </dgm:pt>
   </dgm:ptLst>
   <dgm:cxnLst>
     <dgm:cxn modelId="{A50474F7-E3C6-4F02-A8B4-0EB2BFA2C137}" srcId="{7FB0DD14-595B-4E19-ADBE-0F7EE5B082D8}" destId="{B42D296B-1B1D-4696-ADBE-D1380A94AD2E}" srcOrd="3" destOrd="0" parTransId="{DA5B4B1B-3D9B-4E56-8245-77ED5977C157}" sibTransId="{651207D0-38E5-4EA1-811F-155DCD122464}"/>
     <dgm:cxn modelId="{35A9685B-226C-411A-BF7E-B3AD6EDE749C}" srcId="{7FB0DD14-595B-4E19-ADBE-0F7EE5B082D8}" destId="{D8FE1F33-9D60-4B12-AF5C-6F5E6641DAAA}" srcOrd="2" destOrd="0" parTransId="{F2B1FB01-F637-4642-8C09-981A0D47BB09}" sibTransId="{377BDBFC-514A-41E2-8138-AE8B3D410EEB}"/>
+    <dgm:cxn modelId="{F9F8F0C8-A71F-4FDE-A977-A94285765CCE}" type="presOf" srcId="{3E725B59-4B19-412E-B4DD-7E2D6B31AEEC}" destId="{9307C24A-D4AF-469A-A922-D9146693B069}" srcOrd="0" destOrd="0" presId="urn:microsoft.com/office/officeart/2005/8/layout/chevron1"/>
     <dgm:cxn modelId="{A80FCA16-98AB-48C4-950B-1CB2A26658FE}" type="presOf" srcId="{D8FE1F33-9D60-4B12-AF5C-6F5E6641DAAA}" destId="{E5F67A2B-BC5E-45CA-A54C-64F38F7542AA}" srcOrd="0" destOrd="0" presId="urn:microsoft.com/office/officeart/2005/8/layout/chevron1"/>
     <dgm:cxn modelId="{391EE9FF-C7D8-4664-A77A-A709525460A5}" srcId="{7FB0DD14-595B-4E19-ADBE-0F7EE5B082D8}" destId="{B311DFB7-B845-434F-8D77-3FC0BD08DC7F}" srcOrd="5" destOrd="0" parTransId="{57172167-7A38-4CEB-A51A-23777FF04B48}" sibTransId="{B7851186-24D5-4582-B604-90DF058E1F47}"/>
-    <dgm:cxn modelId="{71E1E1D7-422C-445C-A633-F9D4B24E7EFF}" type="presOf" srcId="{5BC8B99E-5462-49A2-A03C-24AB48BC456E}" destId="{6946C9EC-A73E-45A6-A8B3-835A416D7240}" srcOrd="0" destOrd="0" presId="urn:microsoft.com/office/officeart/2005/8/layout/chevron1"/>
-    <dgm:cxn modelId="{54D90382-7189-4EE4-9DFB-9D2873C61282}" srcId="{7FB0DD14-595B-4E19-ADBE-0F7EE5B082D8}" destId="{5BC8B99E-5462-49A2-A03C-24AB48BC456E}" srcOrd="0" destOrd="0" parTransId="{1092C367-0432-444F-9F53-B1428AA8D0F6}" sibTransId="{A39C3149-A461-49E6-B05A-95299AB1C57D}"/>
+    <dgm:cxn modelId="{C42FFB8D-A905-4FE0-B1EB-5E67A67CB7D3}" srcId="{7FB0DD14-595B-4E19-ADBE-0F7EE5B082D8}" destId="{3E725B59-4B19-412E-B4DD-7E2D6B31AEEC}" srcOrd="0" destOrd="0" parTransId="{D8AEB483-1BC5-4B27-BC77-4360400CB1E3}" sibTransId="{53DA3BEF-BF59-4C7C-896C-F5B08F335508}"/>
     <dgm:cxn modelId="{4E614B71-8E4B-472D-B113-8B13D9CC05AC}" type="presOf" srcId="{7FB0DD14-595B-4E19-ADBE-0F7EE5B082D8}" destId="{E705A0BF-53A3-4705-8EC7-8B330F477F3D}" srcOrd="0" destOrd="0" presId="urn:microsoft.com/office/officeart/2005/8/layout/chevron1"/>
     <dgm:cxn modelId="{EE9E5894-CECE-4374-ABDA-49811759E5A0}" type="presOf" srcId="{0D50FE57-3871-47C9-91F2-FC9AEC2898B6}" destId="{7683EB31-29B2-4622-87F7-53F752C057FF}" srcOrd="0" destOrd="0" presId="urn:microsoft.com/office/officeart/2005/8/layout/chevron1"/>
     <dgm:cxn modelId="{4B10AA31-67FF-4599-9082-15FFD0A5B3B5}" type="presOf" srcId="{DD0D8DD9-4191-4FC1-A26D-449BF9D9A786}" destId="{6C143154-07D3-4E59-82E8-19A05DCBA13F}" srcOrd="0" destOrd="0" presId="urn:microsoft.com/office/officeart/2005/8/layout/chevron1"/>
@@ -10565,8 +10637,8 @@
     <dgm:cxn modelId="{6789EF15-9C87-4F56-87EF-D4C628DB9BF0}" type="presOf" srcId="{B42D296B-1B1D-4696-ADBE-D1380A94AD2E}" destId="{11D68FBA-00DF-4890-A532-D4283C1129ED}" srcOrd="0" destOrd="0" presId="urn:microsoft.com/office/officeart/2005/8/layout/chevron1"/>
     <dgm:cxn modelId="{9BE147DF-079F-47A5-899F-A843F3FF5767}" type="presOf" srcId="{6D25C8EF-83C7-4A95-A977-B26A30C3D7D8}" destId="{1CDE8902-EAE1-4633-9A12-AA6C6036B1E6}" srcOrd="0" destOrd="0" presId="urn:microsoft.com/office/officeart/2005/8/layout/chevron1"/>
     <dgm:cxn modelId="{0271FF49-CDAE-4EEA-B19C-7E5BB413FBC0}" srcId="{7FB0DD14-595B-4E19-ADBE-0F7EE5B082D8}" destId="{DD0D8DD9-4191-4FC1-A26D-449BF9D9A786}" srcOrd="6" destOrd="0" parTransId="{F17C0891-744B-4545-AA8F-F02750446AA8}" sibTransId="{C0EB1B55-6E14-4503-9521-5CAE0B853396}"/>
-    <dgm:cxn modelId="{EE1428C7-5135-40CB-8EB8-50A971AEEF04}" type="presParOf" srcId="{E705A0BF-53A3-4705-8EC7-8B330F477F3D}" destId="{6946C9EC-A73E-45A6-A8B3-835A416D7240}" srcOrd="0" destOrd="0" presId="urn:microsoft.com/office/officeart/2005/8/layout/chevron1"/>
-    <dgm:cxn modelId="{5C7A1E12-5768-4461-9338-9B43E3939C92}" type="presParOf" srcId="{E705A0BF-53A3-4705-8EC7-8B330F477F3D}" destId="{E5D22FC7-1BCE-42F9-8053-A514C658AE7A}" srcOrd="1" destOrd="0" presId="urn:microsoft.com/office/officeart/2005/8/layout/chevron1"/>
+    <dgm:cxn modelId="{FFAE349B-AB7F-450B-B932-7F0AF1811BDC}" type="presParOf" srcId="{E705A0BF-53A3-4705-8EC7-8B330F477F3D}" destId="{9307C24A-D4AF-469A-A922-D9146693B069}" srcOrd="0" destOrd="0" presId="urn:microsoft.com/office/officeart/2005/8/layout/chevron1"/>
+    <dgm:cxn modelId="{92C28823-100C-4638-B43A-1C2E6387594E}" type="presParOf" srcId="{E705A0BF-53A3-4705-8EC7-8B330F477F3D}" destId="{9F54C268-E0A4-4DD1-BCB9-9D65A021BA3B}" srcOrd="1" destOrd="0" presId="urn:microsoft.com/office/officeart/2005/8/layout/chevron1"/>
     <dgm:cxn modelId="{E63CAD89-E198-44D1-8653-FC22B014E139}" type="presParOf" srcId="{E705A0BF-53A3-4705-8EC7-8B330F477F3D}" destId="{1CDE8902-EAE1-4633-9A12-AA6C6036B1E6}" srcOrd="2" destOrd="0" presId="urn:microsoft.com/office/officeart/2005/8/layout/chevron1"/>
     <dgm:cxn modelId="{1E0BDBC6-2C48-4D34-B096-860E4B23B0D5}" type="presParOf" srcId="{E705A0BF-53A3-4705-8EC7-8B330F477F3D}" destId="{F483769F-1EE1-4C51-BB75-304463DC308B}" srcOrd="3" destOrd="0" presId="urn:microsoft.com/office/officeart/2005/8/layout/chevron1"/>
     <dgm:cxn modelId="{AD6A79DC-00BA-49D5-A4B1-ACB754D04188}" type="presParOf" srcId="{E705A0BF-53A3-4705-8EC7-8B330F477F3D}" destId="{E5F67A2B-BC5E-45CA-A54C-64F38F7542AA}" srcOrd="4" destOrd="0" presId="urn:microsoft.com/office/officeart/2005/8/layout/chevron1"/>
@@ -10595,68 +10667,6 @@
     <dgm:pt modelId="{7FB0DD14-595B-4E19-ADBE-0F7EE5B082D8}" type="doc">
       <dgm:prSet loTypeId="urn:microsoft.com/office/officeart/2005/8/layout/chevron1" loCatId="process" qsTypeId="urn:microsoft.com/office/officeart/2005/8/quickstyle/simple1" qsCatId="simple" csTypeId="urn:microsoft.com/office/officeart/2005/8/colors/accent1_2" csCatId="accent1" phldr="1"/>
       <dgm:spPr/>
-    </dgm:pt>
-    <dgm:pt modelId="{5BC8B99E-5462-49A2-A03C-24AB48BC456E}">
-      <dgm:prSet phldrT="[Texte]">
-        <dgm:style>
-          <a:lnRef idx="1">
-            <a:schemeClr val="accent1"/>
-          </a:lnRef>
-          <a:fillRef idx="2">
-            <a:schemeClr val="accent1"/>
-          </a:fillRef>
-          <a:effectRef idx="1">
-            <a:schemeClr val="accent1"/>
-          </a:effectRef>
-          <a:fontRef idx="minor">
-            <a:schemeClr val="dk1"/>
-          </a:fontRef>
-        </dgm:style>
-      </dgm:prSet>
-      <dgm:spPr>
-        <a:ln>
-          <a:solidFill>
-            <a:schemeClr val="accent1">
-              <a:lumMod val="50000"/>
-            </a:schemeClr>
-          </a:solidFill>
-        </a:ln>
-      </dgm:spPr>
-      <dgm:t>
-        <a:bodyPr/>
-        <a:lstStyle/>
-        <a:p>
-          <a:r>
-            <a:rPr lang="fr-FR" dirty="0" smtClean="0"/>
-            <a:t>Introduction</a:t>
-          </a:r>
-        </a:p>
-        <a:p>
-          <a:endParaRPr lang="fr-FR" dirty="0"/>
-        </a:p>
-      </dgm:t>
-    </dgm:pt>
-    <dgm:pt modelId="{1092C367-0432-444F-9F53-B1428AA8D0F6}" type="parTrans" cxnId="{54D90382-7189-4EE4-9DFB-9D2873C61282}">
-      <dgm:prSet/>
-      <dgm:spPr/>
-      <dgm:t>
-        <a:bodyPr/>
-        <a:lstStyle/>
-        <a:p>
-          <a:endParaRPr lang="fr-FR"/>
-        </a:p>
-      </dgm:t>
-    </dgm:pt>
-    <dgm:pt modelId="{A39C3149-A461-49E6-B05A-95299AB1C57D}" type="sibTrans" cxnId="{54D90382-7189-4EE4-9DFB-9D2873C61282}">
-      <dgm:prSet/>
-      <dgm:spPr/>
-      <dgm:t>
-        <a:bodyPr/>
-        <a:lstStyle/>
-        <a:p>
-          <a:endParaRPr lang="fr-FR"/>
-        </a:p>
-      </dgm:t>
     </dgm:pt>
     <dgm:pt modelId="{0D50FE57-3871-47C9-91F2-FC9AEC2898B6}">
       <dgm:prSet phldrT="[Texte]">
@@ -11032,6 +11042,66 @@
         </a:p>
       </dgm:t>
     </dgm:pt>
+    <dgm:pt modelId="{2E2E5685-286A-446A-9CB8-C5351CBFFDA4}">
+      <dgm:prSet phldrT="[Texte]">
+        <dgm:style>
+          <a:lnRef idx="1">
+            <a:schemeClr val="accent1"/>
+          </a:lnRef>
+          <a:fillRef idx="2">
+            <a:schemeClr val="accent1"/>
+          </a:fillRef>
+          <a:effectRef idx="1">
+            <a:schemeClr val="accent1"/>
+          </a:effectRef>
+          <a:fontRef idx="minor">
+            <a:schemeClr val="dk1"/>
+          </a:fontRef>
+        </dgm:style>
+      </dgm:prSet>
+      <dgm:spPr>
+        <a:ln>
+          <a:solidFill>
+            <a:schemeClr val="accent1">
+              <a:lumMod val="50000"/>
+            </a:schemeClr>
+          </a:solidFill>
+        </a:ln>
+      </dgm:spPr>
+      <dgm:t>
+        <a:bodyPr/>
+        <a:lstStyle/>
+        <a:p>
+          <a:r>
+            <a:rPr lang="fr-FR" dirty="0" smtClean="0"/>
+            <a:t>Introduction</a:t>
+          </a:r>
+          <a:endParaRPr lang="fr-FR" dirty="0"/>
+        </a:p>
+      </dgm:t>
+    </dgm:pt>
+    <dgm:pt modelId="{B8945156-12DA-45B6-B487-91E837A9C32B}" type="parTrans" cxnId="{8D82F6D5-77F0-471B-B50A-7C9018E94D84}">
+      <dgm:prSet/>
+      <dgm:spPr/>
+      <dgm:t>
+        <a:bodyPr/>
+        <a:lstStyle/>
+        <a:p>
+          <a:endParaRPr lang="fr-FR"/>
+        </a:p>
+      </dgm:t>
+    </dgm:pt>
+    <dgm:pt modelId="{7081FC02-B8A7-4C02-BF06-76DC5A98E3BD}" type="sibTrans" cxnId="{8D82F6D5-77F0-471B-B50A-7C9018E94D84}">
+      <dgm:prSet/>
+      <dgm:spPr/>
+      <dgm:t>
+        <a:bodyPr/>
+        <a:lstStyle/>
+        <a:p>
+          <a:endParaRPr lang="fr-FR"/>
+        </a:p>
+      </dgm:t>
+    </dgm:pt>
     <dgm:pt modelId="{E705A0BF-53A3-4705-8EC7-8B330F477F3D}" type="pres">
       <dgm:prSet presAssocID="{7FB0DD14-595B-4E19-ADBE-0F7EE5B082D8}" presName="Name0" presStyleCnt="0">
         <dgm:presLayoutVars>
@@ -11042,8 +11112,8 @@
       </dgm:prSet>
       <dgm:spPr/>
     </dgm:pt>
-    <dgm:pt modelId="{6946C9EC-A73E-45A6-A8B3-835A416D7240}" type="pres">
-      <dgm:prSet presAssocID="{5BC8B99E-5462-49A2-A03C-24AB48BC456E}" presName="parTxOnly" presStyleLbl="node1" presStyleIdx="0" presStyleCnt="7">
+    <dgm:pt modelId="{5D8BFDF3-3B63-4F64-B49C-53CD0F2E5DD1}" type="pres">
+      <dgm:prSet presAssocID="{2E2E5685-286A-446A-9CB8-C5351CBFFDA4}" presName="parTxOnly" presStyleLbl="node1" presStyleIdx="0" presStyleCnt="7">
         <dgm:presLayoutVars>
           <dgm:chMax val="0"/>
           <dgm:chPref val="0"/>
@@ -11059,8 +11129,8 @@
         </a:p>
       </dgm:t>
     </dgm:pt>
-    <dgm:pt modelId="{E5D22FC7-1BCE-42F9-8053-A514C658AE7A}" type="pres">
-      <dgm:prSet presAssocID="{A39C3149-A461-49E6-B05A-95299AB1C57D}" presName="parTxOnlySpace" presStyleCnt="0"/>
+    <dgm:pt modelId="{86E68E52-E62C-4BEF-A654-25532305235A}" type="pres">
+      <dgm:prSet presAssocID="{7081FC02-B8A7-4C02-BF06-76DC5A98E3BD}" presName="parTxOnlySpace" presStyleCnt="0"/>
       <dgm:spPr/>
     </dgm:pt>
     <dgm:pt modelId="{1CDE8902-EAE1-4633-9A12-AA6C6036B1E6}" type="pres">
@@ -11072,6 +11142,13 @@
         </dgm:presLayoutVars>
       </dgm:prSet>
       <dgm:spPr/>
+      <dgm:t>
+        <a:bodyPr/>
+        <a:lstStyle/>
+        <a:p>
+          <a:endParaRPr lang="fr-FR"/>
+        </a:p>
+      </dgm:t>
     </dgm:pt>
     <dgm:pt modelId="{F483769F-1EE1-4C51-BB75-304463DC308B}" type="pres">
       <dgm:prSet presAssocID="{7CF65164-B9E3-49A8-AB4C-D95E889F3F46}" presName="parTxOnlySpace" presStyleCnt="0"/>
@@ -11170,26 +11247,33 @@
         </dgm:presLayoutVars>
       </dgm:prSet>
       <dgm:spPr/>
+      <dgm:t>
+        <a:bodyPr/>
+        <a:lstStyle/>
+        <a:p>
+          <a:endParaRPr lang="fr-FR"/>
+        </a:p>
+      </dgm:t>
     </dgm:pt>
   </dgm:ptLst>
   <dgm:cxnLst>
+    <dgm:cxn modelId="{B7760A6D-F5BF-409A-BA04-DD10284BE9F5}" type="presOf" srcId="{2E2E5685-286A-446A-9CB8-C5351CBFFDA4}" destId="{5D8BFDF3-3B63-4F64-B49C-53CD0F2E5DD1}" srcOrd="0" destOrd="0" presId="urn:microsoft.com/office/officeart/2005/8/layout/chevron1"/>
     <dgm:cxn modelId="{A50474F7-E3C6-4F02-A8B4-0EB2BFA2C137}" srcId="{7FB0DD14-595B-4E19-ADBE-0F7EE5B082D8}" destId="{B42D296B-1B1D-4696-ADBE-D1380A94AD2E}" srcOrd="3" destOrd="0" parTransId="{DA5B4B1B-3D9B-4E56-8245-77ED5977C157}" sibTransId="{651207D0-38E5-4EA1-811F-155DCD122464}"/>
     <dgm:cxn modelId="{99548FE6-E8E9-435E-B9C1-B92EC9E38052}" type="presOf" srcId="{DD0D8DD9-4191-4FC1-A26D-449BF9D9A786}" destId="{6C143154-07D3-4E59-82E8-19A05DCBA13F}" srcOrd="0" destOrd="0" presId="urn:microsoft.com/office/officeart/2005/8/layout/chevron1"/>
     <dgm:cxn modelId="{6A55BDA0-C5BE-4145-80B9-BBB836DC4CA2}" type="presOf" srcId="{7FB0DD14-595B-4E19-ADBE-0F7EE5B082D8}" destId="{E705A0BF-53A3-4705-8EC7-8B330F477F3D}" srcOrd="0" destOrd="0" presId="urn:microsoft.com/office/officeart/2005/8/layout/chevron1"/>
     <dgm:cxn modelId="{35A9685B-226C-411A-BF7E-B3AD6EDE749C}" srcId="{7FB0DD14-595B-4E19-ADBE-0F7EE5B082D8}" destId="{D8FE1F33-9D60-4B12-AF5C-6F5E6641DAAA}" srcOrd="2" destOrd="0" parTransId="{F2B1FB01-F637-4642-8C09-981A0D47BB09}" sibTransId="{377BDBFC-514A-41E2-8138-AE8B3D410EEB}"/>
-    <dgm:cxn modelId="{517E1ACB-8552-4E66-B79B-5BAFBE0595D1}" type="presOf" srcId="{5BC8B99E-5462-49A2-A03C-24AB48BC456E}" destId="{6946C9EC-A73E-45A6-A8B3-835A416D7240}" srcOrd="0" destOrd="0" presId="urn:microsoft.com/office/officeart/2005/8/layout/chevron1"/>
     <dgm:cxn modelId="{995C61C5-BD3C-4ED9-88CD-84B71528B73E}" type="presOf" srcId="{B311DFB7-B845-434F-8D77-3FC0BD08DC7F}" destId="{FBB2542C-499A-4E5D-B179-5389E562ACE6}" srcOrd="0" destOrd="0" presId="urn:microsoft.com/office/officeart/2005/8/layout/chevron1"/>
     <dgm:cxn modelId="{C68A5A12-F9E4-4FC0-8ADB-99ADCE9F8ED1}" type="presOf" srcId="{D8FE1F33-9D60-4B12-AF5C-6F5E6641DAAA}" destId="{E5F67A2B-BC5E-45CA-A54C-64F38F7542AA}" srcOrd="0" destOrd="0" presId="urn:microsoft.com/office/officeart/2005/8/layout/chevron1"/>
     <dgm:cxn modelId="{391EE9FF-C7D8-4664-A77A-A709525460A5}" srcId="{7FB0DD14-595B-4E19-ADBE-0F7EE5B082D8}" destId="{B311DFB7-B845-434F-8D77-3FC0BD08DC7F}" srcOrd="5" destOrd="0" parTransId="{57172167-7A38-4CEB-A51A-23777FF04B48}" sibTransId="{B7851186-24D5-4582-B604-90DF058E1F47}"/>
-    <dgm:cxn modelId="{54D90382-7189-4EE4-9DFB-9D2873C61282}" srcId="{7FB0DD14-595B-4E19-ADBE-0F7EE5B082D8}" destId="{5BC8B99E-5462-49A2-A03C-24AB48BC456E}" srcOrd="0" destOrd="0" parTransId="{1092C367-0432-444F-9F53-B1428AA8D0F6}" sibTransId="{A39C3149-A461-49E6-B05A-95299AB1C57D}"/>
+    <dgm:cxn modelId="{8D82F6D5-77F0-471B-B50A-7C9018E94D84}" srcId="{7FB0DD14-595B-4E19-ADBE-0F7EE5B082D8}" destId="{2E2E5685-286A-446A-9CB8-C5351CBFFDA4}" srcOrd="0" destOrd="0" parTransId="{B8945156-12DA-45B6-B487-91E837A9C32B}" sibTransId="{7081FC02-B8A7-4C02-BF06-76DC5A98E3BD}"/>
     <dgm:cxn modelId="{1A5373AF-BC1F-4229-864E-3378804C84B9}" type="presOf" srcId="{6D25C8EF-83C7-4A95-A977-B26A30C3D7D8}" destId="{1CDE8902-EAE1-4633-9A12-AA6C6036B1E6}" srcOrd="0" destOrd="0" presId="urn:microsoft.com/office/officeart/2005/8/layout/chevron1"/>
     <dgm:cxn modelId="{637D8F38-767D-46BA-BFFD-B102296D3153}" type="presOf" srcId="{0D50FE57-3871-47C9-91F2-FC9AEC2898B6}" destId="{7683EB31-29B2-4622-87F7-53F752C057FF}" srcOrd="0" destOrd="0" presId="urn:microsoft.com/office/officeart/2005/8/layout/chevron1"/>
     <dgm:cxn modelId="{4369BD3D-6EF5-477A-9E34-F567F46088EA}" srcId="{7FB0DD14-595B-4E19-ADBE-0F7EE5B082D8}" destId="{0D50FE57-3871-47C9-91F2-FC9AEC2898B6}" srcOrd="4" destOrd="0" parTransId="{5D936467-EE85-44DD-BCF0-56C41D0DB073}" sibTransId="{FA372B7B-0BC5-413E-AE87-E564CFA65B66}"/>
     <dgm:cxn modelId="{5D1893A6-26EF-4DA3-9B99-3FEDF647C7BE}" srcId="{7FB0DD14-595B-4E19-ADBE-0F7EE5B082D8}" destId="{6D25C8EF-83C7-4A95-A977-B26A30C3D7D8}" srcOrd="1" destOrd="0" parTransId="{94EA6F62-F59C-4A25-ABA6-69069EBB765F}" sibTransId="{7CF65164-B9E3-49A8-AB4C-D95E889F3F46}"/>
     <dgm:cxn modelId="{96D416B3-BF00-4F68-B358-73A914A67FCD}" type="presOf" srcId="{B42D296B-1B1D-4696-ADBE-D1380A94AD2E}" destId="{11D68FBA-00DF-4890-A532-D4283C1129ED}" srcOrd="0" destOrd="0" presId="urn:microsoft.com/office/officeart/2005/8/layout/chevron1"/>
     <dgm:cxn modelId="{0271FF49-CDAE-4EEA-B19C-7E5BB413FBC0}" srcId="{7FB0DD14-595B-4E19-ADBE-0F7EE5B082D8}" destId="{DD0D8DD9-4191-4FC1-A26D-449BF9D9A786}" srcOrd="6" destOrd="0" parTransId="{F17C0891-744B-4545-AA8F-F02750446AA8}" sibTransId="{C0EB1B55-6E14-4503-9521-5CAE0B853396}"/>
-    <dgm:cxn modelId="{AE19E34F-BCEF-4D1A-9603-2E7133FCD031}" type="presParOf" srcId="{E705A0BF-53A3-4705-8EC7-8B330F477F3D}" destId="{6946C9EC-A73E-45A6-A8B3-835A416D7240}" srcOrd="0" destOrd="0" presId="urn:microsoft.com/office/officeart/2005/8/layout/chevron1"/>
-    <dgm:cxn modelId="{BF352D2C-7807-4CCA-8531-B0D52A6E7359}" type="presParOf" srcId="{E705A0BF-53A3-4705-8EC7-8B330F477F3D}" destId="{E5D22FC7-1BCE-42F9-8053-A514C658AE7A}" srcOrd="1" destOrd="0" presId="urn:microsoft.com/office/officeart/2005/8/layout/chevron1"/>
+    <dgm:cxn modelId="{F243752B-32B8-428E-8778-C9585D167819}" type="presParOf" srcId="{E705A0BF-53A3-4705-8EC7-8B330F477F3D}" destId="{5D8BFDF3-3B63-4F64-B49C-53CD0F2E5DD1}" srcOrd="0" destOrd="0" presId="urn:microsoft.com/office/officeart/2005/8/layout/chevron1"/>
+    <dgm:cxn modelId="{756BFD1A-B76F-4B94-B5AE-59653EA8CAC9}" type="presParOf" srcId="{E705A0BF-53A3-4705-8EC7-8B330F477F3D}" destId="{86E68E52-E62C-4BEF-A654-25532305235A}" srcOrd="1" destOrd="0" presId="urn:microsoft.com/office/officeart/2005/8/layout/chevron1"/>
     <dgm:cxn modelId="{7E6E85B8-B431-4AC5-81B1-C69F3724A4F3}" type="presParOf" srcId="{E705A0BF-53A3-4705-8EC7-8B330F477F3D}" destId="{1CDE8902-EAE1-4633-9A12-AA6C6036B1E6}" srcOrd="2" destOrd="0" presId="urn:microsoft.com/office/officeart/2005/8/layout/chevron1"/>
     <dgm:cxn modelId="{F90DA8C0-2DFF-437A-BB7F-5AC553297510}" type="presParOf" srcId="{E705A0BF-53A3-4705-8EC7-8B330F477F3D}" destId="{F483769F-1EE1-4C51-BB75-304463DC308B}" srcOrd="3" destOrd="0" presId="urn:microsoft.com/office/officeart/2005/8/layout/chevron1"/>
     <dgm:cxn modelId="{09F64E5A-B2F8-4FD4-B1BD-D8B406ED17DF}" type="presParOf" srcId="{E705A0BF-53A3-4705-8EC7-8B330F477F3D}" destId="{E5F67A2B-BC5E-45CA-A54C-64F38F7542AA}" srcOrd="4" destOrd="0" presId="urn:microsoft.com/office/officeart/2005/8/layout/chevron1"/>
@@ -11218,68 +11302,6 @@
     <dgm:pt modelId="{7FB0DD14-595B-4E19-ADBE-0F7EE5B082D8}" type="doc">
       <dgm:prSet loTypeId="urn:microsoft.com/office/officeart/2005/8/layout/chevron1" loCatId="process" qsTypeId="urn:microsoft.com/office/officeart/2005/8/quickstyle/simple1" qsCatId="simple" csTypeId="urn:microsoft.com/office/officeart/2005/8/colors/accent1_2" csCatId="accent1" phldr="1"/>
       <dgm:spPr/>
-    </dgm:pt>
-    <dgm:pt modelId="{5BC8B99E-5462-49A2-A03C-24AB48BC456E}">
-      <dgm:prSet phldrT="[Texte]">
-        <dgm:style>
-          <a:lnRef idx="1">
-            <a:schemeClr val="accent1"/>
-          </a:lnRef>
-          <a:fillRef idx="2">
-            <a:schemeClr val="accent1"/>
-          </a:fillRef>
-          <a:effectRef idx="1">
-            <a:schemeClr val="accent1"/>
-          </a:effectRef>
-          <a:fontRef idx="minor">
-            <a:schemeClr val="dk1"/>
-          </a:fontRef>
-        </dgm:style>
-      </dgm:prSet>
-      <dgm:spPr>
-        <a:ln>
-          <a:solidFill>
-            <a:schemeClr val="accent1">
-              <a:lumMod val="50000"/>
-            </a:schemeClr>
-          </a:solidFill>
-        </a:ln>
-      </dgm:spPr>
-      <dgm:t>
-        <a:bodyPr/>
-        <a:lstStyle/>
-        <a:p>
-          <a:r>
-            <a:rPr lang="fr-FR" dirty="0" smtClean="0"/>
-            <a:t>Introduction</a:t>
-          </a:r>
-        </a:p>
-        <a:p>
-          <a:endParaRPr lang="fr-FR" dirty="0"/>
-        </a:p>
-      </dgm:t>
-    </dgm:pt>
-    <dgm:pt modelId="{1092C367-0432-444F-9F53-B1428AA8D0F6}" type="parTrans" cxnId="{54D90382-7189-4EE4-9DFB-9D2873C61282}">
-      <dgm:prSet/>
-      <dgm:spPr/>
-      <dgm:t>
-        <a:bodyPr/>
-        <a:lstStyle/>
-        <a:p>
-          <a:endParaRPr lang="fr-FR"/>
-        </a:p>
-      </dgm:t>
-    </dgm:pt>
-    <dgm:pt modelId="{A39C3149-A461-49E6-B05A-95299AB1C57D}" type="sibTrans" cxnId="{54D90382-7189-4EE4-9DFB-9D2873C61282}">
-      <dgm:prSet/>
-      <dgm:spPr/>
-      <dgm:t>
-        <a:bodyPr/>
-        <a:lstStyle/>
-        <a:p>
-          <a:endParaRPr lang="fr-FR"/>
-        </a:p>
-      </dgm:t>
     </dgm:pt>
     <dgm:pt modelId="{0D50FE57-3871-47C9-91F2-FC9AEC2898B6}">
       <dgm:prSet phldrT="[Texte]">
@@ -11655,6 +11677,66 @@
         </a:p>
       </dgm:t>
     </dgm:pt>
+    <dgm:pt modelId="{A6BBD95E-D280-485B-8EFD-D50D96E2BDE2}">
+      <dgm:prSet phldrT="[Texte]">
+        <dgm:style>
+          <a:lnRef idx="1">
+            <a:schemeClr val="accent1"/>
+          </a:lnRef>
+          <a:fillRef idx="2">
+            <a:schemeClr val="accent1"/>
+          </a:fillRef>
+          <a:effectRef idx="1">
+            <a:schemeClr val="accent1"/>
+          </a:effectRef>
+          <a:fontRef idx="minor">
+            <a:schemeClr val="dk1"/>
+          </a:fontRef>
+        </dgm:style>
+      </dgm:prSet>
+      <dgm:spPr>
+        <a:ln>
+          <a:solidFill>
+            <a:schemeClr val="accent1">
+              <a:lumMod val="50000"/>
+            </a:schemeClr>
+          </a:solidFill>
+        </a:ln>
+      </dgm:spPr>
+      <dgm:t>
+        <a:bodyPr/>
+        <a:lstStyle/>
+        <a:p>
+          <a:r>
+            <a:rPr lang="fr-FR" dirty="0" smtClean="0"/>
+            <a:t>Introduction</a:t>
+          </a:r>
+          <a:endParaRPr lang="fr-FR" dirty="0"/>
+        </a:p>
+      </dgm:t>
+    </dgm:pt>
+    <dgm:pt modelId="{091F15A6-839F-4A7E-9A6B-5F31F540872E}" type="parTrans" cxnId="{F04B4931-589A-4C2D-8FF2-0C35370E2743}">
+      <dgm:prSet/>
+      <dgm:spPr/>
+      <dgm:t>
+        <a:bodyPr/>
+        <a:lstStyle/>
+        <a:p>
+          <a:endParaRPr lang="fr-FR"/>
+        </a:p>
+      </dgm:t>
+    </dgm:pt>
+    <dgm:pt modelId="{2821906E-00CD-4EB5-AAE0-EA5474EE8AE2}" type="sibTrans" cxnId="{F04B4931-589A-4C2D-8FF2-0C35370E2743}">
+      <dgm:prSet/>
+      <dgm:spPr/>
+      <dgm:t>
+        <a:bodyPr/>
+        <a:lstStyle/>
+        <a:p>
+          <a:endParaRPr lang="fr-FR"/>
+        </a:p>
+      </dgm:t>
+    </dgm:pt>
     <dgm:pt modelId="{E705A0BF-53A3-4705-8EC7-8B330F477F3D}" type="pres">
       <dgm:prSet presAssocID="{7FB0DD14-595B-4E19-ADBE-0F7EE5B082D8}" presName="Name0" presStyleCnt="0">
         <dgm:presLayoutVars>
@@ -11665,8 +11747,8 @@
       </dgm:prSet>
       <dgm:spPr/>
     </dgm:pt>
-    <dgm:pt modelId="{6946C9EC-A73E-45A6-A8B3-835A416D7240}" type="pres">
-      <dgm:prSet presAssocID="{5BC8B99E-5462-49A2-A03C-24AB48BC456E}" presName="parTxOnly" presStyleLbl="node1" presStyleIdx="0" presStyleCnt="7">
+    <dgm:pt modelId="{293B1A79-C54D-4E80-B9DC-72C189E123B3}" type="pres">
+      <dgm:prSet presAssocID="{A6BBD95E-D280-485B-8EFD-D50D96E2BDE2}" presName="parTxOnly" presStyleLbl="node1" presStyleIdx="0" presStyleCnt="7">
         <dgm:presLayoutVars>
           <dgm:chMax val="0"/>
           <dgm:chPref val="0"/>
@@ -11682,8 +11764,8 @@
         </a:p>
       </dgm:t>
     </dgm:pt>
-    <dgm:pt modelId="{E5D22FC7-1BCE-42F9-8053-A514C658AE7A}" type="pres">
-      <dgm:prSet presAssocID="{A39C3149-A461-49E6-B05A-95299AB1C57D}" presName="parTxOnlySpace" presStyleCnt="0"/>
+    <dgm:pt modelId="{EF915148-0EEB-4936-BFAF-F54941B18F6E}" type="pres">
+      <dgm:prSet presAssocID="{2821906E-00CD-4EB5-AAE0-EA5474EE8AE2}" presName="parTxOnlySpace" presStyleCnt="0"/>
       <dgm:spPr/>
     </dgm:pt>
     <dgm:pt modelId="{1CDE8902-EAE1-4633-9A12-AA6C6036B1E6}" type="pres">
@@ -11695,6 +11777,13 @@
         </dgm:presLayoutVars>
       </dgm:prSet>
       <dgm:spPr/>
+      <dgm:t>
+        <a:bodyPr/>
+        <a:lstStyle/>
+        <a:p>
+          <a:endParaRPr lang="fr-FR"/>
+        </a:p>
+      </dgm:t>
     </dgm:pt>
     <dgm:pt modelId="{F483769F-1EE1-4C51-BB75-304463DC308B}" type="pres">
       <dgm:prSet presAssocID="{7CF65164-B9E3-49A8-AB4C-D95E889F3F46}" presName="parTxOnlySpace" presStyleCnt="0"/>
@@ -11793,26 +11882,33 @@
         </dgm:presLayoutVars>
       </dgm:prSet>
       <dgm:spPr/>
+      <dgm:t>
+        <a:bodyPr/>
+        <a:lstStyle/>
+        <a:p>
+          <a:endParaRPr lang="fr-FR"/>
+        </a:p>
+      </dgm:t>
     </dgm:pt>
   </dgm:ptLst>
   <dgm:cxnLst>
-    <dgm:cxn modelId="{96CA975C-0FBA-4357-B158-29C9A22EA721}" type="presOf" srcId="{5BC8B99E-5462-49A2-A03C-24AB48BC456E}" destId="{6946C9EC-A73E-45A6-A8B3-835A416D7240}" srcOrd="0" destOrd="0" presId="urn:microsoft.com/office/officeart/2005/8/layout/chevron1"/>
     <dgm:cxn modelId="{A50474F7-E3C6-4F02-A8B4-0EB2BFA2C137}" srcId="{7FB0DD14-595B-4E19-ADBE-0F7EE5B082D8}" destId="{B42D296B-1B1D-4696-ADBE-D1380A94AD2E}" srcOrd="3" destOrd="0" parTransId="{DA5B4B1B-3D9B-4E56-8245-77ED5977C157}" sibTransId="{651207D0-38E5-4EA1-811F-155DCD122464}"/>
+    <dgm:cxn modelId="{F04B4931-589A-4C2D-8FF2-0C35370E2743}" srcId="{7FB0DD14-595B-4E19-ADBE-0F7EE5B082D8}" destId="{A6BBD95E-D280-485B-8EFD-D50D96E2BDE2}" srcOrd="0" destOrd="0" parTransId="{091F15A6-839F-4A7E-9A6B-5F31F540872E}" sibTransId="{2821906E-00CD-4EB5-AAE0-EA5474EE8AE2}"/>
     <dgm:cxn modelId="{35A9685B-226C-411A-BF7E-B3AD6EDE749C}" srcId="{7FB0DD14-595B-4E19-ADBE-0F7EE5B082D8}" destId="{D8FE1F33-9D60-4B12-AF5C-6F5E6641DAAA}" srcOrd="2" destOrd="0" parTransId="{F2B1FB01-F637-4642-8C09-981A0D47BB09}" sibTransId="{377BDBFC-514A-41E2-8138-AE8B3D410EEB}"/>
     <dgm:cxn modelId="{39C70E52-FF80-437F-A0AB-8A2CCE5857D6}" type="presOf" srcId="{6D25C8EF-83C7-4A95-A977-B26A30C3D7D8}" destId="{1CDE8902-EAE1-4633-9A12-AA6C6036B1E6}" srcOrd="0" destOrd="0" presId="urn:microsoft.com/office/officeart/2005/8/layout/chevron1"/>
     <dgm:cxn modelId="{391EE9FF-C7D8-4664-A77A-A709525460A5}" srcId="{7FB0DD14-595B-4E19-ADBE-0F7EE5B082D8}" destId="{B311DFB7-B845-434F-8D77-3FC0BD08DC7F}" srcOrd="5" destOrd="0" parTransId="{57172167-7A38-4CEB-A51A-23777FF04B48}" sibTransId="{B7851186-24D5-4582-B604-90DF058E1F47}"/>
     <dgm:cxn modelId="{209B3A71-BDCB-4343-AEF6-AAC2DF9B52E5}" type="presOf" srcId="{D8FE1F33-9D60-4B12-AF5C-6F5E6641DAAA}" destId="{E5F67A2B-BC5E-45CA-A54C-64F38F7542AA}" srcOrd="0" destOrd="0" presId="urn:microsoft.com/office/officeart/2005/8/layout/chevron1"/>
     <dgm:cxn modelId="{36EA2491-0C6B-4995-982B-3D023B941D32}" type="presOf" srcId="{B42D296B-1B1D-4696-ADBE-D1380A94AD2E}" destId="{11D68FBA-00DF-4890-A532-D4283C1129ED}" srcOrd="0" destOrd="0" presId="urn:microsoft.com/office/officeart/2005/8/layout/chevron1"/>
-    <dgm:cxn modelId="{54D90382-7189-4EE4-9DFB-9D2873C61282}" srcId="{7FB0DD14-595B-4E19-ADBE-0F7EE5B082D8}" destId="{5BC8B99E-5462-49A2-A03C-24AB48BC456E}" srcOrd="0" destOrd="0" parTransId="{1092C367-0432-444F-9F53-B1428AA8D0F6}" sibTransId="{A39C3149-A461-49E6-B05A-95299AB1C57D}"/>
     <dgm:cxn modelId="{57140B3A-64C2-4001-BFCA-3FBCAF0E3F22}" type="presOf" srcId="{DD0D8DD9-4191-4FC1-A26D-449BF9D9A786}" destId="{6C143154-07D3-4E59-82E8-19A05DCBA13F}" srcOrd="0" destOrd="0" presId="urn:microsoft.com/office/officeart/2005/8/layout/chevron1"/>
     <dgm:cxn modelId="{D18B0EE6-8A60-42F1-87BD-A8CD89F0717A}" type="presOf" srcId="{7FB0DD14-595B-4E19-ADBE-0F7EE5B082D8}" destId="{E705A0BF-53A3-4705-8EC7-8B330F477F3D}" srcOrd="0" destOrd="0" presId="urn:microsoft.com/office/officeart/2005/8/layout/chevron1"/>
+    <dgm:cxn modelId="{EDA50E60-3402-4C53-A91F-30EE44E6BBD4}" type="presOf" srcId="{A6BBD95E-D280-485B-8EFD-D50D96E2BDE2}" destId="{293B1A79-C54D-4E80-B9DC-72C189E123B3}" srcOrd="0" destOrd="0" presId="urn:microsoft.com/office/officeart/2005/8/layout/chevron1"/>
     <dgm:cxn modelId="{9BE56EC4-2C6B-43E0-A844-268F402395C5}" type="presOf" srcId="{0D50FE57-3871-47C9-91F2-FC9AEC2898B6}" destId="{7683EB31-29B2-4622-87F7-53F752C057FF}" srcOrd="0" destOrd="0" presId="urn:microsoft.com/office/officeart/2005/8/layout/chevron1"/>
     <dgm:cxn modelId="{4369BD3D-6EF5-477A-9E34-F567F46088EA}" srcId="{7FB0DD14-595B-4E19-ADBE-0F7EE5B082D8}" destId="{0D50FE57-3871-47C9-91F2-FC9AEC2898B6}" srcOrd="4" destOrd="0" parTransId="{5D936467-EE85-44DD-BCF0-56C41D0DB073}" sibTransId="{FA372B7B-0BC5-413E-AE87-E564CFA65B66}"/>
     <dgm:cxn modelId="{5D1893A6-26EF-4DA3-9B99-3FEDF647C7BE}" srcId="{7FB0DD14-595B-4E19-ADBE-0F7EE5B082D8}" destId="{6D25C8EF-83C7-4A95-A977-B26A30C3D7D8}" srcOrd="1" destOrd="0" parTransId="{94EA6F62-F59C-4A25-ABA6-69069EBB765F}" sibTransId="{7CF65164-B9E3-49A8-AB4C-D95E889F3F46}"/>
+    <dgm:cxn modelId="{48F8BB56-9E9E-451C-873F-71F8D8CFD4AE}" type="presOf" srcId="{B311DFB7-B845-434F-8D77-3FC0BD08DC7F}" destId="{FBB2542C-499A-4E5D-B179-5389E562ACE6}" srcOrd="0" destOrd="0" presId="urn:microsoft.com/office/officeart/2005/8/layout/chevron1"/>
     <dgm:cxn modelId="{0271FF49-CDAE-4EEA-B19C-7E5BB413FBC0}" srcId="{7FB0DD14-595B-4E19-ADBE-0F7EE5B082D8}" destId="{DD0D8DD9-4191-4FC1-A26D-449BF9D9A786}" srcOrd="6" destOrd="0" parTransId="{F17C0891-744B-4545-AA8F-F02750446AA8}" sibTransId="{C0EB1B55-6E14-4503-9521-5CAE0B853396}"/>
-    <dgm:cxn modelId="{48F8BB56-9E9E-451C-873F-71F8D8CFD4AE}" type="presOf" srcId="{B311DFB7-B845-434F-8D77-3FC0BD08DC7F}" destId="{FBB2542C-499A-4E5D-B179-5389E562ACE6}" srcOrd="0" destOrd="0" presId="urn:microsoft.com/office/officeart/2005/8/layout/chevron1"/>
-    <dgm:cxn modelId="{DF416E05-EA7E-4846-9255-0FAE6654A21B}" type="presParOf" srcId="{E705A0BF-53A3-4705-8EC7-8B330F477F3D}" destId="{6946C9EC-A73E-45A6-A8B3-835A416D7240}" srcOrd="0" destOrd="0" presId="urn:microsoft.com/office/officeart/2005/8/layout/chevron1"/>
-    <dgm:cxn modelId="{C020852C-EE89-4933-A6BA-15B77B4C97B3}" type="presParOf" srcId="{E705A0BF-53A3-4705-8EC7-8B330F477F3D}" destId="{E5D22FC7-1BCE-42F9-8053-A514C658AE7A}" srcOrd="1" destOrd="0" presId="urn:microsoft.com/office/officeart/2005/8/layout/chevron1"/>
+    <dgm:cxn modelId="{D4250CF4-8966-40AF-8ECC-E1722A01DAD4}" type="presParOf" srcId="{E705A0BF-53A3-4705-8EC7-8B330F477F3D}" destId="{293B1A79-C54D-4E80-B9DC-72C189E123B3}" srcOrd="0" destOrd="0" presId="urn:microsoft.com/office/officeart/2005/8/layout/chevron1"/>
+    <dgm:cxn modelId="{0295F31A-8718-4683-BC6C-6562A9C549DD}" type="presParOf" srcId="{E705A0BF-53A3-4705-8EC7-8B330F477F3D}" destId="{EF915148-0EEB-4936-BFAF-F54941B18F6E}" srcOrd="1" destOrd="0" presId="urn:microsoft.com/office/officeart/2005/8/layout/chevron1"/>
     <dgm:cxn modelId="{FC3D9407-F8F4-4B4B-B522-B548DA4073CF}" type="presParOf" srcId="{E705A0BF-53A3-4705-8EC7-8B330F477F3D}" destId="{1CDE8902-EAE1-4633-9A12-AA6C6036B1E6}" srcOrd="2" destOrd="0" presId="urn:microsoft.com/office/officeart/2005/8/layout/chevron1"/>
     <dgm:cxn modelId="{EBFEA49A-218B-4FE6-B79D-CE62331610FF}" type="presParOf" srcId="{E705A0BF-53A3-4705-8EC7-8B330F477F3D}" destId="{F483769F-1EE1-4C51-BB75-304463DC308B}" srcOrd="3" destOrd="0" presId="urn:microsoft.com/office/officeart/2005/8/layout/chevron1"/>
     <dgm:cxn modelId="{FC202B02-61A4-492F-93BA-18A7FD3C2D9A}" type="presParOf" srcId="{E705A0BF-53A3-4705-8EC7-8B330F477F3D}" destId="{E5F67A2B-BC5E-45CA-A54C-64F38F7542AA}" srcOrd="4" destOrd="0" presId="urn:microsoft.com/office/officeart/2005/8/layout/chevron1"/>
@@ -11841,68 +11937,6 @@
     <dgm:pt modelId="{7FB0DD14-595B-4E19-ADBE-0F7EE5B082D8}" type="doc">
       <dgm:prSet loTypeId="urn:microsoft.com/office/officeart/2005/8/layout/chevron1" loCatId="process" qsTypeId="urn:microsoft.com/office/officeart/2005/8/quickstyle/simple1" qsCatId="simple" csTypeId="urn:microsoft.com/office/officeart/2005/8/colors/accent1_2" csCatId="accent1" phldr="1"/>
       <dgm:spPr/>
-    </dgm:pt>
-    <dgm:pt modelId="{5BC8B99E-5462-49A2-A03C-24AB48BC456E}">
-      <dgm:prSet phldrT="[Texte]">
-        <dgm:style>
-          <a:lnRef idx="1">
-            <a:schemeClr val="accent1"/>
-          </a:lnRef>
-          <a:fillRef idx="2">
-            <a:schemeClr val="accent1"/>
-          </a:fillRef>
-          <a:effectRef idx="1">
-            <a:schemeClr val="accent1"/>
-          </a:effectRef>
-          <a:fontRef idx="minor">
-            <a:schemeClr val="dk1"/>
-          </a:fontRef>
-        </dgm:style>
-      </dgm:prSet>
-      <dgm:spPr>
-        <a:ln>
-          <a:solidFill>
-            <a:schemeClr val="accent1">
-              <a:lumMod val="50000"/>
-            </a:schemeClr>
-          </a:solidFill>
-        </a:ln>
-      </dgm:spPr>
-      <dgm:t>
-        <a:bodyPr/>
-        <a:lstStyle/>
-        <a:p>
-          <a:r>
-            <a:rPr lang="fr-FR" dirty="0" smtClean="0"/>
-            <a:t>Introduction</a:t>
-          </a:r>
-        </a:p>
-        <a:p>
-          <a:endParaRPr lang="fr-FR" dirty="0"/>
-        </a:p>
-      </dgm:t>
-    </dgm:pt>
-    <dgm:pt modelId="{1092C367-0432-444F-9F53-B1428AA8D0F6}" type="parTrans" cxnId="{54D90382-7189-4EE4-9DFB-9D2873C61282}">
-      <dgm:prSet/>
-      <dgm:spPr/>
-      <dgm:t>
-        <a:bodyPr/>
-        <a:lstStyle/>
-        <a:p>
-          <a:endParaRPr lang="fr-FR"/>
-        </a:p>
-      </dgm:t>
-    </dgm:pt>
-    <dgm:pt modelId="{A39C3149-A461-49E6-B05A-95299AB1C57D}" type="sibTrans" cxnId="{54D90382-7189-4EE4-9DFB-9D2873C61282}">
-      <dgm:prSet/>
-      <dgm:spPr/>
-      <dgm:t>
-        <a:bodyPr/>
-        <a:lstStyle/>
-        <a:p>
-          <a:endParaRPr lang="fr-FR"/>
-        </a:p>
-      </dgm:t>
     </dgm:pt>
     <dgm:pt modelId="{0D50FE57-3871-47C9-91F2-FC9AEC2898B6}">
       <dgm:prSet phldrT="[Texte]">
@@ -12278,6 +12312,66 @@
         </a:p>
       </dgm:t>
     </dgm:pt>
+    <dgm:pt modelId="{48F80B6E-9C90-4CC3-B3A6-73DB9B35A9D1}">
+      <dgm:prSet phldrT="[Texte]">
+        <dgm:style>
+          <a:lnRef idx="1">
+            <a:schemeClr val="accent1"/>
+          </a:lnRef>
+          <a:fillRef idx="2">
+            <a:schemeClr val="accent1"/>
+          </a:fillRef>
+          <a:effectRef idx="1">
+            <a:schemeClr val="accent1"/>
+          </a:effectRef>
+          <a:fontRef idx="minor">
+            <a:schemeClr val="dk1"/>
+          </a:fontRef>
+        </dgm:style>
+      </dgm:prSet>
+      <dgm:spPr>
+        <a:ln>
+          <a:solidFill>
+            <a:schemeClr val="accent1">
+              <a:lumMod val="50000"/>
+            </a:schemeClr>
+          </a:solidFill>
+        </a:ln>
+      </dgm:spPr>
+      <dgm:t>
+        <a:bodyPr/>
+        <a:lstStyle/>
+        <a:p>
+          <a:r>
+            <a:rPr lang="fr-FR" dirty="0" smtClean="0"/>
+            <a:t>Introduction</a:t>
+          </a:r>
+          <a:endParaRPr lang="fr-FR" dirty="0"/>
+        </a:p>
+      </dgm:t>
+    </dgm:pt>
+    <dgm:pt modelId="{96C2326A-4DEA-485B-BEB4-E80A41BDD610}" type="parTrans" cxnId="{B022C2E0-D625-480C-8814-88CE2BC518AE}">
+      <dgm:prSet/>
+      <dgm:spPr/>
+      <dgm:t>
+        <a:bodyPr/>
+        <a:lstStyle/>
+        <a:p>
+          <a:endParaRPr lang="fr-FR"/>
+        </a:p>
+      </dgm:t>
+    </dgm:pt>
+    <dgm:pt modelId="{A135D198-5CAB-4403-ADAB-5CEBCF33EE35}" type="sibTrans" cxnId="{B022C2E0-D625-480C-8814-88CE2BC518AE}">
+      <dgm:prSet/>
+      <dgm:spPr/>
+      <dgm:t>
+        <a:bodyPr/>
+        <a:lstStyle/>
+        <a:p>
+          <a:endParaRPr lang="fr-FR"/>
+        </a:p>
+      </dgm:t>
+    </dgm:pt>
     <dgm:pt modelId="{E705A0BF-53A3-4705-8EC7-8B330F477F3D}" type="pres">
       <dgm:prSet presAssocID="{7FB0DD14-595B-4E19-ADBE-0F7EE5B082D8}" presName="Name0" presStyleCnt="0">
         <dgm:presLayoutVars>
@@ -12288,8 +12382,8 @@
       </dgm:prSet>
       <dgm:spPr/>
     </dgm:pt>
-    <dgm:pt modelId="{6946C9EC-A73E-45A6-A8B3-835A416D7240}" type="pres">
-      <dgm:prSet presAssocID="{5BC8B99E-5462-49A2-A03C-24AB48BC456E}" presName="parTxOnly" presStyleLbl="node1" presStyleIdx="0" presStyleCnt="7">
+    <dgm:pt modelId="{F476435F-B08E-4186-8759-45431FA7E817}" type="pres">
+      <dgm:prSet presAssocID="{48F80B6E-9C90-4CC3-B3A6-73DB9B35A9D1}" presName="parTxOnly" presStyleLbl="node1" presStyleIdx="0" presStyleCnt="7">
         <dgm:presLayoutVars>
           <dgm:chMax val="0"/>
           <dgm:chPref val="0"/>
@@ -12305,8 +12399,8 @@
         </a:p>
       </dgm:t>
     </dgm:pt>
-    <dgm:pt modelId="{E5D22FC7-1BCE-42F9-8053-A514C658AE7A}" type="pres">
-      <dgm:prSet presAssocID="{A39C3149-A461-49E6-B05A-95299AB1C57D}" presName="parTxOnlySpace" presStyleCnt="0"/>
+    <dgm:pt modelId="{58173199-A531-4139-B475-57EE2644EA34}" type="pres">
+      <dgm:prSet presAssocID="{A135D198-5CAB-4403-ADAB-5CEBCF33EE35}" presName="parTxOnlySpace" presStyleCnt="0"/>
       <dgm:spPr/>
     </dgm:pt>
     <dgm:pt modelId="{1CDE8902-EAE1-4633-9A12-AA6C6036B1E6}" type="pres">
@@ -12318,6 +12412,13 @@
         </dgm:presLayoutVars>
       </dgm:prSet>
       <dgm:spPr/>
+      <dgm:t>
+        <a:bodyPr/>
+        <a:lstStyle/>
+        <a:p>
+          <a:endParaRPr lang="fr-FR"/>
+        </a:p>
+      </dgm:t>
     </dgm:pt>
     <dgm:pt modelId="{F483769F-1EE1-4C51-BB75-304463DC308B}" type="pres">
       <dgm:prSet presAssocID="{7CF65164-B9E3-49A8-AB4C-D95E889F3F46}" presName="parTxOnlySpace" presStyleCnt="0"/>
@@ -12416,26 +12517,33 @@
         </dgm:presLayoutVars>
       </dgm:prSet>
       <dgm:spPr/>
+      <dgm:t>
+        <a:bodyPr/>
+        <a:lstStyle/>
+        <a:p>
+          <a:endParaRPr lang="fr-FR"/>
+        </a:p>
+      </dgm:t>
     </dgm:pt>
   </dgm:ptLst>
   <dgm:cxnLst>
+    <dgm:cxn modelId="{0DDADF87-ADB8-4EB3-A38B-0705B95F57C7}" type="presOf" srcId="{B42D296B-1B1D-4696-ADBE-D1380A94AD2E}" destId="{11D68FBA-00DF-4890-A532-D4283C1129ED}" srcOrd="0" destOrd="0" presId="urn:microsoft.com/office/officeart/2005/8/layout/chevron1"/>
+    <dgm:cxn modelId="{A7DBB7B7-B5BD-48D6-AD7A-97D7F300C1B3}" type="presOf" srcId="{48F80B6E-9C90-4CC3-B3A6-73DB9B35A9D1}" destId="{F476435F-B08E-4186-8759-45431FA7E817}" srcOrd="0" destOrd="0" presId="urn:microsoft.com/office/officeart/2005/8/layout/chevron1"/>
+    <dgm:cxn modelId="{391EE9FF-C7D8-4664-A77A-A709525460A5}" srcId="{7FB0DD14-595B-4E19-ADBE-0F7EE5B082D8}" destId="{B311DFB7-B845-434F-8D77-3FC0BD08DC7F}" srcOrd="5" destOrd="0" parTransId="{57172167-7A38-4CEB-A51A-23777FF04B48}" sibTransId="{B7851186-24D5-4582-B604-90DF058E1F47}"/>
+    <dgm:cxn modelId="{6B2ECBD9-EED7-4282-B8CA-E2BF0D190FDF}" type="presOf" srcId="{0D50FE57-3871-47C9-91F2-FC9AEC2898B6}" destId="{7683EB31-29B2-4622-87F7-53F752C057FF}" srcOrd="0" destOrd="0" presId="urn:microsoft.com/office/officeart/2005/8/layout/chevron1"/>
+    <dgm:cxn modelId="{58D9ED0C-4841-4D82-847F-F2082B2A7402}" type="presOf" srcId="{6D25C8EF-83C7-4A95-A977-B26A30C3D7D8}" destId="{1CDE8902-EAE1-4633-9A12-AA6C6036B1E6}" srcOrd="0" destOrd="0" presId="urn:microsoft.com/office/officeart/2005/8/layout/chevron1"/>
+    <dgm:cxn modelId="{0271FF49-CDAE-4EEA-B19C-7E5BB413FBC0}" srcId="{7FB0DD14-595B-4E19-ADBE-0F7EE5B082D8}" destId="{DD0D8DD9-4191-4FC1-A26D-449BF9D9A786}" srcOrd="6" destOrd="0" parTransId="{F17C0891-744B-4545-AA8F-F02750446AA8}" sibTransId="{C0EB1B55-6E14-4503-9521-5CAE0B853396}"/>
+    <dgm:cxn modelId="{35A9685B-226C-411A-BF7E-B3AD6EDE749C}" srcId="{7FB0DD14-595B-4E19-ADBE-0F7EE5B082D8}" destId="{D8FE1F33-9D60-4B12-AF5C-6F5E6641DAAA}" srcOrd="2" destOrd="0" parTransId="{F2B1FB01-F637-4642-8C09-981A0D47BB09}" sibTransId="{377BDBFC-514A-41E2-8138-AE8B3D410EEB}"/>
+    <dgm:cxn modelId="{0FA13205-C136-40CB-B06D-9F140F261978}" type="presOf" srcId="{D8FE1F33-9D60-4B12-AF5C-6F5E6641DAAA}" destId="{E5F67A2B-BC5E-45CA-A54C-64F38F7542AA}" srcOrd="0" destOrd="0" presId="urn:microsoft.com/office/officeart/2005/8/layout/chevron1"/>
+    <dgm:cxn modelId="{B022C2E0-D625-480C-8814-88CE2BC518AE}" srcId="{7FB0DD14-595B-4E19-ADBE-0F7EE5B082D8}" destId="{48F80B6E-9C90-4CC3-B3A6-73DB9B35A9D1}" srcOrd="0" destOrd="0" parTransId="{96C2326A-4DEA-485B-BEB4-E80A41BDD610}" sibTransId="{A135D198-5CAB-4403-ADAB-5CEBCF33EE35}"/>
     <dgm:cxn modelId="{A50474F7-E3C6-4F02-A8B4-0EB2BFA2C137}" srcId="{7FB0DD14-595B-4E19-ADBE-0F7EE5B082D8}" destId="{B42D296B-1B1D-4696-ADBE-D1380A94AD2E}" srcOrd="3" destOrd="0" parTransId="{DA5B4B1B-3D9B-4E56-8245-77ED5977C157}" sibTransId="{651207D0-38E5-4EA1-811F-155DCD122464}"/>
+    <dgm:cxn modelId="{5D1893A6-26EF-4DA3-9B99-3FEDF647C7BE}" srcId="{7FB0DD14-595B-4E19-ADBE-0F7EE5B082D8}" destId="{6D25C8EF-83C7-4A95-A977-B26A30C3D7D8}" srcOrd="1" destOrd="0" parTransId="{94EA6F62-F59C-4A25-ABA6-69069EBB765F}" sibTransId="{7CF65164-B9E3-49A8-AB4C-D95E889F3F46}"/>
+    <dgm:cxn modelId="{45D15EB5-1BD4-491C-88AA-A5A6B2F0627F}" type="presOf" srcId="{7FB0DD14-595B-4E19-ADBE-0F7EE5B082D8}" destId="{E705A0BF-53A3-4705-8EC7-8B330F477F3D}" srcOrd="0" destOrd="0" presId="urn:microsoft.com/office/officeart/2005/8/layout/chevron1"/>
     <dgm:cxn modelId="{627C95F4-7889-4F59-8861-49139A694CD5}" type="presOf" srcId="{B311DFB7-B845-434F-8D77-3FC0BD08DC7F}" destId="{FBB2542C-499A-4E5D-B179-5389E562ACE6}" srcOrd="0" destOrd="0" presId="urn:microsoft.com/office/officeart/2005/8/layout/chevron1"/>
-    <dgm:cxn modelId="{58D9ED0C-4841-4D82-847F-F2082B2A7402}" type="presOf" srcId="{6D25C8EF-83C7-4A95-A977-B26A30C3D7D8}" destId="{1CDE8902-EAE1-4633-9A12-AA6C6036B1E6}" srcOrd="0" destOrd="0" presId="urn:microsoft.com/office/officeart/2005/8/layout/chevron1"/>
-    <dgm:cxn modelId="{64EFC319-FD8C-498C-9063-BE85D5BB5C6C}" type="presOf" srcId="{5BC8B99E-5462-49A2-A03C-24AB48BC456E}" destId="{6946C9EC-A73E-45A6-A8B3-835A416D7240}" srcOrd="0" destOrd="0" presId="urn:microsoft.com/office/officeart/2005/8/layout/chevron1"/>
-    <dgm:cxn modelId="{35A9685B-226C-411A-BF7E-B3AD6EDE749C}" srcId="{7FB0DD14-595B-4E19-ADBE-0F7EE5B082D8}" destId="{D8FE1F33-9D60-4B12-AF5C-6F5E6641DAAA}" srcOrd="2" destOrd="0" parTransId="{F2B1FB01-F637-4642-8C09-981A0D47BB09}" sibTransId="{377BDBFC-514A-41E2-8138-AE8B3D410EEB}"/>
-    <dgm:cxn modelId="{391EE9FF-C7D8-4664-A77A-A709525460A5}" srcId="{7FB0DD14-595B-4E19-ADBE-0F7EE5B082D8}" destId="{B311DFB7-B845-434F-8D77-3FC0BD08DC7F}" srcOrd="5" destOrd="0" parTransId="{57172167-7A38-4CEB-A51A-23777FF04B48}" sibTransId="{B7851186-24D5-4582-B604-90DF058E1F47}"/>
-    <dgm:cxn modelId="{54D90382-7189-4EE4-9DFB-9D2873C61282}" srcId="{7FB0DD14-595B-4E19-ADBE-0F7EE5B082D8}" destId="{5BC8B99E-5462-49A2-A03C-24AB48BC456E}" srcOrd="0" destOrd="0" parTransId="{1092C367-0432-444F-9F53-B1428AA8D0F6}" sibTransId="{A39C3149-A461-49E6-B05A-95299AB1C57D}"/>
-    <dgm:cxn modelId="{45D15EB5-1BD4-491C-88AA-A5A6B2F0627F}" type="presOf" srcId="{7FB0DD14-595B-4E19-ADBE-0F7EE5B082D8}" destId="{E705A0BF-53A3-4705-8EC7-8B330F477F3D}" srcOrd="0" destOrd="0" presId="urn:microsoft.com/office/officeart/2005/8/layout/chevron1"/>
     <dgm:cxn modelId="{D1679624-0CA6-49C6-814C-2487A6CEAAD5}" type="presOf" srcId="{DD0D8DD9-4191-4FC1-A26D-449BF9D9A786}" destId="{6C143154-07D3-4E59-82E8-19A05DCBA13F}" srcOrd="0" destOrd="0" presId="urn:microsoft.com/office/officeart/2005/8/layout/chevron1"/>
-    <dgm:cxn modelId="{0DDADF87-ADB8-4EB3-A38B-0705B95F57C7}" type="presOf" srcId="{B42D296B-1B1D-4696-ADBE-D1380A94AD2E}" destId="{11D68FBA-00DF-4890-A532-D4283C1129ED}" srcOrd="0" destOrd="0" presId="urn:microsoft.com/office/officeart/2005/8/layout/chevron1"/>
     <dgm:cxn modelId="{4369BD3D-6EF5-477A-9E34-F567F46088EA}" srcId="{7FB0DD14-595B-4E19-ADBE-0F7EE5B082D8}" destId="{0D50FE57-3871-47C9-91F2-FC9AEC2898B6}" srcOrd="4" destOrd="0" parTransId="{5D936467-EE85-44DD-BCF0-56C41D0DB073}" sibTransId="{FA372B7B-0BC5-413E-AE87-E564CFA65B66}"/>
-    <dgm:cxn modelId="{5D1893A6-26EF-4DA3-9B99-3FEDF647C7BE}" srcId="{7FB0DD14-595B-4E19-ADBE-0F7EE5B082D8}" destId="{6D25C8EF-83C7-4A95-A977-B26A30C3D7D8}" srcOrd="1" destOrd="0" parTransId="{94EA6F62-F59C-4A25-ABA6-69069EBB765F}" sibTransId="{7CF65164-B9E3-49A8-AB4C-D95E889F3F46}"/>
-    <dgm:cxn modelId="{0271FF49-CDAE-4EEA-B19C-7E5BB413FBC0}" srcId="{7FB0DD14-595B-4E19-ADBE-0F7EE5B082D8}" destId="{DD0D8DD9-4191-4FC1-A26D-449BF9D9A786}" srcOrd="6" destOrd="0" parTransId="{F17C0891-744B-4545-AA8F-F02750446AA8}" sibTransId="{C0EB1B55-6E14-4503-9521-5CAE0B853396}"/>
-    <dgm:cxn modelId="{6B2ECBD9-EED7-4282-B8CA-E2BF0D190FDF}" type="presOf" srcId="{0D50FE57-3871-47C9-91F2-FC9AEC2898B6}" destId="{7683EB31-29B2-4622-87F7-53F752C057FF}" srcOrd="0" destOrd="0" presId="urn:microsoft.com/office/officeart/2005/8/layout/chevron1"/>
-    <dgm:cxn modelId="{0FA13205-C136-40CB-B06D-9F140F261978}" type="presOf" srcId="{D8FE1F33-9D60-4B12-AF5C-6F5E6641DAAA}" destId="{E5F67A2B-BC5E-45CA-A54C-64F38F7542AA}" srcOrd="0" destOrd="0" presId="urn:microsoft.com/office/officeart/2005/8/layout/chevron1"/>
-    <dgm:cxn modelId="{A9497A2F-B437-4D27-A4B1-4CC5B7A1CA4F}" type="presParOf" srcId="{E705A0BF-53A3-4705-8EC7-8B330F477F3D}" destId="{6946C9EC-A73E-45A6-A8B3-835A416D7240}" srcOrd="0" destOrd="0" presId="urn:microsoft.com/office/officeart/2005/8/layout/chevron1"/>
-    <dgm:cxn modelId="{E599C521-1307-40FE-B352-6F094EAF906D}" type="presParOf" srcId="{E705A0BF-53A3-4705-8EC7-8B330F477F3D}" destId="{E5D22FC7-1BCE-42F9-8053-A514C658AE7A}" srcOrd="1" destOrd="0" presId="urn:microsoft.com/office/officeart/2005/8/layout/chevron1"/>
+    <dgm:cxn modelId="{AC1ED86D-7AF8-473F-AAC2-683A4D3C77D7}" type="presParOf" srcId="{E705A0BF-53A3-4705-8EC7-8B330F477F3D}" destId="{F476435F-B08E-4186-8759-45431FA7E817}" srcOrd="0" destOrd="0" presId="urn:microsoft.com/office/officeart/2005/8/layout/chevron1"/>
+    <dgm:cxn modelId="{B1800506-585D-4260-8F00-D57AB6F13A05}" type="presParOf" srcId="{E705A0BF-53A3-4705-8EC7-8B330F477F3D}" destId="{58173199-A531-4139-B475-57EE2644EA34}" srcOrd="1" destOrd="0" presId="urn:microsoft.com/office/officeart/2005/8/layout/chevron1"/>
     <dgm:cxn modelId="{CBFFEC01-DE9D-49E4-8E55-BD36B2120479}" type="presParOf" srcId="{E705A0BF-53A3-4705-8EC7-8B330F477F3D}" destId="{1CDE8902-EAE1-4633-9A12-AA6C6036B1E6}" srcOrd="2" destOrd="0" presId="urn:microsoft.com/office/officeart/2005/8/layout/chevron1"/>
     <dgm:cxn modelId="{DBA85F99-6F34-4617-AEF1-6E48A5F45E55}" type="presParOf" srcId="{E705A0BF-53A3-4705-8EC7-8B330F477F3D}" destId="{F483769F-1EE1-4C51-BB75-304463DC308B}" srcOrd="3" destOrd="0" presId="urn:microsoft.com/office/officeart/2005/8/layout/chevron1"/>
     <dgm:cxn modelId="{3CE55C33-F7C4-44E0-96AF-2CEF3EF50799}" type="presParOf" srcId="{E705A0BF-53A3-4705-8EC7-8B330F477F3D}" destId="{E5F67A2B-BC5E-45CA-A54C-64F38F7542AA}" srcOrd="4" destOrd="0" presId="urn:microsoft.com/office/officeart/2005/8/layout/chevron1"/>
@@ -12466,7 +12574,7 @@
       <dsp:cNvGrpSpPr/>
     </dsp:nvGrpSpPr>
     <dsp:grpSpPr/>
-    <dsp:sp modelId="{6946C9EC-A73E-45A6-A8B3-835A416D7240}">
+    <dsp:sp modelId="{DDE7BBCF-0114-4EAF-97EB-7B1F6D5BF394}">
       <dsp:nvSpPr>
         <dsp:cNvPr id="0" name=""/>
         <dsp:cNvSpPr/>
@@ -12555,19 +12663,6 @@
             <a:rPr lang="fr-FR" sz="1000" kern="1200" dirty="0" smtClean="0"/>
             <a:t>Introduction</a:t>
           </a:r>
-        </a:p>
-        <a:p>
-          <a:pPr lvl="0" algn="ctr" defTabSz="444500">
-            <a:lnSpc>
-              <a:spcPct val="90000"/>
-            </a:lnSpc>
-            <a:spcBef>
-              <a:spcPct val="0"/>
-            </a:spcBef>
-            <a:spcAft>
-              <a:spcPct val="35000"/>
-            </a:spcAft>
-          </a:pPr>
           <a:endParaRPr lang="fr-FR" sz="1000" kern="1200" dirty="0"/>
         </a:p>
       </dsp:txBody>
@@ -13098,7 +13193,7 @@
       <dsp:cNvGrpSpPr/>
     </dsp:nvGrpSpPr>
     <dsp:grpSpPr/>
-    <dsp:sp modelId="{6946C9EC-A73E-45A6-A8B3-835A416D7240}">
+    <dsp:sp modelId="{DDE7BBCF-0114-4EAF-97EB-7B1F6D5BF394}">
       <dsp:nvSpPr>
         <dsp:cNvPr id="0" name=""/>
         <dsp:cNvSpPr/>
@@ -13187,19 +13282,6 @@
             <a:rPr lang="fr-FR" sz="1000" kern="1200" dirty="0" smtClean="0"/>
             <a:t>Introduction</a:t>
           </a:r>
-        </a:p>
-        <a:p>
-          <a:pPr lvl="0" algn="ctr" defTabSz="444500">
-            <a:lnSpc>
-              <a:spcPct val="90000"/>
-            </a:lnSpc>
-            <a:spcBef>
-              <a:spcPct val="0"/>
-            </a:spcBef>
-            <a:spcAft>
-              <a:spcPct val="35000"/>
-            </a:spcAft>
-          </a:pPr>
           <a:endParaRPr lang="fr-FR" sz="1000" kern="1200" dirty="0"/>
         </a:p>
       </dsp:txBody>
@@ -13730,7 +13812,7 @@
       <dsp:cNvGrpSpPr/>
     </dsp:nvGrpSpPr>
     <dsp:grpSpPr/>
-    <dsp:sp modelId="{6946C9EC-A73E-45A6-A8B3-835A416D7240}">
+    <dsp:sp modelId="{DDE7BBCF-0114-4EAF-97EB-7B1F6D5BF394}">
       <dsp:nvSpPr>
         <dsp:cNvPr id="0" name=""/>
         <dsp:cNvSpPr/>
@@ -13804,19 +13886,6 @@
             <a:rPr lang="fr-FR" sz="1000" kern="1200" dirty="0" smtClean="0"/>
             <a:t>Introduction</a:t>
           </a:r>
-        </a:p>
-        <a:p>
-          <a:pPr lvl="0" algn="ctr" defTabSz="444500">
-            <a:lnSpc>
-              <a:spcPct val="90000"/>
-            </a:lnSpc>
-            <a:spcBef>
-              <a:spcPct val="0"/>
-            </a:spcBef>
-            <a:spcAft>
-              <a:spcPct val="35000"/>
-            </a:spcAft>
-          </a:pPr>
           <a:endParaRPr lang="fr-FR" sz="1000" kern="1200" dirty="0"/>
         </a:p>
       </dsp:txBody>
@@ -14362,7 +14431,7 @@
       <dsp:cNvGrpSpPr/>
     </dsp:nvGrpSpPr>
     <dsp:grpSpPr/>
-    <dsp:sp modelId="{6946C9EC-A73E-45A6-A8B3-835A416D7240}">
+    <dsp:sp modelId="{09DD5310-5B61-40E9-A1B1-5F25C1EABB6C}">
       <dsp:nvSpPr>
         <dsp:cNvPr id="0" name=""/>
         <dsp:cNvSpPr/>
@@ -14436,19 +14505,6 @@
             <a:rPr lang="fr-FR" sz="1000" kern="1200" dirty="0" smtClean="0"/>
             <a:t>Introduction</a:t>
           </a:r>
-        </a:p>
-        <a:p>
-          <a:pPr lvl="0" algn="ctr" defTabSz="444500">
-            <a:lnSpc>
-              <a:spcPct val="90000"/>
-            </a:lnSpc>
-            <a:spcBef>
-              <a:spcPct val="0"/>
-            </a:spcBef>
-            <a:spcAft>
-              <a:spcPct val="35000"/>
-            </a:spcAft>
-          </a:pPr>
           <a:endParaRPr lang="fr-FR" sz="1000" kern="1200" dirty="0"/>
         </a:p>
       </dsp:txBody>
@@ -14994,7 +15050,7 @@
       <dsp:cNvGrpSpPr/>
     </dsp:nvGrpSpPr>
     <dsp:grpSpPr/>
-    <dsp:sp modelId="{6946C9EC-A73E-45A6-A8B3-835A416D7240}">
+    <dsp:sp modelId="{32E31E59-B96B-4668-9373-31270A70F499}">
       <dsp:nvSpPr>
         <dsp:cNvPr id="0" name=""/>
         <dsp:cNvSpPr/>
@@ -15068,19 +15124,6 @@
             <a:rPr lang="fr-FR" sz="1000" kern="1200" dirty="0" smtClean="0"/>
             <a:t>Introduction</a:t>
           </a:r>
-        </a:p>
-        <a:p>
-          <a:pPr lvl="0" algn="ctr" defTabSz="444500">
-            <a:lnSpc>
-              <a:spcPct val="90000"/>
-            </a:lnSpc>
-            <a:spcBef>
-              <a:spcPct val="0"/>
-            </a:spcBef>
-            <a:spcAft>
-              <a:spcPct val="35000"/>
-            </a:spcAft>
-          </a:pPr>
           <a:endParaRPr lang="fr-FR" sz="1000" kern="1200" dirty="0"/>
         </a:p>
       </dsp:txBody>
@@ -15626,7 +15669,7 @@
       <dsp:cNvGrpSpPr/>
     </dsp:nvGrpSpPr>
     <dsp:grpSpPr/>
-    <dsp:sp modelId="{6946C9EC-A73E-45A6-A8B3-835A416D7240}">
+    <dsp:sp modelId="{9307C24A-D4AF-469A-A922-D9146693B069}">
       <dsp:nvSpPr>
         <dsp:cNvPr id="0" name=""/>
         <dsp:cNvSpPr/>
@@ -15700,19 +15743,6 @@
             <a:rPr lang="fr-FR" sz="1000" kern="1200" dirty="0" smtClean="0"/>
             <a:t>Introduction</a:t>
           </a:r>
-        </a:p>
-        <a:p>
-          <a:pPr lvl="0" algn="ctr" defTabSz="444500">
-            <a:lnSpc>
-              <a:spcPct val="90000"/>
-            </a:lnSpc>
-            <a:spcBef>
-              <a:spcPct val="0"/>
-            </a:spcBef>
-            <a:spcAft>
-              <a:spcPct val="35000"/>
-            </a:spcAft>
-          </a:pPr>
           <a:endParaRPr lang="fr-FR" sz="1000" kern="1200" dirty="0"/>
         </a:p>
       </dsp:txBody>
@@ -16260,7 +16290,7 @@
       <dsp:cNvGrpSpPr/>
     </dsp:nvGrpSpPr>
     <dsp:grpSpPr/>
-    <dsp:sp modelId="{6946C9EC-A73E-45A6-A8B3-835A416D7240}">
+    <dsp:sp modelId="{5D8BFDF3-3B63-4F64-B49C-53CD0F2E5DD1}">
       <dsp:nvSpPr>
         <dsp:cNvPr id="0" name=""/>
         <dsp:cNvSpPr/>
@@ -16334,19 +16364,6 @@
             <a:rPr lang="fr-FR" sz="1000" kern="1200" dirty="0" smtClean="0"/>
             <a:t>Introduction</a:t>
           </a:r>
-        </a:p>
-        <a:p>
-          <a:pPr lvl="0" algn="ctr" defTabSz="444500">
-            <a:lnSpc>
-              <a:spcPct val="90000"/>
-            </a:lnSpc>
-            <a:spcBef>
-              <a:spcPct val="0"/>
-            </a:spcBef>
-            <a:spcAft>
-              <a:spcPct val="35000"/>
-            </a:spcAft>
-          </a:pPr>
           <a:endParaRPr lang="fr-FR" sz="1000" kern="1200" dirty="0"/>
         </a:p>
       </dsp:txBody>
@@ -16894,7 +16911,7 @@
       <dsp:cNvGrpSpPr/>
     </dsp:nvGrpSpPr>
     <dsp:grpSpPr/>
-    <dsp:sp modelId="{6946C9EC-A73E-45A6-A8B3-835A416D7240}">
+    <dsp:sp modelId="{293B1A79-C54D-4E80-B9DC-72C189E123B3}">
       <dsp:nvSpPr>
         <dsp:cNvPr id="0" name=""/>
         <dsp:cNvSpPr/>
@@ -16968,19 +16985,6 @@
             <a:rPr lang="fr-FR" sz="1000" kern="1200" dirty="0" smtClean="0"/>
             <a:t>Introduction</a:t>
           </a:r>
-        </a:p>
-        <a:p>
-          <a:pPr lvl="0" algn="ctr" defTabSz="444500">
-            <a:lnSpc>
-              <a:spcPct val="90000"/>
-            </a:lnSpc>
-            <a:spcBef>
-              <a:spcPct val="0"/>
-            </a:spcBef>
-            <a:spcAft>
-              <a:spcPct val="35000"/>
-            </a:spcAft>
-          </a:pPr>
           <a:endParaRPr lang="fr-FR" sz="1000" kern="1200" dirty="0"/>
         </a:p>
       </dsp:txBody>
@@ -17528,7 +17532,7 @@
       <dsp:cNvGrpSpPr/>
     </dsp:nvGrpSpPr>
     <dsp:grpSpPr/>
-    <dsp:sp modelId="{6946C9EC-A73E-45A6-A8B3-835A416D7240}">
+    <dsp:sp modelId="{F476435F-B08E-4186-8759-45431FA7E817}">
       <dsp:nvSpPr>
         <dsp:cNvPr id="0" name=""/>
         <dsp:cNvSpPr/>
@@ -17602,19 +17606,6 @@
             <a:rPr lang="fr-FR" sz="1000" kern="1200" dirty="0" smtClean="0"/>
             <a:t>Introduction</a:t>
           </a:r>
-        </a:p>
-        <a:p>
-          <a:pPr lvl="0" algn="ctr" defTabSz="444500">
-            <a:lnSpc>
-              <a:spcPct val="90000"/>
-            </a:lnSpc>
-            <a:spcBef>
-              <a:spcPct val="0"/>
-            </a:spcBef>
-            <a:spcAft>
-              <a:spcPct val="35000"/>
-            </a:spcAft>
-          </a:pPr>
           <a:endParaRPr lang="fr-FR" sz="1000" kern="1200" dirty="0"/>
         </a:p>
       </dsp:txBody>
@@ -36518,15 +36509,7 @@
           <a:p>
             <a:r>
               <a:rPr lang="fr-FR" dirty="0" smtClean="0"/>
-              <a:t>IV</a:t>
-            </a:r>
-            <a:r>
-              <a:rPr lang="fr-FR" dirty="0" smtClean="0"/>
-              <a:t>.</a:t>
-            </a:r>
-            <a:r>
-              <a:rPr lang="fr-FR" dirty="0" smtClean="0"/>
-              <a:t/>
+              <a:t>IV.</a:t>
             </a:r>
             <a:br>
               <a:rPr lang="fr-FR" dirty="0" smtClean="0"/>
@@ -36584,7 +36567,6 @@
               <a:rPr lang="fr-FR" dirty="0" smtClean="0"/>
               <a:t>A chaque message est associé un code de contrôle (déduit du polynôme générateur)</a:t>
             </a:r>
-            <a:endParaRPr lang="fr-FR" dirty="0" smtClean="0"/>
           </a:p>
           <a:p>
             <a:pPr marL="457200" lvl="1" indent="0">
@@ -36688,7 +36670,7 @@
           <p:nvPr>
             <p:extLst>
               <p:ext uri="{D42A27DB-BD31-4B8C-83A1-F6EECF244321}">
-                <p14:modId xmlns:p14="http://schemas.microsoft.com/office/powerpoint/2010/main" val="2197546566"/>
+                <p14:modId xmlns:p14="http://schemas.microsoft.com/office/powerpoint/2010/main" val="177396454"/>
               </p:ext>
             </p:extLst>
           </p:nvPr>
@@ -36758,10 +36740,6 @@
             <a:r>
               <a:rPr lang="fr-FR" dirty="0" smtClean="0"/>
               <a:t>V.</a:t>
-            </a:r>
-            <a:r>
-              <a:rPr lang="fr-FR" dirty="0" smtClean="0"/>
-              <a:t/>
             </a:r>
             <a:br>
               <a:rPr lang="fr-FR" dirty="0" smtClean="0"/>
@@ -36890,7 +36868,7 @@
           <p:nvPr>
             <p:extLst>
               <p:ext uri="{D42A27DB-BD31-4B8C-83A1-F6EECF244321}">
-                <p14:modId xmlns:p14="http://schemas.microsoft.com/office/powerpoint/2010/main" val="2208738600"/>
+                <p14:modId xmlns:p14="http://schemas.microsoft.com/office/powerpoint/2010/main" val="1204711312"/>
               </p:ext>
             </p:extLst>
           </p:nvPr>
@@ -37003,21 +36981,66 @@
             <p:ph idx="1"/>
           </p:nvPr>
         </p:nvSpPr>
-        <p:spPr/>
+        <p:spPr>
+          <a:xfrm>
+            <a:off x="1484310" y="2658290"/>
+            <a:ext cx="10429016" cy="3890556"/>
+          </a:xfrm>
+        </p:spPr>
         <p:txBody>
           <a:bodyPr/>
           <a:lstStyle/>
           <a:p>
             <a:r>
               <a:rPr lang="fr-FR" dirty="0" smtClean="0"/>
-              <a:t>L’efficacité du code dépend du poids dont on dispose.</a:t>
+              <a:t>L’efficacité du code dépend </a:t>
             </a:r>
+            <a:r>
+              <a:rPr lang="fr-FR" dirty="0" smtClean="0"/>
+              <a:t>de la taille de ce que l’on veut transmettre.</a:t>
+            </a:r>
+          </a:p>
+          <a:p>
+            <a:endParaRPr lang="fr-FR" dirty="0" smtClean="0"/>
           </a:p>
           <a:p>
             <a:r>
               <a:rPr lang="fr-FR" dirty="0" smtClean="0"/>
-              <a:t>L’utilisation dépend du contexte.</a:t>
+              <a:t>L’utilisation dépend du contexte</a:t>
             </a:r>
+            <a:r>
+              <a:rPr lang="fr-FR" dirty="0" smtClean="0"/>
+              <a:t>.</a:t>
+            </a:r>
+          </a:p>
+          <a:p>
+            <a:pPr lvl="1"/>
+            <a:r>
+              <a:rPr lang="fr-FR" dirty="0" smtClean="0"/>
+              <a:t>Exemple CRC - 16 :</a:t>
+            </a:r>
+          </a:p>
+          <a:p>
+            <a:pPr marL="914400" lvl="2" indent="0">
+              <a:buNone/>
+            </a:pPr>
+            <a:r>
+              <a:rPr lang="fr-FR" dirty="0" smtClean="0"/>
+              <a:t>Mot 9 bits, rendement : 36%</a:t>
+            </a:r>
+          </a:p>
+          <a:p>
+            <a:pPr marL="914400" lvl="2" indent="0">
+              <a:buNone/>
+            </a:pPr>
+            <a:r>
+              <a:rPr lang="fr-FR" dirty="0" smtClean="0"/>
+              <a:t>Mot 170 bits, rendement : 91% </a:t>
+            </a:r>
+          </a:p>
+          <a:p>
+            <a:pPr lvl="2"/>
+            <a:endParaRPr lang="fr-FR" dirty="0" smtClean="0"/>
           </a:p>
           <a:p>
             <a:endParaRPr lang="fr-FR" dirty="0"/>
@@ -37037,7 +37060,7 @@
           <p:nvPr>
             <p:extLst>
               <p:ext uri="{D42A27DB-BD31-4B8C-83A1-F6EECF244321}">
-                <p14:modId xmlns:p14="http://schemas.microsoft.com/office/powerpoint/2010/main" val="4059861231"/>
+                <p14:modId xmlns:p14="http://schemas.microsoft.com/office/powerpoint/2010/main" val="3437097616"/>
               </p:ext>
             </p:extLst>
           </p:nvPr>
@@ -37169,8 +37192,8 @@
           </a:lstStyle>
           <a:p>
             <a:r>
-              <a:rPr lang="en-US" smtClean="0"/>
-              <a:t>11/12</a:t>
+              <a:rPr lang="en-US" dirty="0" smtClean="0"/>
+              <a:t>12/12</a:t>
             </a:r>
             <a:endParaRPr lang="en-US" dirty="0"/>
           </a:p>
@@ -37344,6 +37367,448 @@
           <a:p>
             <a:r>
               <a:rPr lang="fr-FR" dirty="0" smtClean="0"/>
+              <a:t>Introduction</a:t>
+            </a:r>
+            <a:endParaRPr lang="fr-FR" dirty="0"/>
+          </a:p>
+        </p:txBody>
+      </p:sp>
+      <p:sp>
+        <p:nvSpPr>
+          <p:cNvPr id="3" name="Espace réservé du contenu 2"/>
+          <p:cNvSpPr>
+            <a:spLocks noGrp="1"/>
+          </p:cNvSpPr>
+          <p:nvPr>
+            <p:ph idx="1"/>
+          </p:nvPr>
+        </p:nvSpPr>
+        <p:spPr/>
+        <p:txBody>
+          <a:bodyPr/>
+          <a:lstStyle/>
+          <a:p>
+            <a:r>
+              <a:rPr lang="fr-FR" dirty="0" smtClean="0"/>
+              <a:t>Qu’est-ce qu’un code correcteur et en </a:t>
+            </a:r>
+            <a:r>
+              <a:rPr lang="fr-FR" dirty="0"/>
+              <a:t>quoi cela consiste-t-il </a:t>
+            </a:r>
+            <a:r>
+              <a:rPr lang="fr-FR" dirty="0" smtClean="0"/>
+              <a:t>?</a:t>
+            </a:r>
+          </a:p>
+          <a:p>
+            <a:pPr marL="0" indent="0" algn="just">
+              <a:buNone/>
+            </a:pPr>
+            <a:r>
+              <a:rPr lang="fr-FR" dirty="0" smtClean="0"/>
+              <a:t>	- Erreurs lors de la transmission d’un message</a:t>
+            </a:r>
+          </a:p>
+          <a:p>
+            <a:pPr marL="0" indent="0" algn="just">
+              <a:buNone/>
+            </a:pPr>
+            <a:r>
+              <a:rPr lang="fr-FR" sz="1800" dirty="0"/>
+              <a:t>	</a:t>
+            </a:r>
+            <a:r>
+              <a:rPr lang="fr-FR" dirty="0" smtClean="0"/>
+              <a:t>- Détection / Correction des ces erreurs</a:t>
+            </a:r>
+          </a:p>
+          <a:p>
+            <a:pPr marL="0" indent="0" algn="just">
+              <a:buNone/>
+            </a:pPr>
+            <a:endParaRPr lang="fr-FR" dirty="0" smtClean="0"/>
+          </a:p>
+        </p:txBody>
+      </p:sp>
+      <p:sp>
+        <p:nvSpPr>
+          <p:cNvPr id="4" name="Espace réservé du numéro de diapositive 3"/>
+          <p:cNvSpPr>
+            <a:spLocks noGrp="1"/>
+          </p:cNvSpPr>
+          <p:nvPr>
+            <p:ph type="sldNum" sz="quarter" idx="12"/>
+          </p:nvPr>
+        </p:nvSpPr>
+        <p:spPr/>
+        <p:txBody>
+          <a:bodyPr/>
+          <a:lstStyle/>
+          <a:p>
+            <a:fld id="{D57F1E4F-1CFF-5643-939E-217C01CDF565}" type="slidenum">
+              <a:rPr lang="en-US" smtClean="0"/>
+              <a:pPr/>
+              <a:t>3</a:t>
+            </a:fld>
+            <a:r>
+              <a:rPr lang="en-US" dirty="0" smtClean="0"/>
+              <a:t>/12</a:t>
+            </a:r>
+            <a:endParaRPr lang="en-US" dirty="0"/>
+          </a:p>
+        </p:txBody>
+      </p:sp>
+      <p:graphicFrame>
+        <p:nvGraphicFramePr>
+          <p:cNvPr id="7" name="Diagramme 6"/>
+          <p:cNvGraphicFramePr/>
+          <p:nvPr>
+            <p:extLst>
+              <p:ext uri="{D42A27DB-BD31-4B8C-83A1-F6EECF244321}">
+                <p14:modId xmlns:p14="http://schemas.microsoft.com/office/powerpoint/2010/main" val="3206620919"/>
+              </p:ext>
+            </p:extLst>
+          </p:nvPr>
+        </p:nvGraphicFramePr>
+        <p:xfrm>
+          <a:off x="1773382" y="248997"/>
+          <a:ext cx="9855199" cy="436803"/>
+        </p:xfrm>
+        <a:graphic>
+          <a:graphicData uri="http://schemas.openxmlformats.org/drawingml/2006/diagram">
+            <dgm:relIds xmlns:dgm="http://schemas.openxmlformats.org/drawingml/2006/diagram" xmlns:r="http://schemas.openxmlformats.org/officeDocument/2006/relationships" r:dm="rId2" r:lo="rId3" r:qs="rId4" r:cs="rId5"/>
+          </a:graphicData>
+        </a:graphic>
+      </p:graphicFrame>
+    </p:spTree>
+    <p:extLst>
+      <p:ext uri="{BB962C8B-B14F-4D97-AF65-F5344CB8AC3E}">
+        <p14:creationId xmlns:p14="http://schemas.microsoft.com/office/powerpoint/2010/main" val="1821628513"/>
+      </p:ext>
+    </p:extLst>
+  </p:cSld>
+  <p:clrMapOvr>
+    <a:masterClrMapping/>
+  </p:clrMapOvr>
+  <p:timing>
+    <p:tnLst>
+      <p:par>
+        <p:cTn id="1" dur="indefinite" restart="never" nodeType="tmRoot"/>
+      </p:par>
+    </p:tnLst>
+  </p:timing>
+</p:sld>
+</file>
+
+<file path=ppt/slides/slide4.xml><?xml version="1.0" encoding="utf-8"?>
+<p:sld xmlns:a="http://schemas.openxmlformats.org/drawingml/2006/main" xmlns:r="http://schemas.openxmlformats.org/officeDocument/2006/relationships" xmlns:p="http://schemas.openxmlformats.org/presentationml/2006/main">
+  <p:cSld>
+    <p:spTree>
+      <p:nvGrpSpPr>
+        <p:cNvPr id="1" name=""/>
+        <p:cNvGrpSpPr/>
+        <p:nvPr/>
+      </p:nvGrpSpPr>
+      <p:grpSpPr>
+        <a:xfrm>
+          <a:off x="0" y="0"/>
+          <a:ext cx="0" cy="0"/>
+          <a:chOff x="0" y="0"/>
+          <a:chExt cx="0" cy="0"/>
+        </a:xfrm>
+      </p:grpSpPr>
+      <p:sp>
+        <p:nvSpPr>
+          <p:cNvPr id="2" name="Titre 1"/>
+          <p:cNvSpPr>
+            <a:spLocks noGrp="1"/>
+          </p:cNvSpPr>
+          <p:nvPr>
+            <p:ph type="title"/>
+          </p:nvPr>
+        </p:nvSpPr>
+        <p:spPr/>
+        <p:txBody>
+          <a:bodyPr/>
+          <a:lstStyle/>
+          <a:p>
+            <a:r>
+              <a:rPr lang="fr-FR" dirty="0" smtClean="0"/>
+              <a:t>Introduction</a:t>
+            </a:r>
+            <a:endParaRPr lang="fr-FR" dirty="0"/>
+          </a:p>
+        </p:txBody>
+      </p:sp>
+      <p:sp>
+        <p:nvSpPr>
+          <p:cNvPr id="3" name="Espace réservé du contenu 2"/>
+          <p:cNvSpPr>
+            <a:spLocks noGrp="1"/>
+          </p:cNvSpPr>
+          <p:nvPr>
+            <p:ph idx="1"/>
+          </p:nvPr>
+        </p:nvSpPr>
+        <p:spPr>
+          <a:xfrm>
+            <a:off x="1342071" y="1634836"/>
+            <a:ext cx="11062365" cy="4080029"/>
+          </a:xfrm>
+        </p:spPr>
+        <p:txBody>
+          <a:bodyPr>
+            <a:normAutofit/>
+          </a:bodyPr>
+          <a:lstStyle/>
+          <a:p>
+            <a:pPr marL="0" indent="0">
+              <a:buNone/>
+            </a:pPr>
+            <a:endParaRPr lang="fr-FR" dirty="0"/>
+          </a:p>
+          <a:p>
+            <a:r>
+              <a:rPr lang="fr-FR" dirty="0" smtClean="0"/>
+              <a:t>Changement de valeur d’un bit :	Transmission 	</a:t>
+            </a:r>
+            <a:r>
+              <a:rPr lang="fr-FR" dirty="0" smtClean="0">
+                <a:sym typeface="Wingdings" panose="05000000000000000000" pitchFamily="2" charset="2"/>
+              </a:rPr>
+              <a:t>	Réception</a:t>
+            </a:r>
+            <a:endParaRPr lang="fr-FR" dirty="0" smtClean="0"/>
+          </a:p>
+          <a:p>
+            <a:pPr marL="1371600" lvl="3" indent="0">
+              <a:buNone/>
+            </a:pPr>
+            <a:r>
+              <a:rPr lang="fr-FR" dirty="0" smtClean="0"/>
+              <a:t>							       </a:t>
+            </a:r>
+            <a:r>
+              <a:rPr lang="fr-FR" sz="2400" dirty="0" smtClean="0"/>
+              <a:t>1011 0010	</a:t>
+            </a:r>
+            <a:r>
+              <a:rPr lang="fr-FR" dirty="0" smtClean="0"/>
+              <a:t>	</a:t>
+            </a:r>
+            <a:r>
+              <a:rPr lang="fr-FR" sz="2400" dirty="0" smtClean="0"/>
+              <a:t>1011 0</a:t>
+            </a:r>
+            <a:r>
+              <a:rPr lang="fr-FR" sz="2400" dirty="0" smtClean="0">
+                <a:solidFill>
+                  <a:srgbClr val="FF0000"/>
+                </a:solidFill>
+              </a:rPr>
+              <a:t>1</a:t>
+            </a:r>
+            <a:r>
+              <a:rPr lang="fr-FR" sz="2400" dirty="0" smtClean="0"/>
+              <a:t>10</a:t>
+            </a:r>
+          </a:p>
+          <a:p>
+            <a:pPr marL="1371600" lvl="3" indent="0">
+              <a:buNone/>
+            </a:pPr>
+            <a:r>
+              <a:rPr lang="fr-FR" dirty="0" smtClean="0"/>
+              <a:t>									</a:t>
+            </a:r>
+          </a:p>
+          <a:p>
+            <a:r>
+              <a:rPr lang="fr-FR" dirty="0" smtClean="0"/>
+              <a:t>Le taux d’erreur par bit s’exprime par : </a:t>
+            </a:r>
+            <a:r>
+              <a:rPr lang="fr-FR" i="1" dirty="0" err="1" smtClean="0"/>
+              <a:t>NbErr</a:t>
+            </a:r>
+            <a:r>
+              <a:rPr lang="fr-FR" i="1" dirty="0" smtClean="0"/>
+              <a:t>/</a:t>
+            </a:r>
+            <a:r>
+              <a:rPr lang="fr-FR" i="1" dirty="0" err="1" smtClean="0"/>
+              <a:t>NbBits</a:t>
+            </a:r>
+            <a:endParaRPr lang="fr-FR" i="1" dirty="0" smtClean="0"/>
+          </a:p>
+          <a:p>
+            <a:pPr marL="0" lvl="8" indent="0">
+              <a:buNone/>
+            </a:pPr>
+            <a:r>
+              <a:rPr lang="fr-FR" i="1" dirty="0"/>
+              <a:t>	</a:t>
+            </a:r>
+            <a:r>
+              <a:rPr lang="fr-FR" i="1" dirty="0" smtClean="0"/>
+              <a:t>									</a:t>
+            </a:r>
+            <a:r>
+              <a:rPr lang="fr-FR" sz="2000" i="1" dirty="0" smtClean="0"/>
+              <a:t>              </a:t>
+            </a:r>
+            <a:r>
+              <a:rPr lang="fr-FR" sz="2000" dirty="0" smtClean="0"/>
+              <a:t>1       /		10  	</a:t>
+            </a:r>
+            <a:r>
+              <a:rPr lang="fr-FR" sz="2000" dirty="0"/>
+              <a:t>	</a:t>
+            </a:r>
+            <a:r>
+              <a:rPr lang="fr-FR" sz="2000" dirty="0" smtClean="0">
+                <a:sym typeface="Wingdings" panose="05000000000000000000" pitchFamily="2" charset="2"/>
+              </a:rPr>
+              <a:t> 		 </a:t>
+            </a:r>
+            <a:r>
+              <a:rPr lang="fr-FR" sz="2000" dirty="0">
+                <a:sym typeface="Wingdings" panose="05000000000000000000" pitchFamily="2" charset="2"/>
+              </a:rPr>
+              <a:t>10^-</a:t>
+            </a:r>
+            <a:r>
+              <a:rPr lang="fr-FR" sz="2000" dirty="0" smtClean="0">
+                <a:sym typeface="Wingdings" panose="05000000000000000000" pitchFamily="2" charset="2"/>
+              </a:rPr>
+              <a:t>1</a:t>
+            </a:r>
+          </a:p>
+          <a:p>
+            <a:pPr marL="0" lvl="8" indent="0">
+              <a:buNone/>
+            </a:pPr>
+            <a:endParaRPr lang="fr-FR" i="1" dirty="0" smtClean="0"/>
+          </a:p>
+          <a:p>
+            <a:pPr marL="0" indent="0">
+              <a:buNone/>
+            </a:pPr>
+            <a:r>
+              <a:rPr lang="fr-FR" dirty="0" smtClean="0"/>
+              <a:t>	</a:t>
+            </a:r>
+            <a:endParaRPr lang="fr-FR" dirty="0" smtClean="0">
+              <a:sym typeface="Wingdings" panose="05000000000000000000" pitchFamily="2" charset="2"/>
+            </a:endParaRPr>
+          </a:p>
+        </p:txBody>
+      </p:sp>
+      <p:sp>
+        <p:nvSpPr>
+          <p:cNvPr id="4" name="Espace réservé du numéro de diapositive 3"/>
+          <p:cNvSpPr>
+            <a:spLocks noGrp="1"/>
+          </p:cNvSpPr>
+          <p:nvPr>
+            <p:ph type="sldNum" sz="quarter" idx="12"/>
+          </p:nvPr>
+        </p:nvSpPr>
+        <p:spPr/>
+        <p:txBody>
+          <a:bodyPr/>
+          <a:lstStyle/>
+          <a:p>
+            <a:fld id="{D57F1E4F-1CFF-5643-939E-217C01CDF565}" type="slidenum">
+              <a:rPr lang="en-US" smtClean="0"/>
+              <a:pPr/>
+              <a:t>4</a:t>
+            </a:fld>
+            <a:r>
+              <a:rPr lang="en-US" dirty="0" smtClean="0"/>
+              <a:t>/12</a:t>
+            </a:r>
+            <a:endParaRPr lang="en-US" dirty="0"/>
+          </a:p>
+        </p:txBody>
+      </p:sp>
+      <p:graphicFrame>
+        <p:nvGraphicFramePr>
+          <p:cNvPr id="11" name="Diagramme 10"/>
+          <p:cNvGraphicFramePr/>
+          <p:nvPr>
+            <p:extLst>
+              <p:ext uri="{D42A27DB-BD31-4B8C-83A1-F6EECF244321}">
+                <p14:modId xmlns:p14="http://schemas.microsoft.com/office/powerpoint/2010/main" val="2479735582"/>
+              </p:ext>
+            </p:extLst>
+          </p:nvPr>
+        </p:nvGraphicFramePr>
+        <p:xfrm>
+          <a:off x="1773382" y="248997"/>
+          <a:ext cx="9855199" cy="436803"/>
+        </p:xfrm>
+        <a:graphic>
+          <a:graphicData uri="http://schemas.openxmlformats.org/drawingml/2006/diagram">
+            <dgm:relIds xmlns:dgm="http://schemas.openxmlformats.org/drawingml/2006/diagram" xmlns:r="http://schemas.openxmlformats.org/officeDocument/2006/relationships" r:dm="rId2" r:lo="rId3" r:qs="rId4" r:cs="rId5"/>
+          </a:graphicData>
+        </a:graphic>
+      </p:graphicFrame>
+    </p:spTree>
+    <p:extLst>
+      <p:ext uri="{BB962C8B-B14F-4D97-AF65-F5344CB8AC3E}">
+        <p14:creationId xmlns:p14="http://schemas.microsoft.com/office/powerpoint/2010/main" val="1381840862"/>
+      </p:ext>
+    </p:extLst>
+  </p:cSld>
+  <p:clrMapOvr>
+    <a:masterClrMapping/>
+  </p:clrMapOvr>
+  <p:timing>
+    <p:tnLst>
+      <p:par>
+        <p:cTn id="1" dur="indefinite" restart="never" nodeType="tmRoot"/>
+      </p:par>
+    </p:tnLst>
+  </p:timing>
+</p:sld>
+</file>
+
+<file path=ppt/slides/slide5.xml><?xml version="1.0" encoding="utf-8"?>
+<p:sld xmlns:a="http://schemas.openxmlformats.org/drawingml/2006/main" xmlns:r="http://schemas.openxmlformats.org/officeDocument/2006/relationships" xmlns:p="http://schemas.openxmlformats.org/presentationml/2006/main">
+  <p:cSld>
+    <p:spTree>
+      <p:nvGrpSpPr>
+        <p:cNvPr id="1" name=""/>
+        <p:cNvGrpSpPr/>
+        <p:nvPr/>
+      </p:nvGrpSpPr>
+      <p:grpSpPr>
+        <a:xfrm>
+          <a:off x="0" y="0"/>
+          <a:ext cx="0" cy="0"/>
+          <a:chOff x="0" y="0"/>
+          <a:chExt cx="0" cy="0"/>
+        </a:xfrm>
+      </p:grpSpPr>
+      <p:sp>
+        <p:nvSpPr>
+          <p:cNvPr id="2" name="Titre 1"/>
+          <p:cNvSpPr>
+            <a:spLocks noGrp="1"/>
+          </p:cNvSpPr>
+          <p:nvPr>
+            <p:ph type="title"/>
+          </p:nvPr>
+        </p:nvSpPr>
+        <p:spPr/>
+        <p:txBody>
+          <a:bodyPr/>
+          <a:lstStyle/>
+          <a:p>
+            <a:r>
+              <a:rPr lang="fr-FR" dirty="0" smtClean="0"/>
               <a:t>Plan</a:t>
             </a:r>
             <a:endParaRPr lang="fr-FR" dirty="0"/>
@@ -37444,7 +37909,7 @@
             <a:fld id="{D57F1E4F-1CFF-5643-939E-217C01CDF565}" type="slidenum">
               <a:rPr lang="en-US" smtClean="0"/>
               <a:pPr/>
-              <a:t>3</a:t>
+              <a:t>5</a:t>
             </a:fld>
             <a:r>
               <a:rPr lang="en-US" dirty="0" smtClean="0"/>
@@ -37458,470 +37923,6 @@
     <p:extLst>
       <p:ext uri="{BB962C8B-B14F-4D97-AF65-F5344CB8AC3E}">
         <p14:creationId xmlns:p14="http://schemas.microsoft.com/office/powerpoint/2010/main" val="3690132283"/>
-      </p:ext>
-    </p:extLst>
-  </p:cSld>
-  <p:clrMapOvr>
-    <a:masterClrMapping/>
-  </p:clrMapOvr>
-  <p:timing>
-    <p:tnLst>
-      <p:par>
-        <p:cTn id="1" dur="indefinite" restart="never" nodeType="tmRoot"/>
-      </p:par>
-    </p:tnLst>
-  </p:timing>
-</p:sld>
-</file>
-
-<file path=ppt/slides/slide4.xml><?xml version="1.0" encoding="utf-8"?>
-<p:sld xmlns:a="http://schemas.openxmlformats.org/drawingml/2006/main" xmlns:r="http://schemas.openxmlformats.org/officeDocument/2006/relationships" xmlns:p="http://schemas.openxmlformats.org/presentationml/2006/main">
-  <p:cSld>
-    <p:spTree>
-      <p:nvGrpSpPr>
-        <p:cNvPr id="1" name=""/>
-        <p:cNvGrpSpPr/>
-        <p:nvPr/>
-      </p:nvGrpSpPr>
-      <p:grpSpPr>
-        <a:xfrm>
-          <a:off x="0" y="0"/>
-          <a:ext cx="0" cy="0"/>
-          <a:chOff x="0" y="0"/>
-          <a:chExt cx="0" cy="0"/>
-        </a:xfrm>
-      </p:grpSpPr>
-      <p:sp>
-        <p:nvSpPr>
-          <p:cNvPr id="2" name="Titre 1"/>
-          <p:cNvSpPr>
-            <a:spLocks noGrp="1"/>
-          </p:cNvSpPr>
-          <p:nvPr>
-            <p:ph type="title"/>
-          </p:nvPr>
-        </p:nvSpPr>
-        <p:spPr/>
-        <p:txBody>
-          <a:bodyPr/>
-          <a:lstStyle/>
-          <a:p>
-            <a:r>
-              <a:rPr lang="fr-FR" dirty="0" smtClean="0"/>
-              <a:t>Introduction</a:t>
-            </a:r>
-            <a:endParaRPr lang="fr-FR" dirty="0"/>
-          </a:p>
-        </p:txBody>
-      </p:sp>
-      <p:sp>
-        <p:nvSpPr>
-          <p:cNvPr id="3" name="Espace réservé du contenu 2"/>
-          <p:cNvSpPr>
-            <a:spLocks noGrp="1"/>
-          </p:cNvSpPr>
-          <p:nvPr>
-            <p:ph idx="1"/>
-          </p:nvPr>
-        </p:nvSpPr>
-        <p:spPr/>
-        <p:txBody>
-          <a:bodyPr/>
-          <a:lstStyle/>
-          <a:p>
-            <a:r>
-              <a:rPr lang="fr-FR" dirty="0" smtClean="0"/>
-              <a:t>Qu’est-ce qu’un code correcteur et en </a:t>
-            </a:r>
-            <a:r>
-              <a:rPr lang="fr-FR" dirty="0"/>
-              <a:t>quoi cela consiste-t-il </a:t>
-            </a:r>
-            <a:r>
-              <a:rPr lang="fr-FR" dirty="0" smtClean="0"/>
-              <a:t>?</a:t>
-            </a:r>
-          </a:p>
-          <a:p>
-            <a:pPr marL="0" indent="0" algn="just">
-              <a:buNone/>
-            </a:pPr>
-            <a:r>
-              <a:rPr lang="fr-FR" dirty="0" smtClean="0"/>
-              <a:t>	- Erreurs lors de la transmission d’un message</a:t>
-            </a:r>
-          </a:p>
-          <a:p>
-            <a:pPr marL="0" indent="0" algn="just">
-              <a:buNone/>
-            </a:pPr>
-            <a:r>
-              <a:rPr lang="fr-FR" sz="1800" dirty="0"/>
-              <a:t>	</a:t>
-            </a:r>
-            <a:r>
-              <a:rPr lang="fr-FR" dirty="0" smtClean="0"/>
-              <a:t>- Détection / Correction des ces erreurs</a:t>
-            </a:r>
-          </a:p>
-          <a:p>
-            <a:pPr marL="0" indent="0" algn="just">
-              <a:buNone/>
-            </a:pPr>
-            <a:endParaRPr lang="fr-FR" dirty="0" smtClean="0"/>
-          </a:p>
-          <a:p>
-            <a:pPr marL="0" indent="0" algn="just">
-              <a:buNone/>
-            </a:pPr>
-            <a:r>
-              <a:rPr lang="fr-FR" dirty="0" smtClean="0"/>
-              <a:t>Ex : bruit de fond au téléphone</a:t>
-            </a:r>
-            <a:endParaRPr lang="fr-FR" dirty="0" smtClean="0"/>
-          </a:p>
-        </p:txBody>
-      </p:sp>
-      <p:sp>
-        <p:nvSpPr>
-          <p:cNvPr id="4" name="Espace réservé du numéro de diapositive 3"/>
-          <p:cNvSpPr>
-            <a:spLocks noGrp="1"/>
-          </p:cNvSpPr>
-          <p:nvPr>
-            <p:ph type="sldNum" sz="quarter" idx="12"/>
-          </p:nvPr>
-        </p:nvSpPr>
-        <p:spPr/>
-        <p:txBody>
-          <a:bodyPr/>
-          <a:lstStyle/>
-          <a:p>
-            <a:fld id="{D57F1E4F-1CFF-5643-939E-217C01CDF565}" type="slidenum">
-              <a:rPr lang="en-US" smtClean="0"/>
-              <a:pPr/>
-              <a:t>4</a:t>
-            </a:fld>
-            <a:r>
-              <a:rPr lang="en-US" dirty="0" smtClean="0"/>
-              <a:t>/12</a:t>
-            </a:r>
-            <a:endParaRPr lang="en-US" dirty="0"/>
-          </a:p>
-        </p:txBody>
-      </p:sp>
-      <p:graphicFrame>
-        <p:nvGraphicFramePr>
-          <p:cNvPr id="6" name="Diagramme 5"/>
-          <p:cNvGraphicFramePr/>
-          <p:nvPr>
-            <p:extLst>
-              <p:ext uri="{D42A27DB-BD31-4B8C-83A1-F6EECF244321}">
-                <p14:modId xmlns:p14="http://schemas.microsoft.com/office/powerpoint/2010/main" val="4198838097"/>
-              </p:ext>
-            </p:extLst>
-          </p:nvPr>
-        </p:nvGraphicFramePr>
-        <p:xfrm>
-          <a:off x="1773382" y="248997"/>
-          <a:ext cx="9855199" cy="436803"/>
-        </p:xfrm>
-        <a:graphic>
-          <a:graphicData uri="http://schemas.openxmlformats.org/drawingml/2006/diagram">
-            <dgm:relIds xmlns:dgm="http://schemas.openxmlformats.org/drawingml/2006/diagram" xmlns:r="http://schemas.openxmlformats.org/officeDocument/2006/relationships" r:dm="rId2" r:lo="rId3" r:qs="rId4" r:cs="rId5"/>
-          </a:graphicData>
-        </a:graphic>
-      </p:graphicFrame>
-    </p:spTree>
-    <p:extLst>
-      <p:ext uri="{BB962C8B-B14F-4D97-AF65-F5344CB8AC3E}">
-        <p14:creationId xmlns:p14="http://schemas.microsoft.com/office/powerpoint/2010/main" val="1821628513"/>
-      </p:ext>
-    </p:extLst>
-  </p:cSld>
-  <p:clrMapOvr>
-    <a:masterClrMapping/>
-  </p:clrMapOvr>
-  <p:timing>
-    <p:tnLst>
-      <p:par>
-        <p:cTn id="1" dur="indefinite" restart="never" nodeType="tmRoot"/>
-      </p:par>
-    </p:tnLst>
-  </p:timing>
-</p:sld>
-</file>
-
-<file path=ppt/slides/slide5.xml><?xml version="1.0" encoding="utf-8"?>
-<p:sld xmlns:a="http://schemas.openxmlformats.org/drawingml/2006/main" xmlns:r="http://schemas.openxmlformats.org/officeDocument/2006/relationships" xmlns:p="http://schemas.openxmlformats.org/presentationml/2006/main">
-  <p:cSld>
-    <p:spTree>
-      <p:nvGrpSpPr>
-        <p:cNvPr id="1" name=""/>
-        <p:cNvGrpSpPr/>
-        <p:nvPr/>
-      </p:nvGrpSpPr>
-      <p:grpSpPr>
-        <a:xfrm>
-          <a:off x="0" y="0"/>
-          <a:ext cx="0" cy="0"/>
-          <a:chOff x="0" y="0"/>
-          <a:chExt cx="0" cy="0"/>
-        </a:xfrm>
-      </p:grpSpPr>
-      <p:sp>
-        <p:nvSpPr>
-          <p:cNvPr id="2" name="Titre 1"/>
-          <p:cNvSpPr>
-            <a:spLocks noGrp="1"/>
-          </p:cNvSpPr>
-          <p:nvPr>
-            <p:ph type="title"/>
-          </p:nvPr>
-        </p:nvSpPr>
-        <p:spPr/>
-        <p:txBody>
-          <a:bodyPr/>
-          <a:lstStyle/>
-          <a:p>
-            <a:r>
-              <a:rPr lang="fr-FR" dirty="0" smtClean="0"/>
-              <a:t>Introduction</a:t>
-            </a:r>
-            <a:endParaRPr lang="fr-FR" dirty="0"/>
-          </a:p>
-        </p:txBody>
-      </p:sp>
-      <p:sp>
-        <p:nvSpPr>
-          <p:cNvPr id="3" name="Espace réservé du contenu 2"/>
-          <p:cNvSpPr>
-            <a:spLocks noGrp="1"/>
-          </p:cNvSpPr>
-          <p:nvPr>
-            <p:ph idx="1"/>
-          </p:nvPr>
-        </p:nvSpPr>
-        <p:spPr>
-          <a:xfrm>
-            <a:off x="1342071" y="1634836"/>
-            <a:ext cx="11062365" cy="4080029"/>
-          </a:xfrm>
-        </p:spPr>
-        <p:txBody>
-          <a:bodyPr>
-            <a:normAutofit/>
-          </a:bodyPr>
-          <a:lstStyle/>
-          <a:p>
-            <a:pPr marL="0" indent="0">
-              <a:buNone/>
-            </a:pPr>
-            <a:endParaRPr lang="fr-FR" dirty="0"/>
-          </a:p>
-          <a:p>
-            <a:r>
-              <a:rPr lang="fr-FR" dirty="0" smtClean="0"/>
-              <a:t>Changement de valeur d’un bit :	Transmission 	</a:t>
-            </a:r>
-            <a:r>
-              <a:rPr lang="fr-FR" dirty="0" smtClean="0">
-                <a:sym typeface="Wingdings" panose="05000000000000000000" pitchFamily="2" charset="2"/>
-              </a:rPr>
-              <a:t>	Réception</a:t>
-            </a:r>
-            <a:endParaRPr lang="fr-FR" dirty="0" smtClean="0"/>
-          </a:p>
-          <a:p>
-            <a:pPr marL="1371600" lvl="3" indent="0">
-              <a:buNone/>
-            </a:pPr>
-            <a:r>
-              <a:rPr lang="fr-FR" dirty="0" smtClean="0"/>
-              <a:t>							</a:t>
-            </a:r>
-            <a:r>
-              <a:rPr lang="fr-FR" dirty="0" smtClean="0"/>
-              <a:t>       </a:t>
-            </a:r>
-            <a:r>
-              <a:rPr lang="fr-FR" sz="2400" dirty="0" smtClean="0"/>
-              <a:t>1011 0010	</a:t>
-            </a:r>
-            <a:r>
-              <a:rPr lang="fr-FR" dirty="0" smtClean="0"/>
-              <a:t>	</a:t>
-            </a:r>
-            <a:r>
-              <a:rPr lang="fr-FR" sz="2400" dirty="0" smtClean="0"/>
-              <a:t>1011 </a:t>
-            </a:r>
-            <a:r>
-              <a:rPr lang="fr-FR" sz="2400" dirty="0" smtClean="0"/>
-              <a:t>0</a:t>
-            </a:r>
-            <a:r>
-              <a:rPr lang="fr-FR" sz="2400" dirty="0" smtClean="0">
-                <a:solidFill>
-                  <a:srgbClr val="FF0000"/>
-                </a:solidFill>
-              </a:rPr>
-              <a:t>1</a:t>
-            </a:r>
-            <a:r>
-              <a:rPr lang="fr-FR" sz="2400" dirty="0" smtClean="0"/>
-              <a:t>10</a:t>
-            </a:r>
-          </a:p>
-          <a:p>
-            <a:pPr marL="1371600" lvl="3" indent="0">
-              <a:buNone/>
-            </a:pPr>
-            <a:r>
-              <a:rPr lang="fr-FR" dirty="0" smtClean="0"/>
-              <a:t>									</a:t>
-            </a:r>
-          </a:p>
-          <a:p>
-            <a:r>
-              <a:rPr lang="fr-FR" dirty="0" smtClean="0"/>
-              <a:t>Le taux d’erreur par bit s’exprime par : </a:t>
-            </a:r>
-            <a:r>
-              <a:rPr lang="fr-FR" i="1" dirty="0" err="1" smtClean="0"/>
-              <a:t>NbErr</a:t>
-            </a:r>
-            <a:r>
-              <a:rPr lang="fr-FR" i="1" dirty="0" smtClean="0"/>
-              <a:t>/</a:t>
-            </a:r>
-            <a:r>
-              <a:rPr lang="fr-FR" i="1" dirty="0" err="1" smtClean="0"/>
-              <a:t>NbBits</a:t>
-            </a:r>
-            <a:endParaRPr lang="fr-FR" i="1" dirty="0" smtClean="0"/>
-          </a:p>
-          <a:p>
-            <a:pPr marL="0" lvl="8" indent="0">
-              <a:buNone/>
-            </a:pPr>
-            <a:r>
-              <a:rPr lang="fr-FR" i="1" dirty="0"/>
-              <a:t>	</a:t>
-            </a:r>
-            <a:r>
-              <a:rPr lang="fr-FR" i="1" dirty="0" smtClean="0"/>
-              <a:t>									</a:t>
-            </a:r>
-            <a:r>
-              <a:rPr lang="fr-FR" sz="2000" i="1" dirty="0" smtClean="0"/>
-              <a:t>  </a:t>
-            </a:r>
-            <a:r>
-              <a:rPr lang="fr-FR" sz="2000" i="1" dirty="0" smtClean="0"/>
-              <a:t>            </a:t>
-            </a:r>
-            <a:r>
-              <a:rPr lang="fr-FR" sz="2000" dirty="0" smtClean="0"/>
-              <a:t>1       /		10  	</a:t>
-            </a:r>
-            <a:r>
-              <a:rPr lang="fr-FR" sz="2000" dirty="0"/>
-              <a:t>	</a:t>
-            </a:r>
-            <a:r>
-              <a:rPr lang="fr-FR" sz="2000" dirty="0" smtClean="0">
-                <a:sym typeface="Wingdings" panose="05000000000000000000" pitchFamily="2" charset="2"/>
-              </a:rPr>
-              <a:t> 		 </a:t>
-            </a:r>
-            <a:r>
-              <a:rPr lang="fr-FR" sz="2000" dirty="0">
-                <a:sym typeface="Wingdings" panose="05000000000000000000" pitchFamily="2" charset="2"/>
-              </a:rPr>
-              <a:t>10^-</a:t>
-            </a:r>
-            <a:r>
-              <a:rPr lang="fr-FR" sz="2000" dirty="0" smtClean="0">
-                <a:sym typeface="Wingdings" panose="05000000000000000000" pitchFamily="2" charset="2"/>
-              </a:rPr>
-              <a:t>1</a:t>
-            </a:r>
-          </a:p>
-          <a:p>
-            <a:pPr marL="0" lvl="8" indent="0">
-              <a:buNone/>
-            </a:pPr>
-            <a:endParaRPr lang="fr-FR" i="1" dirty="0" smtClean="0"/>
-          </a:p>
-          <a:p>
-            <a:pPr marL="0" indent="0">
-              <a:buNone/>
-            </a:pPr>
-            <a:r>
-              <a:rPr lang="fr-FR" dirty="0" smtClean="0"/>
-              <a:t>	</a:t>
-            </a:r>
-            <a:endParaRPr lang="fr-FR" dirty="0" smtClean="0">
-              <a:sym typeface="Wingdings" panose="05000000000000000000" pitchFamily="2" charset="2"/>
-            </a:endParaRPr>
-          </a:p>
-        </p:txBody>
-      </p:sp>
-      <p:sp>
-        <p:nvSpPr>
-          <p:cNvPr id="4" name="Espace réservé du numéro de diapositive 3"/>
-          <p:cNvSpPr>
-            <a:spLocks noGrp="1"/>
-          </p:cNvSpPr>
-          <p:nvPr>
-            <p:ph type="sldNum" sz="quarter" idx="12"/>
-          </p:nvPr>
-        </p:nvSpPr>
-        <p:spPr/>
-        <p:txBody>
-          <a:bodyPr/>
-          <a:lstStyle/>
-          <a:p>
-            <a:fld id="{D57F1E4F-1CFF-5643-939E-217C01CDF565}" type="slidenum">
-              <a:rPr lang="en-US" smtClean="0"/>
-              <a:pPr/>
-              <a:t>5</a:t>
-            </a:fld>
-            <a:r>
-              <a:rPr lang="en-US" dirty="0" smtClean="0"/>
-              <a:t>/12</a:t>
-            </a:r>
-            <a:endParaRPr lang="en-US" dirty="0"/>
-          </a:p>
-        </p:txBody>
-      </p:sp>
-      <p:graphicFrame>
-        <p:nvGraphicFramePr>
-          <p:cNvPr id="6" name="Diagramme 5"/>
-          <p:cNvGraphicFramePr/>
-          <p:nvPr>
-            <p:extLst>
-              <p:ext uri="{D42A27DB-BD31-4B8C-83A1-F6EECF244321}">
-                <p14:modId xmlns:p14="http://schemas.microsoft.com/office/powerpoint/2010/main" val="1411109520"/>
-              </p:ext>
-            </p:extLst>
-          </p:nvPr>
-        </p:nvGraphicFramePr>
-        <p:xfrm>
-          <a:off x="1773382" y="248997"/>
-          <a:ext cx="9855199" cy="436803"/>
-        </p:xfrm>
-        <a:graphic>
-          <a:graphicData uri="http://schemas.openxmlformats.org/drawingml/2006/diagram">
-            <dgm:relIds xmlns:dgm="http://schemas.openxmlformats.org/drawingml/2006/diagram" xmlns:r="http://schemas.openxmlformats.org/officeDocument/2006/relationships" r:dm="rId2" r:lo="rId3" r:qs="rId4" r:cs="rId5"/>
-          </a:graphicData>
-        </a:graphic>
-      </p:graphicFrame>
-    </p:spTree>
-    <p:extLst>
-      <p:ext uri="{BB962C8B-B14F-4D97-AF65-F5344CB8AC3E}">
-        <p14:creationId xmlns:p14="http://schemas.microsoft.com/office/powerpoint/2010/main" val="1381840862"/>
       </p:ext>
     </p:extLst>
   </p:cSld>
@@ -37973,10 +37974,6 @@
             <a:r>
               <a:rPr lang="fr-FR" dirty="0" smtClean="0"/>
               <a:t>I.</a:t>
-            </a:r>
-            <a:r>
-              <a:rPr lang="fr-FR" dirty="0" smtClean="0"/>
-              <a:t/>
             </a:r>
             <a:br>
               <a:rPr lang="fr-FR" dirty="0" smtClean="0"/>
@@ -38084,7 +38081,7 @@
           <p:nvPr>
             <p:extLst>
               <p:ext uri="{D42A27DB-BD31-4B8C-83A1-F6EECF244321}">
-                <p14:modId xmlns:p14="http://schemas.microsoft.com/office/powerpoint/2010/main" val="832635651"/>
+                <p14:modId xmlns:p14="http://schemas.microsoft.com/office/powerpoint/2010/main" val="3883508073"/>
               </p:ext>
             </p:extLst>
           </p:nvPr>
@@ -38155,10 +38152,6 @@
               <a:rPr lang="fr-FR" dirty="0" smtClean="0"/>
               <a:t>I.</a:t>
             </a:r>
-            <a:r>
-              <a:rPr lang="fr-FR" dirty="0" smtClean="0"/>
-              <a:t/>
-            </a:r>
             <a:br>
               <a:rPr lang="fr-FR" dirty="0" smtClean="0"/>
             </a:br>
@@ -38200,44 +38193,19 @@
           <a:p>
             <a:r>
               <a:rPr lang="fr-FR" i="1" dirty="0" smtClean="0"/>
-              <a:t>k </a:t>
-            </a:r>
-            <a:r>
-              <a:rPr lang="fr-FR" i="1" dirty="0" smtClean="0"/>
-              <a:t>= le nombre de bits transmis </a:t>
-            </a:r>
-            <a:r>
-              <a:rPr lang="fr-FR" i="1" dirty="0" smtClean="0"/>
-              <a:t>correctement</a:t>
+              <a:t>k = le nombre de bits transmis correctement</a:t>
             </a:r>
           </a:p>
           <a:p>
             <a:r>
               <a:rPr lang="fr-FR" i="1" dirty="0" smtClean="0"/>
-              <a:t>n </a:t>
+              <a:t>n = le nombre de bits transmis</a:t>
             </a:r>
-            <a:r>
-              <a:rPr lang="fr-FR" i="1" dirty="0" smtClean="0"/>
-              <a:t>= le nombre de bits </a:t>
-            </a:r>
-            <a:r>
-              <a:rPr lang="fr-FR" i="1" dirty="0" smtClean="0"/>
-              <a:t>transmis</a:t>
-            </a:r>
-            <a:endParaRPr lang="fr-FR" i="1" dirty="0" smtClean="0"/>
           </a:p>
           <a:p>
             <a:r>
               <a:rPr lang="fr-FR" dirty="0" smtClean="0"/>
-              <a:t>P est donc la probabilité d’avoir des </a:t>
-            </a:r>
-            <a:r>
-              <a:rPr lang="fr-FR" dirty="0" smtClean="0"/>
-              <a:t>erreurs</a:t>
-            </a:r>
-            <a:r>
-              <a:rPr lang="fr-FR" dirty="0" smtClean="0"/>
-              <a:t>	</a:t>
+              <a:t>P est donc la probabilité d’avoir des erreurs	</a:t>
             </a:r>
             <a:endParaRPr lang="fr-FR" dirty="0" smtClean="0">
               <a:sym typeface="Wingdings" panose="05000000000000000000" pitchFamily="2" charset="2"/>
@@ -38303,7 +38271,7 @@
           <p:nvPr>
             <p:extLst>
               <p:ext uri="{D42A27DB-BD31-4B8C-83A1-F6EECF244321}">
-                <p14:modId xmlns:p14="http://schemas.microsoft.com/office/powerpoint/2010/main" val="1179469952"/>
+                <p14:modId xmlns:p14="http://schemas.microsoft.com/office/powerpoint/2010/main" val="3298487023"/>
               </p:ext>
             </p:extLst>
           </p:nvPr>
@@ -38439,7 +38407,6 @@
               <a:rPr lang="fr-FR" dirty="0" smtClean="0"/>
               <a:t>	Somme des autres bits du mot.</a:t>
             </a:r>
-            <a:endParaRPr lang="fr-FR" dirty="0" smtClean="0"/>
           </a:p>
           <a:p>
             <a:pPr marL="0" indent="0">
@@ -38553,7 +38520,7 @@
           <p:nvPr>
             <p:extLst>
               <p:ext uri="{D42A27DB-BD31-4B8C-83A1-F6EECF244321}">
-                <p14:modId xmlns:p14="http://schemas.microsoft.com/office/powerpoint/2010/main" val="4027637439"/>
+                <p14:modId xmlns:p14="http://schemas.microsoft.com/office/powerpoint/2010/main" val="3438764895"/>
               </p:ext>
             </p:extLst>
           </p:nvPr>
@@ -38622,11 +38589,7 @@
           <a:p>
             <a:r>
               <a:rPr lang="fr-FR" dirty="0" smtClean="0"/>
-              <a:t>III</a:t>
-            </a:r>
-            <a:r>
-              <a:rPr lang="fr-FR" dirty="0" smtClean="0"/>
-              <a:t>.</a:t>
+              <a:t>III.</a:t>
             </a:r>
             <a:r>
               <a:rPr lang="fr-FR" dirty="0"/>
@@ -38740,7 +38703,6 @@
               <a:rPr lang="fr-FR" dirty="0" smtClean="0"/>
               <a:t>Rendement faible mais très efficace</a:t>
             </a:r>
-            <a:endParaRPr lang="fr-FR" dirty="0" smtClean="0"/>
           </a:p>
         </p:txBody>
       </p:sp>
@@ -38946,7 +38908,7 @@
           <p:nvPr>
             <p:extLst>
               <p:ext uri="{D42A27DB-BD31-4B8C-83A1-F6EECF244321}">
-                <p14:modId xmlns:p14="http://schemas.microsoft.com/office/powerpoint/2010/main" val="533075225"/>
+                <p14:modId xmlns:p14="http://schemas.microsoft.com/office/powerpoint/2010/main" val="241608163"/>
               </p:ext>
             </p:extLst>
           </p:nvPr>

--- a/SOUTENANCE/Modélisations Mathématiques.pptx
+++ b/SOUTENANCE/Modélisations Mathématiques.pptx
@@ -8061,6 +8061,13 @@
         </dgm:presLayoutVars>
       </dgm:prSet>
       <dgm:spPr/>
+      <dgm:t>
+        <a:bodyPr/>
+        <a:lstStyle/>
+        <a:p>
+          <a:endParaRPr lang="fr-FR"/>
+        </a:p>
+      </dgm:t>
     </dgm:pt>
     <dgm:pt modelId="{3AF84886-0769-4EDC-B8CD-0249AB03C320}" type="pres">
       <dgm:prSet presAssocID="{1C8FAC4E-6B67-4CFA-A4FF-F62DF65E4AD5}" presName="parTxOnlySpace" presStyleCnt="0"/>
@@ -8075,6 +8082,13 @@
         </dgm:presLayoutVars>
       </dgm:prSet>
       <dgm:spPr/>
+      <dgm:t>
+        <a:bodyPr/>
+        <a:lstStyle/>
+        <a:p>
+          <a:endParaRPr lang="fr-FR"/>
+        </a:p>
+      </dgm:t>
     </dgm:pt>
     <dgm:pt modelId="{F483769F-1EE1-4C51-BB75-304463DC308B}" type="pres">
       <dgm:prSet presAssocID="{7CF65164-B9E3-49A8-AB4C-D95E889F3F46}" presName="parTxOnlySpace" presStyleCnt="0"/>
@@ -8089,6 +8103,13 @@
         </dgm:presLayoutVars>
       </dgm:prSet>
       <dgm:spPr/>
+      <dgm:t>
+        <a:bodyPr/>
+        <a:lstStyle/>
+        <a:p>
+          <a:endParaRPr lang="fr-FR"/>
+        </a:p>
+      </dgm:t>
     </dgm:pt>
     <dgm:pt modelId="{97FA42B3-8445-4A99-B73D-A43DAE4A71E8}" type="pres">
       <dgm:prSet presAssocID="{377BDBFC-514A-41E2-8138-AE8B3D410EEB}" presName="parTxOnlySpace" presStyleCnt="0"/>
@@ -8103,6 +8124,13 @@
         </dgm:presLayoutVars>
       </dgm:prSet>
       <dgm:spPr/>
+      <dgm:t>
+        <a:bodyPr/>
+        <a:lstStyle/>
+        <a:p>
+          <a:endParaRPr lang="fr-FR"/>
+        </a:p>
+      </dgm:t>
     </dgm:pt>
     <dgm:pt modelId="{80CA387A-8BA5-4B85-8322-BE8F917A3EEA}" type="pres">
       <dgm:prSet presAssocID="{651207D0-38E5-4EA1-811F-155DCD122464}" presName="parTxOnlySpace" presStyleCnt="0"/>
@@ -8117,6 +8145,13 @@
         </dgm:presLayoutVars>
       </dgm:prSet>
       <dgm:spPr/>
+      <dgm:t>
+        <a:bodyPr/>
+        <a:lstStyle/>
+        <a:p>
+          <a:endParaRPr lang="fr-FR"/>
+        </a:p>
+      </dgm:t>
     </dgm:pt>
     <dgm:pt modelId="{DE556C8E-BA87-4D54-AF88-E51C420D3F7F}" type="pres">
       <dgm:prSet presAssocID="{FA372B7B-0BC5-413E-AE87-E564CFA65B66}" presName="parTxOnlySpace" presStyleCnt="0"/>
@@ -8131,6 +8166,13 @@
         </dgm:presLayoutVars>
       </dgm:prSet>
       <dgm:spPr/>
+      <dgm:t>
+        <a:bodyPr/>
+        <a:lstStyle/>
+        <a:p>
+          <a:endParaRPr lang="fr-FR"/>
+        </a:p>
+      </dgm:t>
     </dgm:pt>
     <dgm:pt modelId="{F69AC311-4504-466A-A620-D7FF45317525}" type="pres">
       <dgm:prSet presAssocID="{B7851186-24D5-4582-B604-90DF058E1F47}" presName="parTxOnlySpace" presStyleCnt="0"/>
@@ -8145,24 +8187,31 @@
         </dgm:presLayoutVars>
       </dgm:prSet>
       <dgm:spPr/>
+      <dgm:t>
+        <a:bodyPr/>
+        <a:lstStyle/>
+        <a:p>
+          <a:endParaRPr lang="fr-FR"/>
+        </a:p>
+      </dgm:t>
     </dgm:pt>
   </dgm:ptLst>
   <dgm:cxnLst>
+    <dgm:cxn modelId="{7A46DD6A-0BAA-4898-933A-F7FBB16A1F92}" srcId="{7FB0DD14-595B-4E19-ADBE-0F7EE5B082D8}" destId="{B1F5A788-E4DD-44B5-8AAF-E8755AFC0F1D}" srcOrd="0" destOrd="0" parTransId="{DAB92A95-4222-48FC-AC67-8B8F8BB49463}" sibTransId="{1C8FAC4E-6B67-4CFA-A4FF-F62DF65E4AD5}"/>
+    <dgm:cxn modelId="{E9F9D6DD-1925-4021-819F-D843B7B72CBA}" type="presOf" srcId="{B1F5A788-E4DD-44B5-8AAF-E8755AFC0F1D}" destId="{DDE7BBCF-0114-4EAF-97EB-7B1F6D5BF394}" srcOrd="0" destOrd="0" presId="urn:microsoft.com/office/officeart/2005/8/layout/chevron1"/>
+    <dgm:cxn modelId="{A50474F7-E3C6-4F02-A8B4-0EB2BFA2C137}" srcId="{7FB0DD14-595B-4E19-ADBE-0F7EE5B082D8}" destId="{B42D296B-1B1D-4696-ADBE-D1380A94AD2E}" srcOrd="3" destOrd="0" parTransId="{DA5B4B1B-3D9B-4E56-8245-77ED5977C157}" sibTransId="{651207D0-38E5-4EA1-811F-155DCD122464}"/>
+    <dgm:cxn modelId="{FC3560ED-D318-488A-9E2F-12AEE3208049}" type="presOf" srcId="{0D50FE57-3871-47C9-91F2-FC9AEC2898B6}" destId="{7683EB31-29B2-4622-87F7-53F752C057FF}" srcOrd="0" destOrd="0" presId="urn:microsoft.com/office/officeart/2005/8/layout/chevron1"/>
+    <dgm:cxn modelId="{35A9685B-226C-411A-BF7E-B3AD6EDE749C}" srcId="{7FB0DD14-595B-4E19-ADBE-0F7EE5B082D8}" destId="{D8FE1F33-9D60-4B12-AF5C-6F5E6641DAAA}" srcOrd="2" destOrd="0" parTransId="{F2B1FB01-F637-4642-8C09-981A0D47BB09}" sibTransId="{377BDBFC-514A-41E2-8138-AE8B3D410EEB}"/>
+    <dgm:cxn modelId="{391EE9FF-C7D8-4664-A77A-A709525460A5}" srcId="{7FB0DD14-595B-4E19-ADBE-0F7EE5B082D8}" destId="{B311DFB7-B845-434F-8D77-3FC0BD08DC7F}" srcOrd="5" destOrd="0" parTransId="{57172167-7A38-4CEB-A51A-23777FF04B48}" sibTransId="{B7851186-24D5-4582-B604-90DF058E1F47}"/>
+    <dgm:cxn modelId="{235E517A-9475-4B34-AF47-B50F78EC54DE}" type="presOf" srcId="{B311DFB7-B845-434F-8D77-3FC0BD08DC7F}" destId="{FBB2542C-499A-4E5D-B179-5389E562ACE6}" srcOrd="0" destOrd="0" presId="urn:microsoft.com/office/officeart/2005/8/layout/chevron1"/>
+    <dgm:cxn modelId="{8F5ECA9B-A990-447D-BBC3-8E8A33A4AC2D}" type="presOf" srcId="{B42D296B-1B1D-4696-ADBE-D1380A94AD2E}" destId="{11D68FBA-00DF-4890-A532-D4283C1129ED}" srcOrd="0" destOrd="0" presId="urn:microsoft.com/office/officeart/2005/8/layout/chevron1"/>
+    <dgm:cxn modelId="{23762C7F-2E56-4626-8F73-01447AB651A8}" type="presOf" srcId="{D8FE1F33-9D60-4B12-AF5C-6F5E6641DAAA}" destId="{E5F67A2B-BC5E-45CA-A54C-64F38F7542AA}" srcOrd="0" destOrd="0" presId="urn:microsoft.com/office/officeart/2005/8/layout/chevron1"/>
+    <dgm:cxn modelId="{93B9FDC1-5296-4F19-A795-1FFD78E05B95}" type="presOf" srcId="{7FB0DD14-595B-4E19-ADBE-0F7EE5B082D8}" destId="{E705A0BF-53A3-4705-8EC7-8B330F477F3D}" srcOrd="0" destOrd="0" presId="urn:microsoft.com/office/officeart/2005/8/layout/chevron1"/>
+    <dgm:cxn modelId="{96C62D34-6A07-4E0C-B051-EA252438EE74}" type="presOf" srcId="{6D25C8EF-83C7-4A95-A977-B26A30C3D7D8}" destId="{1CDE8902-EAE1-4633-9A12-AA6C6036B1E6}" srcOrd="0" destOrd="0" presId="urn:microsoft.com/office/officeart/2005/8/layout/chevron1"/>
     <dgm:cxn modelId="{44E81627-C521-4E24-BE64-A214B74119A0}" type="presOf" srcId="{DD0D8DD9-4191-4FC1-A26D-449BF9D9A786}" destId="{6C143154-07D3-4E59-82E8-19A05DCBA13F}" srcOrd="0" destOrd="0" presId="urn:microsoft.com/office/officeart/2005/8/layout/chevron1"/>
-    <dgm:cxn modelId="{96C62D34-6A07-4E0C-B051-EA252438EE74}" type="presOf" srcId="{6D25C8EF-83C7-4A95-A977-B26A30C3D7D8}" destId="{1CDE8902-EAE1-4633-9A12-AA6C6036B1E6}" srcOrd="0" destOrd="0" presId="urn:microsoft.com/office/officeart/2005/8/layout/chevron1"/>
     <dgm:cxn modelId="{4369BD3D-6EF5-477A-9E34-F567F46088EA}" srcId="{7FB0DD14-595B-4E19-ADBE-0F7EE5B082D8}" destId="{0D50FE57-3871-47C9-91F2-FC9AEC2898B6}" srcOrd="4" destOrd="0" parTransId="{5D936467-EE85-44DD-BCF0-56C41D0DB073}" sibTransId="{FA372B7B-0BC5-413E-AE87-E564CFA65B66}"/>
-    <dgm:cxn modelId="{35A9685B-226C-411A-BF7E-B3AD6EDE749C}" srcId="{7FB0DD14-595B-4E19-ADBE-0F7EE5B082D8}" destId="{D8FE1F33-9D60-4B12-AF5C-6F5E6641DAAA}" srcOrd="2" destOrd="0" parTransId="{F2B1FB01-F637-4642-8C09-981A0D47BB09}" sibTransId="{377BDBFC-514A-41E2-8138-AE8B3D410EEB}"/>
+    <dgm:cxn modelId="{5D1893A6-26EF-4DA3-9B99-3FEDF647C7BE}" srcId="{7FB0DD14-595B-4E19-ADBE-0F7EE5B082D8}" destId="{6D25C8EF-83C7-4A95-A977-B26A30C3D7D8}" srcOrd="1" destOrd="0" parTransId="{94EA6F62-F59C-4A25-ABA6-69069EBB765F}" sibTransId="{7CF65164-B9E3-49A8-AB4C-D95E889F3F46}"/>
     <dgm:cxn modelId="{0271FF49-CDAE-4EEA-B19C-7E5BB413FBC0}" srcId="{7FB0DD14-595B-4E19-ADBE-0F7EE5B082D8}" destId="{DD0D8DD9-4191-4FC1-A26D-449BF9D9A786}" srcOrd="6" destOrd="0" parTransId="{F17C0891-744B-4545-AA8F-F02750446AA8}" sibTransId="{C0EB1B55-6E14-4503-9521-5CAE0B853396}"/>
-    <dgm:cxn modelId="{7A46DD6A-0BAA-4898-933A-F7FBB16A1F92}" srcId="{7FB0DD14-595B-4E19-ADBE-0F7EE5B082D8}" destId="{B1F5A788-E4DD-44B5-8AAF-E8755AFC0F1D}" srcOrd="0" destOrd="0" parTransId="{DAB92A95-4222-48FC-AC67-8B8F8BB49463}" sibTransId="{1C8FAC4E-6B67-4CFA-A4FF-F62DF65E4AD5}"/>
-    <dgm:cxn modelId="{235E517A-9475-4B34-AF47-B50F78EC54DE}" type="presOf" srcId="{B311DFB7-B845-434F-8D77-3FC0BD08DC7F}" destId="{FBB2542C-499A-4E5D-B179-5389E562ACE6}" srcOrd="0" destOrd="0" presId="urn:microsoft.com/office/officeart/2005/8/layout/chevron1"/>
-    <dgm:cxn modelId="{23762C7F-2E56-4626-8F73-01447AB651A8}" type="presOf" srcId="{D8FE1F33-9D60-4B12-AF5C-6F5E6641DAAA}" destId="{E5F67A2B-BC5E-45CA-A54C-64F38F7542AA}" srcOrd="0" destOrd="0" presId="urn:microsoft.com/office/officeart/2005/8/layout/chevron1"/>
-    <dgm:cxn modelId="{8F5ECA9B-A990-447D-BBC3-8E8A33A4AC2D}" type="presOf" srcId="{B42D296B-1B1D-4696-ADBE-D1380A94AD2E}" destId="{11D68FBA-00DF-4890-A532-D4283C1129ED}" srcOrd="0" destOrd="0" presId="urn:microsoft.com/office/officeart/2005/8/layout/chevron1"/>
-    <dgm:cxn modelId="{5D1893A6-26EF-4DA3-9B99-3FEDF647C7BE}" srcId="{7FB0DD14-595B-4E19-ADBE-0F7EE5B082D8}" destId="{6D25C8EF-83C7-4A95-A977-B26A30C3D7D8}" srcOrd="1" destOrd="0" parTransId="{94EA6F62-F59C-4A25-ABA6-69069EBB765F}" sibTransId="{7CF65164-B9E3-49A8-AB4C-D95E889F3F46}"/>
-    <dgm:cxn modelId="{93B9FDC1-5296-4F19-A795-1FFD78E05B95}" type="presOf" srcId="{7FB0DD14-595B-4E19-ADBE-0F7EE5B082D8}" destId="{E705A0BF-53A3-4705-8EC7-8B330F477F3D}" srcOrd="0" destOrd="0" presId="urn:microsoft.com/office/officeart/2005/8/layout/chevron1"/>
-    <dgm:cxn modelId="{E9F9D6DD-1925-4021-819F-D843B7B72CBA}" type="presOf" srcId="{B1F5A788-E4DD-44B5-8AAF-E8755AFC0F1D}" destId="{DDE7BBCF-0114-4EAF-97EB-7B1F6D5BF394}" srcOrd="0" destOrd="0" presId="urn:microsoft.com/office/officeart/2005/8/layout/chevron1"/>
-    <dgm:cxn modelId="{FC3560ED-D318-488A-9E2F-12AEE3208049}" type="presOf" srcId="{0D50FE57-3871-47C9-91F2-FC9AEC2898B6}" destId="{7683EB31-29B2-4622-87F7-53F752C057FF}" srcOrd="0" destOrd="0" presId="urn:microsoft.com/office/officeart/2005/8/layout/chevron1"/>
-    <dgm:cxn modelId="{A50474F7-E3C6-4F02-A8B4-0EB2BFA2C137}" srcId="{7FB0DD14-595B-4E19-ADBE-0F7EE5B082D8}" destId="{B42D296B-1B1D-4696-ADBE-D1380A94AD2E}" srcOrd="3" destOrd="0" parTransId="{DA5B4B1B-3D9B-4E56-8245-77ED5977C157}" sibTransId="{651207D0-38E5-4EA1-811F-155DCD122464}"/>
-    <dgm:cxn modelId="{391EE9FF-C7D8-4664-A77A-A709525460A5}" srcId="{7FB0DD14-595B-4E19-ADBE-0F7EE5B082D8}" destId="{B311DFB7-B845-434F-8D77-3FC0BD08DC7F}" srcOrd="5" destOrd="0" parTransId="{57172167-7A38-4CEB-A51A-23777FF04B48}" sibTransId="{B7851186-24D5-4582-B604-90DF058E1F47}"/>
     <dgm:cxn modelId="{0A44EFDB-CCAF-46E5-A873-9BE0BBC05F23}" type="presParOf" srcId="{E705A0BF-53A3-4705-8EC7-8B330F477F3D}" destId="{DDE7BBCF-0114-4EAF-97EB-7B1F6D5BF394}" srcOrd="0" destOrd="0" presId="urn:microsoft.com/office/officeart/2005/8/layout/chevron1"/>
     <dgm:cxn modelId="{830EF358-D570-40E6-9C83-EF2EC06509D1}" type="presParOf" srcId="{E705A0BF-53A3-4705-8EC7-8B330F477F3D}" destId="{3AF84886-0769-4EDC-B8CD-0249AB03C320}" srcOrd="1" destOrd="0" presId="urn:microsoft.com/office/officeart/2005/8/layout/chevron1"/>
     <dgm:cxn modelId="{8FF64A5B-50D4-4E06-A66E-D472F511787C}" type="presParOf" srcId="{E705A0BF-53A3-4705-8EC7-8B330F477F3D}" destId="{1CDE8902-EAE1-4633-9A12-AA6C6036B1E6}" srcOrd="2" destOrd="0" presId="urn:microsoft.com/office/officeart/2005/8/layout/chevron1"/>
@@ -8641,6 +8690,13 @@
         </dgm:presLayoutVars>
       </dgm:prSet>
       <dgm:spPr/>
+      <dgm:t>
+        <a:bodyPr/>
+        <a:lstStyle/>
+        <a:p>
+          <a:endParaRPr lang="fr-FR"/>
+        </a:p>
+      </dgm:t>
     </dgm:pt>
     <dgm:pt modelId="{58173199-A531-4139-B475-57EE2644EA34}" type="pres">
       <dgm:prSet presAssocID="{A135D198-5CAB-4403-ADAB-5CEBCF33EE35}" presName="parTxOnlySpace" presStyleCnt="0"/>
@@ -8655,6 +8711,13 @@
         </dgm:presLayoutVars>
       </dgm:prSet>
       <dgm:spPr/>
+      <dgm:t>
+        <a:bodyPr/>
+        <a:lstStyle/>
+        <a:p>
+          <a:endParaRPr lang="fr-FR"/>
+        </a:p>
+      </dgm:t>
     </dgm:pt>
     <dgm:pt modelId="{F483769F-1EE1-4C51-BB75-304463DC308B}" type="pres">
       <dgm:prSet presAssocID="{7CF65164-B9E3-49A8-AB4C-D95E889F3F46}" presName="parTxOnlySpace" presStyleCnt="0"/>
@@ -8669,6 +8732,13 @@
         </dgm:presLayoutVars>
       </dgm:prSet>
       <dgm:spPr/>
+      <dgm:t>
+        <a:bodyPr/>
+        <a:lstStyle/>
+        <a:p>
+          <a:endParaRPr lang="fr-FR"/>
+        </a:p>
+      </dgm:t>
     </dgm:pt>
     <dgm:pt modelId="{97FA42B3-8445-4A99-B73D-A43DAE4A71E8}" type="pres">
       <dgm:prSet presAssocID="{377BDBFC-514A-41E2-8138-AE8B3D410EEB}" presName="parTxOnlySpace" presStyleCnt="0"/>
@@ -8683,6 +8753,13 @@
         </dgm:presLayoutVars>
       </dgm:prSet>
       <dgm:spPr/>
+      <dgm:t>
+        <a:bodyPr/>
+        <a:lstStyle/>
+        <a:p>
+          <a:endParaRPr lang="fr-FR"/>
+        </a:p>
+      </dgm:t>
     </dgm:pt>
     <dgm:pt modelId="{80CA387A-8BA5-4B85-8322-BE8F917A3EEA}" type="pres">
       <dgm:prSet presAssocID="{651207D0-38E5-4EA1-811F-155DCD122464}" presName="parTxOnlySpace" presStyleCnt="0"/>
@@ -8697,6 +8774,13 @@
         </dgm:presLayoutVars>
       </dgm:prSet>
       <dgm:spPr/>
+      <dgm:t>
+        <a:bodyPr/>
+        <a:lstStyle/>
+        <a:p>
+          <a:endParaRPr lang="fr-FR"/>
+        </a:p>
+      </dgm:t>
     </dgm:pt>
     <dgm:pt modelId="{DE556C8E-BA87-4D54-AF88-E51C420D3F7F}" type="pres">
       <dgm:prSet presAssocID="{FA372B7B-0BC5-413E-AE87-E564CFA65B66}" presName="parTxOnlySpace" presStyleCnt="0"/>
@@ -8711,6 +8795,13 @@
         </dgm:presLayoutVars>
       </dgm:prSet>
       <dgm:spPr/>
+      <dgm:t>
+        <a:bodyPr/>
+        <a:lstStyle/>
+        <a:p>
+          <a:endParaRPr lang="fr-FR"/>
+        </a:p>
+      </dgm:t>
     </dgm:pt>
     <dgm:pt modelId="{F69AC311-4504-466A-A620-D7FF45317525}" type="pres">
       <dgm:prSet presAssocID="{B7851186-24D5-4582-B604-90DF058E1F47}" presName="parTxOnlySpace" presStyleCnt="0"/>
@@ -8725,24 +8816,31 @@
         </dgm:presLayoutVars>
       </dgm:prSet>
       <dgm:spPr/>
+      <dgm:t>
+        <a:bodyPr/>
+        <a:lstStyle/>
+        <a:p>
+          <a:endParaRPr lang="fr-FR"/>
+        </a:p>
+      </dgm:t>
     </dgm:pt>
   </dgm:ptLst>
   <dgm:cxnLst>
+    <dgm:cxn modelId="{A50474F7-E3C6-4F02-A8B4-0EB2BFA2C137}" srcId="{7FB0DD14-595B-4E19-ADBE-0F7EE5B082D8}" destId="{B42D296B-1B1D-4696-ADBE-D1380A94AD2E}" srcOrd="3" destOrd="0" parTransId="{DA5B4B1B-3D9B-4E56-8245-77ED5977C157}" sibTransId="{651207D0-38E5-4EA1-811F-155DCD122464}"/>
+    <dgm:cxn modelId="{627C95F4-7889-4F59-8861-49139A694CD5}" type="presOf" srcId="{B311DFB7-B845-434F-8D77-3FC0BD08DC7F}" destId="{FBB2542C-499A-4E5D-B179-5389E562ACE6}" srcOrd="0" destOrd="0" presId="urn:microsoft.com/office/officeart/2005/8/layout/chevron1"/>
+    <dgm:cxn modelId="{A7DBB7B7-B5BD-48D6-AD7A-97D7F300C1B3}" type="presOf" srcId="{48F80B6E-9C90-4CC3-B3A6-73DB9B35A9D1}" destId="{F476435F-B08E-4186-8759-45431FA7E817}" srcOrd="0" destOrd="0" presId="urn:microsoft.com/office/officeart/2005/8/layout/chevron1"/>
+    <dgm:cxn modelId="{58D9ED0C-4841-4D82-847F-F2082B2A7402}" type="presOf" srcId="{6D25C8EF-83C7-4A95-A977-B26A30C3D7D8}" destId="{1CDE8902-EAE1-4633-9A12-AA6C6036B1E6}" srcOrd="0" destOrd="0" presId="urn:microsoft.com/office/officeart/2005/8/layout/chevron1"/>
+    <dgm:cxn modelId="{35A9685B-226C-411A-BF7E-B3AD6EDE749C}" srcId="{7FB0DD14-595B-4E19-ADBE-0F7EE5B082D8}" destId="{D8FE1F33-9D60-4B12-AF5C-6F5E6641DAAA}" srcOrd="2" destOrd="0" parTransId="{F2B1FB01-F637-4642-8C09-981A0D47BB09}" sibTransId="{377BDBFC-514A-41E2-8138-AE8B3D410EEB}"/>
+    <dgm:cxn modelId="{391EE9FF-C7D8-4664-A77A-A709525460A5}" srcId="{7FB0DD14-595B-4E19-ADBE-0F7EE5B082D8}" destId="{B311DFB7-B845-434F-8D77-3FC0BD08DC7F}" srcOrd="5" destOrd="0" parTransId="{57172167-7A38-4CEB-A51A-23777FF04B48}" sibTransId="{B7851186-24D5-4582-B604-90DF058E1F47}"/>
+    <dgm:cxn modelId="{45D15EB5-1BD4-491C-88AA-A5A6B2F0627F}" type="presOf" srcId="{7FB0DD14-595B-4E19-ADBE-0F7EE5B082D8}" destId="{E705A0BF-53A3-4705-8EC7-8B330F477F3D}" srcOrd="0" destOrd="0" presId="urn:microsoft.com/office/officeart/2005/8/layout/chevron1"/>
+    <dgm:cxn modelId="{D1679624-0CA6-49C6-814C-2487A6CEAAD5}" type="presOf" srcId="{DD0D8DD9-4191-4FC1-A26D-449BF9D9A786}" destId="{6C143154-07D3-4E59-82E8-19A05DCBA13F}" srcOrd="0" destOrd="0" presId="urn:microsoft.com/office/officeart/2005/8/layout/chevron1"/>
+    <dgm:cxn modelId="{B022C2E0-D625-480C-8814-88CE2BC518AE}" srcId="{7FB0DD14-595B-4E19-ADBE-0F7EE5B082D8}" destId="{48F80B6E-9C90-4CC3-B3A6-73DB9B35A9D1}" srcOrd="0" destOrd="0" parTransId="{96C2326A-4DEA-485B-BEB4-E80A41BDD610}" sibTransId="{A135D198-5CAB-4403-ADAB-5CEBCF33EE35}"/>
+    <dgm:cxn modelId="{0DDADF87-ADB8-4EB3-A38B-0705B95F57C7}" type="presOf" srcId="{B42D296B-1B1D-4696-ADBE-D1380A94AD2E}" destId="{11D68FBA-00DF-4890-A532-D4283C1129ED}" srcOrd="0" destOrd="0" presId="urn:microsoft.com/office/officeart/2005/8/layout/chevron1"/>
+    <dgm:cxn modelId="{4369BD3D-6EF5-477A-9E34-F567F46088EA}" srcId="{7FB0DD14-595B-4E19-ADBE-0F7EE5B082D8}" destId="{0D50FE57-3871-47C9-91F2-FC9AEC2898B6}" srcOrd="4" destOrd="0" parTransId="{5D936467-EE85-44DD-BCF0-56C41D0DB073}" sibTransId="{FA372B7B-0BC5-413E-AE87-E564CFA65B66}"/>
+    <dgm:cxn modelId="{5D1893A6-26EF-4DA3-9B99-3FEDF647C7BE}" srcId="{7FB0DD14-595B-4E19-ADBE-0F7EE5B082D8}" destId="{6D25C8EF-83C7-4A95-A977-B26A30C3D7D8}" srcOrd="1" destOrd="0" parTransId="{94EA6F62-F59C-4A25-ABA6-69069EBB765F}" sibTransId="{7CF65164-B9E3-49A8-AB4C-D95E889F3F46}"/>
+    <dgm:cxn modelId="{0271FF49-CDAE-4EEA-B19C-7E5BB413FBC0}" srcId="{7FB0DD14-595B-4E19-ADBE-0F7EE5B082D8}" destId="{DD0D8DD9-4191-4FC1-A26D-449BF9D9A786}" srcOrd="6" destOrd="0" parTransId="{F17C0891-744B-4545-AA8F-F02750446AA8}" sibTransId="{C0EB1B55-6E14-4503-9521-5CAE0B853396}"/>
+    <dgm:cxn modelId="{6B2ECBD9-EED7-4282-B8CA-E2BF0D190FDF}" type="presOf" srcId="{0D50FE57-3871-47C9-91F2-FC9AEC2898B6}" destId="{7683EB31-29B2-4622-87F7-53F752C057FF}" srcOrd="0" destOrd="0" presId="urn:microsoft.com/office/officeart/2005/8/layout/chevron1"/>
     <dgm:cxn modelId="{0FA13205-C136-40CB-B06D-9F140F261978}" type="presOf" srcId="{D8FE1F33-9D60-4B12-AF5C-6F5E6641DAAA}" destId="{E5F67A2B-BC5E-45CA-A54C-64F38F7542AA}" srcOrd="0" destOrd="0" presId="urn:microsoft.com/office/officeart/2005/8/layout/chevron1"/>
-    <dgm:cxn modelId="{58D9ED0C-4841-4D82-847F-F2082B2A7402}" type="presOf" srcId="{6D25C8EF-83C7-4A95-A977-B26A30C3D7D8}" destId="{1CDE8902-EAE1-4633-9A12-AA6C6036B1E6}" srcOrd="0" destOrd="0" presId="urn:microsoft.com/office/officeart/2005/8/layout/chevron1"/>
-    <dgm:cxn modelId="{D1679624-0CA6-49C6-814C-2487A6CEAAD5}" type="presOf" srcId="{DD0D8DD9-4191-4FC1-A26D-449BF9D9A786}" destId="{6C143154-07D3-4E59-82E8-19A05DCBA13F}" srcOrd="0" destOrd="0" presId="urn:microsoft.com/office/officeart/2005/8/layout/chevron1"/>
-    <dgm:cxn modelId="{4369BD3D-6EF5-477A-9E34-F567F46088EA}" srcId="{7FB0DD14-595B-4E19-ADBE-0F7EE5B082D8}" destId="{0D50FE57-3871-47C9-91F2-FC9AEC2898B6}" srcOrd="4" destOrd="0" parTransId="{5D936467-EE85-44DD-BCF0-56C41D0DB073}" sibTransId="{FA372B7B-0BC5-413E-AE87-E564CFA65B66}"/>
-    <dgm:cxn modelId="{35A9685B-226C-411A-BF7E-B3AD6EDE749C}" srcId="{7FB0DD14-595B-4E19-ADBE-0F7EE5B082D8}" destId="{D8FE1F33-9D60-4B12-AF5C-6F5E6641DAAA}" srcOrd="2" destOrd="0" parTransId="{F2B1FB01-F637-4642-8C09-981A0D47BB09}" sibTransId="{377BDBFC-514A-41E2-8138-AE8B3D410EEB}"/>
-    <dgm:cxn modelId="{0271FF49-CDAE-4EEA-B19C-7E5BB413FBC0}" srcId="{7FB0DD14-595B-4E19-ADBE-0F7EE5B082D8}" destId="{DD0D8DD9-4191-4FC1-A26D-449BF9D9A786}" srcOrd="6" destOrd="0" parTransId="{F17C0891-744B-4545-AA8F-F02750446AA8}" sibTransId="{C0EB1B55-6E14-4503-9521-5CAE0B853396}"/>
-    <dgm:cxn modelId="{0DDADF87-ADB8-4EB3-A38B-0705B95F57C7}" type="presOf" srcId="{B42D296B-1B1D-4696-ADBE-D1380A94AD2E}" destId="{11D68FBA-00DF-4890-A532-D4283C1129ED}" srcOrd="0" destOrd="0" presId="urn:microsoft.com/office/officeart/2005/8/layout/chevron1"/>
-    <dgm:cxn modelId="{5D1893A6-26EF-4DA3-9B99-3FEDF647C7BE}" srcId="{7FB0DD14-595B-4E19-ADBE-0F7EE5B082D8}" destId="{6D25C8EF-83C7-4A95-A977-B26A30C3D7D8}" srcOrd="1" destOrd="0" parTransId="{94EA6F62-F59C-4A25-ABA6-69069EBB765F}" sibTransId="{7CF65164-B9E3-49A8-AB4C-D95E889F3F46}"/>
-    <dgm:cxn modelId="{45D15EB5-1BD4-491C-88AA-A5A6B2F0627F}" type="presOf" srcId="{7FB0DD14-595B-4E19-ADBE-0F7EE5B082D8}" destId="{E705A0BF-53A3-4705-8EC7-8B330F477F3D}" srcOrd="0" destOrd="0" presId="urn:microsoft.com/office/officeart/2005/8/layout/chevron1"/>
-    <dgm:cxn modelId="{A7DBB7B7-B5BD-48D6-AD7A-97D7F300C1B3}" type="presOf" srcId="{48F80B6E-9C90-4CC3-B3A6-73DB9B35A9D1}" destId="{F476435F-B08E-4186-8759-45431FA7E817}" srcOrd="0" destOrd="0" presId="urn:microsoft.com/office/officeart/2005/8/layout/chevron1"/>
-    <dgm:cxn modelId="{6B2ECBD9-EED7-4282-B8CA-E2BF0D190FDF}" type="presOf" srcId="{0D50FE57-3871-47C9-91F2-FC9AEC2898B6}" destId="{7683EB31-29B2-4622-87F7-53F752C057FF}" srcOrd="0" destOrd="0" presId="urn:microsoft.com/office/officeart/2005/8/layout/chevron1"/>
-    <dgm:cxn modelId="{B022C2E0-D625-480C-8814-88CE2BC518AE}" srcId="{7FB0DD14-595B-4E19-ADBE-0F7EE5B082D8}" destId="{48F80B6E-9C90-4CC3-B3A6-73DB9B35A9D1}" srcOrd="0" destOrd="0" parTransId="{96C2326A-4DEA-485B-BEB4-E80A41BDD610}" sibTransId="{A135D198-5CAB-4403-ADAB-5CEBCF33EE35}"/>
-    <dgm:cxn modelId="{627C95F4-7889-4F59-8861-49139A694CD5}" type="presOf" srcId="{B311DFB7-B845-434F-8D77-3FC0BD08DC7F}" destId="{FBB2542C-499A-4E5D-B179-5389E562ACE6}" srcOrd="0" destOrd="0" presId="urn:microsoft.com/office/officeart/2005/8/layout/chevron1"/>
-    <dgm:cxn modelId="{A50474F7-E3C6-4F02-A8B4-0EB2BFA2C137}" srcId="{7FB0DD14-595B-4E19-ADBE-0F7EE5B082D8}" destId="{B42D296B-1B1D-4696-ADBE-D1380A94AD2E}" srcOrd="3" destOrd="0" parTransId="{DA5B4B1B-3D9B-4E56-8245-77ED5977C157}" sibTransId="{651207D0-38E5-4EA1-811F-155DCD122464}"/>
-    <dgm:cxn modelId="{391EE9FF-C7D8-4664-A77A-A709525460A5}" srcId="{7FB0DD14-595B-4E19-ADBE-0F7EE5B082D8}" destId="{B311DFB7-B845-434F-8D77-3FC0BD08DC7F}" srcOrd="5" destOrd="0" parTransId="{57172167-7A38-4CEB-A51A-23777FF04B48}" sibTransId="{B7851186-24D5-4582-B604-90DF058E1F47}"/>
     <dgm:cxn modelId="{AC1ED86D-7AF8-473F-AAC2-683A4D3C77D7}" type="presParOf" srcId="{E705A0BF-53A3-4705-8EC7-8B330F477F3D}" destId="{F476435F-B08E-4186-8759-45431FA7E817}" srcOrd="0" destOrd="0" presId="urn:microsoft.com/office/officeart/2005/8/layout/chevron1"/>
     <dgm:cxn modelId="{B1800506-585D-4260-8F00-D57AB6F13A05}" type="presParOf" srcId="{E705A0BF-53A3-4705-8EC7-8B330F477F3D}" destId="{58173199-A531-4139-B475-57EE2644EA34}" srcOrd="1" destOrd="0" presId="urn:microsoft.com/office/officeart/2005/8/layout/chevron1"/>
     <dgm:cxn modelId="{CBFFEC01-DE9D-49E4-8E55-BD36B2120479}" type="presParOf" srcId="{E705A0BF-53A3-4705-8EC7-8B330F477F3D}" destId="{1CDE8902-EAE1-4633-9A12-AA6C6036B1E6}" srcOrd="2" destOrd="0" presId="urn:microsoft.com/office/officeart/2005/8/layout/chevron1"/>
@@ -9219,6 +9317,13 @@
         </dgm:presLayoutVars>
       </dgm:prSet>
       <dgm:spPr/>
+      <dgm:t>
+        <a:bodyPr/>
+        <a:lstStyle/>
+        <a:p>
+          <a:endParaRPr lang="fr-FR"/>
+        </a:p>
+      </dgm:t>
     </dgm:pt>
     <dgm:pt modelId="{3AF84886-0769-4EDC-B8CD-0249AB03C320}" type="pres">
       <dgm:prSet presAssocID="{1C8FAC4E-6B67-4CFA-A4FF-F62DF65E4AD5}" presName="parTxOnlySpace" presStyleCnt="0"/>
@@ -9233,6 +9338,13 @@
         </dgm:presLayoutVars>
       </dgm:prSet>
       <dgm:spPr/>
+      <dgm:t>
+        <a:bodyPr/>
+        <a:lstStyle/>
+        <a:p>
+          <a:endParaRPr lang="fr-FR"/>
+        </a:p>
+      </dgm:t>
     </dgm:pt>
     <dgm:pt modelId="{F483769F-1EE1-4C51-BB75-304463DC308B}" type="pres">
       <dgm:prSet presAssocID="{7CF65164-B9E3-49A8-AB4C-D95E889F3F46}" presName="parTxOnlySpace" presStyleCnt="0"/>
@@ -9247,6 +9359,13 @@
         </dgm:presLayoutVars>
       </dgm:prSet>
       <dgm:spPr/>
+      <dgm:t>
+        <a:bodyPr/>
+        <a:lstStyle/>
+        <a:p>
+          <a:endParaRPr lang="fr-FR"/>
+        </a:p>
+      </dgm:t>
     </dgm:pt>
     <dgm:pt modelId="{97FA42B3-8445-4A99-B73D-A43DAE4A71E8}" type="pres">
       <dgm:prSet presAssocID="{377BDBFC-514A-41E2-8138-AE8B3D410EEB}" presName="parTxOnlySpace" presStyleCnt="0"/>
@@ -9261,6 +9380,13 @@
         </dgm:presLayoutVars>
       </dgm:prSet>
       <dgm:spPr/>
+      <dgm:t>
+        <a:bodyPr/>
+        <a:lstStyle/>
+        <a:p>
+          <a:endParaRPr lang="fr-FR"/>
+        </a:p>
+      </dgm:t>
     </dgm:pt>
     <dgm:pt modelId="{80CA387A-8BA5-4B85-8322-BE8F917A3EEA}" type="pres">
       <dgm:prSet presAssocID="{651207D0-38E5-4EA1-811F-155DCD122464}" presName="parTxOnlySpace" presStyleCnt="0"/>
@@ -9275,6 +9401,13 @@
         </dgm:presLayoutVars>
       </dgm:prSet>
       <dgm:spPr/>
+      <dgm:t>
+        <a:bodyPr/>
+        <a:lstStyle/>
+        <a:p>
+          <a:endParaRPr lang="fr-FR"/>
+        </a:p>
+      </dgm:t>
     </dgm:pt>
     <dgm:pt modelId="{DE556C8E-BA87-4D54-AF88-E51C420D3F7F}" type="pres">
       <dgm:prSet presAssocID="{FA372B7B-0BC5-413E-AE87-E564CFA65B66}" presName="parTxOnlySpace" presStyleCnt="0"/>
@@ -9289,6 +9422,13 @@
         </dgm:presLayoutVars>
       </dgm:prSet>
       <dgm:spPr/>
+      <dgm:t>
+        <a:bodyPr/>
+        <a:lstStyle/>
+        <a:p>
+          <a:endParaRPr lang="fr-FR"/>
+        </a:p>
+      </dgm:t>
     </dgm:pt>
     <dgm:pt modelId="{F69AC311-4504-466A-A620-D7FF45317525}" type="pres">
       <dgm:prSet presAssocID="{B7851186-24D5-4582-B604-90DF058E1F47}" presName="parTxOnlySpace" presStyleCnt="0"/>
@@ -9303,24 +9443,31 @@
         </dgm:presLayoutVars>
       </dgm:prSet>
       <dgm:spPr/>
+      <dgm:t>
+        <a:bodyPr/>
+        <a:lstStyle/>
+        <a:p>
+          <a:endParaRPr lang="fr-FR"/>
+        </a:p>
+      </dgm:t>
     </dgm:pt>
   </dgm:ptLst>
   <dgm:cxnLst>
+    <dgm:cxn modelId="{7A46DD6A-0BAA-4898-933A-F7FBB16A1F92}" srcId="{7FB0DD14-595B-4E19-ADBE-0F7EE5B082D8}" destId="{B1F5A788-E4DD-44B5-8AAF-E8755AFC0F1D}" srcOrd="0" destOrd="0" parTransId="{DAB92A95-4222-48FC-AC67-8B8F8BB49463}" sibTransId="{1C8FAC4E-6B67-4CFA-A4FF-F62DF65E4AD5}"/>
+    <dgm:cxn modelId="{E9F9D6DD-1925-4021-819F-D843B7B72CBA}" type="presOf" srcId="{B1F5A788-E4DD-44B5-8AAF-E8755AFC0F1D}" destId="{DDE7BBCF-0114-4EAF-97EB-7B1F6D5BF394}" srcOrd="0" destOrd="0" presId="urn:microsoft.com/office/officeart/2005/8/layout/chevron1"/>
+    <dgm:cxn modelId="{A50474F7-E3C6-4F02-A8B4-0EB2BFA2C137}" srcId="{7FB0DD14-595B-4E19-ADBE-0F7EE5B082D8}" destId="{B42D296B-1B1D-4696-ADBE-D1380A94AD2E}" srcOrd="3" destOrd="0" parTransId="{DA5B4B1B-3D9B-4E56-8245-77ED5977C157}" sibTransId="{651207D0-38E5-4EA1-811F-155DCD122464}"/>
+    <dgm:cxn modelId="{FC3560ED-D318-488A-9E2F-12AEE3208049}" type="presOf" srcId="{0D50FE57-3871-47C9-91F2-FC9AEC2898B6}" destId="{7683EB31-29B2-4622-87F7-53F752C057FF}" srcOrd="0" destOrd="0" presId="urn:microsoft.com/office/officeart/2005/8/layout/chevron1"/>
+    <dgm:cxn modelId="{35A9685B-226C-411A-BF7E-B3AD6EDE749C}" srcId="{7FB0DD14-595B-4E19-ADBE-0F7EE5B082D8}" destId="{D8FE1F33-9D60-4B12-AF5C-6F5E6641DAAA}" srcOrd="2" destOrd="0" parTransId="{F2B1FB01-F637-4642-8C09-981A0D47BB09}" sibTransId="{377BDBFC-514A-41E2-8138-AE8B3D410EEB}"/>
+    <dgm:cxn modelId="{391EE9FF-C7D8-4664-A77A-A709525460A5}" srcId="{7FB0DD14-595B-4E19-ADBE-0F7EE5B082D8}" destId="{B311DFB7-B845-434F-8D77-3FC0BD08DC7F}" srcOrd="5" destOrd="0" parTransId="{57172167-7A38-4CEB-A51A-23777FF04B48}" sibTransId="{B7851186-24D5-4582-B604-90DF058E1F47}"/>
+    <dgm:cxn modelId="{235E517A-9475-4B34-AF47-B50F78EC54DE}" type="presOf" srcId="{B311DFB7-B845-434F-8D77-3FC0BD08DC7F}" destId="{FBB2542C-499A-4E5D-B179-5389E562ACE6}" srcOrd="0" destOrd="0" presId="urn:microsoft.com/office/officeart/2005/8/layout/chevron1"/>
+    <dgm:cxn modelId="{8F5ECA9B-A990-447D-BBC3-8E8A33A4AC2D}" type="presOf" srcId="{B42D296B-1B1D-4696-ADBE-D1380A94AD2E}" destId="{11D68FBA-00DF-4890-A532-D4283C1129ED}" srcOrd="0" destOrd="0" presId="urn:microsoft.com/office/officeart/2005/8/layout/chevron1"/>
+    <dgm:cxn modelId="{23762C7F-2E56-4626-8F73-01447AB651A8}" type="presOf" srcId="{D8FE1F33-9D60-4B12-AF5C-6F5E6641DAAA}" destId="{E5F67A2B-BC5E-45CA-A54C-64F38F7542AA}" srcOrd="0" destOrd="0" presId="urn:microsoft.com/office/officeart/2005/8/layout/chevron1"/>
+    <dgm:cxn modelId="{93B9FDC1-5296-4F19-A795-1FFD78E05B95}" type="presOf" srcId="{7FB0DD14-595B-4E19-ADBE-0F7EE5B082D8}" destId="{E705A0BF-53A3-4705-8EC7-8B330F477F3D}" srcOrd="0" destOrd="0" presId="urn:microsoft.com/office/officeart/2005/8/layout/chevron1"/>
+    <dgm:cxn modelId="{96C62D34-6A07-4E0C-B051-EA252438EE74}" type="presOf" srcId="{6D25C8EF-83C7-4A95-A977-B26A30C3D7D8}" destId="{1CDE8902-EAE1-4633-9A12-AA6C6036B1E6}" srcOrd="0" destOrd="0" presId="urn:microsoft.com/office/officeart/2005/8/layout/chevron1"/>
     <dgm:cxn modelId="{44E81627-C521-4E24-BE64-A214B74119A0}" type="presOf" srcId="{DD0D8DD9-4191-4FC1-A26D-449BF9D9A786}" destId="{6C143154-07D3-4E59-82E8-19A05DCBA13F}" srcOrd="0" destOrd="0" presId="urn:microsoft.com/office/officeart/2005/8/layout/chevron1"/>
-    <dgm:cxn modelId="{96C62D34-6A07-4E0C-B051-EA252438EE74}" type="presOf" srcId="{6D25C8EF-83C7-4A95-A977-B26A30C3D7D8}" destId="{1CDE8902-EAE1-4633-9A12-AA6C6036B1E6}" srcOrd="0" destOrd="0" presId="urn:microsoft.com/office/officeart/2005/8/layout/chevron1"/>
     <dgm:cxn modelId="{4369BD3D-6EF5-477A-9E34-F567F46088EA}" srcId="{7FB0DD14-595B-4E19-ADBE-0F7EE5B082D8}" destId="{0D50FE57-3871-47C9-91F2-FC9AEC2898B6}" srcOrd="4" destOrd="0" parTransId="{5D936467-EE85-44DD-BCF0-56C41D0DB073}" sibTransId="{FA372B7B-0BC5-413E-AE87-E564CFA65B66}"/>
-    <dgm:cxn modelId="{35A9685B-226C-411A-BF7E-B3AD6EDE749C}" srcId="{7FB0DD14-595B-4E19-ADBE-0F7EE5B082D8}" destId="{D8FE1F33-9D60-4B12-AF5C-6F5E6641DAAA}" srcOrd="2" destOrd="0" parTransId="{F2B1FB01-F637-4642-8C09-981A0D47BB09}" sibTransId="{377BDBFC-514A-41E2-8138-AE8B3D410EEB}"/>
+    <dgm:cxn modelId="{5D1893A6-26EF-4DA3-9B99-3FEDF647C7BE}" srcId="{7FB0DD14-595B-4E19-ADBE-0F7EE5B082D8}" destId="{6D25C8EF-83C7-4A95-A977-B26A30C3D7D8}" srcOrd="1" destOrd="0" parTransId="{94EA6F62-F59C-4A25-ABA6-69069EBB765F}" sibTransId="{7CF65164-B9E3-49A8-AB4C-D95E889F3F46}"/>
     <dgm:cxn modelId="{0271FF49-CDAE-4EEA-B19C-7E5BB413FBC0}" srcId="{7FB0DD14-595B-4E19-ADBE-0F7EE5B082D8}" destId="{DD0D8DD9-4191-4FC1-A26D-449BF9D9A786}" srcOrd="6" destOrd="0" parTransId="{F17C0891-744B-4545-AA8F-F02750446AA8}" sibTransId="{C0EB1B55-6E14-4503-9521-5CAE0B853396}"/>
-    <dgm:cxn modelId="{7A46DD6A-0BAA-4898-933A-F7FBB16A1F92}" srcId="{7FB0DD14-595B-4E19-ADBE-0F7EE5B082D8}" destId="{B1F5A788-E4DD-44B5-8AAF-E8755AFC0F1D}" srcOrd="0" destOrd="0" parTransId="{DAB92A95-4222-48FC-AC67-8B8F8BB49463}" sibTransId="{1C8FAC4E-6B67-4CFA-A4FF-F62DF65E4AD5}"/>
-    <dgm:cxn modelId="{235E517A-9475-4B34-AF47-B50F78EC54DE}" type="presOf" srcId="{B311DFB7-B845-434F-8D77-3FC0BD08DC7F}" destId="{FBB2542C-499A-4E5D-B179-5389E562ACE6}" srcOrd="0" destOrd="0" presId="urn:microsoft.com/office/officeart/2005/8/layout/chevron1"/>
-    <dgm:cxn modelId="{23762C7F-2E56-4626-8F73-01447AB651A8}" type="presOf" srcId="{D8FE1F33-9D60-4B12-AF5C-6F5E6641DAAA}" destId="{E5F67A2B-BC5E-45CA-A54C-64F38F7542AA}" srcOrd="0" destOrd="0" presId="urn:microsoft.com/office/officeart/2005/8/layout/chevron1"/>
-    <dgm:cxn modelId="{8F5ECA9B-A990-447D-BBC3-8E8A33A4AC2D}" type="presOf" srcId="{B42D296B-1B1D-4696-ADBE-D1380A94AD2E}" destId="{11D68FBA-00DF-4890-A532-D4283C1129ED}" srcOrd="0" destOrd="0" presId="urn:microsoft.com/office/officeart/2005/8/layout/chevron1"/>
-    <dgm:cxn modelId="{5D1893A6-26EF-4DA3-9B99-3FEDF647C7BE}" srcId="{7FB0DD14-595B-4E19-ADBE-0F7EE5B082D8}" destId="{6D25C8EF-83C7-4A95-A977-B26A30C3D7D8}" srcOrd="1" destOrd="0" parTransId="{94EA6F62-F59C-4A25-ABA6-69069EBB765F}" sibTransId="{7CF65164-B9E3-49A8-AB4C-D95E889F3F46}"/>
-    <dgm:cxn modelId="{93B9FDC1-5296-4F19-A795-1FFD78E05B95}" type="presOf" srcId="{7FB0DD14-595B-4E19-ADBE-0F7EE5B082D8}" destId="{E705A0BF-53A3-4705-8EC7-8B330F477F3D}" srcOrd="0" destOrd="0" presId="urn:microsoft.com/office/officeart/2005/8/layout/chevron1"/>
-    <dgm:cxn modelId="{E9F9D6DD-1925-4021-819F-D843B7B72CBA}" type="presOf" srcId="{B1F5A788-E4DD-44B5-8AAF-E8755AFC0F1D}" destId="{DDE7BBCF-0114-4EAF-97EB-7B1F6D5BF394}" srcOrd="0" destOrd="0" presId="urn:microsoft.com/office/officeart/2005/8/layout/chevron1"/>
-    <dgm:cxn modelId="{FC3560ED-D318-488A-9E2F-12AEE3208049}" type="presOf" srcId="{0D50FE57-3871-47C9-91F2-FC9AEC2898B6}" destId="{7683EB31-29B2-4622-87F7-53F752C057FF}" srcOrd="0" destOrd="0" presId="urn:microsoft.com/office/officeart/2005/8/layout/chevron1"/>
-    <dgm:cxn modelId="{A50474F7-E3C6-4F02-A8B4-0EB2BFA2C137}" srcId="{7FB0DD14-595B-4E19-ADBE-0F7EE5B082D8}" destId="{B42D296B-1B1D-4696-ADBE-D1380A94AD2E}" srcOrd="3" destOrd="0" parTransId="{DA5B4B1B-3D9B-4E56-8245-77ED5977C157}" sibTransId="{651207D0-38E5-4EA1-811F-155DCD122464}"/>
-    <dgm:cxn modelId="{391EE9FF-C7D8-4664-A77A-A709525460A5}" srcId="{7FB0DD14-595B-4E19-ADBE-0F7EE5B082D8}" destId="{B311DFB7-B845-434F-8D77-3FC0BD08DC7F}" srcOrd="5" destOrd="0" parTransId="{57172167-7A38-4CEB-A51A-23777FF04B48}" sibTransId="{B7851186-24D5-4582-B604-90DF058E1F47}"/>
     <dgm:cxn modelId="{0A44EFDB-CCAF-46E5-A873-9BE0BBC05F23}" type="presParOf" srcId="{E705A0BF-53A3-4705-8EC7-8B330F477F3D}" destId="{DDE7BBCF-0114-4EAF-97EB-7B1F6D5BF394}" srcOrd="0" destOrd="0" presId="urn:microsoft.com/office/officeart/2005/8/layout/chevron1"/>
     <dgm:cxn modelId="{830EF358-D570-40E6-9C83-EF2EC06509D1}" type="presParOf" srcId="{E705A0BF-53A3-4705-8EC7-8B330F477F3D}" destId="{3AF84886-0769-4EDC-B8CD-0249AB03C320}" srcOrd="1" destOrd="0" presId="urn:microsoft.com/office/officeart/2005/8/layout/chevron1"/>
     <dgm:cxn modelId="{8FF64A5B-50D4-4E06-A66E-D472F511787C}" type="presParOf" srcId="{E705A0BF-53A3-4705-8EC7-8B330F477F3D}" destId="{1CDE8902-EAE1-4633-9A12-AA6C6036B1E6}" srcOrd="2" destOrd="0" presId="urn:microsoft.com/office/officeart/2005/8/layout/chevron1"/>
@@ -9797,6 +9944,13 @@
         </dgm:presLayoutVars>
       </dgm:prSet>
       <dgm:spPr/>
+      <dgm:t>
+        <a:bodyPr/>
+        <a:lstStyle/>
+        <a:p>
+          <a:endParaRPr lang="fr-FR"/>
+        </a:p>
+      </dgm:t>
     </dgm:pt>
     <dgm:pt modelId="{3AF84886-0769-4EDC-B8CD-0249AB03C320}" type="pres">
       <dgm:prSet presAssocID="{1C8FAC4E-6B67-4CFA-A4FF-F62DF65E4AD5}" presName="parTxOnlySpace" presStyleCnt="0"/>
@@ -9811,6 +9965,13 @@
         </dgm:presLayoutVars>
       </dgm:prSet>
       <dgm:spPr/>
+      <dgm:t>
+        <a:bodyPr/>
+        <a:lstStyle/>
+        <a:p>
+          <a:endParaRPr lang="fr-FR"/>
+        </a:p>
+      </dgm:t>
     </dgm:pt>
     <dgm:pt modelId="{F483769F-1EE1-4C51-BB75-304463DC308B}" type="pres">
       <dgm:prSet presAssocID="{7CF65164-B9E3-49A8-AB4C-D95E889F3F46}" presName="parTxOnlySpace" presStyleCnt="0"/>
@@ -9825,6 +9986,13 @@
         </dgm:presLayoutVars>
       </dgm:prSet>
       <dgm:spPr/>
+      <dgm:t>
+        <a:bodyPr/>
+        <a:lstStyle/>
+        <a:p>
+          <a:endParaRPr lang="fr-FR"/>
+        </a:p>
+      </dgm:t>
     </dgm:pt>
     <dgm:pt modelId="{97FA42B3-8445-4A99-B73D-A43DAE4A71E8}" type="pres">
       <dgm:prSet presAssocID="{377BDBFC-514A-41E2-8138-AE8B3D410EEB}" presName="parTxOnlySpace" presStyleCnt="0"/>
@@ -9839,6 +10007,13 @@
         </dgm:presLayoutVars>
       </dgm:prSet>
       <dgm:spPr/>
+      <dgm:t>
+        <a:bodyPr/>
+        <a:lstStyle/>
+        <a:p>
+          <a:endParaRPr lang="fr-FR"/>
+        </a:p>
+      </dgm:t>
     </dgm:pt>
     <dgm:pt modelId="{80CA387A-8BA5-4B85-8322-BE8F917A3EEA}" type="pres">
       <dgm:prSet presAssocID="{651207D0-38E5-4EA1-811F-155DCD122464}" presName="parTxOnlySpace" presStyleCnt="0"/>
@@ -9853,6 +10028,13 @@
         </dgm:presLayoutVars>
       </dgm:prSet>
       <dgm:spPr/>
+      <dgm:t>
+        <a:bodyPr/>
+        <a:lstStyle/>
+        <a:p>
+          <a:endParaRPr lang="fr-FR"/>
+        </a:p>
+      </dgm:t>
     </dgm:pt>
     <dgm:pt modelId="{DE556C8E-BA87-4D54-AF88-E51C420D3F7F}" type="pres">
       <dgm:prSet presAssocID="{FA372B7B-0BC5-413E-AE87-E564CFA65B66}" presName="parTxOnlySpace" presStyleCnt="0"/>
@@ -9867,6 +10049,13 @@
         </dgm:presLayoutVars>
       </dgm:prSet>
       <dgm:spPr/>
+      <dgm:t>
+        <a:bodyPr/>
+        <a:lstStyle/>
+        <a:p>
+          <a:endParaRPr lang="fr-FR"/>
+        </a:p>
+      </dgm:t>
     </dgm:pt>
     <dgm:pt modelId="{F69AC311-4504-466A-A620-D7FF45317525}" type="pres">
       <dgm:prSet presAssocID="{B7851186-24D5-4582-B604-90DF058E1F47}" presName="parTxOnlySpace" presStyleCnt="0"/>
@@ -9881,24 +10070,31 @@
         </dgm:presLayoutVars>
       </dgm:prSet>
       <dgm:spPr/>
+      <dgm:t>
+        <a:bodyPr/>
+        <a:lstStyle/>
+        <a:p>
+          <a:endParaRPr lang="fr-FR"/>
+        </a:p>
+      </dgm:t>
     </dgm:pt>
   </dgm:ptLst>
   <dgm:cxnLst>
+    <dgm:cxn modelId="{7A46DD6A-0BAA-4898-933A-F7FBB16A1F92}" srcId="{7FB0DD14-595B-4E19-ADBE-0F7EE5B082D8}" destId="{B1F5A788-E4DD-44B5-8AAF-E8755AFC0F1D}" srcOrd="0" destOrd="0" parTransId="{DAB92A95-4222-48FC-AC67-8B8F8BB49463}" sibTransId="{1C8FAC4E-6B67-4CFA-A4FF-F62DF65E4AD5}"/>
+    <dgm:cxn modelId="{A50474F7-E3C6-4F02-A8B4-0EB2BFA2C137}" srcId="{7FB0DD14-595B-4E19-ADBE-0F7EE5B082D8}" destId="{B42D296B-1B1D-4696-ADBE-D1380A94AD2E}" srcOrd="3" destOrd="0" parTransId="{DA5B4B1B-3D9B-4E56-8245-77ED5977C157}" sibTransId="{651207D0-38E5-4EA1-811F-155DCD122464}"/>
+    <dgm:cxn modelId="{35A9685B-226C-411A-BF7E-B3AD6EDE749C}" srcId="{7FB0DD14-595B-4E19-ADBE-0F7EE5B082D8}" destId="{D8FE1F33-9D60-4B12-AF5C-6F5E6641DAAA}" srcOrd="2" destOrd="0" parTransId="{F2B1FB01-F637-4642-8C09-981A0D47BB09}" sibTransId="{377BDBFC-514A-41E2-8138-AE8B3D410EEB}"/>
+    <dgm:cxn modelId="{391EE9FF-C7D8-4664-A77A-A709525460A5}" srcId="{7FB0DD14-595B-4E19-ADBE-0F7EE5B082D8}" destId="{B311DFB7-B845-434F-8D77-3FC0BD08DC7F}" srcOrd="5" destOrd="0" parTransId="{57172167-7A38-4CEB-A51A-23777FF04B48}" sibTransId="{B7851186-24D5-4582-B604-90DF058E1F47}"/>
+    <dgm:cxn modelId="{5AE7D8C6-9EC7-473A-9528-BA69906ACDC3}" type="presOf" srcId="{7FB0DD14-595B-4E19-ADBE-0F7EE5B082D8}" destId="{E705A0BF-53A3-4705-8EC7-8B330F477F3D}" srcOrd="0" destOrd="0" presId="urn:microsoft.com/office/officeart/2005/8/layout/chevron1"/>
+    <dgm:cxn modelId="{C816DA77-9A3C-4B71-A40B-42BBD2DA5AF2}" type="presOf" srcId="{B1F5A788-E4DD-44B5-8AAF-E8755AFC0F1D}" destId="{DDE7BBCF-0114-4EAF-97EB-7B1F6D5BF394}" srcOrd="0" destOrd="0" presId="urn:microsoft.com/office/officeart/2005/8/layout/chevron1"/>
+    <dgm:cxn modelId="{9A59A7C7-3E29-4CD2-946B-592D621B5EB2}" type="presOf" srcId="{B42D296B-1B1D-4696-ADBE-D1380A94AD2E}" destId="{11D68FBA-00DF-4890-A532-D4283C1129ED}" srcOrd="0" destOrd="0" presId="urn:microsoft.com/office/officeart/2005/8/layout/chevron1"/>
     <dgm:cxn modelId="{D0D9050C-1FDE-4261-B53F-B6847622307A}" type="presOf" srcId="{0D50FE57-3871-47C9-91F2-FC9AEC2898B6}" destId="{7683EB31-29B2-4622-87F7-53F752C057FF}" srcOrd="0" destOrd="0" presId="urn:microsoft.com/office/officeart/2005/8/layout/chevron1"/>
-    <dgm:cxn modelId="{4369BD3D-6EF5-477A-9E34-F567F46088EA}" srcId="{7FB0DD14-595B-4E19-ADBE-0F7EE5B082D8}" destId="{0D50FE57-3871-47C9-91F2-FC9AEC2898B6}" srcOrd="4" destOrd="0" parTransId="{5D936467-EE85-44DD-BCF0-56C41D0DB073}" sibTransId="{FA372B7B-0BC5-413E-AE87-E564CFA65B66}"/>
     <dgm:cxn modelId="{B255CD3F-FFEE-4B78-BFD2-4C4F53B49758}" type="presOf" srcId="{B311DFB7-B845-434F-8D77-3FC0BD08DC7F}" destId="{FBB2542C-499A-4E5D-B179-5389E562ACE6}" srcOrd="0" destOrd="0" presId="urn:microsoft.com/office/officeart/2005/8/layout/chevron1"/>
-    <dgm:cxn modelId="{35A9685B-226C-411A-BF7E-B3AD6EDE749C}" srcId="{7FB0DD14-595B-4E19-ADBE-0F7EE5B082D8}" destId="{D8FE1F33-9D60-4B12-AF5C-6F5E6641DAAA}" srcOrd="2" destOrd="0" parTransId="{F2B1FB01-F637-4642-8C09-981A0D47BB09}" sibTransId="{377BDBFC-514A-41E2-8138-AE8B3D410EEB}"/>
-    <dgm:cxn modelId="{0271FF49-CDAE-4EEA-B19C-7E5BB413FBC0}" srcId="{7FB0DD14-595B-4E19-ADBE-0F7EE5B082D8}" destId="{DD0D8DD9-4191-4FC1-A26D-449BF9D9A786}" srcOrd="6" destOrd="0" parTransId="{F17C0891-744B-4545-AA8F-F02750446AA8}" sibTransId="{C0EB1B55-6E14-4503-9521-5CAE0B853396}"/>
-    <dgm:cxn modelId="{7A46DD6A-0BAA-4898-933A-F7FBB16A1F92}" srcId="{7FB0DD14-595B-4E19-ADBE-0F7EE5B082D8}" destId="{B1F5A788-E4DD-44B5-8AAF-E8755AFC0F1D}" srcOrd="0" destOrd="0" parTransId="{DAB92A95-4222-48FC-AC67-8B8F8BB49463}" sibTransId="{1C8FAC4E-6B67-4CFA-A4FF-F62DF65E4AD5}"/>
-    <dgm:cxn modelId="{C816DA77-9A3C-4B71-A40B-42BBD2DA5AF2}" type="presOf" srcId="{B1F5A788-E4DD-44B5-8AAF-E8755AFC0F1D}" destId="{DDE7BBCF-0114-4EAF-97EB-7B1F6D5BF394}" srcOrd="0" destOrd="0" presId="urn:microsoft.com/office/officeart/2005/8/layout/chevron1"/>
-    <dgm:cxn modelId="{0A1B62A2-D1C7-45E0-A5A2-7924F5CD0B0C}" type="presOf" srcId="{D8FE1F33-9D60-4B12-AF5C-6F5E6641DAAA}" destId="{E5F67A2B-BC5E-45CA-A54C-64F38F7542AA}" srcOrd="0" destOrd="0" presId="urn:microsoft.com/office/officeart/2005/8/layout/chevron1"/>
-    <dgm:cxn modelId="{5D1893A6-26EF-4DA3-9B99-3FEDF647C7BE}" srcId="{7FB0DD14-595B-4E19-ADBE-0F7EE5B082D8}" destId="{6D25C8EF-83C7-4A95-A977-B26A30C3D7D8}" srcOrd="1" destOrd="0" parTransId="{94EA6F62-F59C-4A25-ABA6-69069EBB765F}" sibTransId="{7CF65164-B9E3-49A8-AB4C-D95E889F3F46}"/>
     <dgm:cxn modelId="{D83EC3B8-3DD5-4662-9D65-6066CC567CAC}" type="presOf" srcId="{DD0D8DD9-4191-4FC1-A26D-449BF9D9A786}" destId="{6C143154-07D3-4E59-82E8-19A05DCBA13F}" srcOrd="0" destOrd="0" presId="urn:microsoft.com/office/officeart/2005/8/layout/chevron1"/>
     <dgm:cxn modelId="{66A0CEC3-5D12-4F63-B835-58E6C4B95B14}" type="presOf" srcId="{6D25C8EF-83C7-4A95-A977-B26A30C3D7D8}" destId="{1CDE8902-EAE1-4633-9A12-AA6C6036B1E6}" srcOrd="0" destOrd="0" presId="urn:microsoft.com/office/officeart/2005/8/layout/chevron1"/>
-    <dgm:cxn modelId="{5AE7D8C6-9EC7-473A-9528-BA69906ACDC3}" type="presOf" srcId="{7FB0DD14-595B-4E19-ADBE-0F7EE5B082D8}" destId="{E705A0BF-53A3-4705-8EC7-8B330F477F3D}" srcOrd="0" destOrd="0" presId="urn:microsoft.com/office/officeart/2005/8/layout/chevron1"/>
-    <dgm:cxn modelId="{9A59A7C7-3E29-4CD2-946B-592D621B5EB2}" type="presOf" srcId="{B42D296B-1B1D-4696-ADBE-D1380A94AD2E}" destId="{11D68FBA-00DF-4890-A532-D4283C1129ED}" srcOrd="0" destOrd="0" presId="urn:microsoft.com/office/officeart/2005/8/layout/chevron1"/>
-    <dgm:cxn modelId="{A50474F7-E3C6-4F02-A8B4-0EB2BFA2C137}" srcId="{7FB0DD14-595B-4E19-ADBE-0F7EE5B082D8}" destId="{B42D296B-1B1D-4696-ADBE-D1380A94AD2E}" srcOrd="3" destOrd="0" parTransId="{DA5B4B1B-3D9B-4E56-8245-77ED5977C157}" sibTransId="{651207D0-38E5-4EA1-811F-155DCD122464}"/>
-    <dgm:cxn modelId="{391EE9FF-C7D8-4664-A77A-A709525460A5}" srcId="{7FB0DD14-595B-4E19-ADBE-0F7EE5B082D8}" destId="{B311DFB7-B845-434F-8D77-3FC0BD08DC7F}" srcOrd="5" destOrd="0" parTransId="{57172167-7A38-4CEB-A51A-23777FF04B48}" sibTransId="{B7851186-24D5-4582-B604-90DF058E1F47}"/>
+    <dgm:cxn modelId="{0A1B62A2-D1C7-45E0-A5A2-7924F5CD0B0C}" type="presOf" srcId="{D8FE1F33-9D60-4B12-AF5C-6F5E6641DAAA}" destId="{E5F67A2B-BC5E-45CA-A54C-64F38F7542AA}" srcOrd="0" destOrd="0" presId="urn:microsoft.com/office/officeart/2005/8/layout/chevron1"/>
+    <dgm:cxn modelId="{4369BD3D-6EF5-477A-9E34-F567F46088EA}" srcId="{7FB0DD14-595B-4E19-ADBE-0F7EE5B082D8}" destId="{0D50FE57-3871-47C9-91F2-FC9AEC2898B6}" srcOrd="4" destOrd="0" parTransId="{5D936467-EE85-44DD-BCF0-56C41D0DB073}" sibTransId="{FA372B7B-0BC5-413E-AE87-E564CFA65B66}"/>
+    <dgm:cxn modelId="{5D1893A6-26EF-4DA3-9B99-3FEDF647C7BE}" srcId="{7FB0DD14-595B-4E19-ADBE-0F7EE5B082D8}" destId="{6D25C8EF-83C7-4A95-A977-B26A30C3D7D8}" srcOrd="1" destOrd="0" parTransId="{94EA6F62-F59C-4A25-ABA6-69069EBB765F}" sibTransId="{7CF65164-B9E3-49A8-AB4C-D95E889F3F46}"/>
+    <dgm:cxn modelId="{0271FF49-CDAE-4EEA-B19C-7E5BB413FBC0}" srcId="{7FB0DD14-595B-4E19-ADBE-0F7EE5B082D8}" destId="{DD0D8DD9-4191-4FC1-A26D-449BF9D9A786}" srcOrd="6" destOrd="0" parTransId="{F17C0891-744B-4545-AA8F-F02750446AA8}" sibTransId="{C0EB1B55-6E14-4503-9521-5CAE0B853396}"/>
     <dgm:cxn modelId="{1E3D5616-7F70-45AD-B24E-3A86687A480C}" type="presParOf" srcId="{E705A0BF-53A3-4705-8EC7-8B330F477F3D}" destId="{DDE7BBCF-0114-4EAF-97EB-7B1F6D5BF394}" srcOrd="0" destOrd="0" presId="urn:microsoft.com/office/officeart/2005/8/layout/chevron1"/>
     <dgm:cxn modelId="{8AC195B3-493D-4B17-B6A0-157B8630A325}" type="presParOf" srcId="{E705A0BF-53A3-4705-8EC7-8B330F477F3D}" destId="{3AF84886-0769-4EDC-B8CD-0249AB03C320}" srcOrd="1" destOrd="0" presId="urn:microsoft.com/office/officeart/2005/8/layout/chevron1"/>
     <dgm:cxn modelId="{B31033F1-AAB3-487C-962A-078BF0B94387}" type="presParOf" srcId="{E705A0BF-53A3-4705-8EC7-8B330F477F3D}" destId="{1CDE8902-EAE1-4633-9A12-AA6C6036B1E6}" srcOrd="2" destOrd="0" presId="urn:microsoft.com/office/officeart/2005/8/layout/chevron1"/>
@@ -10375,6 +10571,13 @@
         </dgm:presLayoutVars>
       </dgm:prSet>
       <dgm:spPr/>
+      <dgm:t>
+        <a:bodyPr/>
+        <a:lstStyle/>
+        <a:p>
+          <a:endParaRPr lang="fr-FR"/>
+        </a:p>
+      </dgm:t>
     </dgm:pt>
     <dgm:pt modelId="{3AF84886-0769-4EDC-B8CD-0249AB03C320}" type="pres">
       <dgm:prSet presAssocID="{1C8FAC4E-6B67-4CFA-A4FF-F62DF65E4AD5}" presName="parTxOnlySpace" presStyleCnt="0"/>
@@ -10389,6 +10592,13 @@
         </dgm:presLayoutVars>
       </dgm:prSet>
       <dgm:spPr/>
+      <dgm:t>
+        <a:bodyPr/>
+        <a:lstStyle/>
+        <a:p>
+          <a:endParaRPr lang="fr-FR"/>
+        </a:p>
+      </dgm:t>
     </dgm:pt>
     <dgm:pt modelId="{F483769F-1EE1-4C51-BB75-304463DC308B}" type="pres">
       <dgm:prSet presAssocID="{7CF65164-B9E3-49A8-AB4C-D95E889F3F46}" presName="parTxOnlySpace" presStyleCnt="0"/>
@@ -10403,6 +10613,13 @@
         </dgm:presLayoutVars>
       </dgm:prSet>
       <dgm:spPr/>
+      <dgm:t>
+        <a:bodyPr/>
+        <a:lstStyle/>
+        <a:p>
+          <a:endParaRPr lang="fr-FR"/>
+        </a:p>
+      </dgm:t>
     </dgm:pt>
     <dgm:pt modelId="{97FA42B3-8445-4A99-B73D-A43DAE4A71E8}" type="pres">
       <dgm:prSet presAssocID="{377BDBFC-514A-41E2-8138-AE8B3D410EEB}" presName="parTxOnlySpace" presStyleCnt="0"/>
@@ -10417,6 +10634,13 @@
         </dgm:presLayoutVars>
       </dgm:prSet>
       <dgm:spPr/>
+      <dgm:t>
+        <a:bodyPr/>
+        <a:lstStyle/>
+        <a:p>
+          <a:endParaRPr lang="fr-FR"/>
+        </a:p>
+      </dgm:t>
     </dgm:pt>
     <dgm:pt modelId="{80CA387A-8BA5-4B85-8322-BE8F917A3EEA}" type="pres">
       <dgm:prSet presAssocID="{651207D0-38E5-4EA1-811F-155DCD122464}" presName="parTxOnlySpace" presStyleCnt="0"/>
@@ -10431,6 +10655,13 @@
         </dgm:presLayoutVars>
       </dgm:prSet>
       <dgm:spPr/>
+      <dgm:t>
+        <a:bodyPr/>
+        <a:lstStyle/>
+        <a:p>
+          <a:endParaRPr lang="fr-FR"/>
+        </a:p>
+      </dgm:t>
     </dgm:pt>
     <dgm:pt modelId="{DE556C8E-BA87-4D54-AF88-E51C420D3F7F}" type="pres">
       <dgm:prSet presAssocID="{FA372B7B-0BC5-413E-AE87-E564CFA65B66}" presName="parTxOnlySpace" presStyleCnt="0"/>
@@ -10445,6 +10676,13 @@
         </dgm:presLayoutVars>
       </dgm:prSet>
       <dgm:spPr/>
+      <dgm:t>
+        <a:bodyPr/>
+        <a:lstStyle/>
+        <a:p>
+          <a:endParaRPr lang="fr-FR"/>
+        </a:p>
+      </dgm:t>
     </dgm:pt>
     <dgm:pt modelId="{F69AC311-4504-466A-A620-D7FF45317525}" type="pres">
       <dgm:prSet presAssocID="{B7851186-24D5-4582-B604-90DF058E1F47}" presName="parTxOnlySpace" presStyleCnt="0"/>
@@ -10459,24 +10697,31 @@
         </dgm:presLayoutVars>
       </dgm:prSet>
       <dgm:spPr/>
+      <dgm:t>
+        <a:bodyPr/>
+        <a:lstStyle/>
+        <a:p>
+          <a:endParaRPr lang="fr-FR"/>
+        </a:p>
+      </dgm:t>
     </dgm:pt>
   </dgm:ptLst>
   <dgm:cxnLst>
+    <dgm:cxn modelId="{7A46DD6A-0BAA-4898-933A-F7FBB16A1F92}" srcId="{7FB0DD14-595B-4E19-ADBE-0F7EE5B082D8}" destId="{B1F5A788-E4DD-44B5-8AAF-E8755AFC0F1D}" srcOrd="0" destOrd="0" parTransId="{DAB92A95-4222-48FC-AC67-8B8F8BB49463}" sibTransId="{1C8FAC4E-6B67-4CFA-A4FF-F62DF65E4AD5}"/>
+    <dgm:cxn modelId="{A50474F7-E3C6-4F02-A8B4-0EB2BFA2C137}" srcId="{7FB0DD14-595B-4E19-ADBE-0F7EE5B082D8}" destId="{B42D296B-1B1D-4696-ADBE-D1380A94AD2E}" srcOrd="3" destOrd="0" parTransId="{DA5B4B1B-3D9B-4E56-8245-77ED5977C157}" sibTransId="{651207D0-38E5-4EA1-811F-155DCD122464}"/>
+    <dgm:cxn modelId="{35A9685B-226C-411A-BF7E-B3AD6EDE749C}" srcId="{7FB0DD14-595B-4E19-ADBE-0F7EE5B082D8}" destId="{D8FE1F33-9D60-4B12-AF5C-6F5E6641DAAA}" srcOrd="2" destOrd="0" parTransId="{F2B1FB01-F637-4642-8C09-981A0D47BB09}" sibTransId="{377BDBFC-514A-41E2-8138-AE8B3D410EEB}"/>
+    <dgm:cxn modelId="{684717AA-45AC-450B-8133-424B3038C27B}" type="presOf" srcId="{0D50FE57-3871-47C9-91F2-FC9AEC2898B6}" destId="{7683EB31-29B2-4622-87F7-53F752C057FF}" srcOrd="0" destOrd="0" presId="urn:microsoft.com/office/officeart/2005/8/layout/chevron1"/>
+    <dgm:cxn modelId="{C471E3C9-02F2-44A5-968F-80CB26B7D769}" type="presOf" srcId="{B1F5A788-E4DD-44B5-8AAF-E8755AFC0F1D}" destId="{DDE7BBCF-0114-4EAF-97EB-7B1F6D5BF394}" srcOrd="0" destOrd="0" presId="urn:microsoft.com/office/officeart/2005/8/layout/chevron1"/>
+    <dgm:cxn modelId="{140EF4D6-1BF5-4C09-84FB-EE1479D44614}" type="presOf" srcId="{D8FE1F33-9D60-4B12-AF5C-6F5E6641DAAA}" destId="{E5F67A2B-BC5E-45CA-A54C-64F38F7542AA}" srcOrd="0" destOrd="0" presId="urn:microsoft.com/office/officeart/2005/8/layout/chevron1"/>
+    <dgm:cxn modelId="{391EE9FF-C7D8-4664-A77A-A709525460A5}" srcId="{7FB0DD14-595B-4E19-ADBE-0F7EE5B082D8}" destId="{B311DFB7-B845-434F-8D77-3FC0BD08DC7F}" srcOrd="5" destOrd="0" parTransId="{57172167-7A38-4CEB-A51A-23777FF04B48}" sibTransId="{B7851186-24D5-4582-B604-90DF058E1F47}"/>
+    <dgm:cxn modelId="{2E603AA1-2DC0-4265-8279-D0A3696F8C5C}" type="presOf" srcId="{B311DFB7-B845-434F-8D77-3FC0BD08DC7F}" destId="{FBB2542C-499A-4E5D-B179-5389E562ACE6}" srcOrd="0" destOrd="0" presId="urn:microsoft.com/office/officeart/2005/8/layout/chevron1"/>
+    <dgm:cxn modelId="{10C787BD-7B29-4D32-9B65-BBB66CD31773}" type="presOf" srcId="{DD0D8DD9-4191-4FC1-A26D-449BF9D9A786}" destId="{6C143154-07D3-4E59-82E8-19A05DCBA13F}" srcOrd="0" destOrd="0" presId="urn:microsoft.com/office/officeart/2005/8/layout/chevron1"/>
     <dgm:cxn modelId="{20DD7B28-CE72-4AD0-8F8A-74DC6BF87DB7}" type="presOf" srcId="{7FB0DD14-595B-4E19-ADBE-0F7EE5B082D8}" destId="{E705A0BF-53A3-4705-8EC7-8B330F477F3D}" srcOrd="0" destOrd="0" presId="urn:microsoft.com/office/officeart/2005/8/layout/chevron1"/>
     <dgm:cxn modelId="{48B3503B-DA42-42BB-BC17-415B936DBBD6}" type="presOf" srcId="{B42D296B-1B1D-4696-ADBE-D1380A94AD2E}" destId="{11D68FBA-00DF-4890-A532-D4283C1129ED}" srcOrd="0" destOrd="0" presId="urn:microsoft.com/office/officeart/2005/8/layout/chevron1"/>
     <dgm:cxn modelId="{4369BD3D-6EF5-477A-9E34-F567F46088EA}" srcId="{7FB0DD14-595B-4E19-ADBE-0F7EE5B082D8}" destId="{0D50FE57-3871-47C9-91F2-FC9AEC2898B6}" srcOrd="4" destOrd="0" parTransId="{5D936467-EE85-44DD-BCF0-56C41D0DB073}" sibTransId="{FA372B7B-0BC5-413E-AE87-E564CFA65B66}"/>
-    <dgm:cxn modelId="{35A9685B-226C-411A-BF7E-B3AD6EDE749C}" srcId="{7FB0DD14-595B-4E19-ADBE-0F7EE5B082D8}" destId="{D8FE1F33-9D60-4B12-AF5C-6F5E6641DAAA}" srcOrd="2" destOrd="0" parTransId="{F2B1FB01-F637-4642-8C09-981A0D47BB09}" sibTransId="{377BDBFC-514A-41E2-8138-AE8B3D410EEB}"/>
+    <dgm:cxn modelId="{1872B284-22C7-41D5-BBD7-3D1733E52FED}" type="presOf" srcId="{6D25C8EF-83C7-4A95-A977-B26A30C3D7D8}" destId="{1CDE8902-EAE1-4633-9A12-AA6C6036B1E6}" srcOrd="0" destOrd="0" presId="urn:microsoft.com/office/officeart/2005/8/layout/chevron1"/>
+    <dgm:cxn modelId="{5D1893A6-26EF-4DA3-9B99-3FEDF647C7BE}" srcId="{7FB0DD14-595B-4E19-ADBE-0F7EE5B082D8}" destId="{6D25C8EF-83C7-4A95-A977-B26A30C3D7D8}" srcOrd="1" destOrd="0" parTransId="{94EA6F62-F59C-4A25-ABA6-69069EBB765F}" sibTransId="{7CF65164-B9E3-49A8-AB4C-D95E889F3F46}"/>
     <dgm:cxn modelId="{0271FF49-CDAE-4EEA-B19C-7E5BB413FBC0}" srcId="{7FB0DD14-595B-4E19-ADBE-0F7EE5B082D8}" destId="{DD0D8DD9-4191-4FC1-A26D-449BF9D9A786}" srcOrd="6" destOrd="0" parTransId="{F17C0891-744B-4545-AA8F-F02750446AA8}" sibTransId="{C0EB1B55-6E14-4503-9521-5CAE0B853396}"/>
-    <dgm:cxn modelId="{7A46DD6A-0BAA-4898-933A-F7FBB16A1F92}" srcId="{7FB0DD14-595B-4E19-ADBE-0F7EE5B082D8}" destId="{B1F5A788-E4DD-44B5-8AAF-E8755AFC0F1D}" srcOrd="0" destOrd="0" parTransId="{DAB92A95-4222-48FC-AC67-8B8F8BB49463}" sibTransId="{1C8FAC4E-6B67-4CFA-A4FF-F62DF65E4AD5}"/>
-    <dgm:cxn modelId="{1872B284-22C7-41D5-BBD7-3D1733E52FED}" type="presOf" srcId="{6D25C8EF-83C7-4A95-A977-B26A30C3D7D8}" destId="{1CDE8902-EAE1-4633-9A12-AA6C6036B1E6}" srcOrd="0" destOrd="0" presId="urn:microsoft.com/office/officeart/2005/8/layout/chevron1"/>
-    <dgm:cxn modelId="{2E603AA1-2DC0-4265-8279-D0A3696F8C5C}" type="presOf" srcId="{B311DFB7-B845-434F-8D77-3FC0BD08DC7F}" destId="{FBB2542C-499A-4E5D-B179-5389E562ACE6}" srcOrd="0" destOrd="0" presId="urn:microsoft.com/office/officeart/2005/8/layout/chevron1"/>
-    <dgm:cxn modelId="{5D1893A6-26EF-4DA3-9B99-3FEDF647C7BE}" srcId="{7FB0DD14-595B-4E19-ADBE-0F7EE5B082D8}" destId="{6D25C8EF-83C7-4A95-A977-B26A30C3D7D8}" srcOrd="1" destOrd="0" parTransId="{94EA6F62-F59C-4A25-ABA6-69069EBB765F}" sibTransId="{7CF65164-B9E3-49A8-AB4C-D95E889F3F46}"/>
-    <dgm:cxn modelId="{684717AA-45AC-450B-8133-424B3038C27B}" type="presOf" srcId="{0D50FE57-3871-47C9-91F2-FC9AEC2898B6}" destId="{7683EB31-29B2-4622-87F7-53F752C057FF}" srcOrd="0" destOrd="0" presId="urn:microsoft.com/office/officeart/2005/8/layout/chevron1"/>
-    <dgm:cxn modelId="{10C787BD-7B29-4D32-9B65-BBB66CD31773}" type="presOf" srcId="{DD0D8DD9-4191-4FC1-A26D-449BF9D9A786}" destId="{6C143154-07D3-4E59-82E8-19A05DCBA13F}" srcOrd="0" destOrd="0" presId="urn:microsoft.com/office/officeart/2005/8/layout/chevron1"/>
-    <dgm:cxn modelId="{C471E3C9-02F2-44A5-968F-80CB26B7D769}" type="presOf" srcId="{B1F5A788-E4DD-44B5-8AAF-E8755AFC0F1D}" destId="{DDE7BBCF-0114-4EAF-97EB-7B1F6D5BF394}" srcOrd="0" destOrd="0" presId="urn:microsoft.com/office/officeart/2005/8/layout/chevron1"/>
-    <dgm:cxn modelId="{140EF4D6-1BF5-4C09-84FB-EE1479D44614}" type="presOf" srcId="{D8FE1F33-9D60-4B12-AF5C-6F5E6641DAAA}" destId="{E5F67A2B-BC5E-45CA-A54C-64F38F7542AA}" srcOrd="0" destOrd="0" presId="urn:microsoft.com/office/officeart/2005/8/layout/chevron1"/>
-    <dgm:cxn modelId="{A50474F7-E3C6-4F02-A8B4-0EB2BFA2C137}" srcId="{7FB0DD14-595B-4E19-ADBE-0F7EE5B082D8}" destId="{B42D296B-1B1D-4696-ADBE-D1380A94AD2E}" srcOrd="3" destOrd="0" parTransId="{DA5B4B1B-3D9B-4E56-8245-77ED5977C157}" sibTransId="{651207D0-38E5-4EA1-811F-155DCD122464}"/>
-    <dgm:cxn modelId="{391EE9FF-C7D8-4664-A77A-A709525460A5}" srcId="{7FB0DD14-595B-4E19-ADBE-0F7EE5B082D8}" destId="{B311DFB7-B845-434F-8D77-3FC0BD08DC7F}" srcOrd="5" destOrd="0" parTransId="{57172167-7A38-4CEB-A51A-23777FF04B48}" sibTransId="{B7851186-24D5-4582-B604-90DF058E1F47}"/>
     <dgm:cxn modelId="{45499248-2EB1-499C-8393-2367F7C948B5}" type="presParOf" srcId="{E705A0BF-53A3-4705-8EC7-8B330F477F3D}" destId="{DDE7BBCF-0114-4EAF-97EB-7B1F6D5BF394}" srcOrd="0" destOrd="0" presId="urn:microsoft.com/office/officeart/2005/8/layout/chevron1"/>
     <dgm:cxn modelId="{D2C57336-031E-471B-A1AE-05972BAF7A73}" type="presParOf" srcId="{E705A0BF-53A3-4705-8EC7-8B330F477F3D}" destId="{3AF84886-0769-4EDC-B8CD-0249AB03C320}" srcOrd="1" destOrd="0" presId="urn:microsoft.com/office/officeart/2005/8/layout/chevron1"/>
     <dgm:cxn modelId="{80A1CAA0-6DBB-4BD0-8379-7568257102A8}" type="presParOf" srcId="{E705A0BF-53A3-4705-8EC7-8B330F477F3D}" destId="{1CDE8902-EAE1-4633-9A12-AA6C6036B1E6}" srcOrd="2" destOrd="0" presId="urn:microsoft.com/office/officeart/2005/8/layout/chevron1"/>
@@ -10953,6 +11198,13 @@
         </dgm:presLayoutVars>
       </dgm:prSet>
       <dgm:spPr/>
+      <dgm:t>
+        <a:bodyPr/>
+        <a:lstStyle/>
+        <a:p>
+          <a:endParaRPr lang="fr-FR"/>
+        </a:p>
+      </dgm:t>
     </dgm:pt>
     <dgm:pt modelId="{2F4234E2-56B5-4641-9C54-CCD91F1ACEC2}" type="pres">
       <dgm:prSet presAssocID="{1BC3D61B-EC34-4739-B6E2-29B6237F114D}" presName="parTxOnlySpace" presStyleCnt="0"/>
@@ -10967,6 +11219,13 @@
         </dgm:presLayoutVars>
       </dgm:prSet>
       <dgm:spPr/>
+      <dgm:t>
+        <a:bodyPr/>
+        <a:lstStyle/>
+        <a:p>
+          <a:endParaRPr lang="fr-FR"/>
+        </a:p>
+      </dgm:t>
     </dgm:pt>
     <dgm:pt modelId="{F483769F-1EE1-4C51-BB75-304463DC308B}" type="pres">
       <dgm:prSet presAssocID="{7CF65164-B9E3-49A8-AB4C-D95E889F3F46}" presName="parTxOnlySpace" presStyleCnt="0"/>
@@ -10981,6 +11240,13 @@
         </dgm:presLayoutVars>
       </dgm:prSet>
       <dgm:spPr/>
+      <dgm:t>
+        <a:bodyPr/>
+        <a:lstStyle/>
+        <a:p>
+          <a:endParaRPr lang="fr-FR"/>
+        </a:p>
+      </dgm:t>
     </dgm:pt>
     <dgm:pt modelId="{97FA42B3-8445-4A99-B73D-A43DAE4A71E8}" type="pres">
       <dgm:prSet presAssocID="{377BDBFC-514A-41E2-8138-AE8B3D410EEB}" presName="parTxOnlySpace" presStyleCnt="0"/>
@@ -10995,6 +11261,13 @@
         </dgm:presLayoutVars>
       </dgm:prSet>
       <dgm:spPr/>
+      <dgm:t>
+        <a:bodyPr/>
+        <a:lstStyle/>
+        <a:p>
+          <a:endParaRPr lang="fr-FR"/>
+        </a:p>
+      </dgm:t>
     </dgm:pt>
     <dgm:pt modelId="{80CA387A-8BA5-4B85-8322-BE8F917A3EEA}" type="pres">
       <dgm:prSet presAssocID="{651207D0-38E5-4EA1-811F-155DCD122464}" presName="parTxOnlySpace" presStyleCnt="0"/>
@@ -11009,6 +11282,13 @@
         </dgm:presLayoutVars>
       </dgm:prSet>
       <dgm:spPr/>
+      <dgm:t>
+        <a:bodyPr/>
+        <a:lstStyle/>
+        <a:p>
+          <a:endParaRPr lang="fr-FR"/>
+        </a:p>
+      </dgm:t>
     </dgm:pt>
     <dgm:pt modelId="{DE556C8E-BA87-4D54-AF88-E51C420D3F7F}" type="pres">
       <dgm:prSet presAssocID="{FA372B7B-0BC5-413E-AE87-E564CFA65B66}" presName="parTxOnlySpace" presStyleCnt="0"/>
@@ -11023,6 +11303,13 @@
         </dgm:presLayoutVars>
       </dgm:prSet>
       <dgm:spPr/>
+      <dgm:t>
+        <a:bodyPr/>
+        <a:lstStyle/>
+        <a:p>
+          <a:endParaRPr lang="fr-FR"/>
+        </a:p>
+      </dgm:t>
     </dgm:pt>
     <dgm:pt modelId="{F69AC311-4504-466A-A620-D7FF45317525}" type="pres">
       <dgm:prSet presAssocID="{B7851186-24D5-4582-B604-90DF058E1F47}" presName="parTxOnlySpace" presStyleCnt="0"/>
@@ -11037,24 +11324,31 @@
         </dgm:presLayoutVars>
       </dgm:prSet>
       <dgm:spPr/>
+      <dgm:t>
+        <a:bodyPr/>
+        <a:lstStyle/>
+        <a:p>
+          <a:endParaRPr lang="fr-FR"/>
+        </a:p>
+      </dgm:t>
     </dgm:pt>
   </dgm:ptLst>
   <dgm:cxnLst>
-    <dgm:cxn modelId="{5E1DD916-A42B-4681-8E1F-2A90207890A6}" type="presOf" srcId="{D8FE1F33-9D60-4B12-AF5C-6F5E6641DAAA}" destId="{E5F67A2B-BC5E-45CA-A54C-64F38F7542AA}" srcOrd="0" destOrd="0" presId="urn:microsoft.com/office/officeart/2005/8/layout/chevron1"/>
-    <dgm:cxn modelId="{08F7A923-C679-4B06-8779-C2CD9CA44A38}" type="presOf" srcId="{6936CB39-EF12-4F5E-94C9-E40335E4E5CF}" destId="{09DD5310-5B61-40E9-A1B1-5F25C1EABB6C}" srcOrd="0" destOrd="0" presId="urn:microsoft.com/office/officeart/2005/8/layout/chevron1"/>
     <dgm:cxn modelId="{E67E9328-C4E0-4672-8D05-64AA31BB06A5}" type="presOf" srcId="{7FB0DD14-595B-4E19-ADBE-0F7EE5B082D8}" destId="{E705A0BF-53A3-4705-8EC7-8B330F477F3D}" srcOrd="0" destOrd="0" presId="urn:microsoft.com/office/officeart/2005/8/layout/chevron1"/>
-    <dgm:cxn modelId="{4369BD3D-6EF5-477A-9E34-F567F46088EA}" srcId="{7FB0DD14-595B-4E19-ADBE-0F7EE5B082D8}" destId="{0D50FE57-3871-47C9-91F2-FC9AEC2898B6}" srcOrd="4" destOrd="0" parTransId="{5D936467-EE85-44DD-BCF0-56C41D0DB073}" sibTransId="{FA372B7B-0BC5-413E-AE87-E564CFA65B66}"/>
+    <dgm:cxn modelId="{A50474F7-E3C6-4F02-A8B4-0EB2BFA2C137}" srcId="{7FB0DD14-595B-4E19-ADBE-0F7EE5B082D8}" destId="{B42D296B-1B1D-4696-ADBE-D1380A94AD2E}" srcOrd="3" destOrd="0" parTransId="{DA5B4B1B-3D9B-4E56-8245-77ED5977C157}" sibTransId="{651207D0-38E5-4EA1-811F-155DCD122464}"/>
+    <dgm:cxn modelId="{525FC197-A2F2-4A4F-BEAC-E24CA262EBD2}" srcId="{7FB0DD14-595B-4E19-ADBE-0F7EE5B082D8}" destId="{6936CB39-EF12-4F5E-94C9-E40335E4E5CF}" srcOrd="0" destOrd="0" parTransId="{2FAECF1B-78AD-4043-97D7-290C0367F691}" sibTransId="{1BC3D61B-EC34-4739-B6E2-29B6237F114D}"/>
     <dgm:cxn modelId="{35A9685B-226C-411A-BF7E-B3AD6EDE749C}" srcId="{7FB0DD14-595B-4E19-ADBE-0F7EE5B082D8}" destId="{D8FE1F33-9D60-4B12-AF5C-6F5E6641DAAA}" srcOrd="2" destOrd="0" parTransId="{F2B1FB01-F637-4642-8C09-981A0D47BB09}" sibTransId="{377BDBFC-514A-41E2-8138-AE8B3D410EEB}"/>
-    <dgm:cxn modelId="{0271FF49-CDAE-4EEA-B19C-7E5BB413FBC0}" srcId="{7FB0DD14-595B-4E19-ADBE-0F7EE5B082D8}" destId="{DD0D8DD9-4191-4FC1-A26D-449BF9D9A786}" srcOrd="6" destOrd="0" parTransId="{F17C0891-744B-4545-AA8F-F02750446AA8}" sibTransId="{C0EB1B55-6E14-4503-9521-5CAE0B853396}"/>
     <dgm:cxn modelId="{4FB5AB54-8379-41BF-87F8-B261892A7C0C}" type="presOf" srcId="{6D25C8EF-83C7-4A95-A977-B26A30C3D7D8}" destId="{1CDE8902-EAE1-4633-9A12-AA6C6036B1E6}" srcOrd="0" destOrd="0" presId="urn:microsoft.com/office/officeart/2005/8/layout/chevron1"/>
-    <dgm:cxn modelId="{E530928F-05B2-4984-B9C1-E8EBA3D00ED9}" type="presOf" srcId="{DD0D8DD9-4191-4FC1-A26D-449BF9D9A786}" destId="{6C143154-07D3-4E59-82E8-19A05DCBA13F}" srcOrd="0" destOrd="0" presId="urn:microsoft.com/office/officeart/2005/8/layout/chevron1"/>
-    <dgm:cxn modelId="{525FC197-A2F2-4A4F-BEAC-E24CA262EBD2}" srcId="{7FB0DD14-595B-4E19-ADBE-0F7EE5B082D8}" destId="{6936CB39-EF12-4F5E-94C9-E40335E4E5CF}" srcOrd="0" destOrd="0" parTransId="{2FAECF1B-78AD-4043-97D7-290C0367F691}" sibTransId="{1BC3D61B-EC34-4739-B6E2-29B6237F114D}"/>
-    <dgm:cxn modelId="{5D1893A6-26EF-4DA3-9B99-3FEDF647C7BE}" srcId="{7FB0DD14-595B-4E19-ADBE-0F7EE5B082D8}" destId="{6D25C8EF-83C7-4A95-A977-B26A30C3D7D8}" srcOrd="1" destOrd="0" parTransId="{94EA6F62-F59C-4A25-ABA6-69069EBB765F}" sibTransId="{7CF65164-B9E3-49A8-AB4C-D95E889F3F46}"/>
-    <dgm:cxn modelId="{44097CA7-CC00-43EC-9934-C91AB719836D}" type="presOf" srcId="{0D50FE57-3871-47C9-91F2-FC9AEC2898B6}" destId="{7683EB31-29B2-4622-87F7-53F752C057FF}" srcOrd="0" destOrd="0" presId="urn:microsoft.com/office/officeart/2005/8/layout/chevron1"/>
-    <dgm:cxn modelId="{5EAA3CBB-D2B2-458E-9548-399B7FC9919D}" type="presOf" srcId="{B42D296B-1B1D-4696-ADBE-D1380A94AD2E}" destId="{11D68FBA-00DF-4890-A532-D4283C1129ED}" srcOrd="0" destOrd="0" presId="urn:microsoft.com/office/officeart/2005/8/layout/chevron1"/>
-    <dgm:cxn modelId="{A50474F7-E3C6-4F02-A8B4-0EB2BFA2C137}" srcId="{7FB0DD14-595B-4E19-ADBE-0F7EE5B082D8}" destId="{B42D296B-1B1D-4696-ADBE-D1380A94AD2E}" srcOrd="3" destOrd="0" parTransId="{DA5B4B1B-3D9B-4E56-8245-77ED5977C157}" sibTransId="{651207D0-38E5-4EA1-811F-155DCD122464}"/>
     <dgm:cxn modelId="{25AE3FFC-56E3-4B8B-A701-1ECE6C612AC2}" type="presOf" srcId="{B311DFB7-B845-434F-8D77-3FC0BD08DC7F}" destId="{FBB2542C-499A-4E5D-B179-5389E562ACE6}" srcOrd="0" destOrd="0" presId="urn:microsoft.com/office/officeart/2005/8/layout/chevron1"/>
     <dgm:cxn modelId="{391EE9FF-C7D8-4664-A77A-A709525460A5}" srcId="{7FB0DD14-595B-4E19-ADBE-0F7EE5B082D8}" destId="{B311DFB7-B845-434F-8D77-3FC0BD08DC7F}" srcOrd="5" destOrd="0" parTransId="{57172167-7A38-4CEB-A51A-23777FF04B48}" sibTransId="{B7851186-24D5-4582-B604-90DF058E1F47}"/>
+    <dgm:cxn modelId="{44097CA7-CC00-43EC-9934-C91AB719836D}" type="presOf" srcId="{0D50FE57-3871-47C9-91F2-FC9AEC2898B6}" destId="{7683EB31-29B2-4622-87F7-53F752C057FF}" srcOrd="0" destOrd="0" presId="urn:microsoft.com/office/officeart/2005/8/layout/chevron1"/>
+    <dgm:cxn modelId="{E530928F-05B2-4984-B9C1-E8EBA3D00ED9}" type="presOf" srcId="{DD0D8DD9-4191-4FC1-A26D-449BF9D9A786}" destId="{6C143154-07D3-4E59-82E8-19A05DCBA13F}" srcOrd="0" destOrd="0" presId="urn:microsoft.com/office/officeart/2005/8/layout/chevron1"/>
+    <dgm:cxn modelId="{08F7A923-C679-4B06-8779-C2CD9CA44A38}" type="presOf" srcId="{6936CB39-EF12-4F5E-94C9-E40335E4E5CF}" destId="{09DD5310-5B61-40E9-A1B1-5F25C1EABB6C}" srcOrd="0" destOrd="0" presId="urn:microsoft.com/office/officeart/2005/8/layout/chevron1"/>
+    <dgm:cxn modelId="{5E1DD916-A42B-4681-8E1F-2A90207890A6}" type="presOf" srcId="{D8FE1F33-9D60-4B12-AF5C-6F5E6641DAAA}" destId="{E5F67A2B-BC5E-45CA-A54C-64F38F7542AA}" srcOrd="0" destOrd="0" presId="urn:microsoft.com/office/officeart/2005/8/layout/chevron1"/>
+    <dgm:cxn modelId="{5EAA3CBB-D2B2-458E-9548-399B7FC9919D}" type="presOf" srcId="{B42D296B-1B1D-4696-ADBE-D1380A94AD2E}" destId="{11D68FBA-00DF-4890-A532-D4283C1129ED}" srcOrd="0" destOrd="0" presId="urn:microsoft.com/office/officeart/2005/8/layout/chevron1"/>
+    <dgm:cxn modelId="{4369BD3D-6EF5-477A-9E34-F567F46088EA}" srcId="{7FB0DD14-595B-4E19-ADBE-0F7EE5B082D8}" destId="{0D50FE57-3871-47C9-91F2-FC9AEC2898B6}" srcOrd="4" destOrd="0" parTransId="{5D936467-EE85-44DD-BCF0-56C41D0DB073}" sibTransId="{FA372B7B-0BC5-413E-AE87-E564CFA65B66}"/>
+    <dgm:cxn modelId="{5D1893A6-26EF-4DA3-9B99-3FEDF647C7BE}" srcId="{7FB0DD14-595B-4E19-ADBE-0F7EE5B082D8}" destId="{6D25C8EF-83C7-4A95-A977-B26A30C3D7D8}" srcOrd="1" destOrd="0" parTransId="{94EA6F62-F59C-4A25-ABA6-69069EBB765F}" sibTransId="{7CF65164-B9E3-49A8-AB4C-D95E889F3F46}"/>
+    <dgm:cxn modelId="{0271FF49-CDAE-4EEA-B19C-7E5BB413FBC0}" srcId="{7FB0DD14-595B-4E19-ADBE-0F7EE5B082D8}" destId="{DD0D8DD9-4191-4FC1-A26D-449BF9D9A786}" srcOrd="6" destOrd="0" parTransId="{F17C0891-744B-4545-AA8F-F02750446AA8}" sibTransId="{C0EB1B55-6E14-4503-9521-5CAE0B853396}"/>
     <dgm:cxn modelId="{86A413B6-F89C-4313-837E-96C757F4FFC5}" type="presParOf" srcId="{E705A0BF-53A3-4705-8EC7-8B330F477F3D}" destId="{09DD5310-5B61-40E9-A1B1-5F25C1EABB6C}" srcOrd="0" destOrd="0" presId="urn:microsoft.com/office/officeart/2005/8/layout/chevron1"/>
     <dgm:cxn modelId="{E629C59C-CBCB-4C10-9D8A-08713533EDE1}" type="presParOf" srcId="{E705A0BF-53A3-4705-8EC7-8B330F477F3D}" destId="{2F4234E2-56B5-4641-9C54-CCD91F1ACEC2}" srcOrd="1" destOrd="0" presId="urn:microsoft.com/office/officeart/2005/8/layout/chevron1"/>
     <dgm:cxn modelId="{9721ABBF-2950-471C-958A-E33944D8841A}" type="presParOf" srcId="{E705A0BF-53A3-4705-8EC7-8B330F477F3D}" destId="{1CDE8902-EAE1-4633-9A12-AA6C6036B1E6}" srcOrd="2" destOrd="0" presId="urn:microsoft.com/office/officeart/2005/8/layout/chevron1"/>
@@ -11531,6 +11825,13 @@
         </dgm:presLayoutVars>
       </dgm:prSet>
       <dgm:spPr/>
+      <dgm:t>
+        <a:bodyPr/>
+        <a:lstStyle/>
+        <a:p>
+          <a:endParaRPr lang="fr-FR"/>
+        </a:p>
+      </dgm:t>
     </dgm:pt>
     <dgm:pt modelId="{EE62A633-7CF0-47A4-9C49-CFD97FF8A9B7}" type="pres">
       <dgm:prSet presAssocID="{A7E647A1-EE08-44DE-8FDB-067552E5CF30}" presName="parTxOnlySpace" presStyleCnt="0"/>
@@ -11545,6 +11846,13 @@
         </dgm:presLayoutVars>
       </dgm:prSet>
       <dgm:spPr/>
+      <dgm:t>
+        <a:bodyPr/>
+        <a:lstStyle/>
+        <a:p>
+          <a:endParaRPr lang="fr-FR"/>
+        </a:p>
+      </dgm:t>
     </dgm:pt>
     <dgm:pt modelId="{F483769F-1EE1-4C51-BB75-304463DC308B}" type="pres">
       <dgm:prSet presAssocID="{7CF65164-B9E3-49A8-AB4C-D95E889F3F46}" presName="parTxOnlySpace" presStyleCnt="0"/>
@@ -11559,6 +11867,13 @@
         </dgm:presLayoutVars>
       </dgm:prSet>
       <dgm:spPr/>
+      <dgm:t>
+        <a:bodyPr/>
+        <a:lstStyle/>
+        <a:p>
+          <a:endParaRPr lang="fr-FR"/>
+        </a:p>
+      </dgm:t>
     </dgm:pt>
     <dgm:pt modelId="{97FA42B3-8445-4A99-B73D-A43DAE4A71E8}" type="pres">
       <dgm:prSet presAssocID="{377BDBFC-514A-41E2-8138-AE8B3D410EEB}" presName="parTxOnlySpace" presStyleCnt="0"/>
@@ -11573,6 +11888,13 @@
         </dgm:presLayoutVars>
       </dgm:prSet>
       <dgm:spPr/>
+      <dgm:t>
+        <a:bodyPr/>
+        <a:lstStyle/>
+        <a:p>
+          <a:endParaRPr lang="fr-FR"/>
+        </a:p>
+      </dgm:t>
     </dgm:pt>
     <dgm:pt modelId="{80CA387A-8BA5-4B85-8322-BE8F917A3EEA}" type="pres">
       <dgm:prSet presAssocID="{651207D0-38E5-4EA1-811F-155DCD122464}" presName="parTxOnlySpace" presStyleCnt="0"/>
@@ -11587,6 +11909,13 @@
         </dgm:presLayoutVars>
       </dgm:prSet>
       <dgm:spPr/>
+      <dgm:t>
+        <a:bodyPr/>
+        <a:lstStyle/>
+        <a:p>
+          <a:endParaRPr lang="fr-FR"/>
+        </a:p>
+      </dgm:t>
     </dgm:pt>
     <dgm:pt modelId="{DE556C8E-BA87-4D54-AF88-E51C420D3F7F}" type="pres">
       <dgm:prSet presAssocID="{FA372B7B-0BC5-413E-AE87-E564CFA65B66}" presName="parTxOnlySpace" presStyleCnt="0"/>
@@ -11601,6 +11930,13 @@
         </dgm:presLayoutVars>
       </dgm:prSet>
       <dgm:spPr/>
+      <dgm:t>
+        <a:bodyPr/>
+        <a:lstStyle/>
+        <a:p>
+          <a:endParaRPr lang="fr-FR"/>
+        </a:p>
+      </dgm:t>
     </dgm:pt>
     <dgm:pt modelId="{F69AC311-4504-466A-A620-D7FF45317525}" type="pres">
       <dgm:prSet presAssocID="{B7851186-24D5-4582-B604-90DF058E1F47}" presName="parTxOnlySpace" presStyleCnt="0"/>
@@ -11615,24 +11951,31 @@
         </dgm:presLayoutVars>
       </dgm:prSet>
       <dgm:spPr/>
+      <dgm:t>
+        <a:bodyPr/>
+        <a:lstStyle/>
+        <a:p>
+          <a:endParaRPr lang="fr-FR"/>
+        </a:p>
+      </dgm:t>
     </dgm:pt>
   </dgm:ptLst>
   <dgm:cxnLst>
+    <dgm:cxn modelId="{E5D010AD-ED8A-4960-9359-F7414887F9A3}" type="presOf" srcId="{7FB0DD14-595B-4E19-ADBE-0F7EE5B082D8}" destId="{E705A0BF-53A3-4705-8EC7-8B330F477F3D}" srcOrd="0" destOrd="0" presId="urn:microsoft.com/office/officeart/2005/8/layout/chevron1"/>
+    <dgm:cxn modelId="{A50474F7-E3C6-4F02-A8B4-0EB2BFA2C137}" srcId="{7FB0DD14-595B-4E19-ADBE-0F7EE5B082D8}" destId="{B42D296B-1B1D-4696-ADBE-D1380A94AD2E}" srcOrd="3" destOrd="0" parTransId="{DA5B4B1B-3D9B-4E56-8245-77ED5977C157}" sibTransId="{651207D0-38E5-4EA1-811F-155DCD122464}"/>
+    <dgm:cxn modelId="{B3E845D8-C32E-4077-B40F-7AD6E9083869}" type="presOf" srcId="{DD0D8DD9-4191-4FC1-A26D-449BF9D9A786}" destId="{6C143154-07D3-4E59-82E8-19A05DCBA13F}" srcOrd="0" destOrd="0" presId="urn:microsoft.com/office/officeart/2005/8/layout/chevron1"/>
+    <dgm:cxn modelId="{35A9685B-226C-411A-BF7E-B3AD6EDE749C}" srcId="{7FB0DD14-595B-4E19-ADBE-0F7EE5B082D8}" destId="{D8FE1F33-9D60-4B12-AF5C-6F5E6641DAAA}" srcOrd="2" destOrd="0" parTransId="{F2B1FB01-F637-4642-8C09-981A0D47BB09}" sibTransId="{377BDBFC-514A-41E2-8138-AE8B3D410EEB}"/>
+    <dgm:cxn modelId="{93284C91-7F1C-4458-8E8E-FB90B19A2C7C}" type="presOf" srcId="{D8FE1F33-9D60-4B12-AF5C-6F5E6641DAAA}" destId="{E5F67A2B-BC5E-45CA-A54C-64F38F7542AA}" srcOrd="0" destOrd="0" presId="urn:microsoft.com/office/officeart/2005/8/layout/chevron1"/>
+    <dgm:cxn modelId="{391EE9FF-C7D8-4664-A77A-A709525460A5}" srcId="{7FB0DD14-595B-4E19-ADBE-0F7EE5B082D8}" destId="{B311DFB7-B845-434F-8D77-3FC0BD08DC7F}" srcOrd="5" destOrd="0" parTransId="{57172167-7A38-4CEB-A51A-23777FF04B48}" sibTransId="{B7851186-24D5-4582-B604-90DF058E1F47}"/>
     <dgm:cxn modelId="{ED514609-2529-4943-8366-DB0ACCA68C3C}" srcId="{7FB0DD14-595B-4E19-ADBE-0F7EE5B082D8}" destId="{1698154E-EAAD-4553-AED8-22D5E7770EA9}" srcOrd="0" destOrd="0" parTransId="{B3900DE1-F576-4183-933C-675B7F47364A}" sibTransId="{A7E647A1-EE08-44DE-8FDB-067552E5CF30}"/>
     <dgm:cxn modelId="{3F37142F-C3CC-427D-A692-A79B7E7206D8}" type="presOf" srcId="{B311DFB7-B845-434F-8D77-3FC0BD08DC7F}" destId="{FBB2542C-499A-4E5D-B179-5389E562ACE6}" srcOrd="0" destOrd="0" presId="urn:microsoft.com/office/officeart/2005/8/layout/chevron1"/>
+    <dgm:cxn modelId="{71DC588A-6680-4ADF-8E9B-B5AE61EE585A}" type="presOf" srcId="{6D25C8EF-83C7-4A95-A977-B26A30C3D7D8}" destId="{1CDE8902-EAE1-4633-9A12-AA6C6036B1E6}" srcOrd="0" destOrd="0" presId="urn:microsoft.com/office/officeart/2005/8/layout/chevron1"/>
+    <dgm:cxn modelId="{4520416F-91DD-4904-9F29-7A31AE0FCC06}" type="presOf" srcId="{B42D296B-1B1D-4696-ADBE-D1380A94AD2E}" destId="{11D68FBA-00DF-4890-A532-D4283C1129ED}" srcOrd="0" destOrd="0" presId="urn:microsoft.com/office/officeart/2005/8/layout/chevron1"/>
     <dgm:cxn modelId="{EEFF2A3D-D0E6-472A-A3C2-1E55D71E7AD5}" type="presOf" srcId="{0D50FE57-3871-47C9-91F2-FC9AEC2898B6}" destId="{7683EB31-29B2-4622-87F7-53F752C057FF}" srcOrd="0" destOrd="0" presId="urn:microsoft.com/office/officeart/2005/8/layout/chevron1"/>
     <dgm:cxn modelId="{4369BD3D-6EF5-477A-9E34-F567F46088EA}" srcId="{7FB0DD14-595B-4E19-ADBE-0F7EE5B082D8}" destId="{0D50FE57-3871-47C9-91F2-FC9AEC2898B6}" srcOrd="4" destOrd="0" parTransId="{5D936467-EE85-44DD-BCF0-56C41D0DB073}" sibTransId="{FA372B7B-0BC5-413E-AE87-E564CFA65B66}"/>
-    <dgm:cxn modelId="{35A9685B-226C-411A-BF7E-B3AD6EDE749C}" srcId="{7FB0DD14-595B-4E19-ADBE-0F7EE5B082D8}" destId="{D8FE1F33-9D60-4B12-AF5C-6F5E6641DAAA}" srcOrd="2" destOrd="0" parTransId="{F2B1FB01-F637-4642-8C09-981A0D47BB09}" sibTransId="{377BDBFC-514A-41E2-8138-AE8B3D410EEB}"/>
-    <dgm:cxn modelId="{0271FF49-CDAE-4EEA-B19C-7E5BB413FBC0}" srcId="{7FB0DD14-595B-4E19-ADBE-0F7EE5B082D8}" destId="{DD0D8DD9-4191-4FC1-A26D-449BF9D9A786}" srcOrd="6" destOrd="0" parTransId="{F17C0891-744B-4545-AA8F-F02750446AA8}" sibTransId="{C0EB1B55-6E14-4503-9521-5CAE0B853396}"/>
-    <dgm:cxn modelId="{4520416F-91DD-4904-9F29-7A31AE0FCC06}" type="presOf" srcId="{B42D296B-1B1D-4696-ADBE-D1380A94AD2E}" destId="{11D68FBA-00DF-4890-A532-D4283C1129ED}" srcOrd="0" destOrd="0" presId="urn:microsoft.com/office/officeart/2005/8/layout/chevron1"/>
-    <dgm:cxn modelId="{71DC588A-6680-4ADF-8E9B-B5AE61EE585A}" type="presOf" srcId="{6D25C8EF-83C7-4A95-A977-B26A30C3D7D8}" destId="{1CDE8902-EAE1-4633-9A12-AA6C6036B1E6}" srcOrd="0" destOrd="0" presId="urn:microsoft.com/office/officeart/2005/8/layout/chevron1"/>
-    <dgm:cxn modelId="{93284C91-7F1C-4458-8E8E-FB90B19A2C7C}" type="presOf" srcId="{D8FE1F33-9D60-4B12-AF5C-6F5E6641DAAA}" destId="{E5F67A2B-BC5E-45CA-A54C-64F38F7542AA}" srcOrd="0" destOrd="0" presId="urn:microsoft.com/office/officeart/2005/8/layout/chevron1"/>
     <dgm:cxn modelId="{AB251B99-2B9A-4F66-B62E-9E0ADB621A63}" type="presOf" srcId="{1698154E-EAAD-4553-AED8-22D5E7770EA9}" destId="{32E31E59-B96B-4668-9373-31270A70F499}" srcOrd="0" destOrd="0" presId="urn:microsoft.com/office/officeart/2005/8/layout/chevron1"/>
     <dgm:cxn modelId="{5D1893A6-26EF-4DA3-9B99-3FEDF647C7BE}" srcId="{7FB0DD14-595B-4E19-ADBE-0F7EE5B082D8}" destId="{6D25C8EF-83C7-4A95-A977-B26A30C3D7D8}" srcOrd="1" destOrd="0" parTransId="{94EA6F62-F59C-4A25-ABA6-69069EBB765F}" sibTransId="{7CF65164-B9E3-49A8-AB4C-D95E889F3F46}"/>
-    <dgm:cxn modelId="{E5D010AD-ED8A-4960-9359-F7414887F9A3}" type="presOf" srcId="{7FB0DD14-595B-4E19-ADBE-0F7EE5B082D8}" destId="{E705A0BF-53A3-4705-8EC7-8B330F477F3D}" srcOrd="0" destOrd="0" presId="urn:microsoft.com/office/officeart/2005/8/layout/chevron1"/>
-    <dgm:cxn modelId="{B3E845D8-C32E-4077-B40F-7AD6E9083869}" type="presOf" srcId="{DD0D8DD9-4191-4FC1-A26D-449BF9D9A786}" destId="{6C143154-07D3-4E59-82E8-19A05DCBA13F}" srcOrd="0" destOrd="0" presId="urn:microsoft.com/office/officeart/2005/8/layout/chevron1"/>
-    <dgm:cxn modelId="{A50474F7-E3C6-4F02-A8B4-0EB2BFA2C137}" srcId="{7FB0DD14-595B-4E19-ADBE-0F7EE5B082D8}" destId="{B42D296B-1B1D-4696-ADBE-D1380A94AD2E}" srcOrd="3" destOrd="0" parTransId="{DA5B4B1B-3D9B-4E56-8245-77ED5977C157}" sibTransId="{651207D0-38E5-4EA1-811F-155DCD122464}"/>
-    <dgm:cxn modelId="{391EE9FF-C7D8-4664-A77A-A709525460A5}" srcId="{7FB0DD14-595B-4E19-ADBE-0F7EE5B082D8}" destId="{B311DFB7-B845-434F-8D77-3FC0BD08DC7F}" srcOrd="5" destOrd="0" parTransId="{57172167-7A38-4CEB-A51A-23777FF04B48}" sibTransId="{B7851186-24D5-4582-B604-90DF058E1F47}"/>
+    <dgm:cxn modelId="{0271FF49-CDAE-4EEA-B19C-7E5BB413FBC0}" srcId="{7FB0DD14-595B-4E19-ADBE-0F7EE5B082D8}" destId="{DD0D8DD9-4191-4FC1-A26D-449BF9D9A786}" srcOrd="6" destOrd="0" parTransId="{F17C0891-744B-4545-AA8F-F02750446AA8}" sibTransId="{C0EB1B55-6E14-4503-9521-5CAE0B853396}"/>
     <dgm:cxn modelId="{CDFD389B-A4CF-42DD-9FDA-E3236A41966E}" type="presParOf" srcId="{E705A0BF-53A3-4705-8EC7-8B330F477F3D}" destId="{32E31E59-B96B-4668-9373-31270A70F499}" srcOrd="0" destOrd="0" presId="urn:microsoft.com/office/officeart/2005/8/layout/chevron1"/>
     <dgm:cxn modelId="{4540E747-7725-4A38-A811-A65010F5132A}" type="presParOf" srcId="{E705A0BF-53A3-4705-8EC7-8B330F477F3D}" destId="{EE62A633-7CF0-47A4-9C49-CFD97FF8A9B7}" srcOrd="1" destOrd="0" presId="urn:microsoft.com/office/officeart/2005/8/layout/chevron1"/>
     <dgm:cxn modelId="{7006AA6B-D06E-4BDE-A4AD-A1AAF4E22B62}" type="presParOf" srcId="{E705A0BF-53A3-4705-8EC7-8B330F477F3D}" destId="{1CDE8902-EAE1-4633-9A12-AA6C6036B1E6}" srcOrd="2" destOrd="0" presId="urn:microsoft.com/office/officeart/2005/8/layout/chevron1"/>
@@ -12111,6 +12454,13 @@
         </dgm:presLayoutVars>
       </dgm:prSet>
       <dgm:spPr/>
+      <dgm:t>
+        <a:bodyPr/>
+        <a:lstStyle/>
+        <a:p>
+          <a:endParaRPr lang="fr-FR"/>
+        </a:p>
+      </dgm:t>
     </dgm:pt>
     <dgm:pt modelId="{9F54C268-E0A4-4DD1-BCB9-9D65A021BA3B}" type="pres">
       <dgm:prSet presAssocID="{53DA3BEF-BF59-4C7C-896C-F5B08F335508}" presName="parTxOnlySpace" presStyleCnt="0"/>
@@ -12125,6 +12475,13 @@
         </dgm:presLayoutVars>
       </dgm:prSet>
       <dgm:spPr/>
+      <dgm:t>
+        <a:bodyPr/>
+        <a:lstStyle/>
+        <a:p>
+          <a:endParaRPr lang="fr-FR"/>
+        </a:p>
+      </dgm:t>
     </dgm:pt>
     <dgm:pt modelId="{F483769F-1EE1-4C51-BB75-304463DC308B}" type="pres">
       <dgm:prSet presAssocID="{7CF65164-B9E3-49A8-AB4C-D95E889F3F46}" presName="parTxOnlySpace" presStyleCnt="0"/>
@@ -12139,6 +12496,13 @@
         </dgm:presLayoutVars>
       </dgm:prSet>
       <dgm:spPr/>
+      <dgm:t>
+        <a:bodyPr/>
+        <a:lstStyle/>
+        <a:p>
+          <a:endParaRPr lang="fr-FR"/>
+        </a:p>
+      </dgm:t>
     </dgm:pt>
     <dgm:pt modelId="{97FA42B3-8445-4A99-B73D-A43DAE4A71E8}" type="pres">
       <dgm:prSet presAssocID="{377BDBFC-514A-41E2-8138-AE8B3D410EEB}" presName="parTxOnlySpace" presStyleCnt="0"/>
@@ -12153,6 +12517,13 @@
         </dgm:presLayoutVars>
       </dgm:prSet>
       <dgm:spPr/>
+      <dgm:t>
+        <a:bodyPr/>
+        <a:lstStyle/>
+        <a:p>
+          <a:endParaRPr lang="fr-FR"/>
+        </a:p>
+      </dgm:t>
     </dgm:pt>
     <dgm:pt modelId="{80CA387A-8BA5-4B85-8322-BE8F917A3EEA}" type="pres">
       <dgm:prSet presAssocID="{651207D0-38E5-4EA1-811F-155DCD122464}" presName="parTxOnlySpace" presStyleCnt="0"/>
@@ -12167,6 +12538,13 @@
         </dgm:presLayoutVars>
       </dgm:prSet>
       <dgm:spPr/>
+      <dgm:t>
+        <a:bodyPr/>
+        <a:lstStyle/>
+        <a:p>
+          <a:endParaRPr lang="fr-FR"/>
+        </a:p>
+      </dgm:t>
     </dgm:pt>
     <dgm:pt modelId="{DE556C8E-BA87-4D54-AF88-E51C420D3F7F}" type="pres">
       <dgm:prSet presAssocID="{FA372B7B-0BC5-413E-AE87-E564CFA65B66}" presName="parTxOnlySpace" presStyleCnt="0"/>
@@ -12181,6 +12559,13 @@
         </dgm:presLayoutVars>
       </dgm:prSet>
       <dgm:spPr/>
+      <dgm:t>
+        <a:bodyPr/>
+        <a:lstStyle/>
+        <a:p>
+          <a:endParaRPr lang="fr-FR"/>
+        </a:p>
+      </dgm:t>
     </dgm:pt>
     <dgm:pt modelId="{F69AC311-4504-466A-A620-D7FF45317525}" type="pres">
       <dgm:prSet presAssocID="{B7851186-24D5-4582-B604-90DF058E1F47}" presName="parTxOnlySpace" presStyleCnt="0"/>
@@ -12195,24 +12580,31 @@
         </dgm:presLayoutVars>
       </dgm:prSet>
       <dgm:spPr/>
+      <dgm:t>
+        <a:bodyPr/>
+        <a:lstStyle/>
+        <a:p>
+          <a:endParaRPr lang="fr-FR"/>
+        </a:p>
+      </dgm:t>
     </dgm:pt>
   </dgm:ptLst>
   <dgm:cxnLst>
+    <dgm:cxn modelId="{A50474F7-E3C6-4F02-A8B4-0EB2BFA2C137}" srcId="{7FB0DD14-595B-4E19-ADBE-0F7EE5B082D8}" destId="{B42D296B-1B1D-4696-ADBE-D1380A94AD2E}" srcOrd="3" destOrd="0" parTransId="{DA5B4B1B-3D9B-4E56-8245-77ED5977C157}" sibTransId="{651207D0-38E5-4EA1-811F-155DCD122464}"/>
+    <dgm:cxn modelId="{35A9685B-226C-411A-BF7E-B3AD6EDE749C}" srcId="{7FB0DD14-595B-4E19-ADBE-0F7EE5B082D8}" destId="{D8FE1F33-9D60-4B12-AF5C-6F5E6641DAAA}" srcOrd="2" destOrd="0" parTransId="{F2B1FB01-F637-4642-8C09-981A0D47BB09}" sibTransId="{377BDBFC-514A-41E2-8138-AE8B3D410EEB}"/>
+    <dgm:cxn modelId="{F9F8F0C8-A71F-4FDE-A977-A94285765CCE}" type="presOf" srcId="{3E725B59-4B19-412E-B4DD-7E2D6B31AEEC}" destId="{9307C24A-D4AF-469A-A922-D9146693B069}" srcOrd="0" destOrd="0" presId="urn:microsoft.com/office/officeart/2005/8/layout/chevron1"/>
+    <dgm:cxn modelId="{A80FCA16-98AB-48C4-950B-1CB2A26658FE}" type="presOf" srcId="{D8FE1F33-9D60-4B12-AF5C-6F5E6641DAAA}" destId="{E5F67A2B-BC5E-45CA-A54C-64F38F7542AA}" srcOrd="0" destOrd="0" presId="urn:microsoft.com/office/officeart/2005/8/layout/chevron1"/>
+    <dgm:cxn modelId="{391EE9FF-C7D8-4664-A77A-A709525460A5}" srcId="{7FB0DD14-595B-4E19-ADBE-0F7EE5B082D8}" destId="{B311DFB7-B845-434F-8D77-3FC0BD08DC7F}" srcOrd="5" destOrd="0" parTransId="{57172167-7A38-4CEB-A51A-23777FF04B48}" sibTransId="{B7851186-24D5-4582-B604-90DF058E1F47}"/>
+    <dgm:cxn modelId="{C42FFB8D-A905-4FE0-B1EB-5E67A67CB7D3}" srcId="{7FB0DD14-595B-4E19-ADBE-0F7EE5B082D8}" destId="{3E725B59-4B19-412E-B4DD-7E2D6B31AEEC}" srcOrd="0" destOrd="0" parTransId="{D8AEB483-1BC5-4B27-BC77-4360400CB1E3}" sibTransId="{53DA3BEF-BF59-4C7C-896C-F5B08F335508}"/>
+    <dgm:cxn modelId="{4E614B71-8E4B-472D-B113-8B13D9CC05AC}" type="presOf" srcId="{7FB0DD14-595B-4E19-ADBE-0F7EE5B082D8}" destId="{E705A0BF-53A3-4705-8EC7-8B330F477F3D}" srcOrd="0" destOrd="0" presId="urn:microsoft.com/office/officeart/2005/8/layout/chevron1"/>
+    <dgm:cxn modelId="{EE9E5894-CECE-4374-ABDA-49811759E5A0}" type="presOf" srcId="{0D50FE57-3871-47C9-91F2-FC9AEC2898B6}" destId="{7683EB31-29B2-4622-87F7-53F752C057FF}" srcOrd="0" destOrd="0" presId="urn:microsoft.com/office/officeart/2005/8/layout/chevron1"/>
+    <dgm:cxn modelId="{4B10AA31-67FF-4599-9082-15FFD0A5B3B5}" type="presOf" srcId="{DD0D8DD9-4191-4FC1-A26D-449BF9D9A786}" destId="{6C143154-07D3-4E59-82E8-19A05DCBA13F}" srcOrd="0" destOrd="0" presId="urn:microsoft.com/office/officeart/2005/8/layout/chevron1"/>
+    <dgm:cxn modelId="{BBBBCCF3-1CC6-4EBC-94F6-5D09711760D4}" type="presOf" srcId="{B311DFB7-B845-434F-8D77-3FC0BD08DC7F}" destId="{FBB2542C-499A-4E5D-B179-5389E562ACE6}" srcOrd="0" destOrd="0" presId="urn:microsoft.com/office/officeart/2005/8/layout/chevron1"/>
+    <dgm:cxn modelId="{4369BD3D-6EF5-477A-9E34-F567F46088EA}" srcId="{7FB0DD14-595B-4E19-ADBE-0F7EE5B082D8}" destId="{0D50FE57-3871-47C9-91F2-FC9AEC2898B6}" srcOrd="4" destOrd="0" parTransId="{5D936467-EE85-44DD-BCF0-56C41D0DB073}" sibTransId="{FA372B7B-0BC5-413E-AE87-E564CFA65B66}"/>
+    <dgm:cxn modelId="{5D1893A6-26EF-4DA3-9B99-3FEDF647C7BE}" srcId="{7FB0DD14-595B-4E19-ADBE-0F7EE5B082D8}" destId="{6D25C8EF-83C7-4A95-A977-B26A30C3D7D8}" srcOrd="1" destOrd="0" parTransId="{94EA6F62-F59C-4A25-ABA6-69069EBB765F}" sibTransId="{7CF65164-B9E3-49A8-AB4C-D95E889F3F46}"/>
     <dgm:cxn modelId="{6789EF15-9C87-4F56-87EF-D4C628DB9BF0}" type="presOf" srcId="{B42D296B-1B1D-4696-ADBE-D1380A94AD2E}" destId="{11D68FBA-00DF-4890-A532-D4283C1129ED}" srcOrd="0" destOrd="0" presId="urn:microsoft.com/office/officeart/2005/8/layout/chevron1"/>
-    <dgm:cxn modelId="{A80FCA16-98AB-48C4-950B-1CB2A26658FE}" type="presOf" srcId="{D8FE1F33-9D60-4B12-AF5C-6F5E6641DAAA}" destId="{E5F67A2B-BC5E-45CA-A54C-64F38F7542AA}" srcOrd="0" destOrd="0" presId="urn:microsoft.com/office/officeart/2005/8/layout/chevron1"/>
-    <dgm:cxn modelId="{4B10AA31-67FF-4599-9082-15FFD0A5B3B5}" type="presOf" srcId="{DD0D8DD9-4191-4FC1-A26D-449BF9D9A786}" destId="{6C143154-07D3-4E59-82E8-19A05DCBA13F}" srcOrd="0" destOrd="0" presId="urn:microsoft.com/office/officeart/2005/8/layout/chevron1"/>
-    <dgm:cxn modelId="{4369BD3D-6EF5-477A-9E34-F567F46088EA}" srcId="{7FB0DD14-595B-4E19-ADBE-0F7EE5B082D8}" destId="{0D50FE57-3871-47C9-91F2-FC9AEC2898B6}" srcOrd="4" destOrd="0" parTransId="{5D936467-EE85-44DD-BCF0-56C41D0DB073}" sibTransId="{FA372B7B-0BC5-413E-AE87-E564CFA65B66}"/>
-    <dgm:cxn modelId="{35A9685B-226C-411A-BF7E-B3AD6EDE749C}" srcId="{7FB0DD14-595B-4E19-ADBE-0F7EE5B082D8}" destId="{D8FE1F33-9D60-4B12-AF5C-6F5E6641DAAA}" srcOrd="2" destOrd="0" parTransId="{F2B1FB01-F637-4642-8C09-981A0D47BB09}" sibTransId="{377BDBFC-514A-41E2-8138-AE8B3D410EEB}"/>
+    <dgm:cxn modelId="{9BE147DF-079F-47A5-899F-A843F3FF5767}" type="presOf" srcId="{6D25C8EF-83C7-4A95-A977-B26A30C3D7D8}" destId="{1CDE8902-EAE1-4633-9A12-AA6C6036B1E6}" srcOrd="0" destOrd="0" presId="urn:microsoft.com/office/officeart/2005/8/layout/chevron1"/>
     <dgm:cxn modelId="{0271FF49-CDAE-4EEA-B19C-7E5BB413FBC0}" srcId="{7FB0DD14-595B-4E19-ADBE-0F7EE5B082D8}" destId="{DD0D8DD9-4191-4FC1-A26D-449BF9D9A786}" srcOrd="6" destOrd="0" parTransId="{F17C0891-744B-4545-AA8F-F02750446AA8}" sibTransId="{C0EB1B55-6E14-4503-9521-5CAE0B853396}"/>
-    <dgm:cxn modelId="{4E614B71-8E4B-472D-B113-8B13D9CC05AC}" type="presOf" srcId="{7FB0DD14-595B-4E19-ADBE-0F7EE5B082D8}" destId="{E705A0BF-53A3-4705-8EC7-8B330F477F3D}" srcOrd="0" destOrd="0" presId="urn:microsoft.com/office/officeart/2005/8/layout/chevron1"/>
-    <dgm:cxn modelId="{C42FFB8D-A905-4FE0-B1EB-5E67A67CB7D3}" srcId="{7FB0DD14-595B-4E19-ADBE-0F7EE5B082D8}" destId="{3E725B59-4B19-412E-B4DD-7E2D6B31AEEC}" srcOrd="0" destOrd="0" parTransId="{D8AEB483-1BC5-4B27-BC77-4360400CB1E3}" sibTransId="{53DA3BEF-BF59-4C7C-896C-F5B08F335508}"/>
-    <dgm:cxn modelId="{EE9E5894-CECE-4374-ABDA-49811759E5A0}" type="presOf" srcId="{0D50FE57-3871-47C9-91F2-FC9AEC2898B6}" destId="{7683EB31-29B2-4622-87F7-53F752C057FF}" srcOrd="0" destOrd="0" presId="urn:microsoft.com/office/officeart/2005/8/layout/chevron1"/>
-    <dgm:cxn modelId="{5D1893A6-26EF-4DA3-9B99-3FEDF647C7BE}" srcId="{7FB0DD14-595B-4E19-ADBE-0F7EE5B082D8}" destId="{6D25C8EF-83C7-4A95-A977-B26A30C3D7D8}" srcOrd="1" destOrd="0" parTransId="{94EA6F62-F59C-4A25-ABA6-69069EBB765F}" sibTransId="{7CF65164-B9E3-49A8-AB4C-D95E889F3F46}"/>
-    <dgm:cxn modelId="{F9F8F0C8-A71F-4FDE-A977-A94285765CCE}" type="presOf" srcId="{3E725B59-4B19-412E-B4DD-7E2D6B31AEEC}" destId="{9307C24A-D4AF-469A-A922-D9146693B069}" srcOrd="0" destOrd="0" presId="urn:microsoft.com/office/officeart/2005/8/layout/chevron1"/>
-    <dgm:cxn modelId="{9BE147DF-079F-47A5-899F-A843F3FF5767}" type="presOf" srcId="{6D25C8EF-83C7-4A95-A977-B26A30C3D7D8}" destId="{1CDE8902-EAE1-4633-9A12-AA6C6036B1E6}" srcOrd="0" destOrd="0" presId="urn:microsoft.com/office/officeart/2005/8/layout/chevron1"/>
-    <dgm:cxn modelId="{BBBBCCF3-1CC6-4EBC-94F6-5D09711760D4}" type="presOf" srcId="{B311DFB7-B845-434F-8D77-3FC0BD08DC7F}" destId="{FBB2542C-499A-4E5D-B179-5389E562ACE6}" srcOrd="0" destOrd="0" presId="urn:microsoft.com/office/officeart/2005/8/layout/chevron1"/>
-    <dgm:cxn modelId="{A50474F7-E3C6-4F02-A8B4-0EB2BFA2C137}" srcId="{7FB0DD14-595B-4E19-ADBE-0F7EE5B082D8}" destId="{B42D296B-1B1D-4696-ADBE-D1380A94AD2E}" srcOrd="3" destOrd="0" parTransId="{DA5B4B1B-3D9B-4E56-8245-77ED5977C157}" sibTransId="{651207D0-38E5-4EA1-811F-155DCD122464}"/>
-    <dgm:cxn modelId="{391EE9FF-C7D8-4664-A77A-A709525460A5}" srcId="{7FB0DD14-595B-4E19-ADBE-0F7EE5B082D8}" destId="{B311DFB7-B845-434F-8D77-3FC0BD08DC7F}" srcOrd="5" destOrd="0" parTransId="{57172167-7A38-4CEB-A51A-23777FF04B48}" sibTransId="{B7851186-24D5-4582-B604-90DF058E1F47}"/>
     <dgm:cxn modelId="{FFAE349B-AB7F-450B-B932-7F0AF1811BDC}" type="presParOf" srcId="{E705A0BF-53A3-4705-8EC7-8B330F477F3D}" destId="{9307C24A-D4AF-469A-A922-D9146693B069}" srcOrd="0" destOrd="0" presId="urn:microsoft.com/office/officeart/2005/8/layout/chevron1"/>
     <dgm:cxn modelId="{92C28823-100C-4638-B43A-1C2E6387594E}" type="presParOf" srcId="{E705A0BF-53A3-4705-8EC7-8B330F477F3D}" destId="{9F54C268-E0A4-4DD1-BCB9-9D65A021BA3B}" srcOrd="1" destOrd="0" presId="urn:microsoft.com/office/officeart/2005/8/layout/chevron1"/>
     <dgm:cxn modelId="{E63CAD89-E198-44D1-8653-FC22B014E139}" type="presParOf" srcId="{E705A0BF-53A3-4705-8EC7-8B330F477F3D}" destId="{1CDE8902-EAE1-4633-9A12-AA6C6036B1E6}" srcOrd="2" destOrd="0" presId="urn:microsoft.com/office/officeart/2005/8/layout/chevron1"/>
@@ -12691,6 +13083,13 @@
         </dgm:presLayoutVars>
       </dgm:prSet>
       <dgm:spPr/>
+      <dgm:t>
+        <a:bodyPr/>
+        <a:lstStyle/>
+        <a:p>
+          <a:endParaRPr lang="fr-FR"/>
+        </a:p>
+      </dgm:t>
     </dgm:pt>
     <dgm:pt modelId="{86E68E52-E62C-4BEF-A654-25532305235A}" type="pres">
       <dgm:prSet presAssocID="{7081FC02-B8A7-4C02-BF06-76DC5A98E3BD}" presName="parTxOnlySpace" presStyleCnt="0"/>
@@ -12705,6 +13104,13 @@
         </dgm:presLayoutVars>
       </dgm:prSet>
       <dgm:spPr/>
+      <dgm:t>
+        <a:bodyPr/>
+        <a:lstStyle/>
+        <a:p>
+          <a:endParaRPr lang="fr-FR"/>
+        </a:p>
+      </dgm:t>
     </dgm:pt>
     <dgm:pt modelId="{F483769F-1EE1-4C51-BB75-304463DC308B}" type="pres">
       <dgm:prSet presAssocID="{7CF65164-B9E3-49A8-AB4C-D95E889F3F46}" presName="parTxOnlySpace" presStyleCnt="0"/>
@@ -12719,6 +13125,13 @@
         </dgm:presLayoutVars>
       </dgm:prSet>
       <dgm:spPr/>
+      <dgm:t>
+        <a:bodyPr/>
+        <a:lstStyle/>
+        <a:p>
+          <a:endParaRPr lang="fr-FR"/>
+        </a:p>
+      </dgm:t>
     </dgm:pt>
     <dgm:pt modelId="{97FA42B3-8445-4A99-B73D-A43DAE4A71E8}" type="pres">
       <dgm:prSet presAssocID="{377BDBFC-514A-41E2-8138-AE8B3D410EEB}" presName="parTxOnlySpace" presStyleCnt="0"/>
@@ -12733,6 +13146,13 @@
         </dgm:presLayoutVars>
       </dgm:prSet>
       <dgm:spPr/>
+      <dgm:t>
+        <a:bodyPr/>
+        <a:lstStyle/>
+        <a:p>
+          <a:endParaRPr lang="fr-FR"/>
+        </a:p>
+      </dgm:t>
     </dgm:pt>
     <dgm:pt modelId="{80CA387A-8BA5-4B85-8322-BE8F917A3EEA}" type="pres">
       <dgm:prSet presAssocID="{651207D0-38E5-4EA1-811F-155DCD122464}" presName="parTxOnlySpace" presStyleCnt="0"/>
@@ -12747,6 +13167,13 @@
         </dgm:presLayoutVars>
       </dgm:prSet>
       <dgm:spPr/>
+      <dgm:t>
+        <a:bodyPr/>
+        <a:lstStyle/>
+        <a:p>
+          <a:endParaRPr lang="fr-FR"/>
+        </a:p>
+      </dgm:t>
     </dgm:pt>
     <dgm:pt modelId="{DE556C8E-BA87-4D54-AF88-E51C420D3F7F}" type="pres">
       <dgm:prSet presAssocID="{FA372B7B-0BC5-413E-AE87-E564CFA65B66}" presName="parTxOnlySpace" presStyleCnt="0"/>
@@ -12761,6 +13188,13 @@
         </dgm:presLayoutVars>
       </dgm:prSet>
       <dgm:spPr/>
+      <dgm:t>
+        <a:bodyPr/>
+        <a:lstStyle/>
+        <a:p>
+          <a:endParaRPr lang="fr-FR"/>
+        </a:p>
+      </dgm:t>
     </dgm:pt>
     <dgm:pt modelId="{F69AC311-4504-466A-A620-D7FF45317525}" type="pres">
       <dgm:prSet presAssocID="{B7851186-24D5-4582-B604-90DF058E1F47}" presName="parTxOnlySpace" presStyleCnt="0"/>
@@ -12775,24 +13209,31 @@
         </dgm:presLayoutVars>
       </dgm:prSet>
       <dgm:spPr/>
+      <dgm:t>
+        <a:bodyPr/>
+        <a:lstStyle/>
+        <a:p>
+          <a:endParaRPr lang="fr-FR"/>
+        </a:p>
+      </dgm:t>
     </dgm:pt>
   </dgm:ptLst>
   <dgm:cxnLst>
+    <dgm:cxn modelId="{B7760A6D-F5BF-409A-BA04-DD10284BE9F5}" type="presOf" srcId="{2E2E5685-286A-446A-9CB8-C5351CBFFDA4}" destId="{5D8BFDF3-3B63-4F64-B49C-53CD0F2E5DD1}" srcOrd="0" destOrd="0" presId="urn:microsoft.com/office/officeart/2005/8/layout/chevron1"/>
+    <dgm:cxn modelId="{A50474F7-E3C6-4F02-A8B4-0EB2BFA2C137}" srcId="{7FB0DD14-595B-4E19-ADBE-0F7EE5B082D8}" destId="{B42D296B-1B1D-4696-ADBE-D1380A94AD2E}" srcOrd="3" destOrd="0" parTransId="{DA5B4B1B-3D9B-4E56-8245-77ED5977C157}" sibTransId="{651207D0-38E5-4EA1-811F-155DCD122464}"/>
+    <dgm:cxn modelId="{99548FE6-E8E9-435E-B9C1-B92EC9E38052}" type="presOf" srcId="{DD0D8DD9-4191-4FC1-A26D-449BF9D9A786}" destId="{6C143154-07D3-4E59-82E8-19A05DCBA13F}" srcOrd="0" destOrd="0" presId="urn:microsoft.com/office/officeart/2005/8/layout/chevron1"/>
+    <dgm:cxn modelId="{6A55BDA0-C5BE-4145-80B9-BBB836DC4CA2}" type="presOf" srcId="{7FB0DD14-595B-4E19-ADBE-0F7EE5B082D8}" destId="{E705A0BF-53A3-4705-8EC7-8B330F477F3D}" srcOrd="0" destOrd="0" presId="urn:microsoft.com/office/officeart/2005/8/layout/chevron1"/>
+    <dgm:cxn modelId="{35A9685B-226C-411A-BF7E-B3AD6EDE749C}" srcId="{7FB0DD14-595B-4E19-ADBE-0F7EE5B082D8}" destId="{D8FE1F33-9D60-4B12-AF5C-6F5E6641DAAA}" srcOrd="2" destOrd="0" parTransId="{F2B1FB01-F637-4642-8C09-981A0D47BB09}" sibTransId="{377BDBFC-514A-41E2-8138-AE8B3D410EEB}"/>
+    <dgm:cxn modelId="{995C61C5-BD3C-4ED9-88CD-84B71528B73E}" type="presOf" srcId="{B311DFB7-B845-434F-8D77-3FC0BD08DC7F}" destId="{FBB2542C-499A-4E5D-B179-5389E562ACE6}" srcOrd="0" destOrd="0" presId="urn:microsoft.com/office/officeart/2005/8/layout/chevron1"/>
     <dgm:cxn modelId="{C68A5A12-F9E4-4FC0-8ADB-99ADCE9F8ED1}" type="presOf" srcId="{D8FE1F33-9D60-4B12-AF5C-6F5E6641DAAA}" destId="{E5F67A2B-BC5E-45CA-A54C-64F38F7542AA}" srcOrd="0" destOrd="0" presId="urn:microsoft.com/office/officeart/2005/8/layout/chevron1"/>
+    <dgm:cxn modelId="{391EE9FF-C7D8-4664-A77A-A709525460A5}" srcId="{7FB0DD14-595B-4E19-ADBE-0F7EE5B082D8}" destId="{B311DFB7-B845-434F-8D77-3FC0BD08DC7F}" srcOrd="5" destOrd="0" parTransId="{57172167-7A38-4CEB-A51A-23777FF04B48}" sibTransId="{B7851186-24D5-4582-B604-90DF058E1F47}"/>
+    <dgm:cxn modelId="{8D82F6D5-77F0-471B-B50A-7C9018E94D84}" srcId="{7FB0DD14-595B-4E19-ADBE-0F7EE5B082D8}" destId="{2E2E5685-286A-446A-9CB8-C5351CBFFDA4}" srcOrd="0" destOrd="0" parTransId="{B8945156-12DA-45B6-B487-91E837A9C32B}" sibTransId="{7081FC02-B8A7-4C02-BF06-76DC5A98E3BD}"/>
+    <dgm:cxn modelId="{1A5373AF-BC1F-4229-864E-3378804C84B9}" type="presOf" srcId="{6D25C8EF-83C7-4A95-A977-B26A30C3D7D8}" destId="{1CDE8902-EAE1-4633-9A12-AA6C6036B1E6}" srcOrd="0" destOrd="0" presId="urn:microsoft.com/office/officeart/2005/8/layout/chevron1"/>
     <dgm:cxn modelId="{637D8F38-767D-46BA-BFFD-B102296D3153}" type="presOf" srcId="{0D50FE57-3871-47C9-91F2-FC9AEC2898B6}" destId="{7683EB31-29B2-4622-87F7-53F752C057FF}" srcOrd="0" destOrd="0" presId="urn:microsoft.com/office/officeart/2005/8/layout/chevron1"/>
     <dgm:cxn modelId="{4369BD3D-6EF5-477A-9E34-F567F46088EA}" srcId="{7FB0DD14-595B-4E19-ADBE-0F7EE5B082D8}" destId="{0D50FE57-3871-47C9-91F2-FC9AEC2898B6}" srcOrd="4" destOrd="0" parTransId="{5D936467-EE85-44DD-BCF0-56C41D0DB073}" sibTransId="{FA372B7B-0BC5-413E-AE87-E564CFA65B66}"/>
-    <dgm:cxn modelId="{35A9685B-226C-411A-BF7E-B3AD6EDE749C}" srcId="{7FB0DD14-595B-4E19-ADBE-0F7EE5B082D8}" destId="{D8FE1F33-9D60-4B12-AF5C-6F5E6641DAAA}" srcOrd="2" destOrd="0" parTransId="{F2B1FB01-F637-4642-8C09-981A0D47BB09}" sibTransId="{377BDBFC-514A-41E2-8138-AE8B3D410EEB}"/>
+    <dgm:cxn modelId="{5D1893A6-26EF-4DA3-9B99-3FEDF647C7BE}" srcId="{7FB0DD14-595B-4E19-ADBE-0F7EE5B082D8}" destId="{6D25C8EF-83C7-4A95-A977-B26A30C3D7D8}" srcOrd="1" destOrd="0" parTransId="{94EA6F62-F59C-4A25-ABA6-69069EBB765F}" sibTransId="{7CF65164-B9E3-49A8-AB4C-D95E889F3F46}"/>
+    <dgm:cxn modelId="{96D416B3-BF00-4F68-B358-73A914A67FCD}" type="presOf" srcId="{B42D296B-1B1D-4696-ADBE-D1380A94AD2E}" destId="{11D68FBA-00DF-4890-A532-D4283C1129ED}" srcOrd="0" destOrd="0" presId="urn:microsoft.com/office/officeart/2005/8/layout/chevron1"/>
     <dgm:cxn modelId="{0271FF49-CDAE-4EEA-B19C-7E5BB413FBC0}" srcId="{7FB0DD14-595B-4E19-ADBE-0F7EE5B082D8}" destId="{DD0D8DD9-4191-4FC1-A26D-449BF9D9A786}" srcOrd="6" destOrd="0" parTransId="{F17C0891-744B-4545-AA8F-F02750446AA8}" sibTransId="{C0EB1B55-6E14-4503-9521-5CAE0B853396}"/>
-    <dgm:cxn modelId="{B7760A6D-F5BF-409A-BA04-DD10284BE9F5}" type="presOf" srcId="{2E2E5685-286A-446A-9CB8-C5351CBFFDA4}" destId="{5D8BFDF3-3B63-4F64-B49C-53CD0F2E5DD1}" srcOrd="0" destOrd="0" presId="urn:microsoft.com/office/officeart/2005/8/layout/chevron1"/>
-    <dgm:cxn modelId="{6A55BDA0-C5BE-4145-80B9-BBB836DC4CA2}" type="presOf" srcId="{7FB0DD14-595B-4E19-ADBE-0F7EE5B082D8}" destId="{E705A0BF-53A3-4705-8EC7-8B330F477F3D}" srcOrd="0" destOrd="0" presId="urn:microsoft.com/office/officeart/2005/8/layout/chevron1"/>
-    <dgm:cxn modelId="{5D1893A6-26EF-4DA3-9B99-3FEDF647C7BE}" srcId="{7FB0DD14-595B-4E19-ADBE-0F7EE5B082D8}" destId="{6D25C8EF-83C7-4A95-A977-B26A30C3D7D8}" srcOrd="1" destOrd="0" parTransId="{94EA6F62-F59C-4A25-ABA6-69069EBB765F}" sibTransId="{7CF65164-B9E3-49A8-AB4C-D95E889F3F46}"/>
-    <dgm:cxn modelId="{1A5373AF-BC1F-4229-864E-3378804C84B9}" type="presOf" srcId="{6D25C8EF-83C7-4A95-A977-B26A30C3D7D8}" destId="{1CDE8902-EAE1-4633-9A12-AA6C6036B1E6}" srcOrd="0" destOrd="0" presId="urn:microsoft.com/office/officeart/2005/8/layout/chevron1"/>
-    <dgm:cxn modelId="{96D416B3-BF00-4F68-B358-73A914A67FCD}" type="presOf" srcId="{B42D296B-1B1D-4696-ADBE-D1380A94AD2E}" destId="{11D68FBA-00DF-4890-A532-D4283C1129ED}" srcOrd="0" destOrd="0" presId="urn:microsoft.com/office/officeart/2005/8/layout/chevron1"/>
-    <dgm:cxn modelId="{995C61C5-BD3C-4ED9-88CD-84B71528B73E}" type="presOf" srcId="{B311DFB7-B845-434F-8D77-3FC0BD08DC7F}" destId="{FBB2542C-499A-4E5D-B179-5389E562ACE6}" srcOrd="0" destOrd="0" presId="urn:microsoft.com/office/officeart/2005/8/layout/chevron1"/>
-    <dgm:cxn modelId="{8D82F6D5-77F0-471B-B50A-7C9018E94D84}" srcId="{7FB0DD14-595B-4E19-ADBE-0F7EE5B082D8}" destId="{2E2E5685-286A-446A-9CB8-C5351CBFFDA4}" srcOrd="0" destOrd="0" parTransId="{B8945156-12DA-45B6-B487-91E837A9C32B}" sibTransId="{7081FC02-B8A7-4C02-BF06-76DC5A98E3BD}"/>
-    <dgm:cxn modelId="{99548FE6-E8E9-435E-B9C1-B92EC9E38052}" type="presOf" srcId="{DD0D8DD9-4191-4FC1-A26D-449BF9D9A786}" destId="{6C143154-07D3-4E59-82E8-19A05DCBA13F}" srcOrd="0" destOrd="0" presId="urn:microsoft.com/office/officeart/2005/8/layout/chevron1"/>
-    <dgm:cxn modelId="{A50474F7-E3C6-4F02-A8B4-0EB2BFA2C137}" srcId="{7FB0DD14-595B-4E19-ADBE-0F7EE5B082D8}" destId="{B42D296B-1B1D-4696-ADBE-D1380A94AD2E}" srcOrd="3" destOrd="0" parTransId="{DA5B4B1B-3D9B-4E56-8245-77ED5977C157}" sibTransId="{651207D0-38E5-4EA1-811F-155DCD122464}"/>
-    <dgm:cxn modelId="{391EE9FF-C7D8-4664-A77A-A709525460A5}" srcId="{7FB0DD14-595B-4E19-ADBE-0F7EE5B082D8}" destId="{B311DFB7-B845-434F-8D77-3FC0BD08DC7F}" srcOrd="5" destOrd="0" parTransId="{57172167-7A38-4CEB-A51A-23777FF04B48}" sibTransId="{B7851186-24D5-4582-B604-90DF058E1F47}"/>
     <dgm:cxn modelId="{F243752B-32B8-428E-8778-C9585D167819}" type="presParOf" srcId="{E705A0BF-53A3-4705-8EC7-8B330F477F3D}" destId="{5D8BFDF3-3B63-4F64-B49C-53CD0F2E5DD1}" srcOrd="0" destOrd="0" presId="urn:microsoft.com/office/officeart/2005/8/layout/chevron1"/>
     <dgm:cxn modelId="{756BFD1A-B76F-4B94-B5AE-59653EA8CAC9}" type="presParOf" srcId="{E705A0BF-53A3-4705-8EC7-8B330F477F3D}" destId="{86E68E52-E62C-4BEF-A654-25532305235A}" srcOrd="1" destOrd="0" presId="urn:microsoft.com/office/officeart/2005/8/layout/chevron1"/>
     <dgm:cxn modelId="{7E6E85B8-B431-4AC5-81B1-C69F3724A4F3}" type="presParOf" srcId="{E705A0BF-53A3-4705-8EC7-8B330F477F3D}" destId="{1CDE8902-EAE1-4633-9A12-AA6C6036B1E6}" srcOrd="2" destOrd="0" presId="urn:microsoft.com/office/officeart/2005/8/layout/chevron1"/>
@@ -13271,6 +13712,13 @@
         </dgm:presLayoutVars>
       </dgm:prSet>
       <dgm:spPr/>
+      <dgm:t>
+        <a:bodyPr/>
+        <a:lstStyle/>
+        <a:p>
+          <a:endParaRPr lang="fr-FR"/>
+        </a:p>
+      </dgm:t>
     </dgm:pt>
     <dgm:pt modelId="{EF915148-0EEB-4936-BFAF-F54941B18F6E}" type="pres">
       <dgm:prSet presAssocID="{2821906E-00CD-4EB5-AAE0-EA5474EE8AE2}" presName="parTxOnlySpace" presStyleCnt="0"/>
@@ -13285,6 +13733,13 @@
         </dgm:presLayoutVars>
       </dgm:prSet>
       <dgm:spPr/>
+      <dgm:t>
+        <a:bodyPr/>
+        <a:lstStyle/>
+        <a:p>
+          <a:endParaRPr lang="fr-FR"/>
+        </a:p>
+      </dgm:t>
     </dgm:pt>
     <dgm:pt modelId="{F483769F-1EE1-4C51-BB75-304463DC308B}" type="pres">
       <dgm:prSet presAssocID="{7CF65164-B9E3-49A8-AB4C-D95E889F3F46}" presName="parTxOnlySpace" presStyleCnt="0"/>
@@ -13299,6 +13754,13 @@
         </dgm:presLayoutVars>
       </dgm:prSet>
       <dgm:spPr/>
+      <dgm:t>
+        <a:bodyPr/>
+        <a:lstStyle/>
+        <a:p>
+          <a:endParaRPr lang="fr-FR"/>
+        </a:p>
+      </dgm:t>
     </dgm:pt>
     <dgm:pt modelId="{97FA42B3-8445-4A99-B73D-A43DAE4A71E8}" type="pres">
       <dgm:prSet presAssocID="{377BDBFC-514A-41E2-8138-AE8B3D410EEB}" presName="parTxOnlySpace" presStyleCnt="0"/>
@@ -13313,6 +13775,13 @@
         </dgm:presLayoutVars>
       </dgm:prSet>
       <dgm:spPr/>
+      <dgm:t>
+        <a:bodyPr/>
+        <a:lstStyle/>
+        <a:p>
+          <a:endParaRPr lang="fr-FR"/>
+        </a:p>
+      </dgm:t>
     </dgm:pt>
     <dgm:pt modelId="{80CA387A-8BA5-4B85-8322-BE8F917A3EEA}" type="pres">
       <dgm:prSet presAssocID="{651207D0-38E5-4EA1-811F-155DCD122464}" presName="parTxOnlySpace" presStyleCnt="0"/>
@@ -13327,6 +13796,13 @@
         </dgm:presLayoutVars>
       </dgm:prSet>
       <dgm:spPr/>
+      <dgm:t>
+        <a:bodyPr/>
+        <a:lstStyle/>
+        <a:p>
+          <a:endParaRPr lang="fr-FR"/>
+        </a:p>
+      </dgm:t>
     </dgm:pt>
     <dgm:pt modelId="{DE556C8E-BA87-4D54-AF88-E51C420D3F7F}" type="pres">
       <dgm:prSet presAssocID="{FA372B7B-0BC5-413E-AE87-E564CFA65B66}" presName="parTxOnlySpace" presStyleCnt="0"/>
@@ -13341,6 +13817,13 @@
         </dgm:presLayoutVars>
       </dgm:prSet>
       <dgm:spPr/>
+      <dgm:t>
+        <a:bodyPr/>
+        <a:lstStyle/>
+        <a:p>
+          <a:endParaRPr lang="fr-FR"/>
+        </a:p>
+      </dgm:t>
     </dgm:pt>
     <dgm:pt modelId="{F69AC311-4504-466A-A620-D7FF45317525}" type="pres">
       <dgm:prSet presAssocID="{B7851186-24D5-4582-B604-90DF058E1F47}" presName="parTxOnlySpace" presStyleCnt="0"/>
@@ -13355,24 +13838,31 @@
         </dgm:presLayoutVars>
       </dgm:prSet>
       <dgm:spPr/>
+      <dgm:t>
+        <a:bodyPr/>
+        <a:lstStyle/>
+        <a:p>
+          <a:endParaRPr lang="fr-FR"/>
+        </a:p>
+      </dgm:t>
     </dgm:pt>
   </dgm:ptLst>
   <dgm:cxnLst>
+    <dgm:cxn modelId="{9BE56EC4-2C6B-43E0-A844-268F402395C5}" type="presOf" srcId="{0D50FE57-3871-47C9-91F2-FC9AEC2898B6}" destId="{7683EB31-29B2-4622-87F7-53F752C057FF}" srcOrd="0" destOrd="0" presId="urn:microsoft.com/office/officeart/2005/8/layout/chevron1"/>
+    <dgm:cxn modelId="{209B3A71-BDCB-4343-AEF6-AAC2DF9B52E5}" type="presOf" srcId="{D8FE1F33-9D60-4B12-AF5C-6F5E6641DAAA}" destId="{E5F67A2B-BC5E-45CA-A54C-64F38F7542AA}" srcOrd="0" destOrd="0" presId="urn:microsoft.com/office/officeart/2005/8/layout/chevron1"/>
     <dgm:cxn modelId="{F04B4931-589A-4C2D-8FF2-0C35370E2743}" srcId="{7FB0DD14-595B-4E19-ADBE-0F7EE5B082D8}" destId="{A6BBD95E-D280-485B-8EFD-D50D96E2BDE2}" srcOrd="0" destOrd="0" parTransId="{091F15A6-839F-4A7E-9A6B-5F31F540872E}" sibTransId="{2821906E-00CD-4EB5-AAE0-EA5474EE8AE2}"/>
+    <dgm:cxn modelId="{391EE9FF-C7D8-4664-A77A-A709525460A5}" srcId="{7FB0DD14-595B-4E19-ADBE-0F7EE5B082D8}" destId="{B311DFB7-B845-434F-8D77-3FC0BD08DC7F}" srcOrd="5" destOrd="0" parTransId="{57172167-7A38-4CEB-A51A-23777FF04B48}" sibTransId="{B7851186-24D5-4582-B604-90DF058E1F47}"/>
     <dgm:cxn modelId="{57140B3A-64C2-4001-BFCA-3FBCAF0E3F22}" type="presOf" srcId="{DD0D8DD9-4191-4FC1-A26D-449BF9D9A786}" destId="{6C143154-07D3-4E59-82E8-19A05DCBA13F}" srcOrd="0" destOrd="0" presId="urn:microsoft.com/office/officeart/2005/8/layout/chevron1"/>
+    <dgm:cxn modelId="{0271FF49-CDAE-4EEA-B19C-7E5BB413FBC0}" srcId="{7FB0DD14-595B-4E19-ADBE-0F7EE5B082D8}" destId="{DD0D8DD9-4191-4FC1-A26D-449BF9D9A786}" srcOrd="6" destOrd="0" parTransId="{F17C0891-744B-4545-AA8F-F02750446AA8}" sibTransId="{C0EB1B55-6E14-4503-9521-5CAE0B853396}"/>
+    <dgm:cxn modelId="{39C70E52-FF80-437F-A0AB-8A2CCE5857D6}" type="presOf" srcId="{6D25C8EF-83C7-4A95-A977-B26A30C3D7D8}" destId="{1CDE8902-EAE1-4633-9A12-AA6C6036B1E6}" srcOrd="0" destOrd="0" presId="urn:microsoft.com/office/officeart/2005/8/layout/chevron1"/>
+    <dgm:cxn modelId="{35A9685B-226C-411A-BF7E-B3AD6EDE749C}" srcId="{7FB0DD14-595B-4E19-ADBE-0F7EE5B082D8}" destId="{D8FE1F33-9D60-4B12-AF5C-6F5E6641DAAA}" srcOrd="2" destOrd="0" parTransId="{F2B1FB01-F637-4642-8C09-981A0D47BB09}" sibTransId="{377BDBFC-514A-41E2-8138-AE8B3D410EEB}"/>
+    <dgm:cxn modelId="{36EA2491-0C6B-4995-982B-3D023B941D32}" type="presOf" srcId="{B42D296B-1B1D-4696-ADBE-D1380A94AD2E}" destId="{11D68FBA-00DF-4890-A532-D4283C1129ED}" srcOrd="0" destOrd="0" presId="urn:microsoft.com/office/officeart/2005/8/layout/chevron1"/>
+    <dgm:cxn modelId="{48F8BB56-9E9E-451C-873F-71F8D8CFD4AE}" type="presOf" srcId="{B311DFB7-B845-434F-8D77-3FC0BD08DC7F}" destId="{FBB2542C-499A-4E5D-B179-5389E562ACE6}" srcOrd="0" destOrd="0" presId="urn:microsoft.com/office/officeart/2005/8/layout/chevron1"/>
+    <dgm:cxn modelId="{A50474F7-E3C6-4F02-A8B4-0EB2BFA2C137}" srcId="{7FB0DD14-595B-4E19-ADBE-0F7EE5B082D8}" destId="{B42D296B-1B1D-4696-ADBE-D1380A94AD2E}" srcOrd="3" destOrd="0" parTransId="{DA5B4B1B-3D9B-4E56-8245-77ED5977C157}" sibTransId="{651207D0-38E5-4EA1-811F-155DCD122464}"/>
+    <dgm:cxn modelId="{5D1893A6-26EF-4DA3-9B99-3FEDF647C7BE}" srcId="{7FB0DD14-595B-4E19-ADBE-0F7EE5B082D8}" destId="{6D25C8EF-83C7-4A95-A977-B26A30C3D7D8}" srcOrd="1" destOrd="0" parTransId="{94EA6F62-F59C-4A25-ABA6-69069EBB765F}" sibTransId="{7CF65164-B9E3-49A8-AB4C-D95E889F3F46}"/>
+    <dgm:cxn modelId="{D18B0EE6-8A60-42F1-87BD-A8CD89F0717A}" type="presOf" srcId="{7FB0DD14-595B-4E19-ADBE-0F7EE5B082D8}" destId="{E705A0BF-53A3-4705-8EC7-8B330F477F3D}" srcOrd="0" destOrd="0" presId="urn:microsoft.com/office/officeart/2005/8/layout/chevron1"/>
+    <dgm:cxn modelId="{EDA50E60-3402-4C53-A91F-30EE44E6BBD4}" type="presOf" srcId="{A6BBD95E-D280-485B-8EFD-D50D96E2BDE2}" destId="{293B1A79-C54D-4E80-B9DC-72C189E123B3}" srcOrd="0" destOrd="0" presId="urn:microsoft.com/office/officeart/2005/8/layout/chevron1"/>
     <dgm:cxn modelId="{4369BD3D-6EF5-477A-9E34-F567F46088EA}" srcId="{7FB0DD14-595B-4E19-ADBE-0F7EE5B082D8}" destId="{0D50FE57-3871-47C9-91F2-FC9AEC2898B6}" srcOrd="4" destOrd="0" parTransId="{5D936467-EE85-44DD-BCF0-56C41D0DB073}" sibTransId="{FA372B7B-0BC5-413E-AE87-E564CFA65B66}"/>
-    <dgm:cxn modelId="{35A9685B-226C-411A-BF7E-B3AD6EDE749C}" srcId="{7FB0DD14-595B-4E19-ADBE-0F7EE5B082D8}" destId="{D8FE1F33-9D60-4B12-AF5C-6F5E6641DAAA}" srcOrd="2" destOrd="0" parTransId="{F2B1FB01-F637-4642-8C09-981A0D47BB09}" sibTransId="{377BDBFC-514A-41E2-8138-AE8B3D410EEB}"/>
-    <dgm:cxn modelId="{EDA50E60-3402-4C53-A91F-30EE44E6BBD4}" type="presOf" srcId="{A6BBD95E-D280-485B-8EFD-D50D96E2BDE2}" destId="{293B1A79-C54D-4E80-B9DC-72C189E123B3}" srcOrd="0" destOrd="0" presId="urn:microsoft.com/office/officeart/2005/8/layout/chevron1"/>
-    <dgm:cxn modelId="{0271FF49-CDAE-4EEA-B19C-7E5BB413FBC0}" srcId="{7FB0DD14-595B-4E19-ADBE-0F7EE5B082D8}" destId="{DD0D8DD9-4191-4FC1-A26D-449BF9D9A786}" srcOrd="6" destOrd="0" parTransId="{F17C0891-744B-4545-AA8F-F02750446AA8}" sibTransId="{C0EB1B55-6E14-4503-9521-5CAE0B853396}"/>
-    <dgm:cxn modelId="{209B3A71-BDCB-4343-AEF6-AAC2DF9B52E5}" type="presOf" srcId="{D8FE1F33-9D60-4B12-AF5C-6F5E6641DAAA}" destId="{E5F67A2B-BC5E-45CA-A54C-64F38F7542AA}" srcOrd="0" destOrd="0" presId="urn:microsoft.com/office/officeart/2005/8/layout/chevron1"/>
-    <dgm:cxn modelId="{39C70E52-FF80-437F-A0AB-8A2CCE5857D6}" type="presOf" srcId="{6D25C8EF-83C7-4A95-A977-B26A30C3D7D8}" destId="{1CDE8902-EAE1-4633-9A12-AA6C6036B1E6}" srcOrd="0" destOrd="0" presId="urn:microsoft.com/office/officeart/2005/8/layout/chevron1"/>
-    <dgm:cxn modelId="{48F8BB56-9E9E-451C-873F-71F8D8CFD4AE}" type="presOf" srcId="{B311DFB7-B845-434F-8D77-3FC0BD08DC7F}" destId="{FBB2542C-499A-4E5D-B179-5389E562ACE6}" srcOrd="0" destOrd="0" presId="urn:microsoft.com/office/officeart/2005/8/layout/chevron1"/>
-    <dgm:cxn modelId="{36EA2491-0C6B-4995-982B-3D023B941D32}" type="presOf" srcId="{B42D296B-1B1D-4696-ADBE-D1380A94AD2E}" destId="{11D68FBA-00DF-4890-A532-D4283C1129ED}" srcOrd="0" destOrd="0" presId="urn:microsoft.com/office/officeart/2005/8/layout/chevron1"/>
-    <dgm:cxn modelId="{5D1893A6-26EF-4DA3-9B99-3FEDF647C7BE}" srcId="{7FB0DD14-595B-4E19-ADBE-0F7EE5B082D8}" destId="{6D25C8EF-83C7-4A95-A977-B26A30C3D7D8}" srcOrd="1" destOrd="0" parTransId="{94EA6F62-F59C-4A25-ABA6-69069EBB765F}" sibTransId="{7CF65164-B9E3-49A8-AB4C-D95E889F3F46}"/>
-    <dgm:cxn modelId="{9BE56EC4-2C6B-43E0-A844-268F402395C5}" type="presOf" srcId="{0D50FE57-3871-47C9-91F2-FC9AEC2898B6}" destId="{7683EB31-29B2-4622-87F7-53F752C057FF}" srcOrd="0" destOrd="0" presId="urn:microsoft.com/office/officeart/2005/8/layout/chevron1"/>
-    <dgm:cxn modelId="{D18B0EE6-8A60-42F1-87BD-A8CD89F0717A}" type="presOf" srcId="{7FB0DD14-595B-4E19-ADBE-0F7EE5B082D8}" destId="{E705A0BF-53A3-4705-8EC7-8B330F477F3D}" srcOrd="0" destOrd="0" presId="urn:microsoft.com/office/officeart/2005/8/layout/chevron1"/>
-    <dgm:cxn modelId="{A50474F7-E3C6-4F02-A8B4-0EB2BFA2C137}" srcId="{7FB0DD14-595B-4E19-ADBE-0F7EE5B082D8}" destId="{B42D296B-1B1D-4696-ADBE-D1380A94AD2E}" srcOrd="3" destOrd="0" parTransId="{DA5B4B1B-3D9B-4E56-8245-77ED5977C157}" sibTransId="{651207D0-38E5-4EA1-811F-155DCD122464}"/>
-    <dgm:cxn modelId="{391EE9FF-C7D8-4664-A77A-A709525460A5}" srcId="{7FB0DD14-595B-4E19-ADBE-0F7EE5B082D8}" destId="{B311DFB7-B845-434F-8D77-3FC0BD08DC7F}" srcOrd="5" destOrd="0" parTransId="{57172167-7A38-4CEB-A51A-23777FF04B48}" sibTransId="{B7851186-24D5-4582-B604-90DF058E1F47}"/>
     <dgm:cxn modelId="{D4250CF4-8966-40AF-8ECC-E1722A01DAD4}" type="presParOf" srcId="{E705A0BF-53A3-4705-8EC7-8B330F477F3D}" destId="{293B1A79-C54D-4E80-B9DC-72C189E123B3}" srcOrd="0" destOrd="0" presId="urn:microsoft.com/office/officeart/2005/8/layout/chevron1"/>
     <dgm:cxn modelId="{0295F31A-8718-4683-BC6C-6562A9C549DD}" type="presParOf" srcId="{E705A0BF-53A3-4705-8EC7-8B330F477F3D}" destId="{EF915148-0EEB-4936-BFAF-F54941B18F6E}" srcOrd="1" destOrd="0" presId="urn:microsoft.com/office/officeart/2005/8/layout/chevron1"/>
     <dgm:cxn modelId="{FC3D9407-F8F4-4B4B-B522-B548DA4073CF}" type="presParOf" srcId="{E705A0BF-53A3-4705-8EC7-8B330F477F3D}" destId="{1CDE8902-EAE1-4633-9A12-AA6C6036B1E6}" srcOrd="2" destOrd="0" presId="urn:microsoft.com/office/officeart/2005/8/layout/chevron1"/>
@@ -13479,7 +13969,7 @@
         </a:bodyPr>
         <a:lstStyle/>
         <a:p>
-          <a:pPr marL="0" lvl="0" indent="0" algn="ctr" defTabSz="444500">
+          <a:pPr lvl="0" algn="ctr" defTabSz="444500">
             <a:lnSpc>
               <a:spcPct val="90000"/>
             </a:lnSpc>
@@ -13489,7 +13979,6 @@
             <a:spcAft>
               <a:spcPct val="35000"/>
             </a:spcAft>
-            <a:buNone/>
           </a:pPr>
           <a:r>
             <a:rPr lang="fr-FR" sz="1000" kern="1200" dirty="0"/>
@@ -13561,7 +14050,7 @@
         </a:bodyPr>
         <a:lstStyle/>
         <a:p>
-          <a:pPr marL="0" lvl="0" indent="0" algn="ctr" defTabSz="444500">
+          <a:pPr lvl="0" algn="ctr" defTabSz="444500">
             <a:lnSpc>
               <a:spcPct val="90000"/>
             </a:lnSpc>
@@ -13571,7 +14060,6 @@
             <a:spcAft>
               <a:spcPct val="35000"/>
             </a:spcAft>
-            <a:buNone/>
           </a:pPr>
           <a:r>
             <a:rPr lang="fr-FR" sz="1000" kern="1200" dirty="0"/>
@@ -13643,7 +14131,7 @@
         </a:bodyPr>
         <a:lstStyle/>
         <a:p>
-          <a:pPr marL="0" lvl="0" indent="0" algn="ctr" defTabSz="444500">
+          <a:pPr lvl="0" algn="ctr" defTabSz="444500">
             <a:lnSpc>
               <a:spcPct val="90000"/>
             </a:lnSpc>
@@ -13653,7 +14141,6 @@
             <a:spcAft>
               <a:spcPct val="35000"/>
             </a:spcAft>
-            <a:buNone/>
           </a:pPr>
           <a:r>
             <a:rPr lang="fr-FR" sz="1000" kern="1200" dirty="0"/>
@@ -13723,7 +14210,7 @@
         </a:bodyPr>
         <a:lstStyle/>
         <a:p>
-          <a:pPr marL="0" lvl="0" indent="0" algn="ctr" defTabSz="444500">
+          <a:pPr lvl="0" algn="ctr" defTabSz="444500">
             <a:lnSpc>
               <a:spcPct val="90000"/>
             </a:lnSpc>
@@ -13733,7 +14220,6 @@
             <a:spcAft>
               <a:spcPct val="35000"/>
             </a:spcAft>
-            <a:buNone/>
           </a:pPr>
           <a:r>
             <a:rPr lang="fr-FR" sz="1000" kern="1200" dirty="0"/>
@@ -13805,7 +14291,7 @@
         </a:bodyPr>
         <a:lstStyle/>
         <a:p>
-          <a:pPr marL="0" lvl="0" indent="0" algn="ctr" defTabSz="444500">
+          <a:pPr lvl="0" algn="ctr" defTabSz="444500">
             <a:lnSpc>
               <a:spcPct val="90000"/>
             </a:lnSpc>
@@ -13815,7 +14301,6 @@
             <a:spcAft>
               <a:spcPct val="35000"/>
             </a:spcAft>
-            <a:buNone/>
           </a:pPr>
           <a:r>
             <a:rPr lang="fr-FR" sz="1000" kern="1200" dirty="0"/>
@@ -13903,7 +14388,7 @@
         </a:bodyPr>
         <a:lstStyle/>
         <a:p>
-          <a:pPr marL="0" lvl="0" indent="0" algn="ctr" defTabSz="444500">
+          <a:pPr lvl="0" algn="ctr" defTabSz="444500">
             <a:lnSpc>
               <a:spcPct val="90000"/>
             </a:lnSpc>
@@ -13913,7 +14398,6 @@
             <a:spcAft>
               <a:spcPct val="35000"/>
             </a:spcAft>
-            <a:buNone/>
           </a:pPr>
           <a:r>
             <a:rPr lang="fr-FR" sz="1000" kern="1200" dirty="0"/>
@@ -13990,7 +14474,7 @@
         </a:bodyPr>
         <a:lstStyle/>
         <a:p>
-          <a:pPr marL="0" lvl="0" indent="0" algn="ctr" defTabSz="444500">
+          <a:pPr lvl="0" algn="ctr" defTabSz="444500">
             <a:lnSpc>
               <a:spcPct val="90000"/>
             </a:lnSpc>
@@ -14000,7 +14484,6 @@
             <a:spcAft>
               <a:spcPct val="35000"/>
             </a:spcAft>
-            <a:buNone/>
           </a:pPr>
           <a:r>
             <a:rPr lang="fr-FR" sz="1000" kern="1200" dirty="0"/>
@@ -14084,7 +14567,7 @@
         </a:bodyPr>
         <a:lstStyle/>
         <a:p>
-          <a:pPr marL="0" lvl="0" indent="0" algn="ctr" defTabSz="444500">
+          <a:pPr lvl="0" algn="ctr" defTabSz="444500">
             <a:lnSpc>
               <a:spcPct val="90000"/>
             </a:lnSpc>
@@ -14094,7 +14577,6 @@
             <a:spcAft>
               <a:spcPct val="35000"/>
             </a:spcAft>
-            <a:buNone/>
           </a:pPr>
           <a:r>
             <a:rPr lang="fr-FR" sz="1000" kern="1200" dirty="0"/>
@@ -14166,7 +14648,7 @@
         </a:bodyPr>
         <a:lstStyle/>
         <a:p>
-          <a:pPr marL="0" lvl="0" indent="0" algn="ctr" defTabSz="444500">
+          <a:pPr lvl="0" algn="ctr" defTabSz="444500">
             <a:lnSpc>
               <a:spcPct val="90000"/>
             </a:lnSpc>
@@ -14176,7 +14658,6 @@
             <a:spcAft>
               <a:spcPct val="35000"/>
             </a:spcAft>
-            <a:buNone/>
           </a:pPr>
           <a:r>
             <a:rPr lang="fr-FR" sz="1000" kern="1200" dirty="0"/>
@@ -14248,7 +14729,7 @@
         </a:bodyPr>
         <a:lstStyle/>
         <a:p>
-          <a:pPr marL="0" lvl="0" indent="0" algn="ctr" defTabSz="444500">
+          <a:pPr lvl="0" algn="ctr" defTabSz="444500">
             <a:lnSpc>
               <a:spcPct val="90000"/>
             </a:lnSpc>
@@ -14258,7 +14739,6 @@
             <a:spcAft>
               <a:spcPct val="35000"/>
             </a:spcAft>
-            <a:buNone/>
           </a:pPr>
           <a:r>
             <a:rPr lang="fr-FR" sz="1000" kern="1200" dirty="0"/>
@@ -14330,7 +14810,7 @@
         </a:bodyPr>
         <a:lstStyle/>
         <a:p>
-          <a:pPr marL="0" lvl="0" indent="0" algn="ctr" defTabSz="444500">
+          <a:pPr lvl="0" algn="ctr" defTabSz="444500">
             <a:lnSpc>
               <a:spcPct val="90000"/>
             </a:lnSpc>
@@ -14340,7 +14820,6 @@
             <a:spcAft>
               <a:spcPct val="35000"/>
             </a:spcAft>
-            <a:buNone/>
           </a:pPr>
           <a:r>
             <a:rPr lang="fr-FR" sz="1000" kern="1200" dirty="0"/>
@@ -14412,7 +14891,7 @@
         </a:bodyPr>
         <a:lstStyle/>
         <a:p>
-          <a:pPr marL="0" lvl="0" indent="0" algn="ctr" defTabSz="444500">
+          <a:pPr lvl="0" algn="ctr" defTabSz="444500">
             <a:lnSpc>
               <a:spcPct val="90000"/>
             </a:lnSpc>
@@ -14422,7 +14901,6 @@
             <a:spcAft>
               <a:spcPct val="35000"/>
             </a:spcAft>
-            <a:buNone/>
           </a:pPr>
           <a:r>
             <a:rPr lang="fr-FR" sz="1000" kern="1200" dirty="0"/>
@@ -14510,7 +14988,7 @@
         </a:bodyPr>
         <a:lstStyle/>
         <a:p>
-          <a:pPr marL="0" lvl="0" indent="0" algn="ctr" defTabSz="444500">
+          <a:pPr lvl="0" algn="ctr" defTabSz="444500">
             <a:lnSpc>
               <a:spcPct val="90000"/>
             </a:lnSpc>
@@ -14520,7 +14998,6 @@
             <a:spcAft>
               <a:spcPct val="35000"/>
             </a:spcAft>
-            <a:buNone/>
           </a:pPr>
           <a:r>
             <a:rPr lang="fr-FR" sz="1000" kern="1200" dirty="0"/>
@@ -14612,7 +15089,7 @@
         </a:bodyPr>
         <a:lstStyle/>
         <a:p>
-          <a:pPr marL="0" lvl="0" indent="0" algn="ctr" defTabSz="444500">
+          <a:pPr lvl="0" algn="ctr" defTabSz="444500">
             <a:lnSpc>
               <a:spcPct val="90000"/>
             </a:lnSpc>
@@ -14622,7 +15099,6 @@
             <a:spcAft>
               <a:spcPct val="35000"/>
             </a:spcAft>
-            <a:buNone/>
           </a:pPr>
           <a:r>
             <a:rPr lang="fr-FR" sz="1000" kern="1200" dirty="0"/>
@@ -14721,7 +15197,7 @@
         </a:bodyPr>
         <a:lstStyle/>
         <a:p>
-          <a:pPr marL="0" lvl="0" indent="0" algn="ctr" defTabSz="444500">
+          <a:pPr lvl="0" algn="ctr" defTabSz="444500">
             <a:lnSpc>
               <a:spcPct val="90000"/>
             </a:lnSpc>
@@ -14731,7 +15207,6 @@
             <a:spcAft>
               <a:spcPct val="35000"/>
             </a:spcAft>
-            <a:buNone/>
           </a:pPr>
           <a:r>
             <a:rPr lang="fr-FR" sz="1000" kern="1200" dirty="0"/>
@@ -14803,7 +15278,7 @@
         </a:bodyPr>
         <a:lstStyle/>
         <a:p>
-          <a:pPr marL="0" lvl="0" indent="0" algn="ctr" defTabSz="444500">
+          <a:pPr lvl="0" algn="ctr" defTabSz="444500">
             <a:lnSpc>
               <a:spcPct val="90000"/>
             </a:lnSpc>
@@ -14813,7 +15288,6 @@
             <a:spcAft>
               <a:spcPct val="35000"/>
             </a:spcAft>
-            <a:buNone/>
           </a:pPr>
           <a:r>
             <a:rPr lang="fr-FR" sz="1000" kern="1200" dirty="0"/>
@@ -14885,7 +15359,7 @@
         </a:bodyPr>
         <a:lstStyle/>
         <a:p>
-          <a:pPr marL="0" lvl="0" indent="0" algn="ctr" defTabSz="444500">
+          <a:pPr lvl="0" algn="ctr" defTabSz="444500">
             <a:lnSpc>
               <a:spcPct val="90000"/>
             </a:lnSpc>
@@ -14895,7 +15369,6 @@
             <a:spcAft>
               <a:spcPct val="35000"/>
             </a:spcAft>
-            <a:buNone/>
           </a:pPr>
           <a:r>
             <a:rPr lang="fr-FR" sz="1000" kern="1200" dirty="0"/>
@@ -14965,7 +15438,7 @@
         </a:bodyPr>
         <a:lstStyle/>
         <a:p>
-          <a:pPr marL="0" lvl="0" indent="0" algn="ctr" defTabSz="444500">
+          <a:pPr lvl="0" algn="ctr" defTabSz="444500">
             <a:lnSpc>
               <a:spcPct val="90000"/>
             </a:lnSpc>
@@ -14975,7 +15448,6 @@
             <a:spcAft>
               <a:spcPct val="35000"/>
             </a:spcAft>
-            <a:buNone/>
           </a:pPr>
           <a:r>
             <a:rPr lang="fr-FR" sz="1000" kern="1200" dirty="0"/>
@@ -15047,7 +15519,7 @@
         </a:bodyPr>
         <a:lstStyle/>
         <a:p>
-          <a:pPr marL="0" lvl="0" indent="0" algn="ctr" defTabSz="444500">
+          <a:pPr lvl="0" algn="ctr" defTabSz="444500">
             <a:lnSpc>
               <a:spcPct val="90000"/>
             </a:lnSpc>
@@ -15057,7 +15529,6 @@
             <a:spcAft>
               <a:spcPct val="35000"/>
             </a:spcAft>
-            <a:buNone/>
           </a:pPr>
           <a:r>
             <a:rPr lang="fr-FR" sz="1000" kern="1200" dirty="0"/>
@@ -15145,7 +15616,7 @@
         </a:bodyPr>
         <a:lstStyle/>
         <a:p>
-          <a:pPr marL="0" lvl="0" indent="0" algn="ctr" defTabSz="444500">
+          <a:pPr lvl="0" algn="ctr" defTabSz="444500">
             <a:lnSpc>
               <a:spcPct val="90000"/>
             </a:lnSpc>
@@ -15155,7 +15626,6 @@
             <a:spcAft>
               <a:spcPct val="35000"/>
             </a:spcAft>
-            <a:buNone/>
           </a:pPr>
           <a:r>
             <a:rPr lang="fr-FR" sz="1000" kern="1200" dirty="0"/>
@@ -15232,7 +15702,7 @@
         </a:bodyPr>
         <a:lstStyle/>
         <a:p>
-          <a:pPr marL="0" lvl="0" indent="0" algn="ctr" defTabSz="444500">
+          <a:pPr lvl="0" algn="ctr" defTabSz="444500">
             <a:lnSpc>
               <a:spcPct val="90000"/>
             </a:lnSpc>
@@ -15242,7 +15712,6 @@
             <a:spcAft>
               <a:spcPct val="35000"/>
             </a:spcAft>
-            <a:buNone/>
           </a:pPr>
           <a:r>
             <a:rPr lang="fr-FR" sz="1000" kern="1200" dirty="0"/>
@@ -15341,7 +15810,7 @@
         </a:bodyPr>
         <a:lstStyle/>
         <a:p>
-          <a:pPr marL="0" lvl="0" indent="0" algn="ctr" defTabSz="444500">
+          <a:pPr lvl="0" algn="ctr" defTabSz="444500">
             <a:lnSpc>
               <a:spcPct val="90000"/>
             </a:lnSpc>
@@ -15351,7 +15820,6 @@
             <a:spcAft>
               <a:spcPct val="35000"/>
             </a:spcAft>
-            <a:buNone/>
           </a:pPr>
           <a:r>
             <a:rPr lang="fr-FR" sz="1000" kern="1200" dirty="0"/>
@@ -15423,7 +15891,7 @@
         </a:bodyPr>
         <a:lstStyle/>
         <a:p>
-          <a:pPr marL="0" lvl="0" indent="0" algn="ctr" defTabSz="444500">
+          <a:pPr lvl="0" algn="ctr" defTabSz="444500">
             <a:lnSpc>
               <a:spcPct val="90000"/>
             </a:lnSpc>
@@ -15433,7 +15901,6 @@
             <a:spcAft>
               <a:spcPct val="35000"/>
             </a:spcAft>
-            <a:buNone/>
           </a:pPr>
           <a:r>
             <a:rPr lang="fr-FR" sz="1000" kern="1200" dirty="0"/>
@@ -15505,7 +15972,7 @@
         </a:bodyPr>
         <a:lstStyle/>
         <a:p>
-          <a:pPr marL="0" lvl="0" indent="0" algn="ctr" defTabSz="444500">
+          <a:pPr lvl="0" algn="ctr" defTabSz="444500">
             <a:lnSpc>
               <a:spcPct val="90000"/>
             </a:lnSpc>
@@ -15515,7 +15982,6 @@
             <a:spcAft>
               <a:spcPct val="35000"/>
             </a:spcAft>
-            <a:buNone/>
           </a:pPr>
           <a:r>
             <a:rPr lang="fr-FR" sz="1000" kern="1200" dirty="0"/>
@@ -15585,7 +16051,7 @@
         </a:bodyPr>
         <a:lstStyle/>
         <a:p>
-          <a:pPr marL="0" lvl="0" indent="0" algn="ctr" defTabSz="444500">
+          <a:pPr lvl="0" algn="ctr" defTabSz="444500">
             <a:lnSpc>
               <a:spcPct val="90000"/>
             </a:lnSpc>
@@ -15595,7 +16061,6 @@
             <a:spcAft>
               <a:spcPct val="35000"/>
             </a:spcAft>
-            <a:buNone/>
           </a:pPr>
           <a:r>
             <a:rPr lang="fr-FR" sz="1000" kern="1200" dirty="0"/>
@@ -15667,7 +16132,7 @@
         </a:bodyPr>
         <a:lstStyle/>
         <a:p>
-          <a:pPr marL="0" lvl="0" indent="0" algn="ctr" defTabSz="444500">
+          <a:pPr lvl="0" algn="ctr" defTabSz="444500">
             <a:lnSpc>
               <a:spcPct val="90000"/>
             </a:lnSpc>
@@ -15677,7 +16142,6 @@
             <a:spcAft>
               <a:spcPct val="35000"/>
             </a:spcAft>
-            <a:buNone/>
           </a:pPr>
           <a:r>
             <a:rPr lang="fr-FR" sz="1000" kern="1200" dirty="0"/>
@@ -15765,7 +16229,7 @@
         </a:bodyPr>
         <a:lstStyle/>
         <a:p>
-          <a:pPr marL="0" lvl="0" indent="0" algn="ctr" defTabSz="444500">
+          <a:pPr lvl="0" algn="ctr" defTabSz="444500">
             <a:lnSpc>
               <a:spcPct val="90000"/>
             </a:lnSpc>
@@ -15775,7 +16239,6 @@
             <a:spcAft>
               <a:spcPct val="35000"/>
             </a:spcAft>
-            <a:buNone/>
           </a:pPr>
           <a:r>
             <a:rPr lang="fr-FR" sz="1000" kern="1200" dirty="0"/>
@@ -15852,7 +16315,7 @@
         </a:bodyPr>
         <a:lstStyle/>
         <a:p>
-          <a:pPr marL="0" lvl="0" indent="0" algn="ctr" defTabSz="444500">
+          <a:pPr lvl="0" algn="ctr" defTabSz="444500">
             <a:lnSpc>
               <a:spcPct val="90000"/>
             </a:lnSpc>
@@ -15862,7 +16325,6 @@
             <a:spcAft>
               <a:spcPct val="35000"/>
             </a:spcAft>
-            <a:buNone/>
           </a:pPr>
           <a:r>
             <a:rPr lang="fr-FR" sz="1000" kern="1200" dirty="0"/>
@@ -15946,7 +16408,7 @@
         </a:bodyPr>
         <a:lstStyle/>
         <a:p>
-          <a:pPr marL="0" lvl="0" indent="0" algn="ctr" defTabSz="444500">
+          <a:pPr lvl="0" algn="ctr" defTabSz="444500">
             <a:lnSpc>
               <a:spcPct val="90000"/>
             </a:lnSpc>
@@ -15956,7 +16418,6 @@
             <a:spcAft>
               <a:spcPct val="35000"/>
             </a:spcAft>
-            <a:buNone/>
           </a:pPr>
           <a:r>
             <a:rPr lang="fr-FR" sz="1000" kern="1200" dirty="0"/>
@@ -16043,7 +16504,7 @@
         </a:bodyPr>
         <a:lstStyle/>
         <a:p>
-          <a:pPr marL="0" lvl="0" indent="0" algn="ctr" defTabSz="444500">
+          <a:pPr lvl="0" algn="ctr" defTabSz="444500">
             <a:lnSpc>
               <a:spcPct val="90000"/>
             </a:lnSpc>
@@ -16053,7 +16514,6 @@
             <a:spcAft>
               <a:spcPct val="35000"/>
             </a:spcAft>
-            <a:buNone/>
           </a:pPr>
           <a:r>
             <a:rPr lang="fr-FR" sz="1000" kern="1200" dirty="0"/>
@@ -16125,7 +16585,7 @@
         </a:bodyPr>
         <a:lstStyle/>
         <a:p>
-          <a:pPr marL="0" lvl="0" indent="0" algn="ctr" defTabSz="444500">
+          <a:pPr lvl="0" algn="ctr" defTabSz="444500">
             <a:lnSpc>
               <a:spcPct val="90000"/>
             </a:lnSpc>
@@ -16135,7 +16595,6 @@
             <a:spcAft>
               <a:spcPct val="35000"/>
             </a:spcAft>
-            <a:buNone/>
           </a:pPr>
           <a:r>
             <a:rPr lang="fr-FR" sz="1000" kern="1200" dirty="0"/>
@@ -16205,7 +16664,7 @@
         </a:bodyPr>
         <a:lstStyle/>
         <a:p>
-          <a:pPr marL="0" lvl="0" indent="0" algn="ctr" defTabSz="444500">
+          <a:pPr lvl="0" algn="ctr" defTabSz="444500">
             <a:lnSpc>
               <a:spcPct val="90000"/>
             </a:lnSpc>
@@ -16215,7 +16674,6 @@
             <a:spcAft>
               <a:spcPct val="35000"/>
             </a:spcAft>
-            <a:buNone/>
           </a:pPr>
           <a:r>
             <a:rPr lang="fr-FR" sz="1000" kern="1200" dirty="0"/>
@@ -16287,7 +16745,7 @@
         </a:bodyPr>
         <a:lstStyle/>
         <a:p>
-          <a:pPr marL="0" lvl="0" indent="0" algn="ctr" defTabSz="444500">
+          <a:pPr lvl="0" algn="ctr" defTabSz="444500">
             <a:lnSpc>
               <a:spcPct val="90000"/>
             </a:lnSpc>
@@ -16297,7 +16755,6 @@
             <a:spcAft>
               <a:spcPct val="35000"/>
             </a:spcAft>
-            <a:buNone/>
           </a:pPr>
           <a:r>
             <a:rPr lang="fr-FR" sz="1000" kern="1200" dirty="0"/>
@@ -16385,7 +16842,7 @@
         </a:bodyPr>
         <a:lstStyle/>
         <a:p>
-          <a:pPr marL="0" lvl="0" indent="0" algn="ctr" defTabSz="444500">
+          <a:pPr lvl="0" algn="ctr" defTabSz="444500">
             <a:lnSpc>
               <a:spcPct val="90000"/>
             </a:lnSpc>
@@ -16395,7 +16852,6 @@
             <a:spcAft>
               <a:spcPct val="35000"/>
             </a:spcAft>
-            <a:buNone/>
           </a:pPr>
           <a:r>
             <a:rPr lang="fr-FR" sz="1000" kern="1200" dirty="0"/>
@@ -16472,7 +16928,7 @@
         </a:bodyPr>
         <a:lstStyle/>
         <a:p>
-          <a:pPr marL="0" lvl="0" indent="0" algn="ctr" defTabSz="444500">
+          <a:pPr lvl="0" algn="ctr" defTabSz="444500">
             <a:lnSpc>
               <a:spcPct val="90000"/>
             </a:lnSpc>
@@ -16482,7 +16938,6 @@
             <a:spcAft>
               <a:spcPct val="35000"/>
             </a:spcAft>
-            <a:buNone/>
           </a:pPr>
           <a:r>
             <a:rPr lang="fr-FR" sz="1000" kern="1200" dirty="0"/>
@@ -16566,7 +17021,7 @@
         </a:bodyPr>
         <a:lstStyle/>
         <a:p>
-          <a:pPr marL="0" lvl="0" indent="0" algn="ctr" defTabSz="444500">
+          <a:pPr lvl="0" algn="ctr" defTabSz="444500">
             <a:lnSpc>
               <a:spcPct val="90000"/>
             </a:lnSpc>
@@ -16576,7 +17031,6 @@
             <a:spcAft>
               <a:spcPct val="35000"/>
             </a:spcAft>
-            <a:buNone/>
           </a:pPr>
           <a:r>
             <a:rPr lang="fr-FR" sz="1000" kern="1200" dirty="0"/>
@@ -16663,7 +17117,7 @@
         </a:bodyPr>
         <a:lstStyle/>
         <a:p>
-          <a:pPr marL="0" lvl="0" indent="0" algn="ctr" defTabSz="444500">
+          <a:pPr lvl="0" algn="ctr" defTabSz="444500">
             <a:lnSpc>
               <a:spcPct val="90000"/>
             </a:lnSpc>
@@ -16673,7 +17127,6 @@
             <a:spcAft>
               <a:spcPct val="35000"/>
             </a:spcAft>
-            <a:buNone/>
           </a:pPr>
           <a:r>
             <a:rPr lang="fr-FR" sz="1000" kern="1200" dirty="0"/>
@@ -16745,7 +17198,7 @@
         </a:bodyPr>
         <a:lstStyle/>
         <a:p>
-          <a:pPr marL="0" lvl="0" indent="0" algn="ctr" defTabSz="444500">
+          <a:pPr lvl="0" algn="ctr" defTabSz="444500">
             <a:lnSpc>
               <a:spcPct val="90000"/>
             </a:lnSpc>
@@ -16755,7 +17208,6 @@
             <a:spcAft>
               <a:spcPct val="35000"/>
             </a:spcAft>
-            <a:buNone/>
           </a:pPr>
           <a:r>
             <a:rPr lang="fr-FR" sz="1000" kern="1200" dirty="0"/>
@@ -16825,7 +17277,7 @@
         </a:bodyPr>
         <a:lstStyle/>
         <a:p>
-          <a:pPr marL="0" lvl="0" indent="0" algn="ctr" defTabSz="444500">
+          <a:pPr lvl="0" algn="ctr" defTabSz="444500">
             <a:lnSpc>
               <a:spcPct val="90000"/>
             </a:lnSpc>
@@ -16835,7 +17287,6 @@
             <a:spcAft>
               <a:spcPct val="35000"/>
             </a:spcAft>
-            <a:buNone/>
           </a:pPr>
           <a:r>
             <a:rPr lang="fr-FR" sz="1000" kern="1200" dirty="0"/>
@@ -16907,7 +17358,7 @@
         </a:bodyPr>
         <a:lstStyle/>
         <a:p>
-          <a:pPr marL="0" lvl="0" indent="0" algn="ctr" defTabSz="444500">
+          <a:pPr lvl="0" algn="ctr" defTabSz="444500">
             <a:lnSpc>
               <a:spcPct val="90000"/>
             </a:lnSpc>
@@ -16917,7 +17368,6 @@
             <a:spcAft>
               <a:spcPct val="35000"/>
             </a:spcAft>
-            <a:buNone/>
           </a:pPr>
           <a:r>
             <a:rPr lang="fr-FR" sz="1000" kern="1200" dirty="0"/>
@@ -17005,7 +17455,7 @@
         </a:bodyPr>
         <a:lstStyle/>
         <a:p>
-          <a:pPr marL="0" lvl="0" indent="0" algn="ctr" defTabSz="444500">
+          <a:pPr lvl="0" algn="ctr" defTabSz="444500">
             <a:lnSpc>
               <a:spcPct val="90000"/>
             </a:lnSpc>
@@ -17015,7 +17465,6 @@
             <a:spcAft>
               <a:spcPct val="35000"/>
             </a:spcAft>
-            <a:buNone/>
           </a:pPr>
           <a:r>
             <a:rPr lang="fr-FR" sz="1000" kern="1200" dirty="0"/>
@@ -17092,7 +17541,7 @@
         </a:bodyPr>
         <a:lstStyle/>
         <a:p>
-          <a:pPr marL="0" lvl="0" indent="0" algn="ctr" defTabSz="444500">
+          <a:pPr lvl="0" algn="ctr" defTabSz="444500">
             <a:lnSpc>
               <a:spcPct val="90000"/>
             </a:lnSpc>
@@ -17102,7 +17551,6 @@
             <a:spcAft>
               <a:spcPct val="35000"/>
             </a:spcAft>
-            <a:buNone/>
           </a:pPr>
           <a:r>
             <a:rPr lang="fr-FR" sz="1000" kern="1200" dirty="0"/>
@@ -17186,7 +17634,7 @@
         </a:bodyPr>
         <a:lstStyle/>
         <a:p>
-          <a:pPr marL="0" lvl="0" indent="0" algn="ctr" defTabSz="444500">
+          <a:pPr lvl="0" algn="ctr" defTabSz="444500">
             <a:lnSpc>
               <a:spcPct val="90000"/>
             </a:lnSpc>
@@ -17196,7 +17644,6 @@
             <a:spcAft>
               <a:spcPct val="35000"/>
             </a:spcAft>
-            <a:buNone/>
           </a:pPr>
           <a:r>
             <a:rPr lang="fr-FR" sz="1000" kern="1200" dirty="0"/>
@@ -17268,7 +17715,7 @@
         </a:bodyPr>
         <a:lstStyle/>
         <a:p>
-          <a:pPr marL="0" lvl="0" indent="0" algn="ctr" defTabSz="444500">
+          <a:pPr lvl="0" algn="ctr" defTabSz="444500">
             <a:lnSpc>
               <a:spcPct val="90000"/>
             </a:lnSpc>
@@ -17278,7 +17725,6 @@
             <a:spcAft>
               <a:spcPct val="35000"/>
             </a:spcAft>
-            <a:buNone/>
           </a:pPr>
           <a:r>
             <a:rPr lang="fr-FR" sz="1000" kern="1200" dirty="0"/>
@@ -17365,7 +17811,7 @@
         </a:bodyPr>
         <a:lstStyle/>
         <a:p>
-          <a:pPr marL="0" lvl="0" indent="0" algn="ctr" defTabSz="444500">
+          <a:pPr lvl="0" algn="ctr" defTabSz="444500">
             <a:lnSpc>
               <a:spcPct val="90000"/>
             </a:lnSpc>
@@ -17375,7 +17821,6 @@
             <a:spcAft>
               <a:spcPct val="35000"/>
             </a:spcAft>
-            <a:buNone/>
           </a:pPr>
           <a:r>
             <a:rPr lang="fr-FR" sz="1000" kern="1200" dirty="0"/>
@@ -17445,7 +17890,7 @@
         </a:bodyPr>
         <a:lstStyle/>
         <a:p>
-          <a:pPr marL="0" lvl="0" indent="0" algn="ctr" defTabSz="444500">
+          <a:pPr lvl="0" algn="ctr" defTabSz="444500">
             <a:lnSpc>
               <a:spcPct val="90000"/>
             </a:lnSpc>
@@ -17455,7 +17900,6 @@
             <a:spcAft>
               <a:spcPct val="35000"/>
             </a:spcAft>
-            <a:buNone/>
           </a:pPr>
           <a:r>
             <a:rPr lang="fr-FR" sz="1000" kern="1200" dirty="0"/>
@@ -17527,7 +17971,7 @@
         </a:bodyPr>
         <a:lstStyle/>
         <a:p>
-          <a:pPr marL="0" lvl="0" indent="0" algn="ctr" defTabSz="444500">
+          <a:pPr lvl="0" algn="ctr" defTabSz="444500">
             <a:lnSpc>
               <a:spcPct val="90000"/>
             </a:lnSpc>
@@ -17537,7 +17981,6 @@
             <a:spcAft>
               <a:spcPct val="35000"/>
             </a:spcAft>
-            <a:buNone/>
           </a:pPr>
           <a:r>
             <a:rPr lang="fr-FR" sz="1000" kern="1200" dirty="0"/>
@@ -17625,7 +18068,7 @@
         </a:bodyPr>
         <a:lstStyle/>
         <a:p>
-          <a:pPr marL="0" lvl="0" indent="0" algn="ctr" defTabSz="444500">
+          <a:pPr lvl="0" algn="ctr" defTabSz="444500">
             <a:lnSpc>
               <a:spcPct val="90000"/>
             </a:lnSpc>
@@ -17635,7 +18078,6 @@
             <a:spcAft>
               <a:spcPct val="35000"/>
             </a:spcAft>
-            <a:buNone/>
           </a:pPr>
           <a:r>
             <a:rPr lang="fr-FR" sz="1000" kern="1200" dirty="0"/>
@@ -17712,7 +18154,7 @@
         </a:bodyPr>
         <a:lstStyle/>
         <a:p>
-          <a:pPr marL="0" lvl="0" indent="0" algn="ctr" defTabSz="444500">
+          <a:pPr lvl="0" algn="ctr" defTabSz="444500">
             <a:lnSpc>
               <a:spcPct val="90000"/>
             </a:lnSpc>
@@ -17722,7 +18164,6 @@
             <a:spcAft>
               <a:spcPct val="35000"/>
             </a:spcAft>
-            <a:buNone/>
           </a:pPr>
           <a:r>
             <a:rPr lang="fr-FR" sz="1000" kern="1200" dirty="0"/>
@@ -17806,7 +18247,7 @@
         </a:bodyPr>
         <a:lstStyle/>
         <a:p>
-          <a:pPr marL="0" lvl="0" indent="0" algn="ctr" defTabSz="444500">
+          <a:pPr lvl="0" algn="ctr" defTabSz="444500">
             <a:lnSpc>
               <a:spcPct val="90000"/>
             </a:lnSpc>
@@ -17816,7 +18257,6 @@
             <a:spcAft>
               <a:spcPct val="35000"/>
             </a:spcAft>
-            <a:buNone/>
           </a:pPr>
           <a:r>
             <a:rPr lang="fr-FR" sz="1000" kern="1200" dirty="0"/>
@@ -17888,7 +18328,7 @@
         </a:bodyPr>
         <a:lstStyle/>
         <a:p>
-          <a:pPr marL="0" lvl="0" indent="0" algn="ctr" defTabSz="444500">
+          <a:pPr lvl="0" algn="ctr" defTabSz="444500">
             <a:lnSpc>
               <a:spcPct val="90000"/>
             </a:lnSpc>
@@ -17898,7 +18338,6 @@
             <a:spcAft>
               <a:spcPct val="35000"/>
             </a:spcAft>
-            <a:buNone/>
           </a:pPr>
           <a:r>
             <a:rPr lang="fr-FR" sz="1000" kern="1200" dirty="0"/>
@@ -17970,7 +18409,7 @@
         </a:bodyPr>
         <a:lstStyle/>
         <a:p>
-          <a:pPr marL="0" lvl="0" indent="0" algn="ctr" defTabSz="444500">
+          <a:pPr lvl="0" algn="ctr" defTabSz="444500">
             <a:lnSpc>
               <a:spcPct val="90000"/>
             </a:lnSpc>
@@ -17980,7 +18419,6 @@
             <a:spcAft>
               <a:spcPct val="35000"/>
             </a:spcAft>
-            <a:buNone/>
           </a:pPr>
           <a:r>
             <a:rPr lang="fr-FR" sz="1000" kern="1200" dirty="0"/>
@@ -18067,7 +18505,7 @@
         </a:bodyPr>
         <a:lstStyle/>
         <a:p>
-          <a:pPr marL="0" lvl="0" indent="0" algn="ctr" defTabSz="444500">
+          <a:pPr lvl="0" algn="ctr" defTabSz="444500">
             <a:lnSpc>
               <a:spcPct val="90000"/>
             </a:lnSpc>
@@ -18077,7 +18515,6 @@
             <a:spcAft>
               <a:spcPct val="35000"/>
             </a:spcAft>
-            <a:buNone/>
           </a:pPr>
           <a:r>
             <a:rPr lang="fr-FR" sz="1000" kern="1200" dirty="0"/>
@@ -18149,7 +18586,7 @@
         </a:bodyPr>
         <a:lstStyle/>
         <a:p>
-          <a:pPr marL="0" lvl="0" indent="0" algn="ctr" defTabSz="444500">
+          <a:pPr lvl="0" algn="ctr" defTabSz="444500">
             <a:lnSpc>
               <a:spcPct val="90000"/>
             </a:lnSpc>
@@ -18159,7 +18596,6 @@
             <a:spcAft>
               <a:spcPct val="35000"/>
             </a:spcAft>
-            <a:buNone/>
           </a:pPr>
           <a:r>
             <a:rPr lang="fr-FR" sz="1000" kern="1200" dirty="0"/>
@@ -18247,7 +18683,7 @@
         </a:bodyPr>
         <a:lstStyle/>
         <a:p>
-          <a:pPr marL="0" lvl="0" indent="0" algn="ctr" defTabSz="444500">
+          <a:pPr lvl="0" algn="ctr" defTabSz="444500">
             <a:lnSpc>
               <a:spcPct val="90000"/>
             </a:lnSpc>
@@ -18257,7 +18693,6 @@
             <a:spcAft>
               <a:spcPct val="35000"/>
             </a:spcAft>
-            <a:buNone/>
           </a:pPr>
           <a:r>
             <a:rPr lang="fr-FR" sz="1000" kern="1200" dirty="0"/>
@@ -18334,7 +18769,7 @@
         </a:bodyPr>
         <a:lstStyle/>
         <a:p>
-          <a:pPr marL="0" lvl="0" indent="0" algn="ctr" defTabSz="444500">
+          <a:pPr lvl="0" algn="ctr" defTabSz="444500">
             <a:lnSpc>
               <a:spcPct val="90000"/>
             </a:lnSpc>
@@ -18344,7 +18779,6 @@
             <a:spcAft>
               <a:spcPct val="35000"/>
             </a:spcAft>
-            <a:buNone/>
           </a:pPr>
           <a:r>
             <a:rPr lang="fr-FR" sz="1000" kern="1200" dirty="0"/>
@@ -18428,7 +18862,7 @@
         </a:bodyPr>
         <a:lstStyle/>
         <a:p>
-          <a:pPr marL="0" lvl="0" indent="0" algn="ctr" defTabSz="444500">
+          <a:pPr lvl="0" algn="ctr" defTabSz="444500">
             <a:lnSpc>
               <a:spcPct val="90000"/>
             </a:lnSpc>
@@ -18438,7 +18872,6 @@
             <a:spcAft>
               <a:spcPct val="35000"/>
             </a:spcAft>
-            <a:buNone/>
           </a:pPr>
           <a:r>
             <a:rPr lang="fr-FR" sz="1000" kern="1200" dirty="0"/>
@@ -18510,7 +18943,7 @@
         </a:bodyPr>
         <a:lstStyle/>
         <a:p>
-          <a:pPr marL="0" lvl="0" indent="0" algn="ctr" defTabSz="444500">
+          <a:pPr lvl="0" algn="ctr" defTabSz="444500">
             <a:lnSpc>
               <a:spcPct val="90000"/>
             </a:lnSpc>
@@ -18520,7 +18953,6 @@
             <a:spcAft>
               <a:spcPct val="35000"/>
             </a:spcAft>
-            <a:buNone/>
           </a:pPr>
           <a:r>
             <a:rPr lang="fr-FR" sz="1000" kern="1200" dirty="0"/>
@@ -18592,7 +19024,7 @@
         </a:bodyPr>
         <a:lstStyle/>
         <a:p>
-          <a:pPr marL="0" lvl="0" indent="0" algn="ctr" defTabSz="444500">
+          <a:pPr lvl="0" algn="ctr" defTabSz="444500">
             <a:lnSpc>
               <a:spcPct val="90000"/>
             </a:lnSpc>
@@ -18602,7 +19034,6 @@
             <a:spcAft>
               <a:spcPct val="35000"/>
             </a:spcAft>
-            <a:buNone/>
           </a:pPr>
           <a:r>
             <a:rPr lang="fr-FR" sz="1000" kern="1200" dirty="0"/>
@@ -18674,7 +19105,7 @@
         </a:bodyPr>
         <a:lstStyle/>
         <a:p>
-          <a:pPr marL="0" lvl="0" indent="0" algn="ctr" defTabSz="444500">
+          <a:pPr lvl="0" algn="ctr" defTabSz="444500">
             <a:lnSpc>
               <a:spcPct val="90000"/>
             </a:lnSpc>
@@ -18684,7 +19115,6 @@
             <a:spcAft>
               <a:spcPct val="35000"/>
             </a:spcAft>
-            <a:buNone/>
           </a:pPr>
           <a:r>
             <a:rPr lang="fr-FR" sz="1000" kern="1200" dirty="0"/>
@@ -18771,7 +19201,7 @@
         </a:bodyPr>
         <a:lstStyle/>
         <a:p>
-          <a:pPr marL="0" lvl="0" indent="0" algn="ctr" defTabSz="444500">
+          <a:pPr lvl="0" algn="ctr" defTabSz="444500">
             <a:lnSpc>
               <a:spcPct val="90000"/>
             </a:lnSpc>
@@ -18781,7 +19211,6 @@
             <a:spcAft>
               <a:spcPct val="35000"/>
             </a:spcAft>
-            <a:buNone/>
           </a:pPr>
           <a:r>
             <a:rPr lang="fr-FR" sz="1000" kern="1200" dirty="0"/>
@@ -18869,7 +19298,7 @@
         </a:bodyPr>
         <a:lstStyle/>
         <a:p>
-          <a:pPr marL="0" lvl="0" indent="0" algn="ctr" defTabSz="444500">
+          <a:pPr lvl="0" algn="ctr" defTabSz="444500">
             <a:lnSpc>
               <a:spcPct val="90000"/>
             </a:lnSpc>
@@ -18879,7 +19308,6 @@
             <a:spcAft>
               <a:spcPct val="35000"/>
             </a:spcAft>
-            <a:buNone/>
           </a:pPr>
           <a:r>
             <a:rPr lang="fr-FR" sz="1000" kern="1200" dirty="0"/>
@@ -18956,7 +19384,7 @@
         </a:bodyPr>
         <a:lstStyle/>
         <a:p>
-          <a:pPr marL="0" lvl="0" indent="0" algn="ctr" defTabSz="444500">
+          <a:pPr lvl="0" algn="ctr" defTabSz="444500">
             <a:lnSpc>
               <a:spcPct val="90000"/>
             </a:lnSpc>
@@ -18966,7 +19394,6 @@
             <a:spcAft>
               <a:spcPct val="35000"/>
             </a:spcAft>
-            <a:buNone/>
           </a:pPr>
           <a:r>
             <a:rPr lang="fr-FR" sz="1000" kern="1200" dirty="0"/>
@@ -19050,7 +19477,7 @@
         </a:bodyPr>
         <a:lstStyle/>
         <a:p>
-          <a:pPr marL="0" lvl="0" indent="0" algn="ctr" defTabSz="444500">
+          <a:pPr lvl="0" algn="ctr" defTabSz="444500">
             <a:lnSpc>
               <a:spcPct val="90000"/>
             </a:lnSpc>
@@ -19060,7 +19487,6 @@
             <a:spcAft>
               <a:spcPct val="35000"/>
             </a:spcAft>
-            <a:buNone/>
           </a:pPr>
           <a:r>
             <a:rPr lang="fr-FR" sz="1000" kern="1200" dirty="0"/>
@@ -19132,7 +19558,7 @@
         </a:bodyPr>
         <a:lstStyle/>
         <a:p>
-          <a:pPr marL="0" lvl="0" indent="0" algn="ctr" defTabSz="444500">
+          <a:pPr lvl="0" algn="ctr" defTabSz="444500">
             <a:lnSpc>
               <a:spcPct val="90000"/>
             </a:lnSpc>
@@ -19142,7 +19568,6 @@
             <a:spcAft>
               <a:spcPct val="35000"/>
             </a:spcAft>
-            <a:buNone/>
           </a:pPr>
           <a:r>
             <a:rPr lang="fr-FR" sz="1000" kern="1200" dirty="0"/>
@@ -19214,7 +19639,7 @@
         </a:bodyPr>
         <a:lstStyle/>
         <a:p>
-          <a:pPr marL="0" lvl="0" indent="0" algn="ctr" defTabSz="444500">
+          <a:pPr lvl="0" algn="ctr" defTabSz="444500">
             <a:lnSpc>
               <a:spcPct val="90000"/>
             </a:lnSpc>
@@ -19224,7 +19649,6 @@
             <a:spcAft>
               <a:spcPct val="35000"/>
             </a:spcAft>
-            <a:buNone/>
           </a:pPr>
           <a:r>
             <a:rPr lang="fr-FR" sz="1000" kern="1200" dirty="0"/>
@@ -19296,7 +19720,7 @@
         </a:bodyPr>
         <a:lstStyle/>
         <a:p>
-          <a:pPr marL="0" lvl="0" indent="0" algn="ctr" defTabSz="444500">
+          <a:pPr lvl="0" algn="ctr" defTabSz="444500">
             <a:lnSpc>
               <a:spcPct val="90000"/>
             </a:lnSpc>
@@ -19306,7 +19730,6 @@
             <a:spcAft>
               <a:spcPct val="35000"/>
             </a:spcAft>
-            <a:buNone/>
           </a:pPr>
           <a:r>
             <a:rPr lang="fr-FR" sz="1000" kern="1200" dirty="0"/>
@@ -19378,7 +19801,7 @@
         </a:bodyPr>
         <a:lstStyle/>
         <a:p>
-          <a:pPr marL="0" lvl="0" indent="0" algn="ctr" defTabSz="444500">
+          <a:pPr lvl="0" algn="ctr" defTabSz="444500">
             <a:lnSpc>
               <a:spcPct val="90000"/>
             </a:lnSpc>
@@ -19388,7 +19811,6 @@
             <a:spcAft>
               <a:spcPct val="35000"/>
             </a:spcAft>
-            <a:buNone/>
           </a:pPr>
           <a:r>
             <a:rPr lang="fr-FR" sz="1000" kern="1200" dirty="0"/>
@@ -19491,7 +19913,7 @@
         </a:bodyPr>
         <a:lstStyle/>
         <a:p>
-          <a:pPr marL="0" lvl="0" indent="0" algn="ctr" defTabSz="444500">
+          <a:pPr lvl="0" algn="ctr" defTabSz="444500">
             <a:lnSpc>
               <a:spcPct val="90000"/>
             </a:lnSpc>
@@ -19501,7 +19923,6 @@
             <a:spcAft>
               <a:spcPct val="35000"/>
             </a:spcAft>
-            <a:buNone/>
           </a:pPr>
           <a:r>
             <a:rPr lang="fr-FR" sz="1000" kern="1200" dirty="0"/>
@@ -19578,7 +19999,7 @@
         </a:bodyPr>
         <a:lstStyle/>
         <a:p>
-          <a:pPr marL="0" lvl="0" indent="0" algn="ctr" defTabSz="444500">
+          <a:pPr lvl="0" algn="ctr" defTabSz="444500">
             <a:lnSpc>
               <a:spcPct val="90000"/>
             </a:lnSpc>
@@ -19588,7 +20009,6 @@
             <a:spcAft>
               <a:spcPct val="35000"/>
             </a:spcAft>
-            <a:buNone/>
           </a:pPr>
           <a:r>
             <a:rPr lang="fr-FR" sz="1000" kern="1200" dirty="0"/>
@@ -33189,7 +33609,7 @@
           <a:p>
             <a:fld id="{EE6E9EFB-178C-4A82-86B7-364FA242F8E7}" type="slidenum">
               <a:rPr lang="fr-FR" smtClean="0"/>
-              <a:t>‹N°›</a:t>
+              <a:t>4</a:t>
             </a:fld>
             <a:endParaRPr lang="fr-FR"/>
           </a:p>
@@ -39236,8 +39656,8 @@
           <a:lstStyle/>
           <a:p>
             <a:r>
-              <a:rPr lang="en-US" sz="1500" dirty="0"/>
-              <a:t>1/12</a:t>
+              <a:rPr lang="en-US" sz="1500" dirty="0" smtClean="0"/>
+              <a:t>1/13</a:t>
             </a:r>
           </a:p>
         </p:txBody>
@@ -39294,6 +39714,36 @@
           </a:p>
         </p:txBody>
       </p:sp>
+      <p:pic>
+        <p:nvPicPr>
+          <p:cNvPr id="6" name="Image 5"/>
+          <p:cNvPicPr>
+            <a:picLocks noChangeAspect="1"/>
+          </p:cNvPicPr>
+          <p:nvPr/>
+        </p:nvPicPr>
+        <p:blipFill>
+          <a:blip r:embed="rId2">
+            <a:extLst>
+              <a:ext uri="{28A0092B-C50C-407E-A947-70E740481C1C}">
+                <a14:useLocalDpi xmlns:a14="http://schemas.microsoft.com/office/drawing/2010/main" val="0"/>
+              </a:ext>
+            </a:extLst>
+          </a:blip>
+          <a:stretch>
+            <a:fillRect/>
+          </a:stretch>
+        </p:blipFill>
+        <p:spPr>
+          <a:xfrm>
+            <a:off x="9022074" y="0"/>
+            <a:ext cx="3169926" cy="1984252"/>
+          </a:xfrm>
+          <a:prstGeom prst="rect">
+            <a:avLst/>
+          </a:prstGeom>
+        </p:spPr>
+      </p:pic>
     </p:spTree>
     <p:extLst>
       <p:ext uri="{BB962C8B-B14F-4D97-AF65-F5344CB8AC3E}">
@@ -39304,6 +39754,13 @@
   <p:clrMapOvr>
     <a:masterClrMapping/>
   </p:clrMapOvr>
+  <p:timing>
+    <p:tnLst>
+      <p:par>
+        <p:cTn id="1" dur="indefinite" restart="never" nodeType="tmRoot"/>
+      </p:par>
+    </p:tnLst>
+  </p:timing>
 </p:sld>
 </file>
 
@@ -39451,9 +39908,10 @@
               <a:t>10</a:t>
             </a:fld>
             <a:r>
-              <a:rPr lang="en-US" dirty="0"/>
-              <a:t>/12</a:t>
+              <a:rPr lang="en-US" dirty="0" smtClean="0"/>
+              <a:t>/13</a:t>
             </a:r>
+            <a:endParaRPr lang="en-US" dirty="0"/>
           </a:p>
           <a:p>
             <a:endParaRPr lang="en-US" dirty="0"/>
@@ -39657,6 +40115,13 @@
   <p:clrMapOvr>
     <a:masterClrMapping/>
   </p:clrMapOvr>
+  <p:timing>
+    <p:tnLst>
+      <p:par>
+        <p:cTn id="1" dur="indefinite" restart="never" nodeType="tmRoot"/>
+      </p:par>
+    </p:tnLst>
+  </p:timing>
 </p:sld>
 </file>
 
@@ -39814,9 +40279,10 @@
               <a:t>11</a:t>
             </a:fld>
             <a:r>
-              <a:rPr lang="en-US" dirty="0"/>
-              <a:t>/12</a:t>
+              <a:rPr lang="en-US" dirty="0" smtClean="0"/>
+              <a:t>/13</a:t>
             </a:r>
+            <a:endParaRPr lang="en-US" dirty="0"/>
           </a:p>
         </p:txBody>
       </p:sp>
@@ -39876,6 +40342,13 @@
   <p:clrMapOvr>
     <a:masterClrMapping/>
   </p:clrMapOvr>
+  <p:timing>
+    <p:tnLst>
+      <p:par>
+        <p:cTn id="1" dur="indefinite" restart="never" nodeType="tmRoot"/>
+      </p:par>
+    </p:tnLst>
+  </p:timing>
 </p:sld>
 </file>
 
@@ -39957,8 +40430,13 @@
             </a:pPr>
             <a:r>
               <a:rPr lang="fr-FR" dirty="0"/>
-              <a:t>Un dictionnaire contient les valeurs possible</a:t>
+              <a:t>Un dictionnaire contient les valeurs </a:t>
             </a:r>
+            <a:r>
+              <a:rPr lang="fr-FR" dirty="0" smtClean="0"/>
+              <a:t>possibles</a:t>
+            </a:r>
+            <a:endParaRPr lang="fr-FR" dirty="0"/>
           </a:p>
           <a:p>
             <a:pPr marL="0" indent="0">
@@ -40077,9 +40555,10 @@
           <a:lstStyle/>
           <a:p>
             <a:r>
-              <a:rPr lang="en-US" dirty="0"/>
-              <a:t>11/12</a:t>
+              <a:rPr lang="en-US" dirty="0" smtClean="0"/>
+              <a:t>12/13</a:t>
             </a:r>
+            <a:endParaRPr lang="en-US" dirty="0"/>
           </a:p>
         </p:txBody>
       </p:sp>
@@ -40093,6 +40572,13 @@
   <p:clrMapOvr>
     <a:masterClrMapping/>
   </p:clrMapOvr>
+  <p:timing>
+    <p:tnLst>
+      <p:par>
+        <p:cTn id="1" dur="indefinite" restart="never" nodeType="tmRoot"/>
+      </p:par>
+    </p:tnLst>
+  </p:timing>
 </p:sld>
 </file>
 
@@ -40348,9 +40834,10 @@
           </a:lstStyle>
           <a:p>
             <a:r>
-              <a:rPr lang="en-US" dirty="0"/>
-              <a:t>12/12</a:t>
+              <a:rPr lang="en-US" dirty="0" smtClean="0"/>
+              <a:t>13/13</a:t>
             </a:r>
+            <a:endParaRPr lang="en-US" dirty="0"/>
           </a:p>
         </p:txBody>
       </p:sp>
@@ -40364,6 +40851,13 @@
   <p:clrMapOvr>
     <a:masterClrMapping/>
   </p:clrMapOvr>
+  <p:timing>
+    <p:tnLst>
+      <p:par>
+        <p:cTn id="1" dur="indefinite" restart="never" nodeType="tmRoot"/>
+      </p:par>
+    </p:tnLst>
+  </p:timing>
 </p:sld>
 </file>
 
@@ -40396,7 +40890,7 @@
         </p:nvSpPr>
         <p:spPr>
           <a:xfrm>
-            <a:off x="1952625" y="1328480"/>
+            <a:off x="1979519" y="2045657"/>
             <a:ext cx="10618126" cy="3653094"/>
           </a:xfrm>
         </p:spPr>
@@ -40405,16 +40899,8 @@
           <a:lstStyle/>
           <a:p>
             <a:r>
-              <a:rPr lang="FR-FR" dirty="0"/>
-              <a:t>Des erreurs peuvent </a:t>
-            </a:r>
-            <a:r>
-              <a:rPr lang="FR-FR" b="1" dirty="0"/>
-              <a:t>su</a:t>
-            </a:r>
-            <a:r>
-              <a:rPr lang="FR-FR" dirty="0"/>
-              <a:t>rvenir lors de la transmission d’un message</a:t>
+              <a:rPr lang="fr-FR" dirty="0"/>
+              <a:t>Des erreurs peuvent survenir lors de la transmission d’un message</a:t>
             </a:r>
           </a:p>
           <a:p>
@@ -40422,7 +40908,7 @@
               <a:buNone/>
             </a:pPr>
             <a:r>
-              <a:rPr lang="FR-FR" dirty="0"/>
+              <a:rPr lang="fr-FR" dirty="0"/>
               <a:t>Ex : Bruit de fond au téléphone, rayures sur un disque…</a:t>
             </a:r>
           </a:p>
@@ -40434,7 +40920,7 @@
           </a:p>
           <a:p>
             <a:r>
-              <a:rPr lang="FR-FR" dirty="0"/>
+              <a:rPr lang="fr-FR" dirty="0"/>
               <a:t>En informatique : inversion du signe d’un bit</a:t>
             </a:r>
           </a:p>
@@ -40461,12 +40947,71 @@
               <a:t>2</a:t>
             </a:fld>
             <a:r>
-              <a:rPr lang="en-US" dirty="0"/>
-              <a:t>/12</a:t>
+              <a:rPr lang="en-US" dirty="0" smtClean="0"/>
+              <a:t>/13</a:t>
             </a:r>
+            <a:endParaRPr lang="en-US" dirty="0"/>
           </a:p>
         </p:txBody>
       </p:sp>
+      <p:sp>
+        <p:nvSpPr>
+          <p:cNvPr id="5" name="Titre 1"/>
+          <p:cNvSpPr>
+            <a:spLocks noGrp="1"/>
+          </p:cNvSpPr>
+          <p:nvPr>
+            <p:ph type="title"/>
+          </p:nvPr>
+        </p:nvSpPr>
+        <p:spPr>
+          <a:xfrm>
+            <a:off x="1484311" y="685800"/>
+            <a:ext cx="10018713" cy="1752599"/>
+          </a:xfrm>
+        </p:spPr>
+        <p:txBody>
+          <a:bodyPr/>
+          <a:lstStyle/>
+          <a:p>
+            <a:r>
+              <a:rPr lang="fr-FR" dirty="0" smtClean="0"/>
+              <a:t>Contextualisation</a:t>
+            </a:r>
+            <a:endParaRPr lang="fr-FR" dirty="0"/>
+          </a:p>
+        </p:txBody>
+      </p:sp>
+      <p:pic>
+        <p:nvPicPr>
+          <p:cNvPr id="6" name="Image 5"/>
+          <p:cNvPicPr>
+            <a:picLocks noChangeAspect="1"/>
+          </p:cNvPicPr>
+          <p:nvPr/>
+        </p:nvPicPr>
+        <p:blipFill>
+          <a:blip r:embed="rId2">
+            <a:extLst>
+              <a:ext uri="{28A0092B-C50C-407E-A947-70E740481C1C}">
+                <a14:useLocalDpi xmlns:a14="http://schemas.microsoft.com/office/drawing/2010/main" val="0"/>
+              </a:ext>
+            </a:extLst>
+          </a:blip>
+          <a:stretch>
+            <a:fillRect/>
+          </a:stretch>
+        </p:blipFill>
+        <p:spPr>
+          <a:xfrm>
+            <a:off x="8669777" y="3616990"/>
+            <a:ext cx="2282079" cy="2250141"/>
+          </a:xfrm>
+          <a:prstGeom prst="rect">
+            <a:avLst/>
+          </a:prstGeom>
+        </p:spPr>
+      </p:pic>
     </p:spTree>
     <p:extLst>
       <p:ext uri="{BB962C8B-B14F-4D97-AF65-F5344CB8AC3E}">
@@ -40477,6 +41022,13 @@
   <p:clrMapOvr>
     <a:masterClrMapping/>
   </p:clrMapOvr>
+  <p:timing>
+    <p:tnLst>
+      <p:par>
+        <p:cTn id="1" dur="indefinite" restart="never" nodeType="tmRoot"/>
+      </p:par>
+    </p:tnLst>
+  </p:timing>
 </p:sld>
 </file>
 
@@ -40513,7 +41065,7 @@
           <a:lstStyle/>
           <a:p>
             <a:r>
-              <a:rPr lang="FR-FR" dirty="0"/>
+              <a:rPr lang="fr-FR" dirty="0"/>
               <a:t>Introduction</a:t>
             </a:r>
           </a:p>
@@ -40537,7 +41089,7 @@
           <a:lstStyle/>
           <a:p>
             <a:r>
-              <a:rPr lang="FR-FR" sz="2800" dirty="0"/>
+              <a:rPr lang="fr-FR" sz="2800" dirty="0"/>
               <a:t>Qu’est-ce qu’un code correcteur et en quoi cela consiste-t-il ?</a:t>
             </a:r>
           </a:p>
@@ -40545,28 +41097,37 @@
             <a:pPr marL="0" indent="0">
               <a:buNone/>
             </a:pPr>
-            <a:endParaRPr lang="FR-FR" sz="2800" dirty="0"/>
+            <a:endParaRPr lang="fr-FR" sz="2800" dirty="0"/>
           </a:p>
           <a:p>
             <a:pPr marL="0" indent="0">
               <a:buNone/>
             </a:pPr>
             <a:r>
-              <a:rPr lang="FR-FR" dirty="0"/>
-              <a:t>                - Code informatique/</a:t>
+              <a:rPr lang="fr-FR" dirty="0"/>
+              <a:t>                - Code </a:t>
             </a:r>
             <a:r>
-              <a:rPr lang="FR-FR" dirty="0" err="1"/>
-              <a:t>mathétique</a:t>
+              <a:rPr lang="fr-FR" dirty="0" smtClean="0"/>
+              <a:t>informatique/mathématique</a:t>
             </a:r>
+            <a:endParaRPr lang="fr-FR" dirty="0"/>
           </a:p>
           <a:p>
             <a:pPr marL="457200" lvl="1" indent="0" algn="just">
               <a:buNone/>
             </a:pPr>
             <a:r>
-              <a:rPr lang="FR-FR" sz="2400" dirty="0"/>
-              <a:t>        - Détection et/ou Correction des erreurs</a:t>
+              <a:rPr lang="fr-FR" sz="2400" dirty="0"/>
+              <a:t>        - Détection et/ou </a:t>
+            </a:r>
+            <a:r>
+              <a:rPr lang="fr-FR" sz="2400" dirty="0" smtClean="0"/>
+              <a:t>correction </a:t>
+            </a:r>
+            <a:r>
+              <a:rPr lang="fr-FR" sz="2400" dirty="0"/>
+              <a:t>des erreurs</a:t>
             </a:r>
           </a:p>
           <a:p>
@@ -40574,7 +41135,7 @@
               <a:buNone/>
             </a:pPr>
             <a:r>
-              <a:rPr lang="FR-FR" dirty="0"/>
+              <a:rPr lang="fr-FR" dirty="0"/>
               <a:t>                - Erreurs lors de la transmission d’un message</a:t>
             </a:r>
           </a:p>
@@ -40583,7 +41144,7 @@
               <a:buNone/>
             </a:pPr>
             <a:r>
-              <a:rPr lang="FR-FR" dirty="0"/>
+              <a:rPr lang="fr-FR" dirty="0"/>
               <a:t>                - Assurer une transmission fiable </a:t>
             </a:r>
           </a:p>
@@ -40592,10 +41153,10 @@
               <a:buNone/>
             </a:pPr>
             <a:r>
-              <a:rPr lang="FR-FR" sz="1800" dirty="0"/>
+              <a:rPr lang="fr-FR" sz="1800" dirty="0"/>
               <a:t>	</a:t>
             </a:r>
-            <a:endParaRPr lang="FR-FR" dirty="0"/>
+            <a:endParaRPr lang="fr-FR" dirty="0"/>
           </a:p>
           <a:p>
             <a:pPr marL="0" indent="0" algn="just">
@@ -40626,9 +41187,10 @@
               <a:t>3</a:t>
             </a:fld>
             <a:r>
-              <a:rPr lang="en-US" dirty="0"/>
-              <a:t>/12</a:t>
+              <a:rPr lang="en-US" dirty="0" smtClean="0"/>
+              <a:t>/13</a:t>
             </a:r>
+            <a:endParaRPr lang="en-US" dirty="0"/>
           </a:p>
         </p:txBody>
       </p:sp>
@@ -40664,6 +41226,13 @@
   <p:clrMapOvr>
     <a:masterClrMapping/>
   </p:clrMapOvr>
+  <p:timing>
+    <p:tnLst>
+      <p:par>
+        <p:cTn id="1" dur="indefinite" restart="never" nodeType="tmRoot"/>
+      </p:par>
+    </p:tnLst>
+  </p:timing>
 </p:sld>
 </file>
 
@@ -40700,7 +41269,7 @@
           <a:lstStyle/>
           <a:p>
             <a:r>
-              <a:rPr lang="FR-FR" dirty="0"/>
+              <a:rPr lang="fr-FR" dirty="0"/>
               <a:t>Introduction</a:t>
             </a:r>
           </a:p>
@@ -40725,7 +41294,7 @@
           <a:p>
             <a:pPr algn="just"/>
             <a:r>
-              <a:rPr lang="FR-FR" sz="2800" dirty="0"/>
+              <a:rPr lang="fr-FR" sz="2800" dirty="0"/>
               <a:t>Un peu d'histoire :</a:t>
             </a:r>
           </a:p>
@@ -40739,7 +41308,7 @@
               <a:buAutoNum type="arabicPeriod"/>
             </a:pPr>
             <a:r>
-              <a:rPr lang="FR-FR" sz="2400" dirty="0"/>
+              <a:rPr lang="fr-FR" sz="2400" dirty="0"/>
               <a:t>Depuis les années 40</a:t>
             </a:r>
           </a:p>
@@ -40749,15 +41318,15 @@
               <a:buAutoNum type="arabicPeriod"/>
             </a:pPr>
             <a:r>
-              <a:rPr lang="FR-FR" sz="2400" dirty="0" err="1"/>
+              <a:rPr lang="fr-FR" sz="2400" dirty="0" err="1"/>
               <a:t>Golay</a:t>
             </a:r>
             <a:r>
-              <a:rPr lang="FR-FR" sz="2400" dirty="0"/>
+              <a:rPr lang="fr-FR" sz="2400" dirty="0"/>
               <a:t> et </a:t>
             </a:r>
             <a:r>
-              <a:rPr lang="FR-FR" sz="2400" dirty="0" err="1"/>
+              <a:rPr lang="fr-FR" sz="2400" dirty="0" err="1"/>
               <a:t>Hamming</a:t>
             </a:r>
           </a:p>
@@ -40767,20 +41336,20 @@
               <a:buAutoNum type="arabicPeriod"/>
             </a:pPr>
             <a:r>
-              <a:rPr lang="FR-FR" sz="2400" dirty="0"/>
+              <a:rPr lang="fr-FR" sz="2400" dirty="0"/>
               <a:t>Fiabilités et complexités variées</a:t>
             </a:r>
-            <a:endParaRPr lang="FR-FR" sz="2800" dirty="0"/>
+            <a:endParaRPr lang="fr-FR" sz="2800" dirty="0"/>
           </a:p>
           <a:p>
             <a:pPr marL="0" indent="0" algn="just">
               <a:buNone/>
             </a:pPr>
             <a:r>
-              <a:rPr lang="FR-FR" sz="1800" dirty="0"/>
+              <a:rPr lang="fr-FR" sz="1800" dirty="0"/>
               <a:t>	</a:t>
             </a:r>
-            <a:endParaRPr lang="FR-FR" dirty="0"/>
+            <a:endParaRPr lang="fr-FR" dirty="0"/>
           </a:p>
           <a:p>
             <a:pPr marL="0" indent="0" algn="just">
@@ -40811,9 +41380,10 @@
               <a:t>4</a:t>
             </a:fld>
             <a:r>
-              <a:rPr lang="en-US" dirty="0"/>
-              <a:t>/12</a:t>
+              <a:rPr lang="en-US" dirty="0" smtClean="0"/>
+              <a:t>/13</a:t>
             </a:r>
+            <a:endParaRPr lang="en-US" dirty="0"/>
           </a:p>
         </p:txBody>
       </p:sp>
@@ -40845,6 +41415,13 @@
   <p:clrMapOvr>
     <a:masterClrMapping/>
   </p:clrMapOvr>
+  <p:timing>
+    <p:tnLst>
+      <p:par>
+        <p:cTn id="1" dur="indefinite" restart="never" nodeType="tmRoot"/>
+      </p:par>
+    </p:tnLst>
+  </p:timing>
 </p:sld>
 </file>
 
@@ -41052,9 +41629,10 @@
               <a:t>5</a:t>
             </a:fld>
             <a:r>
-              <a:rPr lang="en-US" dirty="0"/>
-              <a:t>/12</a:t>
+              <a:rPr lang="en-US" dirty="0" smtClean="0"/>
+              <a:t>/13</a:t>
             </a:r>
+            <a:endParaRPr lang="en-US" dirty="0"/>
           </a:p>
         </p:txBody>
       </p:sp>
@@ -41090,6 +41668,13 @@
   <p:clrMapOvr>
     <a:masterClrMapping/>
   </p:clrMapOvr>
+  <p:timing>
+    <p:tnLst>
+      <p:par>
+        <p:cTn id="1" dur="indefinite" restart="never" nodeType="tmRoot"/>
+      </p:par>
+    </p:tnLst>
+  </p:timing>
 </p:sld>
 </file>
 
@@ -41147,28 +41732,40 @@
           <a:bodyPr/>
           <a:lstStyle/>
           <a:p>
-            <a:pPr algn="just"/>
+            <a:pPr marL="0" indent="0" algn="just">
+              <a:buNone/>
+            </a:pPr>
             <a:r>
               <a:rPr lang="fr-FR" dirty="0"/>
               <a:t>I.   La probabilité des erreurs</a:t>
             </a:r>
           </a:p>
           <a:p>
-            <a:pPr algn="just"/>
+            <a:pPr marL="0" indent="0" algn="just">
+              <a:buNone/>
+            </a:pPr>
+            <a:r>
+              <a:rPr lang="fr-FR" dirty="0" smtClean="0"/>
+              <a:t>II</a:t>
+            </a:r>
             <a:r>
               <a:rPr lang="fr-FR" dirty="0"/>
-              <a:t>II.  Le code de parité</a:t>
+              <a:t>.  Le code de parité</a:t>
             </a:r>
           </a:p>
           <a:p>
-            <a:pPr algn="just"/>
+            <a:pPr marL="0" indent="0" algn="just">
+              <a:buNone/>
+            </a:pPr>
             <a:r>
               <a:rPr lang="fr-FR" dirty="0"/>
               <a:t>III. Le code de répétition</a:t>
             </a:r>
           </a:p>
           <a:p>
-            <a:pPr algn="just"/>
+            <a:pPr marL="0" indent="0" algn="just">
+              <a:buNone/>
+            </a:pPr>
             <a:r>
               <a:rPr lang="fr-FR" dirty="0"/>
               <a:t>IV. Le CRC (</a:t>
@@ -41191,7 +41788,9 @@
             </a:r>
           </a:p>
           <a:p>
-            <a:pPr algn="just"/>
+            <a:pPr marL="0" indent="0" algn="just">
+              <a:buNone/>
+            </a:pPr>
             <a:r>
               <a:rPr lang="fr-FR" dirty="0"/>
               <a:t>V.  Principe de </a:t>
@@ -41225,9 +41824,10 @@
               <a:t>6</a:t>
             </a:fld>
             <a:r>
-              <a:rPr lang="en-US" dirty="0"/>
-              <a:t>/12</a:t>
+              <a:rPr lang="en-US" dirty="0" smtClean="0"/>
+              <a:t>/13</a:t>
             </a:r>
+            <a:endParaRPr lang="en-US" dirty="0"/>
           </a:p>
         </p:txBody>
       </p:sp>
@@ -41241,6 +41841,13 @@
   <p:clrMapOvr>
     <a:masterClrMapping/>
   </p:clrMapOvr>
+  <p:timing>
+    <p:tnLst>
+      <p:par>
+        <p:cTn id="1" dur="indefinite" restart="never" nodeType="tmRoot"/>
+      </p:par>
+    </p:tnLst>
+  </p:timing>
 </p:sld>
 </file>
 
@@ -41354,9 +41961,10 @@
               <a:t>7</a:t>
             </a:fld>
             <a:r>
-              <a:rPr lang="en-US" dirty="0"/>
-              <a:t>/12</a:t>
+              <a:rPr lang="en-US" dirty="0" smtClean="0"/>
+              <a:t>/13</a:t>
             </a:r>
+            <a:endParaRPr lang="en-US" dirty="0"/>
           </a:p>
         </p:txBody>
       </p:sp>
@@ -41392,6 +42000,13 @@
   <p:clrMapOvr>
     <a:masterClrMapping/>
   </p:clrMapOvr>
+  <p:timing>
+    <p:tnLst>
+      <p:par>
+        <p:cTn id="1" dur="indefinite" restart="never" nodeType="tmRoot"/>
+      </p:par>
+    </p:tnLst>
+  </p:timing>
 </p:sld>
 </file>
 
@@ -41482,8 +42097,12 @@
           </a:p>
           <a:p>
             <a:r>
+              <a:rPr lang="fr-FR" i="1" dirty="0"/>
+              <a:t>P est donc la probabilité d’avoir des erreurs</a:t>
+            </a:r>
+            <a:r>
               <a:rPr lang="fr-FR" dirty="0"/>
-              <a:t>P est donc la probabilité d’avoir des erreurs	</a:t>
+              <a:t>	</a:t>
             </a:r>
             <a:endParaRPr lang="fr-FR" dirty="0">
               <a:sym typeface="Wingdings" panose="05000000000000000000" pitchFamily="2" charset="2"/>
@@ -41512,9 +42131,10 @@
               <a:t>8</a:t>
             </a:fld>
             <a:r>
-              <a:rPr lang="en-US" dirty="0"/>
-              <a:t>/12</a:t>
+              <a:rPr lang="en-US" dirty="0" smtClean="0"/>
+              <a:t>/13</a:t>
             </a:r>
+            <a:endParaRPr lang="en-US" dirty="0"/>
           </a:p>
         </p:txBody>
       </p:sp>
@@ -41573,6 +42193,13 @@
   <p:clrMapOvr>
     <a:masterClrMapping/>
   </p:clrMapOvr>
+  <p:timing>
+    <p:tnLst>
+      <p:par>
+        <p:cTn id="1" dur="indefinite" restart="never" nodeType="tmRoot"/>
+      </p:par>
+    </p:tnLst>
+  </p:timing>
 </p:sld>
 </file>
 
@@ -41621,6 +42248,10 @@
               <a:rPr lang="fr-FR" sz="4400" dirty="0"/>
               <a:t>Le code de parité : </a:t>
             </a:r>
+            <a:r>
+              <a:rPr lang="fr-FR" dirty="0"/>
+              <a:t/>
+            </a:r>
             <a:br>
               <a:rPr lang="fr-FR" dirty="0"/>
             </a:br>
@@ -41649,7 +42280,7 @@
               <a:buNone/>
             </a:pPr>
             <a:r>
-              <a:rPr lang="FR-FR" dirty="0"/>
+              <a:rPr lang="fr-FR" dirty="0"/>
               <a:t>	Rajout d’un bit de parité à la fin d’un mot.</a:t>
             </a:r>
           </a:p>
@@ -41658,7 +42289,7 @@
               <a:buNone/>
             </a:pPr>
             <a:r>
-              <a:rPr lang="FR-FR" dirty="0"/>
+              <a:rPr lang="fr-FR" dirty="0"/>
               <a:t>	Somme des autres bits du mot.</a:t>
             </a:r>
           </a:p>
@@ -41673,11 +42304,11 @@
               <a:buNone/>
             </a:pPr>
             <a:r>
-              <a:rPr lang="FR-FR" dirty="0"/>
+              <a:rPr lang="fr-FR" dirty="0"/>
               <a:t>Ex : 	 Données: 1 0 0 0 1 1  </a:t>
             </a:r>
             <a:r>
-              <a:rPr lang="FR-FR" dirty="0">
+              <a:rPr lang="fr-FR" dirty="0">
                 <a:solidFill>
                   <a:schemeClr val="accent4"/>
                 </a:solidFill>
@@ -41685,7 +42316,7 @@
               <a:t>1</a:t>
             </a:r>
             <a:r>
-              <a:rPr lang="FR-FR" dirty="0">
+              <a:rPr lang="fr-FR" dirty="0">
                 <a:solidFill>
                   <a:srgbClr val="000000"/>
                 </a:solidFill>
@@ -41693,7 +42324,7 @@
               <a:t>     </a:t>
             </a:r>
             <a:r>
-              <a:rPr lang="FR-FR" dirty="0"/>
+              <a:rPr lang="fr-FR" dirty="0"/>
               <a:t>→    3 (2) = 1 (2)</a:t>
             </a:r>
           </a:p>
@@ -41702,11 +42333,11 @@
               <a:buNone/>
             </a:pPr>
             <a:r>
-              <a:rPr lang="FR-FR" dirty="0"/>
+              <a:rPr lang="fr-FR" dirty="0"/>
               <a:t>		 Données: 1 0 0 1 1 1 0 1 1 </a:t>
             </a:r>
             <a:r>
-              <a:rPr lang="FR-FR" dirty="0">
+              <a:rPr lang="fr-FR" dirty="0">
                 <a:solidFill>
                   <a:schemeClr val="accent4"/>
                 </a:solidFill>
@@ -41714,7 +42345,7 @@
               <a:t>0    </a:t>
             </a:r>
             <a:r>
-              <a:rPr lang="FR-FR" dirty="0"/>
+              <a:rPr lang="fr-FR" dirty="0"/>
               <a:t>→    (2) = 0(2)		</a:t>
             </a:r>
           </a:p>
@@ -41741,9 +42372,10 @@
               <a:t>9</a:t>
             </a:fld>
             <a:r>
-              <a:rPr lang="en-US" dirty="0"/>
-              <a:t>/12</a:t>
+              <a:rPr lang="en-US" dirty="0" smtClean="0"/>
+              <a:t>/13</a:t>
             </a:r>
+            <a:endParaRPr lang="en-US" dirty="0"/>
           </a:p>
         </p:txBody>
       </p:sp>
@@ -41779,6 +42411,13 @@
   <p:clrMapOvr>
     <a:masterClrMapping/>
   </p:clrMapOvr>
+  <p:timing>
+    <p:tnLst>
+      <p:par>
+        <p:cTn id="1" dur="indefinite" restart="never" nodeType="tmRoot"/>
+      </p:par>
+    </p:tnLst>
+  </p:timing>
 </p:sld>
 </file>
 
